--- a/1-CodeQuality/quality-slides.pptx
+++ b/1-CodeQuality/quality-slides.pptx
@@ -5,7 +5,7 @@
     <p:sldMasterId id="2147483780" r:id="rId1"/>
   </p:sldMasterIdLst>
   <p:notesMasterIdLst>
-    <p:notesMasterId r:id="rId36"/>
+    <p:notesMasterId r:id="rId45"/>
   </p:notesMasterIdLst>
   <p:sldIdLst>
     <p:sldId id="368" r:id="rId2"/>
@@ -15,33 +15,42 @@
     <p:sldId id="370" r:id="rId6"/>
     <p:sldId id="361" r:id="rId7"/>
     <p:sldId id="363" r:id="rId8"/>
-    <p:sldId id="362" r:id="rId9"/>
-    <p:sldId id="371" r:id="rId10"/>
-    <p:sldId id="373" r:id="rId11"/>
-    <p:sldId id="374" r:id="rId12"/>
-    <p:sldId id="392" r:id="rId13"/>
-    <p:sldId id="307" r:id="rId14"/>
-    <p:sldId id="394" r:id="rId15"/>
-    <p:sldId id="300" r:id="rId16"/>
-    <p:sldId id="338" r:id="rId17"/>
-    <p:sldId id="375" r:id="rId18"/>
-    <p:sldId id="308" r:id="rId19"/>
-    <p:sldId id="304" r:id="rId20"/>
-    <p:sldId id="309" r:id="rId21"/>
-    <p:sldId id="395" r:id="rId22"/>
-    <p:sldId id="376" r:id="rId23"/>
-    <p:sldId id="378" r:id="rId24"/>
-    <p:sldId id="379" r:id="rId25"/>
-    <p:sldId id="380" r:id="rId26"/>
-    <p:sldId id="384" r:id="rId27"/>
-    <p:sldId id="383" r:id="rId28"/>
-    <p:sldId id="386" r:id="rId29"/>
-    <p:sldId id="388" r:id="rId30"/>
-    <p:sldId id="387" r:id="rId31"/>
-    <p:sldId id="393" r:id="rId32"/>
-    <p:sldId id="389" r:id="rId33"/>
-    <p:sldId id="390" r:id="rId34"/>
-    <p:sldId id="391" r:id="rId35"/>
+    <p:sldId id="396" r:id="rId9"/>
+    <p:sldId id="397" r:id="rId10"/>
+    <p:sldId id="398" r:id="rId11"/>
+    <p:sldId id="399" r:id="rId12"/>
+    <p:sldId id="400" r:id="rId13"/>
+    <p:sldId id="401" r:id="rId14"/>
+    <p:sldId id="407" r:id="rId15"/>
+    <p:sldId id="403" r:id="rId16"/>
+    <p:sldId id="406" r:id="rId17"/>
+    <p:sldId id="362" r:id="rId18"/>
+    <p:sldId id="371" r:id="rId19"/>
+    <p:sldId id="373" r:id="rId20"/>
+    <p:sldId id="374" r:id="rId21"/>
+    <p:sldId id="392" r:id="rId22"/>
+    <p:sldId id="307" r:id="rId23"/>
+    <p:sldId id="394" r:id="rId24"/>
+    <p:sldId id="300" r:id="rId25"/>
+    <p:sldId id="338" r:id="rId26"/>
+    <p:sldId id="375" r:id="rId27"/>
+    <p:sldId id="308" r:id="rId28"/>
+    <p:sldId id="304" r:id="rId29"/>
+    <p:sldId id="309" r:id="rId30"/>
+    <p:sldId id="395" r:id="rId31"/>
+    <p:sldId id="376" r:id="rId32"/>
+    <p:sldId id="378" r:id="rId33"/>
+    <p:sldId id="379" r:id="rId34"/>
+    <p:sldId id="380" r:id="rId35"/>
+    <p:sldId id="384" r:id="rId36"/>
+    <p:sldId id="383" r:id="rId37"/>
+    <p:sldId id="386" r:id="rId38"/>
+    <p:sldId id="388" r:id="rId39"/>
+    <p:sldId id="387" r:id="rId40"/>
+    <p:sldId id="393" r:id="rId41"/>
+    <p:sldId id="389" r:id="rId42"/>
+    <p:sldId id="390" r:id="rId43"/>
+    <p:sldId id="391" r:id="rId44"/>
   </p:sldIdLst>
   <p:sldSz cx="9144000" cy="6858000" type="screen4x3"/>
   <p:notesSz cx="6858000" cy="9144000"/>
@@ -255,7 +264,7 @@
           <a:p>
             <a:fld id="{16E5F246-0B7D-44DF-8C1B-EDFCA5DA626A}" type="datetimeFigureOut">
               <a:rPr lang="ru-RU" smtClean="0"/>
-              <a:t>21.10.2015</a:t>
+              <a:t>22.10.2015</a:t>
             </a:fld>
             <a:endParaRPr lang="ru-RU"/>
           </a:p>
@@ -670,7 +679,7 @@
           <a:bodyPr/>
           <a:lstStyle/>
           <a:p>
-            <a:fld id="{3BAECB10-9972-4830-A584-02C41DAFD45B}" type="slidenum">
+            <a:fld id="{414C0F9C-8EEB-4FCC-AFE2-CBC89CE9F378}" type="slidenum">
               <a:rPr lang="ru-RU" smtClean="0"/>
               <a:t>10</a:t>
             </a:fld>
@@ -681,7 +690,7 @@
     </p:spTree>
     <p:extLst>
       <p:ext uri="{BB962C8B-B14F-4D97-AF65-F5344CB8AC3E}">
-        <p14:creationId xmlns:p14="http://schemas.microsoft.com/office/powerpoint/2010/main" val="2848099390"/>
+        <p14:creationId xmlns:p14="http://schemas.microsoft.com/office/powerpoint/2010/main" val="2612604686"/>
       </p:ext>
     </p:extLst>
   </p:cSld>
@@ -735,26 +744,6 @@
           <a:bodyPr/>
           <a:lstStyle/>
           <a:p>
-            <a:r>
-              <a:rPr lang="ru-RU" dirty="0" smtClean="0"/>
-              <a:t>Много</a:t>
-            </a:r>
-            <a:r>
-              <a:rPr lang="ru-RU" baseline="0" dirty="0" smtClean="0"/>
-              <a:t> </a:t>
-            </a:r>
-            <a:r>
-              <a:rPr lang="en-US" baseline="0" dirty="0" smtClean="0"/>
-              <a:t>Assert-</a:t>
-            </a:r>
-            <a:r>
-              <a:rPr lang="ru-RU" baseline="0" dirty="0" err="1" smtClean="0"/>
-              <a:t>ов</a:t>
-            </a:r>
-            <a:r>
-              <a:rPr lang="ru-RU" baseline="0" dirty="0" smtClean="0"/>
-              <a:t> — плохо. Непонятно, что проверяет тест.</a:t>
-            </a:r>
             <a:endParaRPr lang="ru-RU" dirty="0"/>
           </a:p>
         </p:txBody>
@@ -774,9 +763,9 @@
           <a:bodyPr/>
           <a:lstStyle/>
           <a:p>
-            <a:fld id="{3BAECB10-9972-4830-A584-02C41DAFD45B}" type="slidenum">
+            <a:fld id="{414C0F9C-8EEB-4FCC-AFE2-CBC89CE9F378}" type="slidenum">
               <a:rPr lang="ru-RU" smtClean="0"/>
-              <a:t>15</a:t>
+              <a:t>12</a:t>
             </a:fld>
             <a:endParaRPr lang="ru-RU"/>
           </a:p>
@@ -785,7 +774,7 @@
     </p:spTree>
     <p:extLst>
       <p:ext uri="{BB962C8B-B14F-4D97-AF65-F5344CB8AC3E}">
-        <p14:creationId xmlns:p14="http://schemas.microsoft.com/office/powerpoint/2010/main" val="3217478201"/>
+        <p14:creationId xmlns:p14="http://schemas.microsoft.com/office/powerpoint/2010/main" val="909185493"/>
       </p:ext>
     </p:extLst>
   </p:cSld>
@@ -814,174 +803,62 @@
       </p:grpSpPr>
       <p:sp>
         <p:nvSpPr>
-          <p:cNvPr id="58370" name="Rectangle 7"/>
-          <p:cNvSpPr>
-            <a:spLocks noGrp="1" noChangeArrowheads="1"/>
-          </p:cNvSpPr>
-          <p:nvPr>
-            <p:ph type="sldNum" sz="quarter" idx="5"/>
-          </p:nvPr>
-        </p:nvSpPr>
-        <p:spPr>
-          <a:noFill/>
-        </p:spPr>
-        <p:txBody>
-          <a:bodyPr/>
-          <a:lstStyle>
-            <a:lvl1pPr eaLnBrk="0" hangingPunct="0">
-              <a:defRPr>
-                <a:solidFill>
-                  <a:schemeClr val="tx1"/>
-                </a:solidFill>
-                <a:latin typeface="Courier New" panose="02070309020205020404" pitchFamily="49" charset="0"/>
-              </a:defRPr>
-            </a:lvl1pPr>
-            <a:lvl2pPr marL="742950" indent="-285750" eaLnBrk="0" hangingPunct="0">
-              <a:defRPr>
-                <a:solidFill>
-                  <a:schemeClr val="tx1"/>
-                </a:solidFill>
-                <a:latin typeface="Courier New" panose="02070309020205020404" pitchFamily="49" charset="0"/>
-              </a:defRPr>
-            </a:lvl2pPr>
-            <a:lvl3pPr marL="1143000" indent="-228600" eaLnBrk="0" hangingPunct="0">
-              <a:defRPr>
-                <a:solidFill>
-                  <a:schemeClr val="tx1"/>
-                </a:solidFill>
-                <a:latin typeface="Courier New" panose="02070309020205020404" pitchFamily="49" charset="0"/>
-              </a:defRPr>
-            </a:lvl3pPr>
-            <a:lvl4pPr marL="1600200" indent="-228600" eaLnBrk="0" hangingPunct="0">
-              <a:defRPr>
-                <a:solidFill>
-                  <a:schemeClr val="tx1"/>
-                </a:solidFill>
-                <a:latin typeface="Courier New" panose="02070309020205020404" pitchFamily="49" charset="0"/>
-              </a:defRPr>
-            </a:lvl4pPr>
-            <a:lvl5pPr marL="2057400" indent="-228600" eaLnBrk="0" hangingPunct="0">
-              <a:defRPr>
-                <a:solidFill>
-                  <a:schemeClr val="tx1"/>
-                </a:solidFill>
-                <a:latin typeface="Courier New" panose="02070309020205020404" pitchFamily="49" charset="0"/>
-              </a:defRPr>
-            </a:lvl5pPr>
-            <a:lvl6pPr marL="2514600" indent="-228600" eaLnBrk="0" fontAlgn="base" hangingPunct="0">
-              <a:spcBef>
-                <a:spcPct val="0"/>
-              </a:spcBef>
-              <a:spcAft>
-                <a:spcPct val="0"/>
-              </a:spcAft>
-              <a:defRPr>
-                <a:solidFill>
-                  <a:schemeClr val="tx1"/>
-                </a:solidFill>
-                <a:latin typeface="Courier New" panose="02070309020205020404" pitchFamily="49" charset="0"/>
-              </a:defRPr>
-            </a:lvl6pPr>
-            <a:lvl7pPr marL="2971800" indent="-228600" eaLnBrk="0" fontAlgn="base" hangingPunct="0">
-              <a:spcBef>
-                <a:spcPct val="0"/>
-              </a:spcBef>
-              <a:spcAft>
-                <a:spcPct val="0"/>
-              </a:spcAft>
-              <a:defRPr>
-                <a:solidFill>
-                  <a:schemeClr val="tx1"/>
-                </a:solidFill>
-                <a:latin typeface="Courier New" panose="02070309020205020404" pitchFamily="49" charset="0"/>
-              </a:defRPr>
-            </a:lvl7pPr>
-            <a:lvl8pPr marL="3429000" indent="-228600" eaLnBrk="0" fontAlgn="base" hangingPunct="0">
-              <a:spcBef>
-                <a:spcPct val="0"/>
-              </a:spcBef>
-              <a:spcAft>
-                <a:spcPct val="0"/>
-              </a:spcAft>
-              <a:defRPr>
-                <a:solidFill>
-                  <a:schemeClr val="tx1"/>
-                </a:solidFill>
-                <a:latin typeface="Courier New" panose="02070309020205020404" pitchFamily="49" charset="0"/>
-              </a:defRPr>
-            </a:lvl8pPr>
-            <a:lvl9pPr marL="3886200" indent="-228600" eaLnBrk="0" fontAlgn="base" hangingPunct="0">
-              <a:spcBef>
-                <a:spcPct val="0"/>
-              </a:spcBef>
-              <a:spcAft>
-                <a:spcPct val="0"/>
-              </a:spcAft>
-              <a:defRPr>
-                <a:solidFill>
-                  <a:schemeClr val="tx1"/>
-                </a:solidFill>
-                <a:latin typeface="Courier New" panose="02070309020205020404" pitchFamily="49" charset="0"/>
-              </a:defRPr>
-            </a:lvl9pPr>
-          </a:lstStyle>
-          <a:p>
-            <a:pPr eaLnBrk="1" hangingPunct="1"/>
-            <a:fld id="{4EE84575-FB5A-4E66-BE13-24D1E32BFF31}" type="slidenum">
-              <a:rPr lang="en-US" altLang="ru-RU">
-                <a:latin typeface="Arial" panose="020B0604020202020204" pitchFamily="34" charset="0"/>
-              </a:rPr>
-              <a:pPr eaLnBrk="1" hangingPunct="1"/>
-              <a:t>33</a:t>
-            </a:fld>
-            <a:endParaRPr lang="en-US" altLang="ru-RU">
-              <a:latin typeface="Arial" panose="020B0604020202020204" pitchFamily="34" charset="0"/>
-            </a:endParaRPr>
-          </a:p>
-        </p:txBody>
-      </p:sp>
-      <p:sp>
-        <p:nvSpPr>
-          <p:cNvPr id="58371" name="Rectangle 2"/>
-          <p:cNvSpPr>
-            <a:spLocks noGrp="1" noRot="1" noChangeAspect="1" noChangeArrowheads="1" noTextEdit="1"/>
+          <p:cNvPr id="2" name="Образ слайда 1"/>
+          <p:cNvSpPr>
+            <a:spLocks noGrp="1" noRot="1" noChangeAspect="1"/>
           </p:cNvSpPr>
           <p:nvPr>
             <p:ph type="sldImg"/>
           </p:nvPr>
         </p:nvSpPr>
-        <p:spPr>
-          <a:ln/>
-        </p:spPr>
-      </p:sp>
-      <p:sp>
-        <p:nvSpPr>
-          <p:cNvPr id="58372" name="Rectangle 3"/>
-          <p:cNvSpPr>
-            <a:spLocks noGrp="1" noChangeArrowheads="1"/>
+        <p:spPr/>
+      </p:sp>
+      <p:sp>
+        <p:nvSpPr>
+          <p:cNvPr id="3" name="Заметки 2"/>
+          <p:cNvSpPr>
+            <a:spLocks noGrp="1"/>
           </p:cNvSpPr>
           <p:nvPr>
             <p:ph type="body" idx="1"/>
           </p:nvPr>
         </p:nvSpPr>
-        <p:spPr>
-          <a:noFill/>
-        </p:spPr>
+        <p:spPr/>
         <p:txBody>
           <a:bodyPr/>
           <a:lstStyle/>
           <a:p>
-            <a:pPr eaLnBrk="1" hangingPunct="1"/>
-            <a:endParaRPr lang="ru-RU" altLang="ru-RU" smtClean="0">
-              <a:latin typeface="Arial" panose="020B0604020202020204" pitchFamily="34" charset="0"/>
-            </a:endParaRPr>
+            <a:endParaRPr lang="ru-RU" dirty="0"/>
+          </a:p>
+        </p:txBody>
+      </p:sp>
+      <p:sp>
+        <p:nvSpPr>
+          <p:cNvPr id="4" name="Номер слайда 3"/>
+          <p:cNvSpPr>
+            <a:spLocks noGrp="1"/>
+          </p:cNvSpPr>
+          <p:nvPr>
+            <p:ph type="sldNum" sz="quarter" idx="10"/>
+          </p:nvPr>
+        </p:nvSpPr>
+        <p:spPr/>
+        <p:txBody>
+          <a:bodyPr/>
+          <a:lstStyle/>
+          <a:p>
+            <a:fld id="{3BAECB10-9972-4830-A584-02C41DAFD45B}" type="slidenum">
+              <a:rPr lang="ru-RU" smtClean="0"/>
+              <a:t>19</a:t>
+            </a:fld>
+            <a:endParaRPr lang="ru-RU"/>
           </a:p>
         </p:txBody>
       </p:sp>
     </p:spTree>
     <p:extLst>
       <p:ext uri="{BB962C8B-B14F-4D97-AF65-F5344CB8AC3E}">
-        <p14:creationId xmlns:p14="http://schemas.microsoft.com/office/powerpoint/2010/main" val="3858624713"/>
+        <p14:creationId xmlns:p14="http://schemas.microsoft.com/office/powerpoint/2010/main" val="2848099390"/>
       </p:ext>
     </p:extLst>
   </p:cSld>
@@ -1010,7 +887,111 @@
       </p:grpSpPr>
       <p:sp>
         <p:nvSpPr>
-          <p:cNvPr id="59394" name="Rectangle 7"/>
+          <p:cNvPr id="2" name="Образ слайда 1"/>
+          <p:cNvSpPr>
+            <a:spLocks noGrp="1" noRot="1" noChangeAspect="1"/>
+          </p:cNvSpPr>
+          <p:nvPr>
+            <p:ph type="sldImg"/>
+          </p:nvPr>
+        </p:nvSpPr>
+        <p:spPr/>
+      </p:sp>
+      <p:sp>
+        <p:nvSpPr>
+          <p:cNvPr id="3" name="Заметки 2"/>
+          <p:cNvSpPr>
+            <a:spLocks noGrp="1"/>
+          </p:cNvSpPr>
+          <p:nvPr>
+            <p:ph type="body" idx="1"/>
+          </p:nvPr>
+        </p:nvSpPr>
+        <p:spPr/>
+        <p:txBody>
+          <a:bodyPr/>
+          <a:lstStyle/>
+          <a:p>
+            <a:r>
+              <a:rPr lang="ru-RU" dirty="0" smtClean="0"/>
+              <a:t>Много</a:t>
+            </a:r>
+            <a:r>
+              <a:rPr lang="ru-RU" baseline="0" dirty="0" smtClean="0"/>
+              <a:t> </a:t>
+            </a:r>
+            <a:r>
+              <a:rPr lang="en-US" baseline="0" dirty="0" smtClean="0"/>
+              <a:t>Assert-</a:t>
+            </a:r>
+            <a:r>
+              <a:rPr lang="ru-RU" baseline="0" dirty="0" err="1" smtClean="0"/>
+              <a:t>ов</a:t>
+            </a:r>
+            <a:r>
+              <a:rPr lang="ru-RU" baseline="0" dirty="0" smtClean="0"/>
+              <a:t> — плохо. Непонятно, что проверяет тест.</a:t>
+            </a:r>
+            <a:endParaRPr lang="ru-RU" dirty="0"/>
+          </a:p>
+        </p:txBody>
+      </p:sp>
+      <p:sp>
+        <p:nvSpPr>
+          <p:cNvPr id="4" name="Номер слайда 3"/>
+          <p:cNvSpPr>
+            <a:spLocks noGrp="1"/>
+          </p:cNvSpPr>
+          <p:nvPr>
+            <p:ph type="sldNum" sz="quarter" idx="10"/>
+          </p:nvPr>
+        </p:nvSpPr>
+        <p:spPr/>
+        <p:txBody>
+          <a:bodyPr/>
+          <a:lstStyle/>
+          <a:p>
+            <a:fld id="{3BAECB10-9972-4830-A584-02C41DAFD45B}" type="slidenum">
+              <a:rPr lang="ru-RU" smtClean="0"/>
+              <a:t>24</a:t>
+            </a:fld>
+            <a:endParaRPr lang="ru-RU"/>
+          </a:p>
+        </p:txBody>
+      </p:sp>
+    </p:spTree>
+    <p:extLst>
+      <p:ext uri="{BB962C8B-B14F-4D97-AF65-F5344CB8AC3E}">
+        <p14:creationId xmlns:p14="http://schemas.microsoft.com/office/powerpoint/2010/main" val="3217478201"/>
+      </p:ext>
+    </p:extLst>
+  </p:cSld>
+  <p:clrMapOvr>
+    <a:masterClrMapping/>
+  </p:clrMapOvr>
+</p:notes>
+</file>
+
+<file path=ppt/notesSlides/notesSlide6.xml><?xml version="1.0" encoding="utf-8"?>
+<p:notes xmlns:a="http://schemas.openxmlformats.org/drawingml/2006/main" xmlns:r="http://schemas.openxmlformats.org/officeDocument/2006/relationships" xmlns:p="http://schemas.openxmlformats.org/presentationml/2006/main">
+  <p:cSld>
+    <p:spTree>
+      <p:nvGrpSpPr>
+        <p:cNvPr id="1" name=""/>
+        <p:cNvGrpSpPr/>
+        <p:nvPr/>
+      </p:nvGrpSpPr>
+      <p:grpSpPr>
+        <a:xfrm>
+          <a:off x="0" y="0"/>
+          <a:ext cx="0" cy="0"/>
+          <a:chOff x="0" y="0"/>
+          <a:chExt cx="0" cy="0"/>
+        </a:xfrm>
+      </p:grpSpPr>
+      <p:sp>
+        <p:nvSpPr>
+          <p:cNvPr id="58370" name="Rectangle 7"/>
           <p:cNvSpPr>
             <a:spLocks noGrp="1" noChangeArrowheads="1"/>
           </p:cNvSpPr>
@@ -1123,12 +1104,208 @@
           </a:lstStyle>
           <a:p>
             <a:pPr eaLnBrk="1" hangingPunct="1"/>
+            <a:fld id="{4EE84575-FB5A-4E66-BE13-24D1E32BFF31}" type="slidenum">
+              <a:rPr lang="en-US" altLang="ru-RU">
+                <a:latin typeface="Arial" panose="020B0604020202020204" pitchFamily="34" charset="0"/>
+              </a:rPr>
+              <a:pPr eaLnBrk="1" hangingPunct="1"/>
+              <a:t>42</a:t>
+            </a:fld>
+            <a:endParaRPr lang="en-US" altLang="ru-RU">
+              <a:latin typeface="Arial" panose="020B0604020202020204" pitchFamily="34" charset="0"/>
+            </a:endParaRPr>
+          </a:p>
+        </p:txBody>
+      </p:sp>
+      <p:sp>
+        <p:nvSpPr>
+          <p:cNvPr id="58371" name="Rectangle 2"/>
+          <p:cNvSpPr>
+            <a:spLocks noGrp="1" noRot="1" noChangeAspect="1" noChangeArrowheads="1" noTextEdit="1"/>
+          </p:cNvSpPr>
+          <p:nvPr>
+            <p:ph type="sldImg"/>
+          </p:nvPr>
+        </p:nvSpPr>
+        <p:spPr>
+          <a:ln/>
+        </p:spPr>
+      </p:sp>
+      <p:sp>
+        <p:nvSpPr>
+          <p:cNvPr id="58372" name="Rectangle 3"/>
+          <p:cNvSpPr>
+            <a:spLocks noGrp="1" noChangeArrowheads="1"/>
+          </p:cNvSpPr>
+          <p:nvPr>
+            <p:ph type="body" idx="1"/>
+          </p:nvPr>
+        </p:nvSpPr>
+        <p:spPr>
+          <a:noFill/>
+        </p:spPr>
+        <p:txBody>
+          <a:bodyPr/>
+          <a:lstStyle/>
+          <a:p>
+            <a:pPr eaLnBrk="1" hangingPunct="1"/>
+            <a:endParaRPr lang="ru-RU" altLang="ru-RU" smtClean="0">
+              <a:latin typeface="Arial" panose="020B0604020202020204" pitchFamily="34" charset="0"/>
+            </a:endParaRPr>
+          </a:p>
+        </p:txBody>
+      </p:sp>
+    </p:spTree>
+    <p:extLst>
+      <p:ext uri="{BB962C8B-B14F-4D97-AF65-F5344CB8AC3E}">
+        <p14:creationId xmlns:p14="http://schemas.microsoft.com/office/powerpoint/2010/main" val="3858624713"/>
+      </p:ext>
+    </p:extLst>
+  </p:cSld>
+  <p:clrMapOvr>
+    <a:masterClrMapping/>
+  </p:clrMapOvr>
+</p:notes>
+</file>
+
+<file path=ppt/notesSlides/notesSlide7.xml><?xml version="1.0" encoding="utf-8"?>
+<p:notes xmlns:a="http://schemas.openxmlformats.org/drawingml/2006/main" xmlns:r="http://schemas.openxmlformats.org/officeDocument/2006/relationships" xmlns:p="http://schemas.openxmlformats.org/presentationml/2006/main">
+  <p:cSld>
+    <p:spTree>
+      <p:nvGrpSpPr>
+        <p:cNvPr id="1" name=""/>
+        <p:cNvGrpSpPr/>
+        <p:nvPr/>
+      </p:nvGrpSpPr>
+      <p:grpSpPr>
+        <a:xfrm>
+          <a:off x="0" y="0"/>
+          <a:ext cx="0" cy="0"/>
+          <a:chOff x="0" y="0"/>
+          <a:chExt cx="0" cy="0"/>
+        </a:xfrm>
+      </p:grpSpPr>
+      <p:sp>
+        <p:nvSpPr>
+          <p:cNvPr id="59394" name="Rectangle 7"/>
+          <p:cNvSpPr>
+            <a:spLocks noGrp="1" noChangeArrowheads="1"/>
+          </p:cNvSpPr>
+          <p:nvPr>
+            <p:ph type="sldNum" sz="quarter" idx="5"/>
+          </p:nvPr>
+        </p:nvSpPr>
+        <p:spPr>
+          <a:noFill/>
+        </p:spPr>
+        <p:txBody>
+          <a:bodyPr/>
+          <a:lstStyle>
+            <a:lvl1pPr eaLnBrk="0" hangingPunct="0">
+              <a:defRPr>
+                <a:solidFill>
+                  <a:schemeClr val="tx1"/>
+                </a:solidFill>
+                <a:latin typeface="Courier New" panose="02070309020205020404" pitchFamily="49" charset="0"/>
+              </a:defRPr>
+            </a:lvl1pPr>
+            <a:lvl2pPr marL="742950" indent="-285750" eaLnBrk="0" hangingPunct="0">
+              <a:defRPr>
+                <a:solidFill>
+                  <a:schemeClr val="tx1"/>
+                </a:solidFill>
+                <a:latin typeface="Courier New" panose="02070309020205020404" pitchFamily="49" charset="0"/>
+              </a:defRPr>
+            </a:lvl2pPr>
+            <a:lvl3pPr marL="1143000" indent="-228600" eaLnBrk="0" hangingPunct="0">
+              <a:defRPr>
+                <a:solidFill>
+                  <a:schemeClr val="tx1"/>
+                </a:solidFill>
+                <a:latin typeface="Courier New" panose="02070309020205020404" pitchFamily="49" charset="0"/>
+              </a:defRPr>
+            </a:lvl3pPr>
+            <a:lvl4pPr marL="1600200" indent="-228600" eaLnBrk="0" hangingPunct="0">
+              <a:defRPr>
+                <a:solidFill>
+                  <a:schemeClr val="tx1"/>
+                </a:solidFill>
+                <a:latin typeface="Courier New" panose="02070309020205020404" pitchFamily="49" charset="0"/>
+              </a:defRPr>
+            </a:lvl4pPr>
+            <a:lvl5pPr marL="2057400" indent="-228600" eaLnBrk="0" hangingPunct="0">
+              <a:defRPr>
+                <a:solidFill>
+                  <a:schemeClr val="tx1"/>
+                </a:solidFill>
+                <a:latin typeface="Courier New" panose="02070309020205020404" pitchFamily="49" charset="0"/>
+              </a:defRPr>
+            </a:lvl5pPr>
+            <a:lvl6pPr marL="2514600" indent="-228600" eaLnBrk="0" fontAlgn="base" hangingPunct="0">
+              <a:spcBef>
+                <a:spcPct val="0"/>
+              </a:spcBef>
+              <a:spcAft>
+                <a:spcPct val="0"/>
+              </a:spcAft>
+              <a:defRPr>
+                <a:solidFill>
+                  <a:schemeClr val="tx1"/>
+                </a:solidFill>
+                <a:latin typeface="Courier New" panose="02070309020205020404" pitchFamily="49" charset="0"/>
+              </a:defRPr>
+            </a:lvl6pPr>
+            <a:lvl7pPr marL="2971800" indent="-228600" eaLnBrk="0" fontAlgn="base" hangingPunct="0">
+              <a:spcBef>
+                <a:spcPct val="0"/>
+              </a:spcBef>
+              <a:spcAft>
+                <a:spcPct val="0"/>
+              </a:spcAft>
+              <a:defRPr>
+                <a:solidFill>
+                  <a:schemeClr val="tx1"/>
+                </a:solidFill>
+                <a:latin typeface="Courier New" panose="02070309020205020404" pitchFamily="49" charset="0"/>
+              </a:defRPr>
+            </a:lvl7pPr>
+            <a:lvl8pPr marL="3429000" indent="-228600" eaLnBrk="0" fontAlgn="base" hangingPunct="0">
+              <a:spcBef>
+                <a:spcPct val="0"/>
+              </a:spcBef>
+              <a:spcAft>
+                <a:spcPct val="0"/>
+              </a:spcAft>
+              <a:defRPr>
+                <a:solidFill>
+                  <a:schemeClr val="tx1"/>
+                </a:solidFill>
+                <a:latin typeface="Courier New" panose="02070309020205020404" pitchFamily="49" charset="0"/>
+              </a:defRPr>
+            </a:lvl8pPr>
+            <a:lvl9pPr marL="3886200" indent="-228600" eaLnBrk="0" fontAlgn="base" hangingPunct="0">
+              <a:spcBef>
+                <a:spcPct val="0"/>
+              </a:spcBef>
+              <a:spcAft>
+                <a:spcPct val="0"/>
+              </a:spcAft>
+              <a:defRPr>
+                <a:solidFill>
+                  <a:schemeClr val="tx1"/>
+                </a:solidFill>
+                <a:latin typeface="Courier New" panose="02070309020205020404" pitchFamily="49" charset="0"/>
+              </a:defRPr>
+            </a:lvl9pPr>
+          </a:lstStyle>
+          <a:p>
+            <a:pPr eaLnBrk="1" hangingPunct="1"/>
             <a:fld id="{9EBFE6F2-0560-4196-B770-1A7881528D98}" type="slidenum">
               <a:rPr lang="en-US" altLang="ru-RU">
                 <a:latin typeface="Arial" panose="020B0604020202020204" pitchFamily="34" charset="0"/>
               </a:rPr>
               <a:pPr eaLnBrk="1" hangingPunct="1"/>
-              <a:t>34</a:t>
+              <a:t>43</a:t>
             </a:fld>
             <a:endParaRPr lang="en-US" altLang="ru-RU">
               <a:latin typeface="Arial" panose="020B0604020202020204" pitchFamily="34" charset="0"/>
@@ -1368,7 +1545,7 @@
           <a:p>
             <a:fld id="{ED7A5A9E-355E-4F5A-82F5-195339D13266}" type="datetimeFigureOut">
               <a:rPr lang="ru-RU" smtClean="0"/>
-              <a:t>21.10.2015</a:t>
+              <a:t>22.10.2015</a:t>
             </a:fld>
             <a:endParaRPr lang="ru-RU"/>
           </a:p>
@@ -1538,7 +1715,7 @@
           <a:p>
             <a:fld id="{ED7A5A9E-355E-4F5A-82F5-195339D13266}" type="datetimeFigureOut">
               <a:rPr lang="ru-RU" smtClean="0"/>
-              <a:t>21.10.2015</a:t>
+              <a:t>22.10.2015</a:t>
             </a:fld>
             <a:endParaRPr lang="ru-RU"/>
           </a:p>
@@ -1718,7 +1895,7 @@
           <a:p>
             <a:fld id="{ED7A5A9E-355E-4F5A-82F5-195339D13266}" type="datetimeFigureOut">
               <a:rPr lang="ru-RU" smtClean="0"/>
-              <a:t>21.10.2015</a:t>
+              <a:t>22.10.2015</a:t>
             </a:fld>
             <a:endParaRPr lang="ru-RU"/>
           </a:p>
@@ -1888,7 +2065,7 @@
           <a:p>
             <a:fld id="{ED7A5A9E-355E-4F5A-82F5-195339D13266}" type="datetimeFigureOut">
               <a:rPr lang="ru-RU" smtClean="0"/>
-              <a:t>21.10.2015</a:t>
+              <a:t>22.10.2015</a:t>
             </a:fld>
             <a:endParaRPr lang="ru-RU"/>
           </a:p>
@@ -2134,7 +2311,7 @@
           <a:p>
             <a:fld id="{ED7A5A9E-355E-4F5A-82F5-195339D13266}" type="datetimeFigureOut">
               <a:rPr lang="ru-RU" smtClean="0"/>
-              <a:t>21.10.2015</a:t>
+              <a:t>22.10.2015</a:t>
             </a:fld>
             <a:endParaRPr lang="ru-RU"/>
           </a:p>
@@ -2422,7 +2599,7 @@
           <a:p>
             <a:fld id="{ED7A5A9E-355E-4F5A-82F5-195339D13266}" type="datetimeFigureOut">
               <a:rPr lang="ru-RU" smtClean="0"/>
-              <a:t>21.10.2015</a:t>
+              <a:t>22.10.2015</a:t>
             </a:fld>
             <a:endParaRPr lang="ru-RU"/>
           </a:p>
@@ -2844,7 +3021,7 @@
           <a:p>
             <a:fld id="{ED7A5A9E-355E-4F5A-82F5-195339D13266}" type="datetimeFigureOut">
               <a:rPr lang="ru-RU" smtClean="0"/>
-              <a:t>21.10.2015</a:t>
+              <a:t>22.10.2015</a:t>
             </a:fld>
             <a:endParaRPr lang="ru-RU"/>
           </a:p>
@@ -2962,7 +3139,7 @@
           <a:p>
             <a:fld id="{ED7A5A9E-355E-4F5A-82F5-195339D13266}" type="datetimeFigureOut">
               <a:rPr lang="ru-RU" smtClean="0"/>
-              <a:t>21.10.2015</a:t>
+              <a:t>22.10.2015</a:t>
             </a:fld>
             <a:endParaRPr lang="ru-RU"/>
           </a:p>
@@ -3057,7 +3234,7 @@
           <a:p>
             <a:fld id="{ED7A5A9E-355E-4F5A-82F5-195339D13266}" type="datetimeFigureOut">
               <a:rPr lang="ru-RU" smtClean="0"/>
-              <a:t>21.10.2015</a:t>
+              <a:t>22.10.2015</a:t>
             </a:fld>
             <a:endParaRPr lang="ru-RU"/>
           </a:p>
@@ -3334,7 +3511,7 @@
           <a:p>
             <a:fld id="{ED7A5A9E-355E-4F5A-82F5-195339D13266}" type="datetimeFigureOut">
               <a:rPr lang="ru-RU" smtClean="0"/>
-              <a:t>21.10.2015</a:t>
+              <a:t>22.10.2015</a:t>
             </a:fld>
             <a:endParaRPr lang="ru-RU"/>
           </a:p>
@@ -3587,7 +3764,7 @@
           <a:p>
             <a:fld id="{ED7A5A9E-355E-4F5A-82F5-195339D13266}" type="datetimeFigureOut">
               <a:rPr lang="ru-RU" smtClean="0"/>
-              <a:t>21.10.2015</a:t>
+              <a:t>22.10.2015</a:t>
             </a:fld>
             <a:endParaRPr lang="ru-RU"/>
           </a:p>
@@ -3800,7 +3977,7 @@
           <a:p>
             <a:fld id="{ED7A5A9E-355E-4F5A-82F5-195339D13266}" type="datetimeFigureOut">
               <a:rPr lang="ru-RU" smtClean="0"/>
-              <a:t>21.10.2015</a:t>
+              <a:t>22.10.2015</a:t>
             </a:fld>
             <a:endParaRPr lang="ru-RU"/>
           </a:p>
@@ -4354,16 +4531,8 @@
           <a:lstStyle/>
           <a:p>
             <a:r>
-              <a:rPr lang="ru-RU" dirty="0" smtClean="0"/>
-              <a:t>Разминка! </a:t>
-            </a:r>
-            <a:r>
               <a:rPr lang="en-US" dirty="0" smtClean="0"/>
-              <a:t>(30 </a:t>
-            </a:r>
-            <a:r>
-              <a:rPr lang="ru-RU" dirty="0" smtClean="0"/>
-              <a:t>мин)</a:t>
+              <a:t>LINQ</a:t>
             </a:r>
             <a:endParaRPr lang="ru-RU" dirty="0"/>
           </a:p>
@@ -4379,126 +4548,432 @@
             <p:ph idx="1"/>
           </p:nvPr>
         </p:nvSpPr>
-        <p:spPr>
-          <a:xfrm>
-            <a:off x="457200" y="1600200"/>
-            <a:ext cx="8507288" cy="4525963"/>
-          </a:xfrm>
-        </p:spPr>
+        <p:spPr/>
         <p:txBody>
           <a:bodyPr>
-            <a:normAutofit lnSpcReduction="10000"/>
+            <a:normAutofit/>
           </a:bodyPr>
           <a:lstStyle/>
           <a:p>
-            <a:r>
-              <a:rPr lang="ru-RU" dirty="0" smtClean="0"/>
-              <a:t>В проекте </a:t>
-            </a:r>
-            <a:r>
-              <a:rPr lang="en-US" b="1" dirty="0" smtClean="0"/>
-              <a:t>Challenge </a:t>
-            </a:r>
-            <a:r>
-              <a:rPr lang="ru-RU" dirty="0" smtClean="0"/>
-              <a:t>в файле </a:t>
-            </a:r>
-            <a:r>
-              <a:rPr lang="en-US" dirty="0" err="1" smtClean="0"/>
-              <a:t>WordsStatistics_Tests</a:t>
-            </a:r>
-            <a:r>
-              <a:rPr lang="ru-RU" dirty="0" smtClean="0"/>
-              <a:t> напишите тесты:</a:t>
-            </a:r>
-          </a:p>
-          <a:p>
-            <a:pPr marL="857250" lvl="1" indent="-457200">
-              <a:buAutoNum type="arabicPeriod"/>
+            <a:pPr marL="0" indent="0">
+              <a:buNone/>
             </a:pPr>
             <a:r>
-              <a:rPr lang="en-US" b="1" dirty="0" err="1" smtClean="0"/>
-              <a:t>WordsStatistics_CorrectImplementation</a:t>
-            </a:r>
-            <a:r>
-              <a:rPr lang="ru-RU" dirty="0" smtClean="0"/>
+              <a:rPr lang="en-US" sz="2400" dirty="0" err="1" smtClean="0">
+                <a:solidFill>
+                  <a:srgbClr val="000000"/>
+                </a:solidFill>
+                <a:highlight>
+                  <a:srgbClr val="FFFFFF"/>
+                </a:highlight>
+                <a:latin typeface="Consolas"/>
+              </a:rPr>
+              <a:t>list.Where</a:t>
+            </a:r>
+            <a:r>
+              <a:rPr lang="en-US" sz="2400" dirty="0" smtClean="0">
+                <a:solidFill>
+                  <a:srgbClr val="000000"/>
+                </a:solidFill>
+                <a:highlight>
+                  <a:srgbClr val="FFFFFF"/>
+                </a:highlight>
+                <a:latin typeface="Consolas"/>
+              </a:rPr>
+              <a:t>(x </a:t>
+            </a:r>
+            <a:r>
+              <a:rPr lang="en-US" sz="2400" dirty="0">
+                <a:solidFill>
+                  <a:srgbClr val="000000"/>
+                </a:solidFill>
+                <a:highlight>
+                  <a:srgbClr val="FFFFFF"/>
+                </a:highlight>
+                <a:latin typeface="Consolas"/>
+              </a:rPr>
+              <a:t>=&gt; x%2 == 0</a:t>
+            </a:r>
+            <a:r>
+              <a:rPr lang="en-US" sz="2400" dirty="0" smtClean="0">
+                <a:solidFill>
+                  <a:srgbClr val="000000"/>
+                </a:solidFill>
+                <a:highlight>
+                  <a:srgbClr val="FFFFFF"/>
+                </a:highlight>
+                <a:latin typeface="Consolas"/>
+              </a:rPr>
+              <a:t>)</a:t>
+            </a:r>
+            <a:r>
+              <a:rPr lang="ru-RU" sz="2400" dirty="0" smtClean="0">
+                <a:solidFill>
+                  <a:srgbClr val="000000"/>
+                </a:solidFill>
+                <a:highlight>
+                  <a:srgbClr val="FFFFFF"/>
+                </a:highlight>
+                <a:latin typeface="Consolas"/>
+              </a:rPr>
+              <a:t>	</a:t>
+            </a:r>
+            <a:r>
+              <a:rPr lang="en-US" sz="2800" dirty="0" smtClean="0"/>
+              <a:t>// </a:t>
+            </a:r>
+            <a:r>
+              <a:rPr lang="ru-RU" sz="2800" dirty="0"/>
+              <a:t>выбрать все </a:t>
+            </a:r>
+            <a:r>
+              <a:rPr lang="ru-RU" sz="2800" dirty="0" smtClean="0"/>
+              <a:t>четные</a:t>
+            </a:r>
+          </a:p>
+          <a:p>
+            <a:pPr marL="0" indent="0">
+              <a:buNone/>
+            </a:pPr>
+            <a:r>
+              <a:rPr lang="en-US" sz="2400" dirty="0" err="1">
+                <a:solidFill>
+                  <a:srgbClr val="000000"/>
+                </a:solidFill>
+                <a:highlight>
+                  <a:srgbClr val="FFFFFF"/>
+                </a:highlight>
+                <a:latin typeface="Consolas"/>
+              </a:rPr>
+              <a:t>list.Select</a:t>
+            </a:r>
+            <a:r>
+              <a:rPr lang="en-US" sz="2400" dirty="0">
+                <a:solidFill>
+                  <a:srgbClr val="000000"/>
+                </a:solidFill>
+                <a:highlight>
+                  <a:srgbClr val="FFFFFF"/>
+                </a:highlight>
+                <a:latin typeface="Consolas"/>
+              </a:rPr>
+              <a:t>(x =&gt; </a:t>
+            </a:r>
+            <a:r>
+              <a:rPr lang="en-US" sz="2400" dirty="0" smtClean="0">
+                <a:solidFill>
+                  <a:srgbClr val="000000"/>
+                </a:solidFill>
+                <a:highlight>
+                  <a:srgbClr val="FFFFFF"/>
+                </a:highlight>
+                <a:latin typeface="Consolas"/>
+              </a:rPr>
+              <a:t>x+1)</a:t>
+            </a:r>
+            <a:r>
+              <a:rPr lang="en-US" sz="2800" dirty="0" smtClean="0"/>
               <a:t> </a:t>
             </a:r>
             <a:r>
-              <a:rPr lang="ru-RU" dirty="0"/>
-              <a:t>— должен проходить все тесты.</a:t>
-            </a:r>
-          </a:p>
-          <a:p>
-            <a:pPr marL="857250" lvl="1" indent="-457200">
-              <a:buAutoNum type="arabicPeriod"/>
+              <a:rPr lang="ru-RU" sz="2800" dirty="0" smtClean="0"/>
+              <a:t> 	</a:t>
+            </a:r>
+            <a:r>
+              <a:rPr lang="en-US" sz="2800" dirty="0" smtClean="0"/>
+              <a:t>//</a:t>
+            </a:r>
+            <a:r>
+              <a:rPr lang="ru-RU" sz="2800" dirty="0" smtClean="0"/>
+              <a:t> +1 ко всем</a:t>
+            </a:r>
+            <a:endParaRPr lang="en-US" sz="2800" dirty="0" smtClean="0"/>
+          </a:p>
+          <a:p>
+            <a:pPr marL="0" indent="0">
+              <a:buNone/>
             </a:pPr>
-            <a:r>
-              <a:rPr lang="en-US" b="1" dirty="0" err="1"/>
-              <a:t>WordStatisticsN</a:t>
-            </a:r>
-            <a:r>
-              <a:rPr lang="en-US" dirty="0"/>
-              <a:t> — </a:t>
-            </a:r>
-            <a:r>
-              <a:rPr lang="ru-RU" dirty="0"/>
-              <a:t>некорректные реализации. Должны падать хотя бы на одном тесте</a:t>
-            </a:r>
-            <a:r>
-              <a:rPr lang="ru-RU" dirty="0" smtClean="0"/>
+            <a:endParaRPr lang="en-US" sz="2400" dirty="0" smtClean="0">
+              <a:solidFill>
+                <a:srgbClr val="2B91AF"/>
+              </a:solidFill>
+              <a:highlight>
+                <a:srgbClr val="FFFFFF"/>
+              </a:highlight>
+              <a:latin typeface="Consolas"/>
+            </a:endParaRPr>
+          </a:p>
+          <a:p>
+            <a:pPr marL="0" indent="0">
+              <a:buNone/>
+            </a:pPr>
+            <a:r>
+              <a:rPr lang="en-US" sz="2400" dirty="0" smtClean="0">
+                <a:solidFill>
+                  <a:srgbClr val="2B91AF"/>
+                </a:solidFill>
+                <a:highlight>
+                  <a:srgbClr val="FFFFFF"/>
+                </a:highlight>
+                <a:latin typeface="Consolas"/>
+              </a:rPr>
+              <a:t>File</a:t>
+            </a:r>
+          </a:p>
+          <a:p>
+            <a:pPr marL="0" indent="0">
+              <a:buNone/>
+            </a:pPr>
+            <a:r>
+              <a:rPr lang="en-US" sz="2400" dirty="0">
+                <a:solidFill>
+                  <a:srgbClr val="2B91AF"/>
+                </a:solidFill>
+                <a:highlight>
+                  <a:srgbClr val="FFFFFF"/>
+                </a:highlight>
+                <a:latin typeface="Consolas"/>
+              </a:rPr>
+              <a:t> </a:t>
+            </a:r>
+            <a:r>
+              <a:rPr lang="en-US" sz="2400" dirty="0" smtClean="0">
+                <a:solidFill>
+                  <a:srgbClr val="2B91AF"/>
+                </a:solidFill>
+                <a:highlight>
+                  <a:srgbClr val="FFFFFF"/>
+                </a:highlight>
+                <a:latin typeface="Consolas"/>
+              </a:rPr>
+              <a:t> </a:t>
+            </a:r>
+            <a:r>
+              <a:rPr lang="en-US" sz="2400" dirty="0" smtClean="0">
+                <a:solidFill>
+                  <a:srgbClr val="000000"/>
+                </a:solidFill>
+                <a:highlight>
+                  <a:srgbClr val="FFFFFF"/>
+                </a:highlight>
+                <a:latin typeface="Consolas"/>
+              </a:rPr>
               <a:t>.</a:t>
             </a:r>
-          </a:p>
-          <a:p>
-            <a:r>
-              <a:rPr lang="ru-RU" dirty="0" smtClean="0"/>
-              <a:t>Запускайте по </a:t>
-            </a:r>
-            <a:r>
-              <a:rPr lang="en-US" dirty="0" smtClean="0"/>
-              <a:t>Ctrl+F5</a:t>
-            </a:r>
-            <a:r>
-              <a:rPr lang="ru-RU" dirty="0" smtClean="0"/>
+            <a:r>
+              <a:rPr lang="en-US" sz="2400" dirty="0" err="1" smtClean="0">
+                <a:solidFill>
+                  <a:srgbClr val="000000"/>
+                </a:solidFill>
+                <a:highlight>
+                  <a:srgbClr val="FFFFFF"/>
+                </a:highlight>
+                <a:latin typeface="Consolas"/>
+              </a:rPr>
+              <a:t>ReadAllLines</a:t>
+            </a:r>
+            <a:r>
+              <a:rPr lang="en-US" sz="2400" dirty="0">
+                <a:solidFill>
+                  <a:srgbClr val="000000"/>
+                </a:solidFill>
+                <a:highlight>
+                  <a:srgbClr val="FFFFFF"/>
+                </a:highlight>
+                <a:latin typeface="Consolas"/>
+              </a:rPr>
+              <a:t>(</a:t>
+            </a:r>
+            <a:r>
+              <a:rPr lang="en-US" sz="2400" dirty="0">
+                <a:solidFill>
+                  <a:srgbClr val="A31515"/>
+                </a:solidFill>
+                <a:highlight>
+                  <a:srgbClr val="FFFFFF"/>
+                </a:highlight>
+                <a:latin typeface="Consolas"/>
+              </a:rPr>
+              <a:t>"input.txt"</a:t>
+            </a:r>
+            <a:r>
+              <a:rPr lang="en-US" sz="2400" dirty="0">
+                <a:solidFill>
+                  <a:srgbClr val="000000"/>
+                </a:solidFill>
+                <a:highlight>
+                  <a:srgbClr val="FFFFFF"/>
+                </a:highlight>
+                <a:latin typeface="Consolas"/>
+              </a:rPr>
+              <a:t>)</a:t>
+            </a:r>
+          </a:p>
+          <a:p>
+            <a:pPr marL="0" indent="0">
+              <a:buNone/>
+            </a:pPr>
+            <a:r>
+              <a:rPr lang="en-US" sz="2400" dirty="0" smtClean="0">
+                <a:solidFill>
+                  <a:srgbClr val="000000"/>
+                </a:solidFill>
+                <a:highlight>
+                  <a:srgbClr val="FFFFFF"/>
+                </a:highlight>
+                <a:latin typeface="Consolas"/>
+              </a:rPr>
+              <a:t>  </a:t>
+            </a:r>
+            <a:r>
+              <a:rPr lang="en-US" sz="2400" dirty="0">
+                <a:solidFill>
+                  <a:srgbClr val="000000"/>
+                </a:solidFill>
+                <a:highlight>
+                  <a:srgbClr val="FFFFFF"/>
+                </a:highlight>
+                <a:latin typeface="Consolas"/>
+              </a:rPr>
               <a:t>.</a:t>
             </a:r>
-          </a:p>
-          <a:p>
-            <a:r>
-              <a:rPr lang="ru-RU" dirty="0" smtClean="0"/>
-              <a:t>Отлаживайте конкретный тест, запуская в </a:t>
-            </a:r>
-            <a:r>
-              <a:rPr lang="en-US" dirty="0" smtClean="0"/>
-              <a:t>VS</a:t>
-            </a:r>
-            <a:r>
-              <a:rPr lang="ru-RU" dirty="0" smtClean="0"/>
+            <a:r>
+              <a:rPr lang="en-US" sz="2400" dirty="0" err="1">
+                <a:solidFill>
+                  <a:srgbClr val="000000"/>
+                </a:solidFill>
+                <a:highlight>
+                  <a:srgbClr val="FFFFFF"/>
+                </a:highlight>
+                <a:latin typeface="Consolas"/>
+              </a:rPr>
+              <a:t>SelectMany</a:t>
+            </a:r>
+            <a:r>
+              <a:rPr lang="en-US" sz="2400" dirty="0">
+                <a:solidFill>
+                  <a:srgbClr val="000000"/>
+                </a:solidFill>
+                <a:highlight>
+                  <a:srgbClr val="FFFFFF"/>
+                </a:highlight>
+                <a:latin typeface="Consolas"/>
+              </a:rPr>
+              <a:t>(line =&gt; </a:t>
+            </a:r>
+            <a:r>
+              <a:rPr lang="en-US" sz="2400" dirty="0" err="1">
+                <a:solidFill>
+                  <a:srgbClr val="000000"/>
+                </a:solidFill>
+                <a:highlight>
+                  <a:srgbClr val="FFFFFF"/>
+                </a:highlight>
+                <a:latin typeface="Consolas"/>
+              </a:rPr>
+              <a:t>Regex.Split</a:t>
+            </a:r>
+            <a:r>
+              <a:rPr lang="en-US" sz="2400" dirty="0">
+                <a:solidFill>
+                  <a:srgbClr val="000000"/>
+                </a:solidFill>
+                <a:highlight>
+                  <a:srgbClr val="FFFFFF"/>
+                </a:highlight>
+                <a:latin typeface="Consolas"/>
+              </a:rPr>
+              <a:t>(line, </a:t>
+            </a:r>
+            <a:r>
+              <a:rPr lang="en-US" sz="2400" dirty="0">
+                <a:solidFill>
+                  <a:srgbClr val="A31515"/>
+                </a:solidFill>
+                <a:highlight>
+                  <a:srgbClr val="FFFFFF"/>
+                </a:highlight>
+                <a:latin typeface="Consolas"/>
+              </a:rPr>
+              <a:t>@"\W"</a:t>
+            </a:r>
+            <a:r>
+              <a:rPr lang="en-US" sz="2400" dirty="0">
+                <a:solidFill>
+                  <a:srgbClr val="000000"/>
+                </a:solidFill>
+                <a:highlight>
+                  <a:srgbClr val="FFFFFF"/>
+                </a:highlight>
+                <a:latin typeface="Consolas"/>
+              </a:rPr>
+              <a:t>))</a:t>
+            </a:r>
+          </a:p>
+          <a:p>
+            <a:pPr marL="0" indent="0">
+              <a:buNone/>
+            </a:pPr>
+            <a:r>
+              <a:rPr lang="en-US" sz="2400" dirty="0" smtClean="0">
+                <a:solidFill>
+                  <a:srgbClr val="000000"/>
+                </a:solidFill>
+                <a:highlight>
+                  <a:srgbClr val="FFFFFF"/>
+                </a:highlight>
+                <a:latin typeface="Consolas"/>
+              </a:rPr>
+              <a:t>  </a:t>
+            </a:r>
+            <a:r>
+              <a:rPr lang="en-US" sz="2400" dirty="0">
+                <a:solidFill>
+                  <a:srgbClr val="000000"/>
+                </a:solidFill>
+                <a:highlight>
+                  <a:srgbClr val="FFFFFF"/>
+                </a:highlight>
+                <a:latin typeface="Consolas"/>
+              </a:rPr>
               <a:t>.</a:t>
             </a:r>
-          </a:p>
-          <a:p>
-            <a:r>
-              <a:rPr lang="ru-RU" dirty="0" smtClean="0"/>
-              <a:t>Не открывайте файл </a:t>
-            </a:r>
-            <a:r>
-              <a:rPr lang="en-US" dirty="0" err="1" smtClean="0"/>
-              <a:t>DoNotOpen</a:t>
-            </a:r>
-            <a:r>
-              <a:rPr lang="ru-RU" dirty="0" smtClean="0"/>
-              <a:t>!</a:t>
-            </a:r>
-            <a:endParaRPr lang="ru-RU" dirty="0"/>
+            <a:r>
+              <a:rPr lang="en-US" sz="2400" dirty="0" err="1">
+                <a:solidFill>
+                  <a:srgbClr val="000000"/>
+                </a:solidFill>
+                <a:highlight>
+                  <a:srgbClr val="FFFFFF"/>
+                </a:highlight>
+                <a:latin typeface="Consolas"/>
+              </a:rPr>
+              <a:t>ToArray</a:t>
+            </a:r>
+            <a:r>
+              <a:rPr lang="en-US" sz="2400" dirty="0" smtClean="0">
+                <a:solidFill>
+                  <a:srgbClr val="000000"/>
+                </a:solidFill>
+                <a:highlight>
+                  <a:srgbClr val="FFFFFF"/>
+                </a:highlight>
+                <a:latin typeface="Consolas"/>
+              </a:rPr>
+              <a:t>(); // </a:t>
+            </a:r>
+            <a:r>
+              <a:rPr lang="ru-RU" sz="2800" dirty="0"/>
+              <a:t>все слова</a:t>
+            </a:r>
+            <a:endParaRPr lang="en-US" sz="2400" dirty="0" smtClean="0"/>
           </a:p>
         </p:txBody>
       </p:sp>
     </p:spTree>
     <p:extLst>
       <p:ext uri="{BB962C8B-B14F-4D97-AF65-F5344CB8AC3E}">
-        <p14:creationId xmlns:p14="http://schemas.microsoft.com/office/powerpoint/2010/main" val="1734191423"/>
+        <p14:creationId xmlns:p14="http://schemas.microsoft.com/office/powerpoint/2010/main" val="1974727388"/>
       </p:ext>
     </p:extLst>
   </p:cSld>
@@ -4548,6 +5023,2370 @@
           <a:lstStyle/>
           <a:p>
             <a:r>
+              <a:rPr lang="en-US" dirty="0" smtClean="0"/>
+              <a:t>LINQ</a:t>
+            </a:r>
+            <a:endParaRPr lang="ru-RU" dirty="0"/>
+          </a:p>
+        </p:txBody>
+      </p:sp>
+      <p:sp>
+        <p:nvSpPr>
+          <p:cNvPr id="3" name="Объект 2"/>
+          <p:cNvSpPr>
+            <a:spLocks noGrp="1"/>
+          </p:cNvSpPr>
+          <p:nvPr>
+            <p:ph idx="1"/>
+          </p:nvPr>
+        </p:nvSpPr>
+        <p:spPr/>
+        <p:txBody>
+          <a:bodyPr>
+            <a:normAutofit/>
+          </a:bodyPr>
+          <a:lstStyle/>
+          <a:p>
+            <a:pPr marL="0" indent="0">
+              <a:buNone/>
+            </a:pPr>
+            <a:r>
+              <a:rPr lang="en-US" sz="2400" dirty="0" err="1" smtClean="0">
+                <a:solidFill>
+                  <a:srgbClr val="000000"/>
+                </a:solidFill>
+                <a:highlight>
+                  <a:srgbClr val="FFFFFF"/>
+                </a:highlight>
+                <a:latin typeface="Consolas"/>
+              </a:rPr>
+              <a:t>list.Where</a:t>
+            </a:r>
+            <a:r>
+              <a:rPr lang="en-US" sz="2400" dirty="0" smtClean="0">
+                <a:solidFill>
+                  <a:srgbClr val="000000"/>
+                </a:solidFill>
+                <a:highlight>
+                  <a:srgbClr val="FFFFFF"/>
+                </a:highlight>
+                <a:latin typeface="Consolas"/>
+              </a:rPr>
+              <a:t>(x </a:t>
+            </a:r>
+            <a:r>
+              <a:rPr lang="en-US" sz="2400" dirty="0">
+                <a:solidFill>
+                  <a:srgbClr val="000000"/>
+                </a:solidFill>
+                <a:highlight>
+                  <a:srgbClr val="FFFFFF"/>
+                </a:highlight>
+                <a:latin typeface="Consolas"/>
+              </a:rPr>
+              <a:t>=&gt; x%2 == 0</a:t>
+            </a:r>
+            <a:r>
+              <a:rPr lang="en-US" sz="2400" dirty="0" smtClean="0">
+                <a:solidFill>
+                  <a:srgbClr val="000000"/>
+                </a:solidFill>
+                <a:highlight>
+                  <a:srgbClr val="FFFFFF"/>
+                </a:highlight>
+                <a:latin typeface="Consolas"/>
+              </a:rPr>
+              <a:t>)</a:t>
+            </a:r>
+            <a:r>
+              <a:rPr lang="ru-RU" sz="2400" dirty="0" smtClean="0">
+                <a:solidFill>
+                  <a:srgbClr val="000000"/>
+                </a:solidFill>
+                <a:highlight>
+                  <a:srgbClr val="FFFFFF"/>
+                </a:highlight>
+                <a:latin typeface="Consolas"/>
+              </a:rPr>
+              <a:t>	</a:t>
+            </a:r>
+            <a:r>
+              <a:rPr lang="en-US" sz="2800" dirty="0" smtClean="0"/>
+              <a:t>// </a:t>
+            </a:r>
+            <a:r>
+              <a:rPr lang="ru-RU" sz="2800" dirty="0"/>
+              <a:t>выбрать все </a:t>
+            </a:r>
+            <a:r>
+              <a:rPr lang="ru-RU" sz="2800" dirty="0" smtClean="0"/>
+              <a:t>четные</a:t>
+            </a:r>
+          </a:p>
+          <a:p>
+            <a:pPr marL="0" indent="0">
+              <a:buNone/>
+            </a:pPr>
+            <a:r>
+              <a:rPr lang="en-US" sz="2400" dirty="0" smtClean="0">
+                <a:solidFill>
+                  <a:srgbClr val="000000"/>
+                </a:solidFill>
+                <a:highlight>
+                  <a:srgbClr val="FFFFFF"/>
+                </a:highlight>
+                <a:latin typeface="Consolas"/>
+              </a:rPr>
+              <a:t>    .</a:t>
+            </a:r>
+            <a:r>
+              <a:rPr lang="en-US" sz="2400" dirty="0">
+                <a:solidFill>
+                  <a:srgbClr val="000000"/>
+                </a:solidFill>
+                <a:highlight>
+                  <a:srgbClr val="FFFFFF"/>
+                </a:highlight>
+                <a:latin typeface="Consolas"/>
+              </a:rPr>
+              <a:t>Select(x =&gt; </a:t>
+            </a:r>
+            <a:r>
+              <a:rPr lang="en-US" sz="2400" dirty="0" smtClean="0">
+                <a:solidFill>
+                  <a:srgbClr val="000000"/>
+                </a:solidFill>
+                <a:highlight>
+                  <a:srgbClr val="FFFFFF"/>
+                </a:highlight>
+                <a:latin typeface="Consolas"/>
+              </a:rPr>
+              <a:t>x+1)</a:t>
+            </a:r>
+            <a:r>
+              <a:rPr lang="en-US" sz="2800" dirty="0" smtClean="0"/>
+              <a:t> </a:t>
+            </a:r>
+            <a:r>
+              <a:rPr lang="ru-RU" sz="2800" dirty="0" smtClean="0"/>
+              <a:t> 	</a:t>
+            </a:r>
+            <a:r>
+              <a:rPr lang="en-US" sz="2800" dirty="0" smtClean="0"/>
+              <a:t>//</a:t>
+            </a:r>
+            <a:r>
+              <a:rPr lang="ru-RU" sz="2800" dirty="0" smtClean="0"/>
+              <a:t> +1 ко всем</a:t>
+            </a:r>
+            <a:endParaRPr lang="en-US" sz="2800" dirty="0" smtClean="0"/>
+          </a:p>
+          <a:p>
+            <a:pPr marL="0" indent="0">
+              <a:buNone/>
+            </a:pPr>
+            <a:r>
+              <a:rPr lang="en-US" sz="2400" dirty="0" smtClean="0">
+                <a:solidFill>
+                  <a:srgbClr val="000000"/>
+                </a:solidFill>
+                <a:highlight>
+                  <a:srgbClr val="FFFFFF"/>
+                </a:highlight>
+                <a:latin typeface="Consolas"/>
+              </a:rPr>
+              <a:t>    .</a:t>
+            </a:r>
+            <a:r>
+              <a:rPr lang="en-US" sz="2400" dirty="0" err="1" smtClean="0">
+                <a:solidFill>
+                  <a:srgbClr val="000000"/>
+                </a:solidFill>
+                <a:highlight>
+                  <a:srgbClr val="FFFFFF"/>
+                </a:highlight>
+                <a:latin typeface="Consolas"/>
+              </a:rPr>
+              <a:t>ToArray</a:t>
+            </a:r>
+            <a:r>
+              <a:rPr lang="en-US" sz="2400" dirty="0" smtClean="0">
+                <a:solidFill>
+                  <a:srgbClr val="000000"/>
+                </a:solidFill>
+                <a:highlight>
+                  <a:srgbClr val="FFFFFF"/>
+                </a:highlight>
+                <a:latin typeface="Consolas"/>
+              </a:rPr>
+              <a:t>()             </a:t>
+            </a:r>
+            <a:r>
+              <a:rPr lang="en-US" sz="2800" dirty="0"/>
+              <a:t>//</a:t>
+            </a:r>
+            <a:r>
+              <a:rPr lang="ru-RU" sz="2800" dirty="0"/>
+              <a:t> в </a:t>
+            </a:r>
+            <a:r>
+              <a:rPr lang="ru-RU" sz="2800" dirty="0" smtClean="0"/>
+              <a:t>массив</a:t>
+            </a:r>
+            <a:endParaRPr lang="en-US" sz="2800" dirty="0"/>
+          </a:p>
+        </p:txBody>
+      </p:sp>
+    </p:spTree>
+    <p:extLst>
+      <p:ext uri="{BB962C8B-B14F-4D97-AF65-F5344CB8AC3E}">
+        <p14:creationId xmlns:p14="http://schemas.microsoft.com/office/powerpoint/2010/main" val="1382178009"/>
+      </p:ext>
+    </p:extLst>
+  </p:cSld>
+  <p:clrMapOvr>
+    <a:masterClrMapping/>
+  </p:clrMapOvr>
+  <p:timing>
+    <p:tnLst>
+      <p:par>
+        <p:cTn id="1" dur="indefinite" restart="never" nodeType="tmRoot"/>
+      </p:par>
+    </p:tnLst>
+  </p:timing>
+</p:sld>
+</file>
+
+<file path=ppt/slides/slide12.xml><?xml version="1.0" encoding="utf-8"?>
+<p:sld xmlns:a="http://schemas.openxmlformats.org/drawingml/2006/main" xmlns:r="http://schemas.openxmlformats.org/officeDocument/2006/relationships" xmlns:p="http://schemas.openxmlformats.org/presentationml/2006/main">
+  <p:cSld>
+    <p:spTree>
+      <p:nvGrpSpPr>
+        <p:cNvPr id="1" name=""/>
+        <p:cNvGrpSpPr/>
+        <p:nvPr/>
+      </p:nvGrpSpPr>
+      <p:grpSpPr>
+        <a:xfrm>
+          <a:off x="0" y="0"/>
+          <a:ext cx="0" cy="0"/>
+          <a:chOff x="0" y="0"/>
+          <a:chExt cx="0" cy="0"/>
+        </a:xfrm>
+      </p:grpSpPr>
+      <p:sp>
+        <p:nvSpPr>
+          <p:cNvPr id="2" name="Заголовок 1"/>
+          <p:cNvSpPr>
+            <a:spLocks noGrp="1"/>
+          </p:cNvSpPr>
+          <p:nvPr>
+            <p:ph type="title"/>
+          </p:nvPr>
+        </p:nvSpPr>
+        <p:spPr/>
+        <p:txBody>
+          <a:bodyPr/>
+          <a:lstStyle/>
+          <a:p>
+            <a:r>
+              <a:rPr lang="en-US" dirty="0" smtClean="0"/>
+              <a:t>LINQ</a:t>
+            </a:r>
+            <a:endParaRPr lang="ru-RU" dirty="0"/>
+          </a:p>
+        </p:txBody>
+      </p:sp>
+      <p:sp>
+        <p:nvSpPr>
+          <p:cNvPr id="3" name="Объект 2"/>
+          <p:cNvSpPr>
+            <a:spLocks noGrp="1"/>
+          </p:cNvSpPr>
+          <p:nvPr>
+            <p:ph idx="1"/>
+          </p:nvPr>
+        </p:nvSpPr>
+        <p:spPr/>
+        <p:txBody>
+          <a:bodyPr>
+            <a:normAutofit/>
+          </a:bodyPr>
+          <a:lstStyle/>
+          <a:p>
+            <a:pPr marL="0" indent="0">
+              <a:buNone/>
+            </a:pPr>
+            <a:r>
+              <a:rPr lang="en-US" sz="2000" dirty="0" err="1">
+                <a:solidFill>
+                  <a:srgbClr val="0000FF"/>
+                </a:solidFill>
+                <a:highlight>
+                  <a:srgbClr val="FFFFFF"/>
+                </a:highlight>
+                <a:latin typeface="Consolas"/>
+              </a:rPr>
+              <a:t>var</a:t>
+            </a:r>
+            <a:r>
+              <a:rPr lang="en-US" sz="2000" dirty="0">
+                <a:solidFill>
+                  <a:srgbClr val="000000"/>
+                </a:solidFill>
+                <a:highlight>
+                  <a:srgbClr val="FFFFFF"/>
+                </a:highlight>
+                <a:latin typeface="Consolas"/>
+              </a:rPr>
+              <a:t> words = </a:t>
+            </a:r>
+            <a:r>
+              <a:rPr lang="en-US" sz="2000" dirty="0" err="1" smtClean="0">
+                <a:solidFill>
+                  <a:srgbClr val="2B91AF"/>
+                </a:solidFill>
+                <a:highlight>
+                  <a:srgbClr val="FFFFFF"/>
+                </a:highlight>
+                <a:latin typeface="Consolas"/>
+              </a:rPr>
+              <a:t>File</a:t>
+            </a:r>
+            <a:r>
+              <a:rPr lang="en-US" sz="2000" dirty="0" err="1" smtClean="0">
+                <a:solidFill>
+                  <a:srgbClr val="000000"/>
+                </a:solidFill>
+                <a:highlight>
+                  <a:srgbClr val="FFFFFF"/>
+                </a:highlight>
+                <a:latin typeface="Consolas"/>
+              </a:rPr>
+              <a:t>.ReadLines</a:t>
+            </a:r>
+            <a:r>
+              <a:rPr lang="en-US" sz="2000" dirty="0" smtClean="0">
+                <a:solidFill>
+                  <a:srgbClr val="000000"/>
+                </a:solidFill>
+                <a:highlight>
+                  <a:srgbClr val="FFFFFF"/>
+                </a:highlight>
+                <a:latin typeface="Consolas"/>
+              </a:rPr>
+              <a:t>(</a:t>
+            </a:r>
+            <a:r>
+              <a:rPr lang="en-US" sz="2000" dirty="0" smtClean="0">
+                <a:solidFill>
+                  <a:srgbClr val="A31515"/>
+                </a:solidFill>
+                <a:highlight>
+                  <a:srgbClr val="FFFFFF"/>
+                </a:highlight>
+                <a:latin typeface="Consolas"/>
+              </a:rPr>
+              <a:t>"input.txt</a:t>
+            </a:r>
+            <a:r>
+              <a:rPr lang="en-US" sz="2000" dirty="0">
+                <a:solidFill>
+                  <a:srgbClr val="A31515"/>
+                </a:solidFill>
+                <a:highlight>
+                  <a:srgbClr val="FFFFFF"/>
+                </a:highlight>
+                <a:latin typeface="Consolas"/>
+              </a:rPr>
+              <a:t>"</a:t>
+            </a:r>
+            <a:r>
+              <a:rPr lang="en-US" sz="2000" dirty="0">
+                <a:solidFill>
+                  <a:srgbClr val="000000"/>
+                </a:solidFill>
+                <a:highlight>
+                  <a:srgbClr val="FFFFFF"/>
+                </a:highlight>
+                <a:latin typeface="Consolas"/>
+              </a:rPr>
+              <a:t>)</a:t>
+            </a:r>
+          </a:p>
+          <a:p>
+            <a:pPr marL="0" indent="0">
+              <a:buNone/>
+            </a:pPr>
+            <a:r>
+              <a:rPr lang="en-US" sz="2000" dirty="0" smtClean="0">
+                <a:solidFill>
+                  <a:srgbClr val="000000"/>
+                </a:solidFill>
+                <a:highlight>
+                  <a:srgbClr val="FFFFFF"/>
+                </a:highlight>
+                <a:latin typeface="Consolas"/>
+              </a:rPr>
+              <a:t>  .Select(line =&gt; </a:t>
+            </a:r>
+            <a:r>
+              <a:rPr lang="en-US" sz="2000" dirty="0" err="1" smtClean="0">
+                <a:solidFill>
+                  <a:srgbClr val="000000"/>
+                </a:solidFill>
+                <a:highlight>
+                  <a:srgbClr val="FFFFFF"/>
+                </a:highlight>
+                <a:latin typeface="Consolas"/>
+              </a:rPr>
+              <a:t>line.Split</a:t>
+            </a:r>
+            <a:r>
+              <a:rPr lang="en-US" sz="2000" dirty="0" smtClean="0">
+                <a:solidFill>
+                  <a:srgbClr val="000000"/>
+                </a:solidFill>
+                <a:highlight>
+                  <a:srgbClr val="FFFFFF"/>
+                </a:highlight>
+                <a:latin typeface="Consolas"/>
+              </a:rPr>
+              <a:t>(</a:t>
+            </a:r>
+            <a:r>
+              <a:rPr lang="en-US" sz="2000" dirty="0" smtClean="0">
+                <a:solidFill>
+                  <a:srgbClr val="A31515"/>
+                </a:solidFill>
+                <a:highlight>
+                  <a:srgbClr val="FFFFFF"/>
+                </a:highlight>
+                <a:latin typeface="Consolas"/>
+              </a:rPr>
+              <a:t>‘ ’</a:t>
+            </a:r>
+            <a:r>
+              <a:rPr lang="en-US" sz="2000" dirty="0" smtClean="0">
+                <a:solidFill>
+                  <a:srgbClr val="000000"/>
+                </a:solidFill>
+                <a:highlight>
+                  <a:srgbClr val="FFFFFF"/>
+                </a:highlight>
+                <a:latin typeface="Consolas"/>
+              </a:rPr>
+              <a:t>))</a:t>
+            </a:r>
+            <a:endParaRPr lang="en-US" sz="2000" dirty="0">
+              <a:solidFill>
+                <a:srgbClr val="000000"/>
+              </a:solidFill>
+              <a:highlight>
+                <a:srgbClr val="FFFFFF"/>
+              </a:highlight>
+              <a:latin typeface="Consolas"/>
+            </a:endParaRPr>
+          </a:p>
+          <a:p>
+            <a:pPr marL="0" indent="0">
+              <a:buNone/>
+            </a:pPr>
+            <a:r>
+              <a:rPr lang="en-US" sz="2000" dirty="0">
+                <a:solidFill>
+                  <a:srgbClr val="000000"/>
+                </a:solidFill>
+                <a:highlight>
+                  <a:srgbClr val="FFFFFF"/>
+                </a:highlight>
+                <a:latin typeface="Consolas"/>
+              </a:rPr>
+              <a:t> </a:t>
+            </a:r>
+            <a:r>
+              <a:rPr lang="en-US" sz="2000" dirty="0" smtClean="0">
+                <a:solidFill>
+                  <a:srgbClr val="000000"/>
+                </a:solidFill>
+                <a:highlight>
+                  <a:srgbClr val="FFFFFF"/>
+                </a:highlight>
+                <a:latin typeface="Consolas"/>
+              </a:rPr>
+              <a:t> .Select(line =&gt; </a:t>
+            </a:r>
+            <a:r>
+              <a:rPr lang="en-US" sz="2000" dirty="0" smtClean="0">
+                <a:solidFill>
+                  <a:srgbClr val="0000FF"/>
+                </a:solidFill>
+                <a:highlight>
+                  <a:srgbClr val="FFFFFF"/>
+                </a:highlight>
+                <a:latin typeface="Consolas"/>
+              </a:rPr>
+              <a:t>new</a:t>
+            </a:r>
+            <a:r>
+              <a:rPr lang="en-US" sz="2000" dirty="0" smtClean="0">
+                <a:solidFill>
+                  <a:srgbClr val="000000"/>
+                </a:solidFill>
+                <a:highlight>
+                  <a:srgbClr val="FFFFFF"/>
+                </a:highlight>
+                <a:latin typeface="Consolas"/>
+              </a:rPr>
+              <a:t> {name = line[0], value = line[1]});</a:t>
+            </a:r>
+          </a:p>
+          <a:p>
+            <a:pPr marL="0" indent="0">
+              <a:buNone/>
+            </a:pPr>
+            <a:endParaRPr lang="en-US" sz="2400" dirty="0" smtClean="0"/>
+          </a:p>
+          <a:p>
+            <a:pPr marL="0" indent="0">
+              <a:buNone/>
+            </a:pPr>
+            <a:r>
+              <a:rPr lang="en-US" sz="2400" dirty="0" smtClean="0"/>
+              <a:t>//</a:t>
+            </a:r>
+            <a:r>
+              <a:rPr lang="ru-RU" sz="2400" dirty="0" smtClean="0"/>
+              <a:t> </a:t>
+            </a:r>
+            <a:r>
+              <a:rPr lang="ru-RU" sz="2400" dirty="0" err="1" smtClean="0"/>
+              <a:t>Распарсить</a:t>
+            </a:r>
+            <a:r>
+              <a:rPr lang="ru-RU" sz="2400" dirty="0" smtClean="0"/>
+              <a:t> файл в формате ключ-значение</a:t>
+            </a:r>
+            <a:endParaRPr lang="en-US" sz="2400" dirty="0" smtClean="0"/>
+          </a:p>
+          <a:p>
+            <a:pPr marL="0" indent="0">
+              <a:buNone/>
+            </a:pPr>
+            <a:r>
+              <a:rPr lang="en-US" sz="2400" dirty="0" smtClean="0"/>
+              <a:t>//</a:t>
+            </a:r>
+            <a:r>
+              <a:rPr lang="ru-RU" sz="2400" dirty="0" smtClean="0"/>
+              <a:t> Ленивость!</a:t>
+            </a:r>
+          </a:p>
+        </p:txBody>
+      </p:sp>
+    </p:spTree>
+    <p:extLst>
+      <p:ext uri="{BB962C8B-B14F-4D97-AF65-F5344CB8AC3E}">
+        <p14:creationId xmlns:p14="http://schemas.microsoft.com/office/powerpoint/2010/main" val="875974081"/>
+      </p:ext>
+    </p:extLst>
+  </p:cSld>
+  <p:clrMapOvr>
+    <a:masterClrMapping/>
+  </p:clrMapOvr>
+  <p:timing>
+    <p:tnLst>
+      <p:par>
+        <p:cTn id="1" dur="indefinite" restart="never" nodeType="tmRoot"/>
+      </p:par>
+    </p:tnLst>
+  </p:timing>
+</p:sld>
+</file>
+
+<file path=ppt/slides/slide13.xml><?xml version="1.0" encoding="utf-8"?>
+<p:sld xmlns:a="http://schemas.openxmlformats.org/drawingml/2006/main" xmlns:r="http://schemas.openxmlformats.org/officeDocument/2006/relationships" xmlns:p="http://schemas.openxmlformats.org/presentationml/2006/main">
+  <p:cSld>
+    <p:spTree>
+      <p:nvGrpSpPr>
+        <p:cNvPr id="1" name=""/>
+        <p:cNvGrpSpPr/>
+        <p:nvPr/>
+      </p:nvGrpSpPr>
+      <p:grpSpPr>
+        <a:xfrm>
+          <a:off x="0" y="0"/>
+          <a:ext cx="0" cy="0"/>
+          <a:chOff x="0" y="0"/>
+          <a:chExt cx="0" cy="0"/>
+        </a:xfrm>
+      </p:grpSpPr>
+      <p:sp>
+        <p:nvSpPr>
+          <p:cNvPr id="2" name="Заголовок 1"/>
+          <p:cNvSpPr>
+            <a:spLocks noGrp="1"/>
+          </p:cNvSpPr>
+          <p:nvPr>
+            <p:ph type="title"/>
+          </p:nvPr>
+        </p:nvSpPr>
+        <p:spPr/>
+        <p:txBody>
+          <a:bodyPr/>
+          <a:lstStyle/>
+          <a:p>
+            <a:r>
+              <a:rPr lang="en-US" dirty="0" smtClean="0"/>
+              <a:t>LINQ</a:t>
+            </a:r>
+            <a:endParaRPr lang="ru-RU" dirty="0"/>
+          </a:p>
+        </p:txBody>
+      </p:sp>
+      <p:sp>
+        <p:nvSpPr>
+          <p:cNvPr id="3" name="Объект 2"/>
+          <p:cNvSpPr>
+            <a:spLocks noGrp="1"/>
+          </p:cNvSpPr>
+          <p:nvPr>
+            <p:ph idx="1"/>
+          </p:nvPr>
+        </p:nvSpPr>
+        <p:spPr>
+          <a:xfrm>
+            <a:off x="457200" y="1567333"/>
+            <a:ext cx="8229600" cy="4525963"/>
+          </a:xfrm>
+        </p:spPr>
+        <p:txBody>
+          <a:bodyPr>
+            <a:normAutofit/>
+          </a:bodyPr>
+          <a:lstStyle/>
+          <a:p>
+            <a:pPr marL="0" indent="0">
+              <a:buNone/>
+            </a:pPr>
+            <a:r>
+              <a:rPr lang="en-US" sz="2400" dirty="0" err="1">
+                <a:solidFill>
+                  <a:srgbClr val="0000FF"/>
+                </a:solidFill>
+                <a:highlight>
+                  <a:srgbClr val="FFFFFF"/>
+                </a:highlight>
+                <a:latin typeface="Consolas"/>
+              </a:rPr>
+              <a:t>var</a:t>
+            </a:r>
+            <a:r>
+              <a:rPr lang="en-US" sz="2400" dirty="0">
+                <a:solidFill>
+                  <a:srgbClr val="000000"/>
+                </a:solidFill>
+                <a:highlight>
+                  <a:srgbClr val="FFFFFF"/>
+                </a:highlight>
+                <a:latin typeface="Consolas"/>
+              </a:rPr>
+              <a:t> frequencies </a:t>
+            </a:r>
+            <a:r>
+              <a:rPr lang="en-US" sz="2400" dirty="0" smtClean="0">
+                <a:solidFill>
+                  <a:srgbClr val="000000"/>
+                </a:solidFill>
+                <a:highlight>
+                  <a:srgbClr val="FFFFFF"/>
+                </a:highlight>
+                <a:latin typeface="Consolas"/>
+              </a:rPr>
+              <a:t>= </a:t>
+            </a:r>
+            <a:r>
+              <a:rPr lang="en-US" sz="2400" dirty="0" err="1" smtClean="0">
+                <a:solidFill>
+                  <a:srgbClr val="2B91AF"/>
+                </a:solidFill>
+                <a:highlight>
+                  <a:srgbClr val="FFFFFF"/>
+                </a:highlight>
+                <a:latin typeface="Consolas"/>
+              </a:rPr>
+              <a:t>File</a:t>
+            </a:r>
+            <a:r>
+              <a:rPr lang="en-US" sz="2400" dirty="0" err="1" smtClean="0">
+                <a:solidFill>
+                  <a:srgbClr val="000000"/>
+                </a:solidFill>
+                <a:highlight>
+                  <a:srgbClr val="FFFFFF"/>
+                </a:highlight>
+                <a:latin typeface="Consolas"/>
+              </a:rPr>
+              <a:t>.ReadLines</a:t>
+            </a:r>
+            <a:r>
+              <a:rPr lang="en-US" sz="2400" dirty="0">
+                <a:solidFill>
+                  <a:srgbClr val="000000"/>
+                </a:solidFill>
+                <a:highlight>
+                  <a:srgbClr val="FFFFFF"/>
+                </a:highlight>
+                <a:latin typeface="Consolas"/>
+              </a:rPr>
+              <a:t>(</a:t>
+            </a:r>
+            <a:r>
+              <a:rPr lang="en-US" sz="2400" dirty="0">
+                <a:solidFill>
+                  <a:srgbClr val="A31515"/>
+                </a:solidFill>
+                <a:highlight>
+                  <a:srgbClr val="FFFFFF"/>
+                </a:highlight>
+                <a:latin typeface="Consolas"/>
+              </a:rPr>
+              <a:t>"input.txt"</a:t>
+            </a:r>
+            <a:r>
+              <a:rPr lang="en-US" sz="2400" dirty="0">
+                <a:solidFill>
+                  <a:srgbClr val="000000"/>
+                </a:solidFill>
+                <a:highlight>
+                  <a:srgbClr val="FFFFFF"/>
+                </a:highlight>
+                <a:latin typeface="Consolas"/>
+              </a:rPr>
+              <a:t>)</a:t>
+            </a:r>
+          </a:p>
+          <a:p>
+            <a:pPr marL="0" indent="0">
+              <a:buNone/>
+            </a:pPr>
+            <a:r>
+              <a:rPr lang="en-US" sz="2400" dirty="0">
+                <a:solidFill>
+                  <a:srgbClr val="000000"/>
+                </a:solidFill>
+                <a:highlight>
+                  <a:srgbClr val="FFFFFF"/>
+                </a:highlight>
+                <a:latin typeface="Consolas"/>
+              </a:rPr>
+              <a:t>  .</a:t>
+            </a:r>
+            <a:r>
+              <a:rPr lang="en-US" sz="2400" dirty="0" err="1">
+                <a:solidFill>
+                  <a:srgbClr val="000000"/>
+                </a:solidFill>
+                <a:highlight>
+                  <a:srgbClr val="FFFFFF"/>
+                </a:highlight>
+                <a:latin typeface="Consolas"/>
+              </a:rPr>
+              <a:t>SelectMany</a:t>
+            </a:r>
+            <a:r>
+              <a:rPr lang="en-US" sz="2400" dirty="0">
+                <a:solidFill>
+                  <a:srgbClr val="000000"/>
+                </a:solidFill>
+                <a:highlight>
+                  <a:srgbClr val="FFFFFF"/>
+                </a:highlight>
+                <a:latin typeface="Consolas"/>
+              </a:rPr>
+              <a:t>(line =&gt; </a:t>
+            </a:r>
+            <a:r>
+              <a:rPr lang="en-US" sz="2400" dirty="0" err="1">
+                <a:solidFill>
+                  <a:srgbClr val="000000"/>
+                </a:solidFill>
+                <a:highlight>
+                  <a:srgbClr val="FFFFFF"/>
+                </a:highlight>
+                <a:latin typeface="Consolas"/>
+              </a:rPr>
+              <a:t>Regex.Split</a:t>
+            </a:r>
+            <a:r>
+              <a:rPr lang="en-US" sz="2400" dirty="0">
+                <a:solidFill>
+                  <a:srgbClr val="000000"/>
+                </a:solidFill>
+                <a:highlight>
+                  <a:srgbClr val="FFFFFF"/>
+                </a:highlight>
+                <a:latin typeface="Consolas"/>
+              </a:rPr>
+              <a:t>(line, </a:t>
+            </a:r>
+            <a:r>
+              <a:rPr lang="en-US" sz="2400" dirty="0">
+                <a:solidFill>
+                  <a:srgbClr val="A31515"/>
+                </a:solidFill>
+                <a:highlight>
+                  <a:srgbClr val="FFFFFF"/>
+                </a:highlight>
+                <a:latin typeface="Consolas"/>
+              </a:rPr>
+              <a:t>@"\W"</a:t>
+            </a:r>
+            <a:r>
+              <a:rPr lang="en-US" sz="2400" dirty="0">
+                <a:solidFill>
+                  <a:srgbClr val="000000"/>
+                </a:solidFill>
+                <a:highlight>
+                  <a:srgbClr val="FFFFFF"/>
+                </a:highlight>
+                <a:latin typeface="Consolas"/>
+              </a:rPr>
+              <a:t>))</a:t>
+            </a:r>
+          </a:p>
+          <a:p>
+            <a:pPr marL="0" indent="0">
+              <a:buNone/>
+            </a:pPr>
+            <a:r>
+              <a:rPr lang="en-US" sz="2400" dirty="0">
+                <a:solidFill>
+                  <a:srgbClr val="000000"/>
+                </a:solidFill>
+                <a:highlight>
+                  <a:srgbClr val="FFFFFF"/>
+                </a:highlight>
+                <a:latin typeface="Consolas"/>
+              </a:rPr>
+              <a:t>  </a:t>
+            </a:r>
+            <a:r>
+              <a:rPr lang="en-US" sz="2400" dirty="0" smtClean="0">
+                <a:solidFill>
+                  <a:srgbClr val="000000"/>
+                </a:solidFill>
+                <a:highlight>
+                  <a:srgbClr val="FFFFFF"/>
+                </a:highlight>
+                <a:latin typeface="Consolas"/>
+              </a:rPr>
+              <a:t>.</a:t>
+            </a:r>
+            <a:r>
+              <a:rPr lang="en-US" sz="2400" dirty="0" err="1" smtClean="0">
+                <a:solidFill>
+                  <a:srgbClr val="000000"/>
+                </a:solidFill>
+                <a:highlight>
+                  <a:srgbClr val="FFFFFF"/>
+                </a:highlight>
+                <a:latin typeface="Consolas"/>
+              </a:rPr>
+              <a:t>GroupBy</a:t>
+            </a:r>
+            <a:r>
+              <a:rPr lang="en-US" sz="2400" dirty="0" smtClean="0">
+                <a:solidFill>
+                  <a:srgbClr val="000000"/>
+                </a:solidFill>
+                <a:highlight>
+                  <a:srgbClr val="FFFFFF"/>
+                </a:highlight>
+                <a:latin typeface="Consolas"/>
+              </a:rPr>
+              <a:t>(word =&gt; word)</a:t>
+            </a:r>
+          </a:p>
+          <a:p>
+            <a:pPr marL="0" indent="0">
+              <a:buNone/>
+            </a:pPr>
+            <a:r>
+              <a:rPr lang="en-US" sz="2400" dirty="0" smtClean="0">
+                <a:solidFill>
+                  <a:srgbClr val="000000"/>
+                </a:solidFill>
+                <a:highlight>
+                  <a:srgbClr val="FFFFFF"/>
+                </a:highlight>
+                <a:latin typeface="Consolas"/>
+              </a:rPr>
+              <a:t>  .</a:t>
+            </a:r>
+            <a:r>
+              <a:rPr lang="en-US" sz="2400" dirty="0" err="1" smtClean="0">
+                <a:solidFill>
+                  <a:srgbClr val="000000"/>
+                </a:solidFill>
+                <a:highlight>
+                  <a:srgbClr val="FFFFFF"/>
+                </a:highlight>
+                <a:latin typeface="Consolas"/>
+              </a:rPr>
+              <a:t>ToDictionary</a:t>
+            </a:r>
+            <a:r>
+              <a:rPr lang="en-US" sz="2400" dirty="0" smtClean="0">
+                <a:solidFill>
+                  <a:srgbClr val="000000"/>
+                </a:solidFill>
+                <a:highlight>
+                  <a:srgbClr val="FFFFFF"/>
+                </a:highlight>
+                <a:latin typeface="Consolas"/>
+              </a:rPr>
+              <a:t>(</a:t>
+            </a:r>
+          </a:p>
+          <a:p>
+            <a:pPr marL="0" indent="0">
+              <a:buNone/>
+            </a:pPr>
+            <a:r>
+              <a:rPr lang="en-US" sz="2400" dirty="0">
+                <a:solidFill>
+                  <a:srgbClr val="000000"/>
+                </a:solidFill>
+                <a:highlight>
+                  <a:srgbClr val="FFFFFF"/>
+                </a:highlight>
+                <a:latin typeface="Consolas"/>
+              </a:rPr>
+              <a:t> </a:t>
+            </a:r>
+            <a:r>
+              <a:rPr lang="en-US" sz="2400" dirty="0" smtClean="0">
+                <a:solidFill>
+                  <a:srgbClr val="000000"/>
+                </a:solidFill>
+                <a:highlight>
+                  <a:srgbClr val="FFFFFF"/>
+                </a:highlight>
+                <a:latin typeface="Consolas"/>
+              </a:rPr>
+              <a:t>     group =&gt; </a:t>
+            </a:r>
+            <a:r>
+              <a:rPr lang="en-US" sz="2400" dirty="0" err="1" smtClean="0">
+                <a:solidFill>
+                  <a:srgbClr val="000000"/>
+                </a:solidFill>
+                <a:highlight>
+                  <a:srgbClr val="FFFFFF"/>
+                </a:highlight>
+                <a:latin typeface="Consolas"/>
+              </a:rPr>
+              <a:t>group.Key</a:t>
+            </a:r>
+            <a:r>
+              <a:rPr lang="en-US" sz="2400" dirty="0" smtClean="0">
+                <a:solidFill>
+                  <a:srgbClr val="000000"/>
+                </a:solidFill>
+                <a:highlight>
+                  <a:srgbClr val="FFFFFF"/>
+                </a:highlight>
+                <a:latin typeface="Consolas"/>
+              </a:rPr>
+              <a:t>, </a:t>
+            </a:r>
+          </a:p>
+          <a:p>
+            <a:pPr marL="0" indent="0">
+              <a:buNone/>
+            </a:pPr>
+            <a:r>
+              <a:rPr lang="en-US" sz="2400" dirty="0">
+                <a:solidFill>
+                  <a:srgbClr val="000000"/>
+                </a:solidFill>
+                <a:highlight>
+                  <a:srgbClr val="FFFFFF"/>
+                </a:highlight>
+                <a:latin typeface="Consolas"/>
+              </a:rPr>
+              <a:t> </a:t>
+            </a:r>
+            <a:r>
+              <a:rPr lang="en-US" sz="2400" dirty="0" smtClean="0">
+                <a:solidFill>
+                  <a:srgbClr val="000000"/>
+                </a:solidFill>
+                <a:highlight>
+                  <a:srgbClr val="FFFFFF"/>
+                </a:highlight>
+                <a:latin typeface="Consolas"/>
+              </a:rPr>
+              <a:t>     group =&gt; </a:t>
+            </a:r>
+            <a:r>
+              <a:rPr lang="en-US" sz="2400" dirty="0" err="1" smtClean="0">
+                <a:solidFill>
+                  <a:srgbClr val="000000"/>
+                </a:solidFill>
+                <a:highlight>
+                  <a:srgbClr val="FFFFFF"/>
+                </a:highlight>
+                <a:latin typeface="Consolas"/>
+              </a:rPr>
+              <a:t>group.Count</a:t>
+            </a:r>
+            <a:r>
+              <a:rPr lang="en-US" sz="2400" dirty="0" smtClean="0">
+                <a:solidFill>
+                  <a:srgbClr val="000000"/>
+                </a:solidFill>
+                <a:highlight>
+                  <a:srgbClr val="FFFFFF"/>
+                </a:highlight>
+                <a:latin typeface="Consolas"/>
+              </a:rPr>
+              <a:t>())</a:t>
+            </a:r>
+            <a:endParaRPr lang="ru-RU" sz="2800" dirty="0" smtClean="0"/>
+          </a:p>
+          <a:p>
+            <a:pPr marL="0" indent="0">
+              <a:buNone/>
+            </a:pPr>
+            <a:endParaRPr lang="ru-RU" sz="2400" dirty="0" smtClean="0"/>
+          </a:p>
+          <a:p>
+            <a:pPr marL="0" indent="0">
+              <a:buNone/>
+            </a:pPr>
+            <a:r>
+              <a:rPr lang="en-US" sz="2400" dirty="0" smtClean="0"/>
+              <a:t>//</a:t>
+            </a:r>
+            <a:r>
+              <a:rPr lang="ru-RU" sz="2400" dirty="0" smtClean="0"/>
+              <a:t> Частотный словарь текста</a:t>
+            </a:r>
+            <a:endParaRPr lang="en-US" sz="2400" dirty="0"/>
+          </a:p>
+        </p:txBody>
+      </p:sp>
+    </p:spTree>
+    <p:extLst>
+      <p:ext uri="{BB962C8B-B14F-4D97-AF65-F5344CB8AC3E}">
+        <p14:creationId xmlns:p14="http://schemas.microsoft.com/office/powerpoint/2010/main" val="2418652926"/>
+      </p:ext>
+    </p:extLst>
+  </p:cSld>
+  <p:clrMapOvr>
+    <a:masterClrMapping/>
+  </p:clrMapOvr>
+  <p:timing>
+    <p:tnLst>
+      <p:par>
+        <p:cTn id="1" dur="indefinite" restart="never" nodeType="tmRoot"/>
+      </p:par>
+    </p:tnLst>
+  </p:timing>
+</p:sld>
+</file>
+
+<file path=ppt/slides/slide14.xml><?xml version="1.0" encoding="utf-8"?>
+<p:sld xmlns:a="http://schemas.openxmlformats.org/drawingml/2006/main" xmlns:r="http://schemas.openxmlformats.org/officeDocument/2006/relationships" xmlns:p="http://schemas.openxmlformats.org/presentationml/2006/main">
+  <p:cSld>
+    <p:spTree>
+      <p:nvGrpSpPr>
+        <p:cNvPr id="1" name=""/>
+        <p:cNvGrpSpPr/>
+        <p:nvPr/>
+      </p:nvGrpSpPr>
+      <p:grpSpPr>
+        <a:xfrm>
+          <a:off x="0" y="0"/>
+          <a:ext cx="0" cy="0"/>
+          <a:chOff x="0" y="0"/>
+          <a:chExt cx="0" cy="0"/>
+        </a:xfrm>
+      </p:grpSpPr>
+      <p:sp>
+        <p:nvSpPr>
+          <p:cNvPr id="2" name="Заголовок 1"/>
+          <p:cNvSpPr>
+            <a:spLocks noGrp="1"/>
+          </p:cNvSpPr>
+          <p:nvPr>
+            <p:ph type="title"/>
+          </p:nvPr>
+        </p:nvSpPr>
+        <p:spPr/>
+        <p:txBody>
+          <a:bodyPr/>
+          <a:lstStyle/>
+          <a:p>
+            <a:r>
+              <a:rPr lang="en-US" dirty="0" smtClean="0"/>
+              <a:t>LINQ</a:t>
+            </a:r>
+            <a:endParaRPr lang="ru-RU" dirty="0"/>
+          </a:p>
+        </p:txBody>
+      </p:sp>
+      <p:sp>
+        <p:nvSpPr>
+          <p:cNvPr id="3" name="Объект 2"/>
+          <p:cNvSpPr>
+            <a:spLocks noGrp="1"/>
+          </p:cNvSpPr>
+          <p:nvPr>
+            <p:ph idx="1"/>
+          </p:nvPr>
+        </p:nvSpPr>
+        <p:spPr/>
+        <p:txBody>
+          <a:bodyPr/>
+          <a:lstStyle/>
+          <a:p>
+            <a:pPr marL="0" indent="0">
+              <a:buNone/>
+            </a:pPr>
+            <a:r>
+              <a:rPr lang="ru-RU" dirty="0"/>
+              <a:t>Экстремально удобный язык для манипулирования </a:t>
+            </a:r>
+            <a:r>
+              <a:rPr lang="ru-RU" dirty="0" smtClean="0"/>
+              <a:t>данными</a:t>
+            </a:r>
+            <a:r>
+              <a:rPr lang="ru-RU" dirty="0"/>
+              <a:t>.</a:t>
+            </a:r>
+          </a:p>
+          <a:p>
+            <a:pPr marL="0" indent="0">
+              <a:buNone/>
+            </a:pPr>
+            <a:endParaRPr lang="ru-RU" dirty="0" smtClean="0"/>
+          </a:p>
+          <a:p>
+            <a:pPr marL="0" indent="0">
+              <a:buNone/>
+            </a:pPr>
+            <a:r>
+              <a:rPr lang="ru-RU" dirty="0" smtClean="0"/>
+              <a:t>Возня </a:t>
+            </a:r>
+            <a:r>
+              <a:rPr lang="ru-RU" dirty="0"/>
+              <a:t>с индексами в </a:t>
+            </a:r>
+            <a:r>
+              <a:rPr lang="ru-RU" dirty="0" smtClean="0"/>
+              <a:t>прошлом!</a:t>
+            </a:r>
+            <a:endParaRPr lang="ru-RU" dirty="0"/>
+          </a:p>
+          <a:p>
+            <a:pPr marL="0" indent="0">
+              <a:buNone/>
+            </a:pPr>
+            <a:r>
+              <a:rPr lang="ru-RU" dirty="0" smtClean="0"/>
+              <a:t>Циклы </a:t>
+            </a:r>
+            <a:r>
+              <a:rPr lang="ru-RU" dirty="0"/>
+              <a:t>— слишком низкоуровневая </a:t>
+            </a:r>
+            <a:r>
+              <a:rPr lang="ru-RU" dirty="0" smtClean="0"/>
+              <a:t>штука</a:t>
+            </a:r>
+            <a:r>
+              <a:rPr lang="ru-RU" dirty="0"/>
+              <a:t>!</a:t>
+            </a:r>
+            <a:endParaRPr lang="en-US" dirty="0"/>
+          </a:p>
+        </p:txBody>
+      </p:sp>
+    </p:spTree>
+    <p:extLst>
+      <p:ext uri="{BB962C8B-B14F-4D97-AF65-F5344CB8AC3E}">
+        <p14:creationId xmlns:p14="http://schemas.microsoft.com/office/powerpoint/2010/main" val="3065775615"/>
+      </p:ext>
+    </p:extLst>
+  </p:cSld>
+  <p:clrMapOvr>
+    <a:masterClrMapping/>
+  </p:clrMapOvr>
+  <p:timing>
+    <p:tnLst>
+      <p:par>
+        <p:cTn id="1" dur="indefinite" restart="never" nodeType="tmRoot"/>
+      </p:par>
+    </p:tnLst>
+  </p:timing>
+</p:sld>
+</file>
+
+<file path=ppt/slides/slide15.xml><?xml version="1.0" encoding="utf-8"?>
+<p:sld xmlns:a="http://schemas.openxmlformats.org/drawingml/2006/main" xmlns:r="http://schemas.openxmlformats.org/officeDocument/2006/relationships" xmlns:p="http://schemas.openxmlformats.org/presentationml/2006/main">
+  <p:cSld>
+    <p:spTree>
+      <p:nvGrpSpPr>
+        <p:cNvPr id="1" name=""/>
+        <p:cNvGrpSpPr/>
+        <p:nvPr/>
+      </p:nvGrpSpPr>
+      <p:grpSpPr>
+        <a:xfrm>
+          <a:off x="0" y="0"/>
+          <a:ext cx="0" cy="0"/>
+          <a:chOff x="0" y="0"/>
+          <a:chExt cx="0" cy="0"/>
+        </a:xfrm>
+      </p:grpSpPr>
+      <p:sp>
+        <p:nvSpPr>
+          <p:cNvPr id="2" name="Заголовок 1"/>
+          <p:cNvSpPr>
+            <a:spLocks noGrp="1"/>
+          </p:cNvSpPr>
+          <p:nvPr>
+            <p:ph type="title"/>
+          </p:nvPr>
+        </p:nvSpPr>
+        <p:spPr/>
+        <p:txBody>
+          <a:bodyPr>
+            <a:normAutofit/>
+          </a:bodyPr>
+          <a:lstStyle/>
+          <a:p>
+            <a:r>
+              <a:rPr lang="ru-RU" dirty="0"/>
+              <a:t>Как осваивать?</a:t>
+            </a:r>
+          </a:p>
+        </p:txBody>
+      </p:sp>
+      <p:sp>
+        <p:nvSpPr>
+          <p:cNvPr id="3" name="Объект 2"/>
+          <p:cNvSpPr>
+            <a:spLocks noGrp="1"/>
+          </p:cNvSpPr>
+          <p:nvPr>
+            <p:ph idx="1"/>
+          </p:nvPr>
+        </p:nvSpPr>
+        <p:spPr>
+          <a:xfrm>
+            <a:off x="457200" y="1268760"/>
+            <a:ext cx="8229600" cy="4853136"/>
+          </a:xfrm>
+        </p:spPr>
+        <p:txBody>
+          <a:bodyPr>
+            <a:normAutofit/>
+          </a:bodyPr>
+          <a:lstStyle/>
+          <a:p>
+            <a:pPr marL="0" indent="0">
+              <a:buNone/>
+            </a:pPr>
+            <a:r>
+              <a:rPr lang="en-US" b="1" dirty="0" smtClean="0"/>
+              <a:t>using</a:t>
+            </a:r>
+            <a:r>
+              <a:rPr lang="en-US" dirty="0" smtClean="0"/>
+              <a:t> </a:t>
+            </a:r>
+            <a:r>
+              <a:rPr lang="en-US" dirty="0" err="1" smtClean="0"/>
+              <a:t>System.Linq</a:t>
+            </a:r>
+            <a:r>
+              <a:rPr lang="en-US" dirty="0" smtClean="0"/>
+              <a:t>;</a:t>
+            </a:r>
+          </a:p>
+          <a:p>
+            <a:pPr marL="0" indent="0">
+              <a:buNone/>
+            </a:pPr>
+            <a:endParaRPr lang="en-US" dirty="0" smtClean="0"/>
+          </a:p>
+          <a:p>
+            <a:pPr marL="0" indent="0">
+              <a:buNone/>
+            </a:pPr>
+            <a:endParaRPr lang="en-US" dirty="0"/>
+          </a:p>
+          <a:p>
+            <a:pPr marL="0" indent="0">
+              <a:buNone/>
+            </a:pPr>
+            <a:endParaRPr lang="ru-RU" dirty="0" smtClean="0"/>
+          </a:p>
+          <a:p>
+            <a:pPr marL="0" indent="0">
+              <a:buNone/>
+            </a:pPr>
+            <a:endParaRPr lang="en-US" dirty="0" smtClean="0"/>
+          </a:p>
+          <a:p>
+            <a:pPr marL="0" indent="0">
+              <a:buNone/>
+            </a:pPr>
+            <a:endParaRPr lang="en-US" dirty="0"/>
+          </a:p>
+          <a:p>
+            <a:pPr marL="0" indent="0">
+              <a:buNone/>
+            </a:pPr>
+            <a:r>
+              <a:rPr lang="ru-RU" dirty="0" smtClean="0">
+                <a:hlinkClick r:id="rId2"/>
+              </a:rPr>
+              <a:t>Статья на </a:t>
+            </a:r>
+            <a:r>
+              <a:rPr lang="en-US" dirty="0" smtClean="0">
+                <a:hlinkClick r:id="rId2"/>
+              </a:rPr>
+              <a:t>RSDN </a:t>
+            </a:r>
+            <a:r>
+              <a:rPr lang="ru-RU" dirty="0" smtClean="0">
+                <a:hlinkClick r:id="rId2"/>
+              </a:rPr>
+              <a:t>«</a:t>
+            </a:r>
+            <a:r>
+              <a:rPr lang="en-US" dirty="0" smtClean="0">
+                <a:hlinkClick r:id="rId2"/>
+              </a:rPr>
+              <a:t>C</a:t>
+            </a:r>
+            <a:r>
+              <a:rPr lang="en-US" dirty="0">
+                <a:hlinkClick r:id="rId2"/>
+              </a:rPr>
+              <a:t># 3.0 </a:t>
+            </a:r>
+            <a:r>
+              <a:rPr lang="ru-RU" dirty="0">
+                <a:hlinkClick r:id="rId2"/>
+              </a:rPr>
+              <a:t>и </a:t>
+            </a:r>
+            <a:r>
+              <a:rPr lang="en-US" dirty="0" smtClean="0">
+                <a:hlinkClick r:id="rId2"/>
+              </a:rPr>
+              <a:t>LINQ</a:t>
+            </a:r>
+            <a:r>
+              <a:rPr lang="ru-RU" dirty="0" smtClean="0">
+                <a:hlinkClick r:id="rId2"/>
+              </a:rPr>
+              <a:t>»</a:t>
+            </a:r>
+            <a:r>
+              <a:rPr lang="ru-RU" dirty="0" smtClean="0"/>
+              <a:t> (</a:t>
+            </a:r>
+            <a:r>
+              <a:rPr lang="en-US" dirty="0" err="1" smtClean="0"/>
+              <a:t>ru</a:t>
+            </a:r>
+            <a:r>
+              <a:rPr lang="en-US" dirty="0" smtClean="0"/>
+              <a:t>)</a:t>
+            </a:r>
+            <a:r>
+              <a:rPr lang="ru-RU" b="1" dirty="0" smtClean="0"/>
+              <a:t> </a:t>
+            </a:r>
+            <a:endParaRPr lang="en-US" b="1" dirty="0"/>
+          </a:p>
+          <a:p>
+            <a:pPr marL="0" indent="0">
+              <a:buNone/>
+            </a:pPr>
+            <a:r>
+              <a:rPr lang="ru-RU" dirty="0" smtClean="0"/>
+              <a:t>По аналогии с </a:t>
+            </a:r>
+            <a:r>
+              <a:rPr lang="en-US" dirty="0" smtClean="0"/>
+              <a:t>SQL</a:t>
+            </a:r>
+            <a:endParaRPr lang="ru-RU" dirty="0"/>
+          </a:p>
+        </p:txBody>
+      </p:sp>
+      <p:pic>
+        <p:nvPicPr>
+          <p:cNvPr id="1026" name="Picture 2"/>
+          <p:cNvPicPr>
+            <a:picLocks noChangeAspect="1" noChangeArrowheads="1"/>
+          </p:cNvPicPr>
+          <p:nvPr/>
+        </p:nvPicPr>
+        <p:blipFill rotWithShape="1">
+          <a:blip r:embed="rId3">
+            <a:extLst>
+              <a:ext uri="{28A0092B-C50C-407E-A947-70E740481C1C}">
+                <a14:useLocalDpi xmlns:a14="http://schemas.microsoft.com/office/drawing/2010/main" val="0"/>
+              </a:ext>
+            </a:extLst>
+          </a:blip>
+          <a:srcRect b="1571"/>
+          <a:stretch/>
+        </p:blipFill>
+        <p:spPr bwMode="auto">
+          <a:xfrm>
+            <a:off x="601838" y="1844824"/>
+            <a:ext cx="7066506" cy="2729239"/>
+          </a:xfrm>
+          <a:prstGeom prst="rect">
+            <a:avLst/>
+          </a:prstGeom>
+          <a:noFill/>
+          <a:ln>
+            <a:noFill/>
+          </a:ln>
+          <a:effectLst/>
+          <a:extLst>
+            <a:ext uri="{909E8E84-426E-40DD-AFC4-6F175D3DCCD1}">
+              <a14:hiddenFill xmlns:a14="http://schemas.microsoft.com/office/drawing/2010/main">
+                <a:solidFill>
+                  <a:schemeClr val="accent1"/>
+                </a:solidFill>
+              </a14:hiddenFill>
+            </a:ext>
+            <a:ext uri="{91240B29-F687-4F45-9708-019B960494DF}">
+              <a14:hiddenLine xmlns:a14="http://schemas.microsoft.com/office/drawing/2010/main" w="9525">
+                <a:solidFill>
+                  <a:schemeClr val="tx1"/>
+                </a:solidFill>
+                <a:miter lim="800000"/>
+                <a:headEnd/>
+                <a:tailEnd/>
+              </a14:hiddenLine>
+            </a:ext>
+            <a:ext uri="{AF507438-7753-43E0-B8FC-AC1667EBCBE1}">
+              <a14:hiddenEffects xmlns:a14="http://schemas.microsoft.com/office/drawing/2010/main">
+                <a:effectLst>
+                  <a:outerShdw dist="35921" dir="2700000" algn="ctr" rotWithShape="0">
+                    <a:schemeClr val="bg2"/>
+                  </a:outerShdw>
+                </a:effectLst>
+              </a14:hiddenEffects>
+            </a:ext>
+          </a:extLst>
+        </p:spPr>
+      </p:pic>
+      <p:sp>
+        <p:nvSpPr>
+          <p:cNvPr id="5" name="TextBox 4"/>
+          <p:cNvSpPr txBox="1"/>
+          <p:nvPr/>
+        </p:nvSpPr>
+        <p:spPr>
+          <a:xfrm>
+            <a:off x="4211960" y="2564904"/>
+            <a:ext cx="2634054" cy="707886"/>
+          </a:xfrm>
+          <a:prstGeom prst="rect">
+            <a:avLst/>
+          </a:prstGeom>
+          <a:noFill/>
+        </p:spPr>
+        <p:txBody>
+          <a:bodyPr wrap="none" rtlCol="0">
+            <a:spAutoFit/>
+          </a:bodyPr>
+          <a:lstStyle/>
+          <a:p>
+            <a:r>
+              <a:rPr lang="en-US" sz="4000" dirty="0" smtClean="0"/>
+              <a:t>Ctrl + Space</a:t>
+            </a:r>
+            <a:endParaRPr lang="ru-RU" sz="4000" dirty="0"/>
+          </a:p>
+        </p:txBody>
+      </p:sp>
+    </p:spTree>
+    <p:extLst>
+      <p:ext uri="{BB962C8B-B14F-4D97-AF65-F5344CB8AC3E}">
+        <p14:creationId xmlns:p14="http://schemas.microsoft.com/office/powerpoint/2010/main" val="4230392976"/>
+      </p:ext>
+    </p:extLst>
+  </p:cSld>
+  <p:clrMapOvr>
+    <a:masterClrMapping/>
+  </p:clrMapOvr>
+  <p:timing>
+    <p:tnLst>
+      <p:par>
+        <p:cTn id="1" dur="indefinite" restart="never" nodeType="tmRoot">
+          <p:childTnLst>
+            <p:seq concurrent="1" nextAc="seek">
+              <p:cTn id="2" dur="indefinite" nodeType="mainSeq">
+                <p:childTnLst>
+                  <p:par>
+                    <p:cTn id="3" fill="hold">
+                      <p:stCondLst>
+                        <p:cond delay="indefinite"/>
+                      </p:stCondLst>
+                      <p:childTnLst>
+                        <p:par>
+                          <p:cTn id="4" fill="hold">
+                            <p:stCondLst>
+                              <p:cond delay="0"/>
+                            </p:stCondLst>
+                            <p:childTnLst>
+                              <p:par>
+                                <p:cTn id="5" presetID="1" presetClass="entr" presetSubtype="0" fill="hold" nodeType="clickEffect">
+                                  <p:stCondLst>
+                                    <p:cond delay="0"/>
+                                  </p:stCondLst>
+                                  <p:childTnLst>
+                                    <p:set>
+                                      <p:cBhvr>
+                                        <p:cTn id="6" dur="1" fill="hold">
+                                          <p:stCondLst>
+                                            <p:cond delay="0"/>
+                                          </p:stCondLst>
+                                        </p:cTn>
+                                        <p:tgtEl>
+                                          <p:spTgt spid="1026"/>
+                                        </p:tgtEl>
+                                        <p:attrNameLst>
+                                          <p:attrName>style.visibility</p:attrName>
+                                        </p:attrNameLst>
+                                      </p:cBhvr>
+                                      <p:to>
+                                        <p:strVal val="visible"/>
+                                      </p:to>
+                                    </p:set>
+                                  </p:childTnLst>
+                                </p:cTn>
+                              </p:par>
+                              <p:par>
+                                <p:cTn id="7" presetID="1" presetClass="entr" presetSubtype="0" fill="hold" grpId="0" nodeType="withEffect">
+                                  <p:stCondLst>
+                                    <p:cond delay="0"/>
+                                  </p:stCondLst>
+                                  <p:childTnLst>
+                                    <p:set>
+                                      <p:cBhvr>
+                                        <p:cTn id="8" dur="1" fill="hold">
+                                          <p:stCondLst>
+                                            <p:cond delay="0"/>
+                                          </p:stCondLst>
+                                        </p:cTn>
+                                        <p:tgtEl>
+                                          <p:spTgt spid="5"/>
+                                        </p:tgtEl>
+                                        <p:attrNameLst>
+                                          <p:attrName>style.visibility</p:attrName>
+                                        </p:attrNameLst>
+                                      </p:cBhvr>
+                                      <p:to>
+                                        <p:strVal val="visible"/>
+                                      </p:to>
+                                    </p:set>
+                                  </p:childTnLst>
+                                </p:cTn>
+                              </p:par>
+                            </p:childTnLst>
+                          </p:cTn>
+                        </p:par>
+                      </p:childTnLst>
+                    </p:cTn>
+                  </p:par>
+                  <p:par>
+                    <p:cTn id="9" fill="hold">
+                      <p:stCondLst>
+                        <p:cond delay="indefinite"/>
+                      </p:stCondLst>
+                      <p:childTnLst>
+                        <p:par>
+                          <p:cTn id="10" fill="hold">
+                            <p:stCondLst>
+                              <p:cond delay="0"/>
+                            </p:stCondLst>
+                            <p:childTnLst>
+                              <p:par>
+                                <p:cTn id="11" presetID="1" presetClass="entr" presetSubtype="0" fill="hold" nodeType="clickEffect">
+                                  <p:stCondLst>
+                                    <p:cond delay="0"/>
+                                  </p:stCondLst>
+                                  <p:childTnLst>
+                                    <p:set>
+                                      <p:cBhvr>
+                                        <p:cTn id="12" dur="1" fill="hold">
+                                          <p:stCondLst>
+                                            <p:cond delay="0"/>
+                                          </p:stCondLst>
+                                        </p:cTn>
+                                        <p:tgtEl>
+                                          <p:spTgt spid="3">
+                                            <p:txEl>
+                                              <p:pRg st="6" end="6"/>
+                                            </p:txEl>
+                                          </p:spTgt>
+                                        </p:tgtEl>
+                                        <p:attrNameLst>
+                                          <p:attrName>style.visibility</p:attrName>
+                                        </p:attrNameLst>
+                                      </p:cBhvr>
+                                      <p:to>
+                                        <p:strVal val="visible"/>
+                                      </p:to>
+                                    </p:set>
+                                  </p:childTnLst>
+                                </p:cTn>
+                              </p:par>
+                            </p:childTnLst>
+                          </p:cTn>
+                        </p:par>
+                      </p:childTnLst>
+                    </p:cTn>
+                  </p:par>
+                  <p:par>
+                    <p:cTn id="13" fill="hold">
+                      <p:stCondLst>
+                        <p:cond delay="indefinite"/>
+                      </p:stCondLst>
+                      <p:childTnLst>
+                        <p:par>
+                          <p:cTn id="14" fill="hold">
+                            <p:stCondLst>
+                              <p:cond delay="0"/>
+                            </p:stCondLst>
+                            <p:childTnLst>
+                              <p:par>
+                                <p:cTn id="15" presetID="1" presetClass="entr" presetSubtype="0" fill="hold" nodeType="clickEffect">
+                                  <p:stCondLst>
+                                    <p:cond delay="0"/>
+                                  </p:stCondLst>
+                                  <p:childTnLst>
+                                    <p:set>
+                                      <p:cBhvr>
+                                        <p:cTn id="16" dur="1" fill="hold">
+                                          <p:stCondLst>
+                                            <p:cond delay="0"/>
+                                          </p:stCondLst>
+                                        </p:cTn>
+                                        <p:tgtEl>
+                                          <p:spTgt spid="3">
+                                            <p:txEl>
+                                              <p:pRg st="7" end="7"/>
+                                            </p:txEl>
+                                          </p:spTgt>
+                                        </p:tgtEl>
+                                        <p:attrNameLst>
+                                          <p:attrName>style.visibility</p:attrName>
+                                        </p:attrNameLst>
+                                      </p:cBhvr>
+                                      <p:to>
+                                        <p:strVal val="visible"/>
+                                      </p:to>
+                                    </p:set>
+                                  </p:childTnLst>
+                                </p:cTn>
+                              </p:par>
+                            </p:childTnLst>
+                          </p:cTn>
+                        </p:par>
+                      </p:childTnLst>
+                    </p:cTn>
+                  </p:par>
+                </p:childTnLst>
+              </p:cTn>
+              <p:prevCondLst>
+                <p:cond evt="onPrev" delay="0">
+                  <p:tgtEl>
+                    <p:sldTgt/>
+                  </p:tgtEl>
+                </p:cond>
+              </p:prevCondLst>
+              <p:nextCondLst>
+                <p:cond evt="onNext" delay="0">
+                  <p:tgtEl>
+                    <p:sldTgt/>
+                  </p:tgtEl>
+                </p:cond>
+              </p:nextCondLst>
+            </p:seq>
+          </p:childTnLst>
+        </p:cTn>
+      </p:par>
+    </p:tnLst>
+    <p:bldLst>
+      <p:bldP spid="5" grpId="0"/>
+    </p:bldLst>
+  </p:timing>
+</p:sld>
+</file>
+
+<file path=ppt/slides/slide16.xml><?xml version="1.0" encoding="utf-8"?>
+<p:sld xmlns:a="http://schemas.openxmlformats.org/drawingml/2006/main" xmlns:r="http://schemas.openxmlformats.org/officeDocument/2006/relationships" xmlns:p="http://schemas.openxmlformats.org/presentationml/2006/main">
+  <p:cSld>
+    <p:spTree>
+      <p:nvGrpSpPr>
+        <p:cNvPr id="1" name=""/>
+        <p:cNvGrpSpPr/>
+        <p:nvPr/>
+      </p:nvGrpSpPr>
+      <p:grpSpPr>
+        <a:xfrm>
+          <a:off x="0" y="0"/>
+          <a:ext cx="0" cy="0"/>
+          <a:chOff x="0" y="0"/>
+          <a:chExt cx="0" cy="0"/>
+        </a:xfrm>
+      </p:grpSpPr>
+      <p:sp>
+        <p:nvSpPr>
+          <p:cNvPr id="2" name="Заголовок 1"/>
+          <p:cNvSpPr>
+            <a:spLocks noGrp="1"/>
+          </p:cNvSpPr>
+          <p:nvPr>
+            <p:ph type="title"/>
+          </p:nvPr>
+        </p:nvSpPr>
+        <p:spPr/>
+        <p:txBody>
+          <a:bodyPr>
+            <a:normAutofit/>
+          </a:bodyPr>
+          <a:lstStyle/>
+          <a:p>
+            <a:r>
+              <a:rPr lang="ru-RU" dirty="0"/>
+              <a:t>Как осваивать?</a:t>
+            </a:r>
+          </a:p>
+        </p:txBody>
+      </p:sp>
+      <p:sp>
+        <p:nvSpPr>
+          <p:cNvPr id="4" name="Объект 3"/>
+          <p:cNvSpPr>
+            <a:spLocks noGrp="1"/>
+          </p:cNvSpPr>
+          <p:nvPr>
+            <p:ph idx="1"/>
+          </p:nvPr>
+        </p:nvSpPr>
+        <p:spPr/>
+        <p:txBody>
+          <a:bodyPr/>
+          <a:lstStyle/>
+          <a:p>
+            <a:pPr marL="0" indent="0">
+              <a:buNone/>
+            </a:pPr>
+            <a:r>
+              <a:rPr lang="ru-RU" dirty="0" smtClean="0"/>
+              <a:t>Онлайн практикум по </a:t>
+            </a:r>
+            <a:r>
+              <a:rPr lang="ru-RU" dirty="0"/>
+              <a:t>языку запросов LINQ</a:t>
+            </a:r>
+            <a:br>
+              <a:rPr lang="ru-RU" dirty="0"/>
+            </a:br>
+            <a:r>
+              <a:rPr lang="en-US" dirty="0" smtClean="0">
+                <a:hlinkClick r:id="rId2"/>
+              </a:rPr>
+              <a:t>https</a:t>
+            </a:r>
+            <a:r>
+              <a:rPr lang="en-US" dirty="0">
+                <a:hlinkClick r:id="rId2"/>
+              </a:rPr>
+              <a:t>://</a:t>
+            </a:r>
+            <a:r>
+              <a:rPr lang="en-US" dirty="0" smtClean="0">
+                <a:hlinkClick r:id="rId2"/>
+              </a:rPr>
+              <a:t>ulearn.azurewebsites.net/Course/Linq</a:t>
+            </a:r>
+            <a:r>
+              <a:rPr lang="ru-RU" dirty="0" smtClean="0"/>
+              <a:t/>
+            </a:r>
+            <a:br>
+              <a:rPr lang="ru-RU" dirty="0" smtClean="0"/>
+            </a:br>
+            <a:endParaRPr lang="ru-RU" dirty="0" smtClean="0"/>
+          </a:p>
+          <a:p>
+            <a:pPr marL="0" indent="0">
+              <a:buNone/>
+            </a:pPr>
+            <a:endParaRPr lang="ru-RU" dirty="0"/>
+          </a:p>
+        </p:txBody>
+      </p:sp>
+    </p:spTree>
+    <p:extLst>
+      <p:ext uri="{BB962C8B-B14F-4D97-AF65-F5344CB8AC3E}">
+        <p14:creationId xmlns:p14="http://schemas.microsoft.com/office/powerpoint/2010/main" val="690476723"/>
+      </p:ext>
+    </p:extLst>
+  </p:cSld>
+  <p:clrMapOvr>
+    <a:masterClrMapping/>
+  </p:clrMapOvr>
+  <p:timing>
+    <p:tnLst>
+      <p:par>
+        <p:cTn id="1" dur="indefinite" restart="never" nodeType="tmRoot"/>
+      </p:par>
+    </p:tnLst>
+  </p:timing>
+</p:sld>
+</file>
+
+<file path=ppt/slides/slide17.xml><?xml version="1.0" encoding="utf-8"?>
+<p:sld xmlns:a="http://schemas.openxmlformats.org/drawingml/2006/main" xmlns:r="http://schemas.openxmlformats.org/officeDocument/2006/relationships" xmlns:p="http://schemas.openxmlformats.org/presentationml/2006/main">
+  <p:cSld>
+    <p:spTree>
+      <p:nvGrpSpPr>
+        <p:cNvPr id="1" name=""/>
+        <p:cNvGrpSpPr/>
+        <p:nvPr/>
+      </p:nvGrpSpPr>
+      <p:grpSpPr>
+        <a:xfrm>
+          <a:off x="0" y="0"/>
+          <a:ext cx="0" cy="0"/>
+          <a:chOff x="0" y="0"/>
+          <a:chExt cx="0" cy="0"/>
+        </a:xfrm>
+      </p:grpSpPr>
+      <p:sp>
+        <p:nvSpPr>
+          <p:cNvPr id="4" name="Заголовок 3"/>
+          <p:cNvSpPr>
+            <a:spLocks noGrp="1"/>
+          </p:cNvSpPr>
+          <p:nvPr>
+            <p:ph type="title"/>
+          </p:nvPr>
+        </p:nvSpPr>
+        <p:spPr/>
+        <p:txBody>
+          <a:bodyPr/>
+          <a:lstStyle/>
+          <a:p>
+            <a:r>
+              <a:rPr lang="ru-RU" dirty="0" smtClean="0"/>
+              <a:t>Тестирование</a:t>
+            </a:r>
+            <a:endParaRPr lang="ru-RU" dirty="0"/>
+          </a:p>
+        </p:txBody>
+      </p:sp>
+      <p:sp>
+        <p:nvSpPr>
+          <p:cNvPr id="5" name="Текст 4"/>
+          <p:cNvSpPr>
+            <a:spLocks noGrp="1"/>
+          </p:cNvSpPr>
+          <p:nvPr>
+            <p:ph type="body" idx="1"/>
+          </p:nvPr>
+        </p:nvSpPr>
+        <p:spPr/>
+        <p:txBody>
+          <a:bodyPr/>
+          <a:lstStyle/>
+          <a:p>
+            <a:endParaRPr lang="ru-RU"/>
+          </a:p>
+        </p:txBody>
+      </p:sp>
+    </p:spTree>
+    <p:extLst>
+      <p:ext uri="{BB962C8B-B14F-4D97-AF65-F5344CB8AC3E}">
+        <p14:creationId xmlns:p14="http://schemas.microsoft.com/office/powerpoint/2010/main" val="2632731554"/>
+      </p:ext>
+    </p:extLst>
+  </p:cSld>
+  <p:clrMapOvr>
+    <a:masterClrMapping/>
+  </p:clrMapOvr>
+  <p:timing>
+    <p:tnLst>
+      <p:par>
+        <p:cTn id="1" dur="indefinite" restart="never" nodeType="tmRoot"/>
+      </p:par>
+    </p:tnLst>
+  </p:timing>
+</p:sld>
+</file>
+
+<file path=ppt/slides/slide18.xml><?xml version="1.0" encoding="utf-8"?>
+<p:sld xmlns:a="http://schemas.openxmlformats.org/drawingml/2006/main" xmlns:r="http://schemas.openxmlformats.org/officeDocument/2006/relationships" xmlns:p="http://schemas.openxmlformats.org/presentationml/2006/main">
+  <p:cSld>
+    <p:spTree>
+      <p:nvGrpSpPr>
+        <p:cNvPr id="1" name=""/>
+        <p:cNvGrpSpPr/>
+        <p:nvPr/>
+      </p:nvGrpSpPr>
+      <p:grpSpPr>
+        <a:xfrm>
+          <a:off x="0" y="0"/>
+          <a:ext cx="0" cy="0"/>
+          <a:chOff x="0" y="0"/>
+          <a:chExt cx="0" cy="0"/>
+        </a:xfrm>
+      </p:grpSpPr>
+      <p:sp>
+        <p:nvSpPr>
+          <p:cNvPr id="4" name="Заголовок 3"/>
+          <p:cNvSpPr>
+            <a:spLocks noGrp="1"/>
+          </p:cNvSpPr>
+          <p:nvPr>
+            <p:ph type="title"/>
+          </p:nvPr>
+        </p:nvSpPr>
+        <p:spPr/>
+        <p:txBody>
+          <a:bodyPr>
+            <a:normAutofit/>
+          </a:bodyPr>
+          <a:lstStyle/>
+          <a:p>
+            <a:r>
+              <a:rPr lang="en-US" dirty="0" err="1" smtClean="0"/>
+              <a:t>NUnit</a:t>
+            </a:r>
+            <a:r>
+              <a:rPr lang="en-US" dirty="0" smtClean="0"/>
+              <a:t> demo</a:t>
+            </a:r>
+            <a:endParaRPr lang="ru-RU" dirty="0"/>
+          </a:p>
+        </p:txBody>
+      </p:sp>
+      <p:sp>
+        <p:nvSpPr>
+          <p:cNvPr id="5" name="Объект 4"/>
+          <p:cNvSpPr>
+            <a:spLocks noGrp="1"/>
+          </p:cNvSpPr>
+          <p:nvPr>
+            <p:ph idx="1"/>
+          </p:nvPr>
+        </p:nvSpPr>
+        <p:spPr/>
+        <p:txBody>
+          <a:bodyPr/>
+          <a:lstStyle/>
+          <a:p>
+            <a:pPr marL="0" indent="0">
+              <a:buNone/>
+            </a:pPr>
+            <a:endParaRPr lang="ru-RU" dirty="0"/>
+          </a:p>
+        </p:txBody>
+      </p:sp>
+    </p:spTree>
+    <p:extLst>
+      <p:ext uri="{BB962C8B-B14F-4D97-AF65-F5344CB8AC3E}">
+        <p14:creationId xmlns:p14="http://schemas.microsoft.com/office/powerpoint/2010/main" val="3705630178"/>
+      </p:ext>
+    </p:extLst>
+  </p:cSld>
+  <p:clrMapOvr>
+    <a:masterClrMapping/>
+  </p:clrMapOvr>
+  <p:timing>
+    <p:tnLst>
+      <p:par>
+        <p:cTn id="1" dur="indefinite" restart="never" nodeType="tmRoot"/>
+      </p:par>
+    </p:tnLst>
+  </p:timing>
+</p:sld>
+</file>
+
+<file path=ppt/slides/slide19.xml><?xml version="1.0" encoding="utf-8"?>
+<p:sld xmlns:a="http://schemas.openxmlformats.org/drawingml/2006/main" xmlns:r="http://schemas.openxmlformats.org/officeDocument/2006/relationships" xmlns:p="http://schemas.openxmlformats.org/presentationml/2006/main">
+  <p:cSld>
+    <p:spTree>
+      <p:nvGrpSpPr>
+        <p:cNvPr id="1" name=""/>
+        <p:cNvGrpSpPr/>
+        <p:nvPr/>
+      </p:nvGrpSpPr>
+      <p:grpSpPr>
+        <a:xfrm>
+          <a:off x="0" y="0"/>
+          <a:ext cx="0" cy="0"/>
+          <a:chOff x="0" y="0"/>
+          <a:chExt cx="0" cy="0"/>
+        </a:xfrm>
+      </p:grpSpPr>
+      <p:sp>
+        <p:nvSpPr>
+          <p:cNvPr id="2" name="Заголовок 1"/>
+          <p:cNvSpPr>
+            <a:spLocks noGrp="1"/>
+          </p:cNvSpPr>
+          <p:nvPr>
+            <p:ph type="title"/>
+          </p:nvPr>
+        </p:nvSpPr>
+        <p:spPr/>
+        <p:txBody>
+          <a:bodyPr/>
+          <a:lstStyle/>
+          <a:p>
+            <a:r>
+              <a:rPr lang="ru-RU" dirty="0" smtClean="0"/>
+              <a:t>Разминка! </a:t>
+            </a:r>
+            <a:r>
+              <a:rPr lang="en-US" dirty="0" smtClean="0"/>
+              <a:t>(30 </a:t>
+            </a:r>
+            <a:r>
+              <a:rPr lang="ru-RU" dirty="0" smtClean="0"/>
+              <a:t>мин)</a:t>
+            </a:r>
+            <a:endParaRPr lang="ru-RU" dirty="0"/>
+          </a:p>
+        </p:txBody>
+      </p:sp>
+      <p:sp>
+        <p:nvSpPr>
+          <p:cNvPr id="3" name="Объект 2"/>
+          <p:cNvSpPr>
+            <a:spLocks noGrp="1"/>
+          </p:cNvSpPr>
+          <p:nvPr>
+            <p:ph idx="1"/>
+          </p:nvPr>
+        </p:nvSpPr>
+        <p:spPr>
+          <a:xfrm>
+            <a:off x="457200" y="1600200"/>
+            <a:ext cx="8507288" cy="4525963"/>
+          </a:xfrm>
+        </p:spPr>
+        <p:txBody>
+          <a:bodyPr>
+            <a:normAutofit lnSpcReduction="10000"/>
+          </a:bodyPr>
+          <a:lstStyle/>
+          <a:p>
+            <a:r>
+              <a:rPr lang="ru-RU" dirty="0" smtClean="0"/>
+              <a:t>В проекте </a:t>
+            </a:r>
+            <a:r>
+              <a:rPr lang="en-US" b="1" dirty="0" smtClean="0"/>
+              <a:t>Challenge </a:t>
+            </a:r>
+            <a:r>
+              <a:rPr lang="ru-RU" dirty="0" smtClean="0"/>
+              <a:t>в файле </a:t>
+            </a:r>
+            <a:r>
+              <a:rPr lang="en-US" dirty="0" err="1" smtClean="0"/>
+              <a:t>WordsStatistics_Tests</a:t>
+            </a:r>
+            <a:r>
+              <a:rPr lang="ru-RU" dirty="0" smtClean="0"/>
+              <a:t> напишите тесты:</a:t>
+            </a:r>
+          </a:p>
+          <a:p>
+            <a:pPr marL="857250" lvl="1" indent="-457200">
+              <a:buAutoNum type="arabicPeriod"/>
+            </a:pPr>
+            <a:r>
+              <a:rPr lang="en-US" b="1" dirty="0" err="1" smtClean="0"/>
+              <a:t>WordsStatistics_CorrectImplementation</a:t>
+            </a:r>
+            <a:r>
+              <a:rPr lang="ru-RU" dirty="0" smtClean="0"/>
+              <a:t> </a:t>
+            </a:r>
+            <a:r>
+              <a:rPr lang="ru-RU" dirty="0"/>
+              <a:t>— должен проходить все тесты.</a:t>
+            </a:r>
+          </a:p>
+          <a:p>
+            <a:pPr marL="857250" lvl="1" indent="-457200">
+              <a:buAutoNum type="arabicPeriod"/>
+            </a:pPr>
+            <a:r>
+              <a:rPr lang="en-US" b="1" dirty="0" err="1"/>
+              <a:t>WordStatisticsN</a:t>
+            </a:r>
+            <a:r>
+              <a:rPr lang="en-US" dirty="0"/>
+              <a:t> — </a:t>
+            </a:r>
+            <a:r>
+              <a:rPr lang="ru-RU" dirty="0"/>
+              <a:t>некорректные реализации. Должны падать хотя бы на одном тесте</a:t>
+            </a:r>
+            <a:r>
+              <a:rPr lang="ru-RU" dirty="0" smtClean="0"/>
+              <a:t>.</a:t>
+            </a:r>
+          </a:p>
+          <a:p>
+            <a:r>
+              <a:rPr lang="ru-RU" dirty="0" smtClean="0"/>
+              <a:t>Запускайте по </a:t>
+            </a:r>
+            <a:r>
+              <a:rPr lang="en-US" dirty="0" smtClean="0"/>
+              <a:t>Ctrl+F5</a:t>
+            </a:r>
+            <a:r>
+              <a:rPr lang="ru-RU" dirty="0" smtClean="0"/>
+              <a:t>.</a:t>
+            </a:r>
+          </a:p>
+          <a:p>
+            <a:r>
+              <a:rPr lang="ru-RU" dirty="0" smtClean="0"/>
+              <a:t>Отлаживайте конкретный тест, запуская в </a:t>
+            </a:r>
+            <a:r>
+              <a:rPr lang="en-US" dirty="0" smtClean="0"/>
+              <a:t>VS</a:t>
+            </a:r>
+            <a:r>
+              <a:rPr lang="ru-RU" dirty="0" smtClean="0"/>
+              <a:t>.</a:t>
+            </a:r>
+          </a:p>
+          <a:p>
+            <a:r>
+              <a:rPr lang="ru-RU" dirty="0" smtClean="0"/>
+              <a:t>Не открывайте файл </a:t>
+            </a:r>
+            <a:r>
+              <a:rPr lang="en-US" dirty="0" err="1" smtClean="0"/>
+              <a:t>DoNotOpen</a:t>
+            </a:r>
+            <a:r>
+              <a:rPr lang="ru-RU" dirty="0" smtClean="0"/>
+              <a:t>!</a:t>
+            </a:r>
+            <a:endParaRPr lang="ru-RU" dirty="0"/>
+          </a:p>
+        </p:txBody>
+      </p:sp>
+    </p:spTree>
+    <p:extLst>
+      <p:ext uri="{BB962C8B-B14F-4D97-AF65-F5344CB8AC3E}">
+        <p14:creationId xmlns:p14="http://schemas.microsoft.com/office/powerpoint/2010/main" val="1734191423"/>
+      </p:ext>
+    </p:extLst>
+  </p:cSld>
+  <p:clrMapOvr>
+    <a:masterClrMapping/>
+  </p:clrMapOvr>
+  <p:timing>
+    <p:tnLst>
+      <p:par>
+        <p:cTn id="1" dur="indefinite" restart="never" nodeType="tmRoot"/>
+      </p:par>
+    </p:tnLst>
+  </p:timing>
+</p:sld>
+</file>
+
+<file path=ppt/slides/slide2.xml><?xml version="1.0" encoding="utf-8"?>
+<p:sld xmlns:a="http://schemas.openxmlformats.org/drawingml/2006/main" xmlns:r="http://schemas.openxmlformats.org/officeDocument/2006/relationships" xmlns:p="http://schemas.openxmlformats.org/presentationml/2006/main">
+  <p:cSld>
+    <p:spTree>
+      <p:nvGrpSpPr>
+        <p:cNvPr id="1" name=""/>
+        <p:cNvGrpSpPr/>
+        <p:nvPr/>
+      </p:nvGrpSpPr>
+      <p:grpSpPr>
+        <a:xfrm>
+          <a:off x="0" y="0"/>
+          <a:ext cx="0" cy="0"/>
+          <a:chOff x="0" y="0"/>
+          <a:chExt cx="0" cy="0"/>
+        </a:xfrm>
+      </p:grpSpPr>
+      <p:sp>
+        <p:nvSpPr>
+          <p:cNvPr id="2" name="Заголовок 1"/>
+          <p:cNvSpPr>
+            <a:spLocks noGrp="1"/>
+          </p:cNvSpPr>
+          <p:nvPr>
+            <p:ph type="title"/>
+          </p:nvPr>
+        </p:nvSpPr>
+        <p:spPr/>
+        <p:txBody>
+          <a:bodyPr/>
+          <a:lstStyle/>
+          <a:p>
+            <a:r>
+              <a:rPr lang="ru-RU" dirty="0" smtClean="0"/>
+              <a:t>Организационное</a:t>
+            </a:r>
+            <a:endParaRPr lang="ru-RU" dirty="0"/>
+          </a:p>
+        </p:txBody>
+      </p:sp>
+      <p:sp>
+        <p:nvSpPr>
+          <p:cNvPr id="3" name="Объект 2"/>
+          <p:cNvSpPr>
+            <a:spLocks noGrp="1"/>
+          </p:cNvSpPr>
+          <p:nvPr>
+            <p:ph idx="1"/>
+          </p:nvPr>
+        </p:nvSpPr>
+        <p:spPr/>
+        <p:txBody>
+          <a:bodyPr>
+            <a:normAutofit/>
+          </a:bodyPr>
+          <a:lstStyle/>
+          <a:p>
+            <a:r>
+              <a:rPr lang="en-US" sz="2800" dirty="0" smtClean="0">
+                <a:hlinkClick r:id="rId2"/>
+              </a:rPr>
+              <a:t>https</a:t>
+            </a:r>
+            <a:r>
+              <a:rPr lang="en-US" sz="2800" dirty="0">
+                <a:hlinkClick r:id="rId2"/>
+              </a:rPr>
+              <a:t>://</a:t>
+            </a:r>
+            <a:r>
+              <a:rPr lang="en-US" sz="2800" dirty="0" smtClean="0">
+                <a:hlinkClick r:id="rId2"/>
+              </a:rPr>
+              <a:t>github.com/kontur-kampus-2015i</a:t>
+            </a:r>
+            <a:r>
+              <a:rPr lang="en-US" sz="2800" dirty="0" smtClean="0"/>
+              <a:t> </a:t>
+            </a:r>
+            <a:endParaRPr lang="ru-RU" sz="2800" dirty="0" smtClean="0"/>
+          </a:p>
+          <a:p>
+            <a:r>
+              <a:rPr lang="ru-RU" sz="2800" dirty="0" smtClean="0"/>
+              <a:t>Работа в парах</a:t>
+            </a:r>
+          </a:p>
+          <a:p>
+            <a:r>
+              <a:rPr lang="ru-RU" sz="2800" dirty="0" smtClean="0"/>
+              <a:t>Чай-плюшки</a:t>
+            </a:r>
+          </a:p>
+          <a:p>
+            <a:endParaRPr lang="en-US" sz="2800" dirty="0"/>
+          </a:p>
+          <a:p>
+            <a:pPr marL="0" indent="0">
+              <a:buNone/>
+            </a:pPr>
+            <a:endParaRPr lang="ru-RU" sz="2800" dirty="0"/>
+          </a:p>
+        </p:txBody>
+      </p:sp>
+    </p:spTree>
+    <p:extLst>
+      <p:ext uri="{BB962C8B-B14F-4D97-AF65-F5344CB8AC3E}">
+        <p14:creationId xmlns:p14="http://schemas.microsoft.com/office/powerpoint/2010/main" val="3561457331"/>
+      </p:ext>
+    </p:extLst>
+  </p:cSld>
+  <p:clrMapOvr>
+    <a:masterClrMapping/>
+  </p:clrMapOvr>
+  <p:timing>
+    <p:tnLst>
+      <p:par>
+        <p:cTn id="1" dur="indefinite" restart="never" nodeType="tmRoot"/>
+      </p:par>
+    </p:tnLst>
+  </p:timing>
+</p:sld>
+</file>
+
+<file path=ppt/slides/slide20.xml><?xml version="1.0" encoding="utf-8"?>
+<p:sld xmlns:a="http://schemas.openxmlformats.org/drawingml/2006/main" xmlns:r="http://schemas.openxmlformats.org/officeDocument/2006/relationships" xmlns:p="http://schemas.openxmlformats.org/presentationml/2006/main">
+  <p:cSld>
+    <p:spTree>
+      <p:nvGrpSpPr>
+        <p:cNvPr id="1" name=""/>
+        <p:cNvGrpSpPr/>
+        <p:nvPr/>
+      </p:nvGrpSpPr>
+      <p:grpSpPr>
+        <a:xfrm>
+          <a:off x="0" y="0"/>
+          <a:ext cx="0" cy="0"/>
+          <a:chOff x="0" y="0"/>
+          <a:chExt cx="0" cy="0"/>
+        </a:xfrm>
+      </p:grpSpPr>
+      <p:sp>
+        <p:nvSpPr>
+          <p:cNvPr id="2" name="Заголовок 1"/>
+          <p:cNvSpPr>
+            <a:spLocks noGrp="1"/>
+          </p:cNvSpPr>
+          <p:nvPr>
+            <p:ph type="title"/>
+          </p:nvPr>
+        </p:nvSpPr>
+        <p:spPr/>
+        <p:txBody>
+          <a:bodyPr/>
+          <a:lstStyle/>
+          <a:p>
+            <a:r>
               <a:rPr lang="ru-RU" dirty="0" smtClean="0"/>
               <a:t>Практика</a:t>
             </a:r>
@@ -4616,7 +7455,7 @@
 </p:sld>
 </file>
 
-<file path=ppt/slides/slide12.xml><?xml version="1.0" encoding="utf-8"?>
+<file path=ppt/slides/slide21.xml><?xml version="1.0" encoding="utf-8"?>
 <p:sld xmlns:a="http://schemas.openxmlformats.org/drawingml/2006/main" xmlns:r="http://schemas.openxmlformats.org/officeDocument/2006/relationships" xmlns:p="http://schemas.openxmlformats.org/presentationml/2006/main">
   <p:cSld>
     <p:spTree>
@@ -4694,7 +7533,7 @@
 </p:sld>
 </file>
 
-<file path=ppt/slides/slide13.xml><?xml version="1.0" encoding="utf-8"?>
+<file path=ppt/slides/slide22.xml><?xml version="1.0" encoding="utf-8"?>
 <p:sld xmlns:a="http://schemas.openxmlformats.org/drawingml/2006/main" xmlns:r="http://schemas.openxmlformats.org/officeDocument/2006/relationships" xmlns:p="http://schemas.openxmlformats.org/presentationml/2006/main">
   <p:cSld>
     <p:spTree>
@@ -5105,7 +7944,7 @@
 </p:sld>
 </file>
 
-<file path=ppt/slides/slide14.xml><?xml version="1.0" encoding="utf-8"?>
+<file path=ppt/slides/slide23.xml><?xml version="1.0" encoding="utf-8"?>
 <p:sld xmlns:a="http://schemas.openxmlformats.org/drawingml/2006/main" xmlns:r="http://schemas.openxmlformats.org/officeDocument/2006/relationships" xmlns:p="http://schemas.openxmlformats.org/presentationml/2006/main">
   <p:cSld>
     <p:spTree>
@@ -5192,10 +8031,17 @@
   <p:clrMapOvr>
     <a:masterClrMapping/>
   </p:clrMapOvr>
+  <p:timing>
+    <p:tnLst>
+      <p:par>
+        <p:cTn id="1" dur="indefinite" restart="never" nodeType="tmRoot"/>
+      </p:par>
+    </p:tnLst>
+  </p:timing>
 </p:sld>
 </file>
 
-<file path=ppt/slides/slide15.xml><?xml version="1.0" encoding="utf-8"?>
+<file path=ppt/slides/slide24.xml><?xml version="1.0" encoding="utf-8"?>
 <p:sld xmlns:a="http://schemas.openxmlformats.org/drawingml/2006/main" xmlns:r="http://schemas.openxmlformats.org/officeDocument/2006/relationships" xmlns:p="http://schemas.openxmlformats.org/presentationml/2006/main">
   <p:cSld>
     <p:spTree>
@@ -5543,7 +8389,7 @@
 </p:sld>
 </file>
 
-<file path=ppt/slides/slide16.xml><?xml version="1.0" encoding="utf-8"?>
+<file path=ppt/slides/slide25.xml><?xml version="1.0" encoding="utf-8"?>
 <p:sld xmlns:a="http://schemas.openxmlformats.org/drawingml/2006/main" xmlns:r="http://schemas.openxmlformats.org/officeDocument/2006/relationships" xmlns:p="http://schemas.openxmlformats.org/presentationml/2006/main">
   <p:cSld>
     <p:spTree>
@@ -5748,7 +8594,7 @@
 </p:sld>
 </file>
 
-<file path=ppt/slides/slide17.xml><?xml version="1.0" encoding="utf-8"?>
+<file path=ppt/slides/slide26.xml><?xml version="1.0" encoding="utf-8"?>
 <p:sld xmlns:a="http://schemas.openxmlformats.org/drawingml/2006/main" xmlns:r="http://schemas.openxmlformats.org/officeDocument/2006/relationships" xmlns:p="http://schemas.openxmlformats.org/presentationml/2006/main">
   <p:cSld>
     <p:spTree>
@@ -5830,15 +8676,7 @@
                   <a:schemeClr val="tx1"/>
                 </a:solidFill>
               </a:rPr>
-              <a:t>в исполняемую </a:t>
-            </a:r>
-            <a:r>
-              <a:rPr lang="ru-RU" sz="4400" b="0" dirty="0" smtClean="0">
-                <a:solidFill>
-                  <a:schemeClr val="tx1"/>
-                </a:solidFill>
-              </a:rPr>
-              <a:t>спецификацию</a:t>
+              <a:t>в исполняемую спецификацию</a:t>
             </a:r>
             <a:endParaRPr lang="ru-RU" sz="4400" b="0" dirty="0">
               <a:solidFill>
@@ -5868,7 +8706,7 @@
 </p:sld>
 </file>
 
-<file path=ppt/slides/slide18.xml><?xml version="1.0" encoding="utf-8"?>
+<file path=ppt/slides/slide27.xml><?xml version="1.0" encoding="utf-8"?>
 <p:sld xmlns:a="http://schemas.openxmlformats.org/drawingml/2006/main" xmlns:r="http://schemas.openxmlformats.org/officeDocument/2006/relationships" xmlns:p="http://schemas.openxmlformats.org/presentationml/2006/main">
   <p:cSld>
     <p:spTree>
@@ -6310,7 +9148,7 @@
 </p:sld>
 </file>
 
-<file path=ppt/slides/slide19.xml><?xml version="1.0" encoding="utf-8"?>
+<file path=ppt/slides/slide28.xml><?xml version="1.0" encoding="utf-8"?>
 <p:sld xmlns:a="http://schemas.openxmlformats.org/drawingml/2006/main" xmlns:r="http://schemas.openxmlformats.org/officeDocument/2006/relationships" xmlns:p="http://schemas.openxmlformats.org/presentationml/2006/main">
   <p:cSld>
     <p:spTree>
@@ -6669,131 +9507,7 @@
 </p:sld>
 </file>
 
-<file path=ppt/slides/slide2.xml><?xml version="1.0" encoding="utf-8"?>
-<p:sld xmlns:a="http://schemas.openxmlformats.org/drawingml/2006/main" xmlns:r="http://schemas.openxmlformats.org/officeDocument/2006/relationships" xmlns:p="http://schemas.openxmlformats.org/presentationml/2006/main">
-  <p:cSld>
-    <p:spTree>
-      <p:nvGrpSpPr>
-        <p:cNvPr id="1" name=""/>
-        <p:cNvGrpSpPr/>
-        <p:nvPr/>
-      </p:nvGrpSpPr>
-      <p:grpSpPr>
-        <a:xfrm>
-          <a:off x="0" y="0"/>
-          <a:ext cx="0" cy="0"/>
-          <a:chOff x="0" y="0"/>
-          <a:chExt cx="0" cy="0"/>
-        </a:xfrm>
-      </p:grpSpPr>
-      <p:sp>
-        <p:nvSpPr>
-          <p:cNvPr id="2" name="Заголовок 1"/>
-          <p:cNvSpPr>
-            <a:spLocks noGrp="1"/>
-          </p:cNvSpPr>
-          <p:nvPr>
-            <p:ph type="title"/>
-          </p:nvPr>
-        </p:nvSpPr>
-        <p:spPr/>
-        <p:txBody>
-          <a:bodyPr/>
-          <a:lstStyle/>
-          <a:p>
-            <a:r>
-              <a:rPr lang="ru-RU" dirty="0" smtClean="0"/>
-              <a:t>Организационное</a:t>
-            </a:r>
-            <a:endParaRPr lang="ru-RU" dirty="0"/>
-          </a:p>
-        </p:txBody>
-      </p:sp>
-      <p:sp>
-        <p:nvSpPr>
-          <p:cNvPr id="3" name="Объект 2"/>
-          <p:cNvSpPr>
-            <a:spLocks noGrp="1"/>
-          </p:cNvSpPr>
-          <p:nvPr>
-            <p:ph idx="1"/>
-          </p:nvPr>
-        </p:nvSpPr>
-        <p:spPr/>
-        <p:txBody>
-          <a:bodyPr>
-            <a:normAutofit/>
-          </a:bodyPr>
-          <a:lstStyle/>
-          <a:p>
-            <a:r>
-              <a:rPr lang="en-US" sz="2800" dirty="0" smtClean="0">
-                <a:hlinkClick r:id="rId2"/>
-              </a:rPr>
-              <a:t>https</a:t>
-            </a:r>
-            <a:r>
-              <a:rPr lang="en-US" sz="2800" dirty="0">
-                <a:hlinkClick r:id="rId2"/>
-              </a:rPr>
-              <a:t>://</a:t>
-            </a:r>
-            <a:r>
-              <a:rPr lang="en-US" sz="2800" dirty="0" smtClean="0">
-                <a:hlinkClick r:id="rId2"/>
-              </a:rPr>
-              <a:t>github.com/kontur-kampus-2015i</a:t>
-            </a:r>
-            <a:r>
-              <a:rPr lang="en-US" sz="2800" dirty="0" smtClean="0"/>
-              <a:t> </a:t>
-            </a:r>
-            <a:endParaRPr lang="ru-RU" sz="2800" dirty="0" smtClean="0"/>
-          </a:p>
-          <a:p>
-            <a:r>
-              <a:rPr lang="ru-RU" sz="2800" dirty="0" smtClean="0"/>
-              <a:t>Работа в парах</a:t>
-            </a:r>
-          </a:p>
-          <a:p>
-            <a:r>
-              <a:rPr lang="ru-RU" sz="2800" dirty="0" smtClean="0"/>
-              <a:t>Чай-плюшки</a:t>
-            </a:r>
-          </a:p>
-          <a:p>
-            <a:endParaRPr lang="en-US" sz="2800" dirty="0"/>
-          </a:p>
-          <a:p>
-            <a:pPr marL="0" indent="0">
-              <a:buNone/>
-            </a:pPr>
-            <a:endParaRPr lang="ru-RU" sz="2800" dirty="0"/>
-          </a:p>
-        </p:txBody>
-      </p:sp>
-    </p:spTree>
-    <p:extLst>
-      <p:ext uri="{BB962C8B-B14F-4D97-AF65-F5344CB8AC3E}">
-        <p14:creationId xmlns:p14="http://schemas.microsoft.com/office/powerpoint/2010/main" val="3561457331"/>
-      </p:ext>
-    </p:extLst>
-  </p:cSld>
-  <p:clrMapOvr>
-    <a:masterClrMapping/>
-  </p:clrMapOvr>
-  <p:timing>
-    <p:tnLst>
-      <p:par>
-        <p:cTn id="1" dur="indefinite" restart="never" nodeType="tmRoot"/>
-      </p:par>
-    </p:tnLst>
-  </p:timing>
-</p:sld>
-</file>
-
-<file path=ppt/slides/slide20.xml><?xml version="1.0" encoding="utf-8"?>
+<file path=ppt/slides/slide29.xml><?xml version="1.0" encoding="utf-8"?>
 <p:sld xmlns:a="http://schemas.openxmlformats.org/drawingml/2006/main" xmlns:r="http://schemas.openxmlformats.org/officeDocument/2006/relationships" xmlns:p="http://schemas.openxmlformats.org/presentationml/2006/main">
   <p:cSld>
     <p:spTree>
@@ -7039,7 +9753,328 @@
 </p:sld>
 </file>
 
-<file path=ppt/slides/slide21.xml><?xml version="1.0" encoding="utf-8"?>
+<file path=ppt/slides/slide3.xml><?xml version="1.0" encoding="utf-8"?>
+<p:sld xmlns:a="http://schemas.openxmlformats.org/drawingml/2006/main" xmlns:r="http://schemas.openxmlformats.org/officeDocument/2006/relationships" xmlns:p="http://schemas.openxmlformats.org/presentationml/2006/main">
+  <p:cSld>
+    <p:spTree>
+      <p:nvGrpSpPr>
+        <p:cNvPr id="1" name=""/>
+        <p:cNvGrpSpPr/>
+        <p:nvPr/>
+      </p:nvGrpSpPr>
+      <p:grpSpPr>
+        <a:xfrm>
+          <a:off x="0" y="0"/>
+          <a:ext cx="0" cy="0"/>
+          <a:chOff x="0" y="0"/>
+          <a:chExt cx="0" cy="0"/>
+        </a:xfrm>
+      </p:grpSpPr>
+      <p:sp>
+        <p:nvSpPr>
+          <p:cNvPr id="4" name="Заголовок 3"/>
+          <p:cNvSpPr>
+            <a:spLocks noGrp="1"/>
+          </p:cNvSpPr>
+          <p:nvPr>
+            <p:ph type="title"/>
+          </p:nvPr>
+        </p:nvSpPr>
+        <p:spPr>
+          <a:xfrm>
+            <a:off x="457200" y="274638"/>
+            <a:ext cx="8229600" cy="1143000"/>
+          </a:xfrm>
+        </p:spPr>
+        <p:txBody>
+          <a:bodyPr/>
+          <a:lstStyle/>
+          <a:p>
+            <a:r>
+              <a:rPr lang="en-US" dirty="0" smtClean="0"/>
+              <a:t>Clean Code</a:t>
+            </a:r>
+            <a:endParaRPr lang="ru-RU" dirty="0"/>
+          </a:p>
+        </p:txBody>
+      </p:sp>
+      <p:sp>
+        <p:nvSpPr>
+          <p:cNvPr id="5" name="Объект 4"/>
+          <p:cNvSpPr>
+            <a:spLocks noGrp="1"/>
+          </p:cNvSpPr>
+          <p:nvPr>
+            <p:ph idx="1"/>
+          </p:nvPr>
+        </p:nvSpPr>
+        <p:spPr/>
+        <p:txBody>
+          <a:bodyPr/>
+          <a:lstStyle/>
+          <a:p>
+            <a:r>
+              <a:rPr lang="en-US" b="1" u="sng" dirty="0">
+                <a:hlinkClick r:id="rId2"/>
+              </a:rPr>
+              <a:t>http://</a:t>
+            </a:r>
+            <a:r>
+              <a:rPr lang="en-US" b="1" u="sng" dirty="0" smtClean="0">
+                <a:hlinkClick r:id="rId2"/>
+              </a:rPr>
+              <a:t>cleancodegame.github.io</a:t>
+            </a:r>
+            <a:endParaRPr lang="ru-RU" b="1" u="sng" dirty="0" smtClean="0"/>
+          </a:p>
+          <a:p>
+            <a:r>
+              <a:rPr lang="ru-RU" u="sng" dirty="0" smtClean="0">
+                <a:hlinkClick r:id="rId3"/>
+              </a:rPr>
+              <a:t>"</a:t>
+            </a:r>
+            <a:r>
+              <a:rPr lang="ru-RU" u="sng" dirty="0">
+                <a:hlinkClick r:id="rId3"/>
+              </a:rPr>
+              <a:t>Чистый код" Роберта Мартина</a:t>
+            </a:r>
+            <a:r>
+              <a:rPr lang="ru-RU" dirty="0"/>
+              <a:t> </a:t>
+            </a:r>
+            <a:r>
+              <a:rPr lang="ru-RU" dirty="0" smtClean="0"/>
+              <a:t/>
+            </a:r>
+            <a:br>
+              <a:rPr lang="ru-RU" dirty="0" smtClean="0"/>
+            </a:br>
+            <a:r>
+              <a:rPr lang="ru-RU" dirty="0" smtClean="0"/>
+              <a:t>или её </a:t>
+            </a:r>
+            <a:r>
+              <a:rPr lang="ru-RU" u="sng" dirty="0" smtClean="0">
+                <a:hlinkClick r:id="rId4"/>
+              </a:rPr>
+              <a:t>краткий конспект</a:t>
+            </a:r>
+            <a:endParaRPr lang="ru-RU" dirty="0"/>
+          </a:p>
+          <a:p>
+            <a:r>
+              <a:rPr lang="ru-RU" dirty="0" smtClean="0">
+                <a:hlinkClick r:id="rId5"/>
+              </a:rPr>
+              <a:t>Онлайн практикум</a:t>
+            </a:r>
+            <a:r>
+              <a:rPr lang="ru-RU" dirty="0" smtClean="0"/>
+              <a:t> по языку запросов LINQ</a:t>
+            </a:r>
+            <a:br>
+              <a:rPr lang="ru-RU" dirty="0" smtClean="0"/>
+            </a:br>
+            <a:endParaRPr lang="ru-RU" dirty="0"/>
+          </a:p>
+        </p:txBody>
+      </p:sp>
+    </p:spTree>
+    <p:extLst>
+      <p:ext uri="{BB962C8B-B14F-4D97-AF65-F5344CB8AC3E}">
+        <p14:creationId xmlns:p14="http://schemas.microsoft.com/office/powerpoint/2010/main" val="342518740"/>
+      </p:ext>
+    </p:extLst>
+  </p:cSld>
+  <p:clrMapOvr>
+    <a:masterClrMapping/>
+  </p:clrMapOvr>
+  <p:timing>
+    <p:tnLst>
+      <p:par>
+        <p:cTn id="1" dur="indefinite" restart="never" nodeType="tmRoot">
+          <p:childTnLst>
+            <p:seq concurrent="1" nextAc="seek">
+              <p:cTn id="2" dur="indefinite" nodeType="mainSeq">
+                <p:childTnLst>
+                  <p:par>
+                    <p:cTn id="3" fill="hold">
+                      <p:stCondLst>
+                        <p:cond delay="indefinite"/>
+                      </p:stCondLst>
+                      <p:childTnLst>
+                        <p:par>
+                          <p:cTn id="4" fill="hold">
+                            <p:stCondLst>
+                              <p:cond delay="0"/>
+                            </p:stCondLst>
+                            <p:childTnLst>
+                              <p:par>
+                                <p:cTn id="5" presetID="1" presetClass="entr" presetSubtype="0" fill="hold" grpId="0" nodeType="clickEffect">
+                                  <p:stCondLst>
+                                    <p:cond delay="0"/>
+                                  </p:stCondLst>
+                                  <p:childTnLst>
+                                    <p:set>
+                                      <p:cBhvr>
+                                        <p:cTn id="6" dur="1" fill="hold">
+                                          <p:stCondLst>
+                                            <p:cond delay="0"/>
+                                          </p:stCondLst>
+                                        </p:cTn>
+                                        <p:tgtEl>
+                                          <p:spTgt spid="5">
+                                            <p:txEl>
+                                              <p:pRg st="0" end="0"/>
+                                            </p:txEl>
+                                          </p:spTgt>
+                                        </p:tgtEl>
+                                        <p:attrNameLst>
+                                          <p:attrName>style.visibility</p:attrName>
+                                        </p:attrNameLst>
+                                      </p:cBhvr>
+                                      <p:to>
+                                        <p:strVal val="visible"/>
+                                      </p:to>
+                                    </p:set>
+                                  </p:childTnLst>
+                                </p:cTn>
+                              </p:par>
+                            </p:childTnLst>
+                          </p:cTn>
+                        </p:par>
+                      </p:childTnLst>
+                    </p:cTn>
+                  </p:par>
+                  <p:par>
+                    <p:cTn id="7" fill="hold">
+                      <p:stCondLst>
+                        <p:cond delay="indefinite"/>
+                      </p:stCondLst>
+                      <p:childTnLst>
+                        <p:par>
+                          <p:cTn id="8" fill="hold">
+                            <p:stCondLst>
+                              <p:cond delay="0"/>
+                            </p:stCondLst>
+                            <p:childTnLst>
+                              <p:par>
+                                <p:cTn id="9" presetID="1" presetClass="entr" presetSubtype="0" fill="hold" grpId="0" nodeType="clickEffect">
+                                  <p:stCondLst>
+                                    <p:cond delay="0"/>
+                                  </p:stCondLst>
+                                  <p:childTnLst>
+                                    <p:set>
+                                      <p:cBhvr>
+                                        <p:cTn id="10" dur="1" fill="hold">
+                                          <p:stCondLst>
+                                            <p:cond delay="0"/>
+                                          </p:stCondLst>
+                                        </p:cTn>
+                                        <p:tgtEl>
+                                          <p:spTgt spid="5">
+                                            <p:txEl>
+                                              <p:pRg st="1" end="1"/>
+                                            </p:txEl>
+                                          </p:spTgt>
+                                        </p:tgtEl>
+                                        <p:attrNameLst>
+                                          <p:attrName>style.visibility</p:attrName>
+                                        </p:attrNameLst>
+                                      </p:cBhvr>
+                                      <p:to>
+                                        <p:strVal val="visible"/>
+                                      </p:to>
+                                    </p:set>
+                                  </p:childTnLst>
+                                </p:cTn>
+                              </p:par>
+                            </p:childTnLst>
+                          </p:cTn>
+                        </p:par>
+                      </p:childTnLst>
+                    </p:cTn>
+                  </p:par>
+                  <p:par>
+                    <p:cTn id="11" fill="hold">
+                      <p:stCondLst>
+                        <p:cond delay="indefinite"/>
+                      </p:stCondLst>
+                      <p:childTnLst>
+                        <p:par>
+                          <p:cTn id="12" fill="hold">
+                            <p:stCondLst>
+                              <p:cond delay="0"/>
+                            </p:stCondLst>
+                            <p:childTnLst>
+                              <p:par>
+                                <p:cTn id="13" presetID="1" presetClass="entr" presetSubtype="0" fill="hold" grpId="0" nodeType="clickEffect">
+                                  <p:stCondLst>
+                                    <p:cond delay="0"/>
+                                  </p:stCondLst>
+                                  <p:childTnLst>
+                                    <p:set>
+                                      <p:cBhvr>
+                                        <p:cTn id="14" dur="1" fill="hold">
+                                          <p:stCondLst>
+                                            <p:cond delay="0"/>
+                                          </p:stCondLst>
+                                        </p:cTn>
+                                        <p:tgtEl>
+                                          <p:spTgt spid="5">
+                                            <p:txEl>
+                                              <p:pRg st="2" end="2"/>
+                                            </p:txEl>
+                                          </p:spTgt>
+                                        </p:tgtEl>
+                                        <p:attrNameLst>
+                                          <p:attrName>style.visibility</p:attrName>
+                                        </p:attrNameLst>
+                                      </p:cBhvr>
+                                      <p:to>
+                                        <p:strVal val="visible"/>
+                                      </p:to>
+                                    </p:set>
+                                  </p:childTnLst>
+                                </p:cTn>
+                              </p:par>
+                            </p:childTnLst>
+                          </p:cTn>
+                        </p:par>
+                      </p:childTnLst>
+                    </p:cTn>
+                  </p:par>
+                </p:childTnLst>
+              </p:cTn>
+              <p:prevCondLst>
+                <p:cond evt="onPrev" delay="0">
+                  <p:tgtEl>
+                    <p:sldTgt/>
+                  </p:tgtEl>
+                </p:cond>
+              </p:prevCondLst>
+              <p:nextCondLst>
+                <p:cond evt="onNext" delay="0">
+                  <p:tgtEl>
+                    <p:sldTgt/>
+                  </p:tgtEl>
+                </p:cond>
+              </p:nextCondLst>
+            </p:seq>
+          </p:childTnLst>
+        </p:cTn>
+      </p:par>
+    </p:tnLst>
+    <p:bldLst>
+      <p:bldP spid="5" grpId="0" build="p"/>
+    </p:bldLst>
+  </p:timing>
+</p:sld>
+</file>
+
+<file path=ppt/slides/slide30.xml><?xml version="1.0" encoding="utf-8"?>
 <p:sld xmlns:a="http://schemas.openxmlformats.org/drawingml/2006/main" xmlns:r="http://schemas.openxmlformats.org/officeDocument/2006/relationships" xmlns:p="http://schemas.openxmlformats.org/presentationml/2006/main">
   <p:cSld>
     <p:spTree>
@@ -7118,7 +10153,7 @@
 </p:sld>
 </file>
 
-<file path=ppt/slides/slide22.xml><?xml version="1.0" encoding="utf-8"?>
+<file path=ppt/slides/slide31.xml><?xml version="1.0" encoding="utf-8"?>
 <p:sld xmlns:a="http://schemas.openxmlformats.org/drawingml/2006/main" xmlns:r="http://schemas.openxmlformats.org/officeDocument/2006/relationships" xmlns:p="http://schemas.openxmlformats.org/presentationml/2006/main">
   <p:cSld>
     <p:spTree>
@@ -7197,7 +10232,7 @@
 </p:sld>
 </file>
 
-<file path=ppt/slides/slide23.xml><?xml version="1.0" encoding="utf-8"?>
+<file path=ppt/slides/slide32.xml><?xml version="1.0" encoding="utf-8"?>
 <p:sld xmlns:a="http://schemas.openxmlformats.org/drawingml/2006/main" xmlns:r="http://schemas.openxmlformats.org/officeDocument/2006/relationships" xmlns:p="http://schemas.openxmlformats.org/presentationml/2006/main">
   <p:cSld>
     <p:spTree>
@@ -7486,7 +10521,7 @@
 </p:sld>
 </file>
 
-<file path=ppt/slides/slide24.xml><?xml version="1.0" encoding="utf-8"?>
+<file path=ppt/slides/slide33.xml><?xml version="1.0" encoding="utf-8"?>
 <p:sld xmlns:a="http://schemas.openxmlformats.org/drawingml/2006/main" xmlns:r="http://schemas.openxmlformats.org/officeDocument/2006/relationships" xmlns:p="http://schemas.openxmlformats.org/presentationml/2006/main">
   <p:cSld>
     <p:spTree>
@@ -7734,7 +10769,7 @@
 </p:sld>
 </file>
 
-<file path=ppt/slides/slide25.xml><?xml version="1.0" encoding="utf-8"?>
+<file path=ppt/slides/slide34.xml><?xml version="1.0" encoding="utf-8"?>
 <p:sld xmlns:a="http://schemas.openxmlformats.org/drawingml/2006/main" xmlns:r="http://schemas.openxmlformats.org/officeDocument/2006/relationships" xmlns:p="http://schemas.openxmlformats.org/presentationml/2006/main">
   <p:cSld>
     <p:spTree>
@@ -7910,7 +10945,7 @@
 </p:sld>
 </file>
 
-<file path=ppt/slides/slide26.xml><?xml version="1.0" encoding="utf-8"?>
+<file path=ppt/slides/slide35.xml><?xml version="1.0" encoding="utf-8"?>
 <p:sld xmlns:a="http://schemas.openxmlformats.org/drawingml/2006/main" xmlns:r="http://schemas.openxmlformats.org/officeDocument/2006/relationships" xmlns:p="http://schemas.openxmlformats.org/presentationml/2006/main">
   <p:cSld>
     <p:spTree>
@@ -8282,7 +11317,7 @@
 </p:sld>
 </file>
 
-<file path=ppt/slides/slide27.xml><?xml version="1.0" encoding="utf-8"?>
+<file path=ppt/slides/slide36.xml><?xml version="1.0" encoding="utf-8"?>
 <p:sld xmlns:a="http://schemas.openxmlformats.org/drawingml/2006/main" xmlns:r="http://schemas.openxmlformats.org/officeDocument/2006/relationships" xmlns:p="http://schemas.openxmlformats.org/presentationml/2006/main">
   <p:cSld>
     <p:spTree>
@@ -8755,7 +11790,7 @@
 </p:sld>
 </file>
 
-<file path=ppt/slides/slide28.xml><?xml version="1.0" encoding="utf-8"?>
+<file path=ppt/slides/slide37.xml><?xml version="1.0" encoding="utf-8"?>
 <p:sld xmlns:a="http://schemas.openxmlformats.org/drawingml/2006/main" xmlns:r="http://schemas.openxmlformats.org/officeDocument/2006/relationships" xmlns:p="http://schemas.openxmlformats.org/presentationml/2006/main">
   <p:cSld>
     <p:spTree>
@@ -9008,7 +12043,7 @@
 </p:sld>
 </file>
 
-<file path=ppt/slides/slide29.xml><?xml version="1.0" encoding="utf-8"?>
+<file path=ppt/slides/slide38.xml><?xml version="1.0" encoding="utf-8"?>
 <p:sld xmlns:a="http://schemas.openxmlformats.org/drawingml/2006/main" xmlns:r="http://schemas.openxmlformats.org/officeDocument/2006/relationships" xmlns:p="http://schemas.openxmlformats.org/presentationml/2006/main">
   <p:cSld>
     <p:spTree>
@@ -9090,334 +12125,7 @@
 </p:sld>
 </file>
 
-<file path=ppt/slides/slide3.xml><?xml version="1.0" encoding="utf-8"?>
-<p:sld xmlns:a="http://schemas.openxmlformats.org/drawingml/2006/main" xmlns:r="http://schemas.openxmlformats.org/officeDocument/2006/relationships" xmlns:p="http://schemas.openxmlformats.org/presentationml/2006/main">
-  <p:cSld>
-    <p:spTree>
-      <p:nvGrpSpPr>
-        <p:cNvPr id="1" name=""/>
-        <p:cNvGrpSpPr/>
-        <p:nvPr/>
-      </p:nvGrpSpPr>
-      <p:grpSpPr>
-        <a:xfrm>
-          <a:off x="0" y="0"/>
-          <a:ext cx="0" cy="0"/>
-          <a:chOff x="0" y="0"/>
-          <a:chExt cx="0" cy="0"/>
-        </a:xfrm>
-      </p:grpSpPr>
-      <p:sp>
-        <p:nvSpPr>
-          <p:cNvPr id="4" name="Заголовок 3"/>
-          <p:cNvSpPr>
-            <a:spLocks noGrp="1"/>
-          </p:cNvSpPr>
-          <p:nvPr>
-            <p:ph type="title"/>
-          </p:nvPr>
-        </p:nvSpPr>
-        <p:spPr>
-          <a:xfrm>
-            <a:off x="457200" y="274638"/>
-            <a:ext cx="8229600" cy="1143000"/>
-          </a:xfrm>
-        </p:spPr>
-        <p:txBody>
-          <a:bodyPr/>
-          <a:lstStyle/>
-          <a:p>
-            <a:r>
-              <a:rPr lang="en-US" dirty="0" smtClean="0"/>
-              <a:t>Clean Code</a:t>
-            </a:r>
-            <a:endParaRPr lang="ru-RU" dirty="0"/>
-          </a:p>
-        </p:txBody>
-      </p:sp>
-      <p:sp>
-        <p:nvSpPr>
-          <p:cNvPr id="5" name="Объект 4"/>
-          <p:cNvSpPr>
-            <a:spLocks noGrp="1"/>
-          </p:cNvSpPr>
-          <p:nvPr>
-            <p:ph idx="1"/>
-          </p:nvPr>
-        </p:nvSpPr>
-        <p:spPr/>
-        <p:txBody>
-          <a:bodyPr/>
-          <a:lstStyle/>
-          <a:p>
-            <a:r>
-              <a:rPr lang="en-US" b="1" u="sng" dirty="0">
-                <a:hlinkClick r:id="rId2"/>
-              </a:rPr>
-              <a:t>http://</a:t>
-            </a:r>
-            <a:r>
-              <a:rPr lang="en-US" b="1" u="sng" dirty="0" smtClean="0">
-                <a:hlinkClick r:id="rId2"/>
-              </a:rPr>
-              <a:t>cleancodegame.github.io</a:t>
-            </a:r>
-            <a:endParaRPr lang="ru-RU" b="1" u="sng" dirty="0" smtClean="0"/>
-          </a:p>
-          <a:p>
-            <a:r>
-              <a:rPr lang="ru-RU" u="sng" dirty="0" smtClean="0">
-                <a:hlinkClick r:id="rId3"/>
-              </a:rPr>
-              <a:t>"</a:t>
-            </a:r>
-            <a:r>
-              <a:rPr lang="ru-RU" u="sng" dirty="0">
-                <a:hlinkClick r:id="rId3"/>
-              </a:rPr>
-              <a:t>Чистый код" Роберта Мартина</a:t>
-            </a:r>
-            <a:r>
-              <a:rPr lang="ru-RU" dirty="0"/>
-              <a:t> </a:t>
-            </a:r>
-            <a:r>
-              <a:rPr lang="ru-RU" dirty="0" smtClean="0"/>
-              <a:t/>
-            </a:r>
-            <a:br>
-              <a:rPr lang="ru-RU" dirty="0" smtClean="0"/>
-            </a:br>
-            <a:r>
-              <a:rPr lang="ru-RU" dirty="0" smtClean="0"/>
-              <a:t>или её </a:t>
-            </a:r>
-            <a:r>
-              <a:rPr lang="ru-RU" u="sng" dirty="0" smtClean="0">
-                <a:hlinkClick r:id="rId4"/>
-              </a:rPr>
-              <a:t>краткий конспект</a:t>
-            </a:r>
-            <a:endParaRPr lang="ru-RU" dirty="0"/>
-          </a:p>
-          <a:p>
-            <a:r>
-              <a:rPr lang="ru-RU" dirty="0" smtClean="0">
-                <a:hlinkClick r:id="rId5"/>
-              </a:rPr>
-              <a:t>Онлайн </a:t>
-            </a:r>
-            <a:r>
-              <a:rPr lang="ru-RU" dirty="0">
-                <a:hlinkClick r:id="rId5"/>
-              </a:rPr>
-              <a:t>практикум</a:t>
-            </a:r>
-            <a:r>
-              <a:rPr lang="ru-RU" dirty="0"/>
-              <a:t> по языку запросов LINQ</a:t>
-            </a:r>
-            <a:br>
-              <a:rPr lang="ru-RU" dirty="0"/>
-            </a:br>
-            <a:endParaRPr lang="ru-RU" dirty="0"/>
-          </a:p>
-        </p:txBody>
-      </p:sp>
-    </p:spTree>
-    <p:extLst>
-      <p:ext uri="{BB962C8B-B14F-4D97-AF65-F5344CB8AC3E}">
-        <p14:creationId xmlns:p14="http://schemas.microsoft.com/office/powerpoint/2010/main" val="342518740"/>
-      </p:ext>
-    </p:extLst>
-  </p:cSld>
-  <p:clrMapOvr>
-    <a:masterClrMapping/>
-  </p:clrMapOvr>
-  <p:timing>
-    <p:tnLst>
-      <p:par>
-        <p:cTn id="1" dur="indefinite" restart="never" nodeType="tmRoot">
-          <p:childTnLst>
-            <p:seq concurrent="1" nextAc="seek">
-              <p:cTn id="2" dur="indefinite" nodeType="mainSeq">
-                <p:childTnLst>
-                  <p:par>
-                    <p:cTn id="3" fill="hold">
-                      <p:stCondLst>
-                        <p:cond delay="indefinite"/>
-                      </p:stCondLst>
-                      <p:childTnLst>
-                        <p:par>
-                          <p:cTn id="4" fill="hold">
-                            <p:stCondLst>
-                              <p:cond delay="0"/>
-                            </p:stCondLst>
-                            <p:childTnLst>
-                              <p:par>
-                                <p:cTn id="5" presetID="1" presetClass="entr" presetSubtype="0" fill="hold" grpId="0" nodeType="clickEffect">
-                                  <p:stCondLst>
-                                    <p:cond delay="0"/>
-                                  </p:stCondLst>
-                                  <p:childTnLst>
-                                    <p:set>
-                                      <p:cBhvr>
-                                        <p:cTn id="6" dur="1" fill="hold">
-                                          <p:stCondLst>
-                                            <p:cond delay="0"/>
-                                          </p:stCondLst>
-                                        </p:cTn>
-                                        <p:tgtEl>
-                                          <p:spTgt spid="5">
-                                            <p:txEl>
-                                              <p:pRg st="0" end="0"/>
-                                            </p:txEl>
-                                          </p:spTgt>
-                                        </p:tgtEl>
-                                        <p:attrNameLst>
-                                          <p:attrName>style.visibility</p:attrName>
-                                        </p:attrNameLst>
-                                      </p:cBhvr>
-                                      <p:to>
-                                        <p:strVal val="visible"/>
-                                      </p:to>
-                                    </p:set>
-                                  </p:childTnLst>
-                                </p:cTn>
-                              </p:par>
-                            </p:childTnLst>
-                          </p:cTn>
-                        </p:par>
-                      </p:childTnLst>
-                    </p:cTn>
-                  </p:par>
-                  <p:par>
-                    <p:cTn id="7" fill="hold">
-                      <p:stCondLst>
-                        <p:cond delay="indefinite"/>
-                      </p:stCondLst>
-                      <p:childTnLst>
-                        <p:par>
-                          <p:cTn id="8" fill="hold">
-                            <p:stCondLst>
-                              <p:cond delay="0"/>
-                            </p:stCondLst>
-                            <p:childTnLst>
-                              <p:par>
-                                <p:cTn id="9" presetID="1" presetClass="entr" presetSubtype="0" fill="hold" grpId="0" nodeType="clickEffect">
-                                  <p:stCondLst>
-                                    <p:cond delay="0"/>
-                                  </p:stCondLst>
-                                  <p:childTnLst>
-                                    <p:set>
-                                      <p:cBhvr>
-                                        <p:cTn id="10" dur="1" fill="hold">
-                                          <p:stCondLst>
-                                            <p:cond delay="0"/>
-                                          </p:stCondLst>
-                                        </p:cTn>
-                                        <p:tgtEl>
-                                          <p:spTgt spid="5">
-                                            <p:txEl>
-                                              <p:pRg st="1" end="1"/>
-                                            </p:txEl>
-                                          </p:spTgt>
-                                        </p:tgtEl>
-                                        <p:attrNameLst>
-                                          <p:attrName>style.visibility</p:attrName>
-                                        </p:attrNameLst>
-                                      </p:cBhvr>
-                                      <p:to>
-                                        <p:strVal val="visible"/>
-                                      </p:to>
-                                    </p:set>
-                                  </p:childTnLst>
-                                </p:cTn>
-                              </p:par>
-                            </p:childTnLst>
-                          </p:cTn>
-                        </p:par>
-                      </p:childTnLst>
-                    </p:cTn>
-                  </p:par>
-                  <p:par>
-                    <p:cTn id="11" fill="hold">
-                      <p:stCondLst>
-                        <p:cond delay="indefinite"/>
-                      </p:stCondLst>
-                      <p:childTnLst>
-                        <p:par>
-                          <p:cTn id="12" fill="hold">
-                            <p:stCondLst>
-                              <p:cond delay="0"/>
-                            </p:stCondLst>
-                            <p:childTnLst>
-                              <p:par>
-                                <p:cTn id="13" presetID="1" presetClass="entr" presetSubtype="0" fill="hold" grpId="0" nodeType="clickEffect">
-                                  <p:stCondLst>
-                                    <p:cond delay="0"/>
-                                  </p:stCondLst>
-                                  <p:childTnLst>
-                                    <p:set>
-                                      <p:cBhvr>
-                                        <p:cTn id="14" dur="1" fill="hold">
-                                          <p:stCondLst>
-                                            <p:cond delay="0"/>
-                                          </p:stCondLst>
-                                        </p:cTn>
-                                        <p:tgtEl>
-                                          <p:spTgt spid="5">
-                                            <p:txEl>
-                                              <p:pRg st="2" end="2"/>
-                                            </p:txEl>
-                                          </p:spTgt>
-                                        </p:tgtEl>
-                                        <p:attrNameLst>
-                                          <p:attrName>style.visibility</p:attrName>
-                                        </p:attrNameLst>
-                                      </p:cBhvr>
-                                      <p:to>
-                                        <p:strVal val="visible"/>
-                                      </p:to>
-                                    </p:set>
-                                  </p:childTnLst>
-                                </p:cTn>
-                              </p:par>
-                            </p:childTnLst>
-                          </p:cTn>
-                        </p:par>
-                      </p:childTnLst>
-                    </p:cTn>
-                  </p:par>
-                </p:childTnLst>
-              </p:cTn>
-              <p:prevCondLst>
-                <p:cond evt="onPrev" delay="0">
-                  <p:tgtEl>
-                    <p:sldTgt/>
-                  </p:tgtEl>
-                </p:cond>
-              </p:prevCondLst>
-              <p:nextCondLst>
-                <p:cond evt="onNext" delay="0">
-                  <p:tgtEl>
-                    <p:sldTgt/>
-                  </p:tgtEl>
-                </p:cond>
-              </p:nextCondLst>
-            </p:seq>
-          </p:childTnLst>
-        </p:cTn>
-      </p:par>
-    </p:tnLst>
-    <p:bldLst>
-      <p:bldP spid="5" grpId="0" build="p"/>
-    </p:bldLst>
-  </p:timing>
-</p:sld>
-</file>
-
-<file path=ppt/slides/slide30.xml><?xml version="1.0" encoding="utf-8"?>
+<file path=ppt/slides/slide39.xml><?xml version="1.0" encoding="utf-8"?>
 <p:sld xmlns:a="http://schemas.openxmlformats.org/drawingml/2006/main" xmlns:r="http://schemas.openxmlformats.org/officeDocument/2006/relationships" xmlns:p="http://schemas.openxmlformats.org/presentationml/2006/main">
   <p:cSld>
     <p:spTree>
@@ -9518,7 +12226,119 @@
 </p:sld>
 </file>
 
-<file path=ppt/slides/slide31.xml><?xml version="1.0" encoding="utf-8"?>
+<file path=ppt/slides/slide4.xml><?xml version="1.0" encoding="utf-8"?>
+<p:sld xmlns:a="http://schemas.openxmlformats.org/drawingml/2006/main" xmlns:r="http://schemas.openxmlformats.org/officeDocument/2006/relationships" xmlns:p="http://schemas.openxmlformats.org/presentationml/2006/main">
+  <p:cSld>
+    <p:spTree>
+      <p:nvGrpSpPr>
+        <p:cNvPr id="1" name=""/>
+        <p:cNvGrpSpPr/>
+        <p:nvPr/>
+      </p:nvGrpSpPr>
+      <p:grpSpPr>
+        <a:xfrm>
+          <a:off x="0" y="0"/>
+          <a:ext cx="0" cy="0"/>
+          <a:chOff x="0" y="0"/>
+          <a:chExt cx="0" cy="0"/>
+        </a:xfrm>
+      </p:grpSpPr>
+      <p:sp>
+        <p:nvSpPr>
+          <p:cNvPr id="2" name="Заголовок 1"/>
+          <p:cNvSpPr>
+            <a:spLocks noGrp="1"/>
+          </p:cNvSpPr>
+          <p:nvPr>
+            <p:ph type="title"/>
+          </p:nvPr>
+        </p:nvSpPr>
+        <p:spPr/>
+        <p:txBody>
+          <a:bodyPr/>
+          <a:lstStyle/>
+          <a:p>
+            <a:r>
+              <a:rPr lang="ru-RU" dirty="0" smtClean="0"/>
+              <a:t>Гигиенический минимум</a:t>
+            </a:r>
+            <a:endParaRPr lang="ru-RU" dirty="0"/>
+          </a:p>
+        </p:txBody>
+      </p:sp>
+      <p:sp>
+        <p:nvSpPr>
+          <p:cNvPr id="3" name="Объект 2"/>
+          <p:cNvSpPr>
+            <a:spLocks noGrp="1"/>
+          </p:cNvSpPr>
+          <p:nvPr>
+            <p:ph idx="1"/>
+          </p:nvPr>
+        </p:nvSpPr>
+        <p:spPr/>
+        <p:txBody>
+          <a:bodyPr/>
+          <a:lstStyle/>
+          <a:p>
+            <a:r>
+              <a:rPr lang="ru-RU" dirty="0" smtClean="0"/>
+              <a:t>Аккуратное форматирование</a:t>
+            </a:r>
+          </a:p>
+          <a:p>
+            <a:r>
+              <a:rPr lang="ru-RU" dirty="0" smtClean="0"/>
+              <a:t>Соответствие принятому (в команде или </a:t>
+            </a:r>
+            <a:br>
+              <a:rPr lang="ru-RU" dirty="0" smtClean="0"/>
+            </a:br>
+            <a:r>
+              <a:rPr lang="ru-RU" dirty="0" smtClean="0"/>
+              <a:t>в </a:t>
+            </a:r>
+            <a:r>
+              <a:rPr lang="ru-RU" dirty="0" err="1" smtClean="0"/>
+              <a:t>комьюнити</a:t>
+            </a:r>
+            <a:r>
+              <a:rPr lang="ru-RU" dirty="0" smtClean="0"/>
+              <a:t>) стилю оформления кода</a:t>
+            </a:r>
+          </a:p>
+          <a:p>
+            <a:r>
+              <a:rPr lang="ru-RU" dirty="0" smtClean="0"/>
+              <a:t>Понятные имена методов и переменных</a:t>
+            </a:r>
+          </a:p>
+          <a:p>
+            <a:endParaRPr lang="ru-RU" dirty="0"/>
+          </a:p>
+        </p:txBody>
+      </p:sp>
+    </p:spTree>
+    <p:extLst>
+      <p:ext uri="{BB962C8B-B14F-4D97-AF65-F5344CB8AC3E}">
+        <p14:creationId xmlns:p14="http://schemas.microsoft.com/office/powerpoint/2010/main" val="218469268"/>
+      </p:ext>
+    </p:extLst>
+  </p:cSld>
+  <p:clrMapOvr>
+    <a:masterClrMapping/>
+  </p:clrMapOvr>
+  <p:timing>
+    <p:tnLst>
+      <p:par>
+        <p:cTn id="1" dur="indefinite" restart="never" nodeType="tmRoot"/>
+      </p:par>
+    </p:tnLst>
+  </p:timing>
+</p:sld>
+</file>
+
+<file path=ppt/slides/slide40.xml><?xml version="1.0" encoding="utf-8"?>
 <p:sld xmlns:a="http://schemas.openxmlformats.org/drawingml/2006/main" xmlns:r="http://schemas.openxmlformats.org/officeDocument/2006/relationships" xmlns:p="http://schemas.openxmlformats.org/presentationml/2006/main">
   <p:cSld>
     <p:spTree>
@@ -9648,7 +12468,7 @@
 </p:sld>
 </file>
 
-<file path=ppt/slides/slide32.xml><?xml version="1.0" encoding="utf-8"?>
+<file path=ppt/slides/slide41.xml><?xml version="1.0" encoding="utf-8"?>
 <p:sld xmlns:a="http://schemas.openxmlformats.org/drawingml/2006/main" xmlns:r="http://schemas.openxmlformats.org/officeDocument/2006/relationships" xmlns:p="http://schemas.openxmlformats.org/presentationml/2006/main">
   <p:cSld>
     <p:spTree>
@@ -9759,7 +12579,7 @@
 </p:sld>
 </file>
 
-<file path=ppt/slides/slide33.xml><?xml version="1.0" encoding="utf-8"?>
+<file path=ppt/slides/slide42.xml><?xml version="1.0" encoding="utf-8"?>
 <p:sld xmlns:a="http://schemas.openxmlformats.org/drawingml/2006/main" xmlns:r="http://schemas.openxmlformats.org/officeDocument/2006/relationships" xmlns:p="http://schemas.openxmlformats.org/presentationml/2006/main">
   <p:cSld>
     <p:spTree>
@@ -9817,7 +12637,7 @@
           <a:graphicData uri="http://schemas.openxmlformats.org/presentationml/2006/ole">
             <mc:AlternateContent xmlns:mc="http://schemas.openxmlformats.org/markup-compatibility/2006">
               <mc:Choice xmlns:v="urn:schemas-microsoft-com:vml" Requires="v">
-                <p:oleObj spid="_x0000_s3090" name="VISIO" r:id="rId4" imgW="2544803" imgH="251238" progId="Visio.Drawing.5">
+                <p:oleObj spid="_x0000_s3096" name="VISIO" r:id="rId4" imgW="2544803" imgH="251238" progId="Visio.Drawing.5">
                   <p:embed/>
                 </p:oleObj>
               </mc:Choice>
@@ -10194,7 +13014,7 @@
 </p:sld>
 </file>
 
-<file path=ppt/slides/slide34.xml><?xml version="1.0" encoding="utf-8"?>
+<file path=ppt/slides/slide43.xml><?xml version="1.0" encoding="utf-8"?>
 <p:sld xmlns:a="http://schemas.openxmlformats.org/drawingml/2006/main" xmlns:r="http://schemas.openxmlformats.org/officeDocument/2006/relationships" xmlns:p="http://schemas.openxmlformats.org/presentationml/2006/main">
   <p:cSld>
     <p:spTree>
@@ -10356,118 +13176,6 @@
     <p:extLst>
       <p:ext uri="{BB962C8B-B14F-4D97-AF65-F5344CB8AC3E}">
         <p14:creationId xmlns:p14="http://schemas.microsoft.com/office/powerpoint/2010/main" val="1593002176"/>
-      </p:ext>
-    </p:extLst>
-  </p:cSld>
-  <p:clrMapOvr>
-    <a:masterClrMapping/>
-  </p:clrMapOvr>
-  <p:timing>
-    <p:tnLst>
-      <p:par>
-        <p:cTn id="1" dur="indefinite" restart="never" nodeType="tmRoot"/>
-      </p:par>
-    </p:tnLst>
-  </p:timing>
-</p:sld>
-</file>
-
-<file path=ppt/slides/slide4.xml><?xml version="1.0" encoding="utf-8"?>
-<p:sld xmlns:a="http://schemas.openxmlformats.org/drawingml/2006/main" xmlns:r="http://schemas.openxmlformats.org/officeDocument/2006/relationships" xmlns:p="http://schemas.openxmlformats.org/presentationml/2006/main">
-  <p:cSld>
-    <p:spTree>
-      <p:nvGrpSpPr>
-        <p:cNvPr id="1" name=""/>
-        <p:cNvGrpSpPr/>
-        <p:nvPr/>
-      </p:nvGrpSpPr>
-      <p:grpSpPr>
-        <a:xfrm>
-          <a:off x="0" y="0"/>
-          <a:ext cx="0" cy="0"/>
-          <a:chOff x="0" y="0"/>
-          <a:chExt cx="0" cy="0"/>
-        </a:xfrm>
-      </p:grpSpPr>
-      <p:sp>
-        <p:nvSpPr>
-          <p:cNvPr id="2" name="Заголовок 1"/>
-          <p:cNvSpPr>
-            <a:spLocks noGrp="1"/>
-          </p:cNvSpPr>
-          <p:nvPr>
-            <p:ph type="title"/>
-          </p:nvPr>
-        </p:nvSpPr>
-        <p:spPr/>
-        <p:txBody>
-          <a:bodyPr/>
-          <a:lstStyle/>
-          <a:p>
-            <a:r>
-              <a:rPr lang="ru-RU" dirty="0" smtClean="0"/>
-              <a:t>Гигиенический минимум</a:t>
-            </a:r>
-            <a:endParaRPr lang="ru-RU" dirty="0"/>
-          </a:p>
-        </p:txBody>
-      </p:sp>
-      <p:sp>
-        <p:nvSpPr>
-          <p:cNvPr id="3" name="Объект 2"/>
-          <p:cNvSpPr>
-            <a:spLocks noGrp="1"/>
-          </p:cNvSpPr>
-          <p:nvPr>
-            <p:ph idx="1"/>
-          </p:nvPr>
-        </p:nvSpPr>
-        <p:spPr/>
-        <p:txBody>
-          <a:bodyPr/>
-          <a:lstStyle/>
-          <a:p>
-            <a:r>
-              <a:rPr lang="ru-RU" dirty="0" smtClean="0"/>
-              <a:t>Аккуратное форматирование</a:t>
-            </a:r>
-          </a:p>
-          <a:p>
-            <a:r>
-              <a:rPr lang="ru-RU" dirty="0" smtClean="0"/>
-              <a:t>Соответствие принятому (в команде или </a:t>
-            </a:r>
-            <a:br>
-              <a:rPr lang="ru-RU" dirty="0" smtClean="0"/>
-            </a:br>
-            <a:r>
-              <a:rPr lang="ru-RU" dirty="0" smtClean="0"/>
-              <a:t>в </a:t>
-            </a:r>
-            <a:r>
-              <a:rPr lang="ru-RU" dirty="0" err="1" smtClean="0"/>
-              <a:t>комьюнити</a:t>
-            </a:r>
-            <a:r>
-              <a:rPr lang="ru-RU" dirty="0" smtClean="0"/>
-              <a:t>) стилю оформления кода</a:t>
-            </a:r>
-          </a:p>
-          <a:p>
-            <a:r>
-              <a:rPr lang="ru-RU" dirty="0" smtClean="0"/>
-              <a:t>Понятные имена методов и переменных</a:t>
-            </a:r>
-          </a:p>
-          <a:p>
-            <a:endParaRPr lang="ru-RU" dirty="0"/>
-          </a:p>
-        </p:txBody>
-      </p:sp>
-    </p:spTree>
-    <p:extLst>
-      <p:ext uri="{BB962C8B-B14F-4D97-AF65-F5344CB8AC3E}">
-        <p14:creationId xmlns:p14="http://schemas.microsoft.com/office/powerpoint/2010/main" val="218469268"/>
       </p:ext>
     </p:extLst>
   </p:cSld>
@@ -11201,7 +13909,7 @@
       </p:grpSpPr>
       <p:sp>
         <p:nvSpPr>
-          <p:cNvPr id="4" name="Заголовок 3"/>
+          <p:cNvPr id="2" name="Заголовок 1"/>
           <p:cNvSpPr>
             <a:spLocks noGrp="1"/>
           </p:cNvSpPr>
@@ -11209,14 +13917,33 @@
             <p:ph type="title"/>
           </p:nvPr>
         </p:nvSpPr>
-        <p:spPr/>
-        <p:txBody>
-          <a:bodyPr/>
+        <p:spPr>
+          <a:xfrm>
+            <a:off x="457200" y="274638"/>
+            <a:ext cx="8229600" cy="1642194"/>
+          </a:xfrm>
+        </p:spPr>
+        <p:txBody>
+          <a:bodyPr>
+            <a:normAutofit fontScale="90000"/>
+          </a:bodyPr>
           <a:lstStyle/>
           <a:p>
             <a:r>
               <a:rPr lang="ru-RU" dirty="0" smtClean="0"/>
-              <a:t>Тестирование</a:t>
+              <a:t>Возможности </a:t>
+            </a:r>
+            <a:r>
+              <a:rPr lang="en-US" dirty="0" smtClean="0"/>
+              <a:t>C#</a:t>
+            </a:r>
+            <a:r>
+              <a:rPr lang="ru-RU" dirty="0" smtClean="0"/>
+              <a:t>, которые позволяют сделать </a:t>
+            </a:r>
+            <a:r>
+              <a:rPr lang="en-US" dirty="0" smtClean="0"/>
+              <a:t>LINQ</a:t>
             </a:r>
             <a:endParaRPr lang="ru-RU" dirty="0"/>
           </a:p>
@@ -11224,27 +13951,269 @@
       </p:sp>
       <p:sp>
         <p:nvSpPr>
-          <p:cNvPr id="5" name="Текст 4"/>
+          <p:cNvPr id="3" name="Объект 2"/>
           <p:cNvSpPr>
             <a:spLocks noGrp="1"/>
           </p:cNvSpPr>
           <p:nvPr>
-            <p:ph type="body" idx="1"/>
-          </p:nvPr>
-        </p:nvSpPr>
-        <p:spPr/>
-        <p:txBody>
-          <a:bodyPr/>
+            <p:ph idx="1"/>
+          </p:nvPr>
+        </p:nvSpPr>
+        <p:spPr>
+          <a:xfrm>
+            <a:off x="457200" y="2060848"/>
+            <a:ext cx="8229600" cy="4065315"/>
+          </a:xfrm>
+        </p:spPr>
+        <p:txBody>
+          <a:bodyPr>
+            <a:normAutofit/>
+          </a:bodyPr>
           <a:lstStyle/>
           <a:p>
-            <a:endParaRPr lang="ru-RU"/>
+            <a:pPr marL="514350" indent="-514350">
+              <a:buFont typeface="+mj-lt"/>
+              <a:buAutoNum type="arabicPeriod"/>
+            </a:pPr>
+            <a:r>
+              <a:rPr lang="en-US" dirty="0" err="1" smtClean="0"/>
+              <a:t>IEnumerable</a:t>
+            </a:r>
+            <a:r>
+              <a:rPr lang="en-US" dirty="0" smtClean="0"/>
+              <a:t>&lt;T&gt;</a:t>
+            </a:r>
+          </a:p>
+          <a:p>
+            <a:pPr marL="514350" indent="-514350">
+              <a:buFont typeface="+mj-lt"/>
+              <a:buAutoNum type="arabicPeriod"/>
+            </a:pPr>
+            <a:r>
+              <a:rPr lang="en-US" dirty="0"/>
+              <a:t>Extension methods</a:t>
+            </a:r>
+          </a:p>
+          <a:p>
+            <a:pPr marL="514350" indent="-514350">
+              <a:buFont typeface="+mj-lt"/>
+              <a:buAutoNum type="arabicPeriod"/>
+            </a:pPr>
+            <a:r>
+              <a:rPr lang="en-US" dirty="0" smtClean="0"/>
+              <a:t>yield return</a:t>
+            </a:r>
+            <a:endParaRPr lang="ru-RU" dirty="0" smtClean="0"/>
+          </a:p>
+          <a:p>
+            <a:pPr marL="514350" indent="-514350">
+              <a:buFont typeface="+mj-lt"/>
+              <a:buAutoNum type="arabicPeriod"/>
+            </a:pPr>
+            <a:r>
+              <a:rPr lang="ru-RU" dirty="0" smtClean="0"/>
+              <a:t>Лямбды</a:t>
+            </a:r>
+            <a:br>
+              <a:rPr lang="ru-RU" dirty="0" smtClean="0"/>
+            </a:br>
+            <a:r>
+              <a:rPr lang="en-US" sz="2400" dirty="0" err="1" smtClean="0">
+                <a:latin typeface="Consolas" panose="020B0609020204030204" pitchFamily="49" charset="0"/>
+                <a:cs typeface="Consolas" panose="020B0609020204030204" pitchFamily="49" charset="0"/>
+              </a:rPr>
+              <a:t>Func</a:t>
+            </a:r>
+            <a:r>
+              <a:rPr lang="en-US" sz="2400" dirty="0" smtClean="0">
+                <a:latin typeface="Consolas" panose="020B0609020204030204" pitchFamily="49" charset="0"/>
+                <a:cs typeface="Consolas" panose="020B0609020204030204" pitchFamily="49" charset="0"/>
+              </a:rPr>
+              <a:t>&lt;</a:t>
+            </a:r>
+            <a:r>
+              <a:rPr lang="en-US" sz="2400" dirty="0" err="1" smtClean="0">
+                <a:latin typeface="Consolas" panose="020B0609020204030204" pitchFamily="49" charset="0"/>
+                <a:cs typeface="Consolas" panose="020B0609020204030204" pitchFamily="49" charset="0"/>
+              </a:rPr>
+              <a:t>TArg</a:t>
+            </a:r>
+            <a:r>
+              <a:rPr lang="en-US" sz="2400" dirty="0">
+                <a:latin typeface="Consolas" panose="020B0609020204030204" pitchFamily="49" charset="0"/>
+                <a:cs typeface="Consolas" panose="020B0609020204030204" pitchFamily="49" charset="0"/>
+              </a:rPr>
+              <a:t>, </a:t>
+            </a:r>
+            <a:r>
+              <a:rPr lang="en-US" sz="2400" dirty="0" err="1">
+                <a:latin typeface="Consolas" panose="020B0609020204030204" pitchFamily="49" charset="0"/>
+                <a:cs typeface="Consolas" panose="020B0609020204030204" pitchFamily="49" charset="0"/>
+              </a:rPr>
+              <a:t>TRes</a:t>
+            </a:r>
+            <a:r>
+              <a:rPr lang="en-US" sz="2400" dirty="0">
+                <a:latin typeface="Consolas" panose="020B0609020204030204" pitchFamily="49" charset="0"/>
+                <a:cs typeface="Consolas" panose="020B0609020204030204" pitchFamily="49" charset="0"/>
+              </a:rPr>
+              <a:t>&gt; f = </a:t>
+            </a:r>
+            <a:r>
+              <a:rPr lang="ru-RU" sz="2400" dirty="0" smtClean="0">
+                <a:latin typeface="Consolas" panose="020B0609020204030204" pitchFamily="49" charset="0"/>
+                <a:cs typeface="Consolas" panose="020B0609020204030204" pitchFamily="49" charset="0"/>
+              </a:rPr>
+              <a:t/>
+            </a:r>
+            <a:br>
+              <a:rPr lang="ru-RU" sz="2400" dirty="0" smtClean="0">
+                <a:latin typeface="Consolas" panose="020B0609020204030204" pitchFamily="49" charset="0"/>
+                <a:cs typeface="Consolas" panose="020B0609020204030204" pitchFamily="49" charset="0"/>
+              </a:rPr>
+            </a:br>
+            <a:r>
+              <a:rPr lang="en-US" sz="2400" dirty="0">
+                <a:latin typeface="Consolas" panose="020B0609020204030204" pitchFamily="49" charset="0"/>
+                <a:cs typeface="Consolas" panose="020B0609020204030204" pitchFamily="49" charset="0"/>
+              </a:rPr>
+              <a:t>		(</a:t>
+            </a:r>
+            <a:r>
+              <a:rPr lang="en-US" sz="2400" dirty="0" err="1">
+                <a:latin typeface="Consolas" panose="020B0609020204030204" pitchFamily="49" charset="0"/>
+                <a:cs typeface="Consolas" panose="020B0609020204030204" pitchFamily="49" charset="0"/>
+              </a:rPr>
+              <a:t>TArg</a:t>
+            </a:r>
+            <a:r>
+              <a:rPr lang="en-US" sz="2400" dirty="0">
+                <a:latin typeface="Consolas" panose="020B0609020204030204" pitchFamily="49" charset="0"/>
+                <a:cs typeface="Consolas" panose="020B0609020204030204" pitchFamily="49" charset="0"/>
+              </a:rPr>
+              <a:t> a) =&gt; </a:t>
+            </a:r>
+            <a:r>
+              <a:rPr lang="en-US" sz="2400" dirty="0" err="1">
+                <a:latin typeface="Consolas" panose="020B0609020204030204" pitchFamily="49" charset="0"/>
+                <a:cs typeface="Consolas" panose="020B0609020204030204" pitchFamily="49" charset="0"/>
+              </a:rPr>
+              <a:t>a.GetRes</a:t>
+            </a:r>
+            <a:r>
+              <a:rPr lang="en-US" sz="2400" dirty="0" smtClean="0">
+                <a:latin typeface="Consolas" panose="020B0609020204030204" pitchFamily="49" charset="0"/>
+                <a:cs typeface="Consolas" panose="020B0609020204030204" pitchFamily="49" charset="0"/>
+              </a:rPr>
+              <a:t>();</a:t>
+            </a:r>
+            <a:r>
+              <a:rPr lang="ru-RU" sz="2400" dirty="0" smtClean="0">
+                <a:latin typeface="Consolas" panose="020B0609020204030204" pitchFamily="49" charset="0"/>
+                <a:cs typeface="Consolas" panose="020B0609020204030204" pitchFamily="49" charset="0"/>
+              </a:rPr>
+              <a:t/>
+            </a:r>
+            <a:br>
+              <a:rPr lang="ru-RU" sz="2400" dirty="0" smtClean="0">
+                <a:latin typeface="Consolas" panose="020B0609020204030204" pitchFamily="49" charset="0"/>
+                <a:cs typeface="Consolas" panose="020B0609020204030204" pitchFamily="49" charset="0"/>
+              </a:rPr>
+            </a:br>
+            <a:r>
+              <a:rPr lang="en-US" sz="2400" dirty="0" smtClean="0">
+                <a:latin typeface="Consolas" panose="020B0609020204030204" pitchFamily="49" charset="0"/>
+                <a:cs typeface="Consolas" panose="020B0609020204030204" pitchFamily="49" charset="0"/>
+              </a:rPr>
+              <a:t>Action&lt;</a:t>
+            </a:r>
+            <a:r>
+              <a:rPr lang="en-US" sz="2400" dirty="0" err="1" smtClean="0">
+                <a:latin typeface="Consolas" panose="020B0609020204030204" pitchFamily="49" charset="0"/>
+                <a:cs typeface="Consolas" panose="020B0609020204030204" pitchFamily="49" charset="0"/>
+              </a:rPr>
+              <a:t>TArg</a:t>
+            </a:r>
+            <a:r>
+              <a:rPr lang="en-US" sz="2400" dirty="0">
+                <a:latin typeface="Consolas" panose="020B0609020204030204" pitchFamily="49" charset="0"/>
+                <a:cs typeface="Consolas" panose="020B0609020204030204" pitchFamily="49" charset="0"/>
+              </a:rPr>
+              <a:t>&gt; write </a:t>
+            </a:r>
+            <a:r>
+              <a:rPr lang="en-US" sz="2400" dirty="0" smtClean="0">
+                <a:latin typeface="Consolas" panose="020B0609020204030204" pitchFamily="49" charset="0"/>
+                <a:cs typeface="Consolas" panose="020B0609020204030204" pitchFamily="49" charset="0"/>
+              </a:rPr>
+              <a:t>=</a:t>
+            </a:r>
+            <a:r>
+              <a:rPr lang="ru-RU" sz="2400" dirty="0">
+                <a:latin typeface="Consolas" panose="020B0609020204030204" pitchFamily="49" charset="0"/>
+                <a:cs typeface="Consolas" panose="020B0609020204030204" pitchFamily="49" charset="0"/>
+              </a:rPr>
+              <a:t/>
+            </a:r>
+            <a:br>
+              <a:rPr lang="ru-RU" sz="2400" dirty="0">
+                <a:latin typeface="Consolas" panose="020B0609020204030204" pitchFamily="49" charset="0"/>
+                <a:cs typeface="Consolas" panose="020B0609020204030204" pitchFamily="49" charset="0"/>
+              </a:rPr>
+            </a:br>
+            <a:r>
+              <a:rPr lang="ru-RU" sz="2400" dirty="0" smtClean="0">
+                <a:latin typeface="Consolas" panose="020B0609020204030204" pitchFamily="49" charset="0"/>
+                <a:cs typeface="Consolas" panose="020B0609020204030204" pitchFamily="49" charset="0"/>
+              </a:rPr>
+              <a:t>		</a:t>
+            </a:r>
+            <a:r>
+              <a:rPr lang="en-US" sz="2400" dirty="0" smtClean="0">
+                <a:latin typeface="Consolas" panose="020B0609020204030204" pitchFamily="49" charset="0"/>
+                <a:cs typeface="Consolas" panose="020B0609020204030204" pitchFamily="49" charset="0"/>
+              </a:rPr>
+              <a:t>a </a:t>
+            </a:r>
+            <a:r>
+              <a:rPr lang="en-US" sz="2400" dirty="0">
+                <a:latin typeface="Consolas" panose="020B0609020204030204" pitchFamily="49" charset="0"/>
+                <a:cs typeface="Consolas" panose="020B0609020204030204" pitchFamily="49" charset="0"/>
+              </a:rPr>
+              <a:t>=&gt; </a:t>
+            </a:r>
+            <a:r>
+              <a:rPr lang="en-US" sz="2400" dirty="0" err="1">
+                <a:latin typeface="Consolas" panose="020B0609020204030204" pitchFamily="49" charset="0"/>
+                <a:cs typeface="Consolas" panose="020B0609020204030204" pitchFamily="49" charset="0"/>
+              </a:rPr>
+              <a:t>Console.WriteLine</a:t>
+            </a:r>
+            <a:r>
+              <a:rPr lang="en-US" sz="2400" dirty="0">
+                <a:latin typeface="Consolas" panose="020B0609020204030204" pitchFamily="49" charset="0"/>
+                <a:cs typeface="Consolas" panose="020B0609020204030204" pitchFamily="49" charset="0"/>
+              </a:rPr>
+              <a:t>(a);</a:t>
+            </a:r>
+            <a:endParaRPr lang="ru-RU" sz="2400" dirty="0">
+              <a:latin typeface="Consolas" panose="020B0609020204030204" pitchFamily="49" charset="0"/>
+              <a:cs typeface="Consolas" panose="020B0609020204030204" pitchFamily="49" charset="0"/>
+            </a:endParaRPr>
+          </a:p>
+          <a:p>
+            <a:pPr marL="514350" indent="-514350">
+              <a:buFont typeface="+mj-lt"/>
+              <a:buAutoNum type="arabicPeriod"/>
+            </a:pPr>
+            <a:endParaRPr lang="en-US" dirty="0" smtClean="0"/>
           </a:p>
         </p:txBody>
       </p:sp>
     </p:spTree>
     <p:extLst>
       <p:ext uri="{BB962C8B-B14F-4D97-AF65-F5344CB8AC3E}">
-        <p14:creationId xmlns:p14="http://schemas.microsoft.com/office/powerpoint/2010/main" val="2632731554"/>
+        <p14:creationId xmlns:p14="http://schemas.microsoft.com/office/powerpoint/2010/main" val="3179089145"/>
       </p:ext>
     </p:extLst>
   </p:cSld>
@@ -11254,9 +14223,231 @@
   <p:timing>
     <p:tnLst>
       <p:par>
-        <p:cTn id="1" dur="indefinite" restart="never" nodeType="tmRoot"/>
+        <p:cTn id="1" dur="indefinite" restart="never" nodeType="tmRoot">
+          <p:childTnLst>
+            <p:seq concurrent="1" nextAc="seek">
+              <p:cTn id="2" dur="indefinite" nodeType="mainSeq">
+                <p:childTnLst>
+                  <p:par>
+                    <p:cTn id="3" fill="hold">
+                      <p:stCondLst>
+                        <p:cond delay="indefinite"/>
+                      </p:stCondLst>
+                      <p:childTnLst>
+                        <p:par>
+                          <p:cTn id="4" fill="hold">
+                            <p:stCondLst>
+                              <p:cond delay="0"/>
+                            </p:stCondLst>
+                            <p:childTnLst>
+                              <p:par>
+                                <p:cTn id="5" presetID="1" presetClass="entr" presetSubtype="0" fill="hold" grpId="0" nodeType="clickEffect">
+                                  <p:stCondLst>
+                                    <p:cond delay="0"/>
+                                  </p:stCondLst>
+                                  <p:childTnLst>
+                                    <p:set>
+                                      <p:cBhvr>
+                                        <p:cTn id="6" dur="1" fill="hold">
+                                          <p:stCondLst>
+                                            <p:cond delay="0"/>
+                                          </p:stCondLst>
+                                        </p:cTn>
+                                        <p:tgtEl>
+                                          <p:spTgt spid="3">
+                                            <p:txEl>
+                                              <p:pRg st="0" end="0"/>
+                                            </p:txEl>
+                                          </p:spTgt>
+                                        </p:tgtEl>
+                                        <p:attrNameLst>
+                                          <p:attrName>style.visibility</p:attrName>
+                                        </p:attrNameLst>
+                                      </p:cBhvr>
+                                      <p:to>
+                                        <p:strVal val="visible"/>
+                                      </p:to>
+                                    </p:set>
+                                  </p:childTnLst>
+                                </p:cTn>
+                              </p:par>
+                            </p:childTnLst>
+                          </p:cTn>
+                        </p:par>
+                      </p:childTnLst>
+                    </p:cTn>
+                  </p:par>
+                  <p:par>
+                    <p:cTn id="7" fill="hold">
+                      <p:stCondLst>
+                        <p:cond delay="indefinite"/>
+                      </p:stCondLst>
+                      <p:childTnLst>
+                        <p:par>
+                          <p:cTn id="8" fill="hold">
+                            <p:stCondLst>
+                              <p:cond delay="0"/>
+                            </p:stCondLst>
+                            <p:childTnLst>
+                              <p:par>
+                                <p:cTn id="9" presetID="1" presetClass="entr" presetSubtype="0" fill="hold" grpId="0" nodeType="clickEffect">
+                                  <p:stCondLst>
+                                    <p:cond delay="0"/>
+                                  </p:stCondLst>
+                                  <p:childTnLst>
+                                    <p:set>
+                                      <p:cBhvr>
+                                        <p:cTn id="10" dur="1" fill="hold">
+                                          <p:stCondLst>
+                                            <p:cond delay="0"/>
+                                          </p:stCondLst>
+                                        </p:cTn>
+                                        <p:tgtEl>
+                                          <p:spTgt spid="3">
+                                            <p:txEl>
+                                              <p:pRg st="1" end="1"/>
+                                            </p:txEl>
+                                          </p:spTgt>
+                                        </p:tgtEl>
+                                        <p:attrNameLst>
+                                          <p:attrName>style.visibility</p:attrName>
+                                        </p:attrNameLst>
+                                      </p:cBhvr>
+                                      <p:to>
+                                        <p:strVal val="visible"/>
+                                      </p:to>
+                                    </p:set>
+                                  </p:childTnLst>
+                                </p:cTn>
+                              </p:par>
+                            </p:childTnLst>
+                          </p:cTn>
+                        </p:par>
+                      </p:childTnLst>
+                    </p:cTn>
+                  </p:par>
+                  <p:par>
+                    <p:cTn id="11" fill="hold">
+                      <p:stCondLst>
+                        <p:cond delay="indefinite"/>
+                      </p:stCondLst>
+                      <p:childTnLst>
+                        <p:par>
+                          <p:cTn id="12" fill="hold">
+                            <p:stCondLst>
+                              <p:cond delay="0"/>
+                            </p:stCondLst>
+                            <p:childTnLst>
+                              <p:par>
+                                <p:cTn id="13" presetID="1" presetClass="entr" presetSubtype="0" fill="hold" grpId="0" nodeType="clickEffect">
+                                  <p:stCondLst>
+                                    <p:cond delay="0"/>
+                                  </p:stCondLst>
+                                  <p:childTnLst>
+                                    <p:set>
+                                      <p:cBhvr>
+                                        <p:cTn id="14" dur="1" fill="hold">
+                                          <p:stCondLst>
+                                            <p:cond delay="0"/>
+                                          </p:stCondLst>
+                                        </p:cTn>
+                                        <p:tgtEl>
+                                          <p:spTgt spid="3">
+                                            <p:txEl>
+                                              <p:pRg st="2" end="2"/>
+                                            </p:txEl>
+                                          </p:spTgt>
+                                        </p:tgtEl>
+                                        <p:attrNameLst>
+                                          <p:attrName>style.visibility</p:attrName>
+                                        </p:attrNameLst>
+                                      </p:cBhvr>
+                                      <p:to>
+                                        <p:strVal val="visible"/>
+                                      </p:to>
+                                    </p:set>
+                                  </p:childTnLst>
+                                </p:cTn>
+                              </p:par>
+                            </p:childTnLst>
+                          </p:cTn>
+                        </p:par>
+                      </p:childTnLst>
+                    </p:cTn>
+                  </p:par>
+                  <p:par>
+                    <p:cTn id="15" fill="hold">
+                      <p:stCondLst>
+                        <p:cond delay="indefinite"/>
+                      </p:stCondLst>
+                      <p:childTnLst>
+                        <p:par>
+                          <p:cTn id="16" fill="hold">
+                            <p:stCondLst>
+                              <p:cond delay="0"/>
+                            </p:stCondLst>
+                            <p:childTnLst>
+                              <p:par>
+                                <p:cTn id="17" presetID="1" presetClass="entr" presetSubtype="0" fill="hold" grpId="0" nodeType="clickEffect">
+                                  <p:stCondLst>
+                                    <p:cond delay="0"/>
+                                  </p:stCondLst>
+                                  <p:childTnLst>
+                                    <p:set>
+                                      <p:cBhvr>
+                                        <p:cTn id="18" dur="1" fill="hold">
+                                          <p:stCondLst>
+                                            <p:cond delay="0"/>
+                                          </p:stCondLst>
+                                        </p:cTn>
+                                        <p:tgtEl>
+                                          <p:spTgt spid="3">
+                                            <p:txEl>
+                                              <p:pRg st="3" end="3"/>
+                                            </p:txEl>
+                                          </p:spTgt>
+                                        </p:tgtEl>
+                                        <p:attrNameLst>
+                                          <p:attrName>style.visibility</p:attrName>
+                                        </p:attrNameLst>
+                                      </p:cBhvr>
+                                      <p:to>
+                                        <p:strVal val="visible"/>
+                                      </p:to>
+                                    </p:set>
+                                  </p:childTnLst>
+                                </p:cTn>
+                              </p:par>
+                            </p:childTnLst>
+                          </p:cTn>
+                        </p:par>
+                      </p:childTnLst>
+                    </p:cTn>
+                  </p:par>
+                </p:childTnLst>
+              </p:cTn>
+              <p:prevCondLst>
+                <p:cond evt="onPrev" delay="0">
+                  <p:tgtEl>
+                    <p:sldTgt/>
+                  </p:tgtEl>
+                </p:cond>
+              </p:prevCondLst>
+              <p:nextCondLst>
+                <p:cond evt="onNext" delay="0">
+                  <p:tgtEl>
+                    <p:sldTgt/>
+                  </p:tgtEl>
+                </p:cond>
+              </p:nextCondLst>
+            </p:seq>
+          </p:childTnLst>
+        </p:cTn>
       </p:par>
     </p:tnLst>
+    <p:bldLst>
+      <p:bldP spid="3" grpId="0" build="p"/>
+    </p:bldLst>
   </p:timing>
 </p:sld>
 </file>
@@ -11280,12 +14471,35 @@
       </p:grpSpPr>
       <p:sp>
         <p:nvSpPr>
-          <p:cNvPr id="4" name="Заголовок 3"/>
+          <p:cNvPr id="2" name="Заголовок 1"/>
           <p:cNvSpPr>
             <a:spLocks noGrp="1"/>
           </p:cNvSpPr>
           <p:nvPr>
             <p:ph type="title"/>
+          </p:nvPr>
+        </p:nvSpPr>
+        <p:spPr/>
+        <p:txBody>
+          <a:bodyPr/>
+          <a:lstStyle/>
+          <a:p>
+            <a:r>
+              <a:rPr lang="en-US" dirty="0" smtClean="0"/>
+              <a:t>LINQ</a:t>
+            </a:r>
+            <a:endParaRPr lang="ru-RU" dirty="0"/>
+          </a:p>
+        </p:txBody>
+      </p:sp>
+      <p:sp>
+        <p:nvSpPr>
+          <p:cNvPr id="3" name="Объект 2"/>
+          <p:cNvSpPr>
+            <a:spLocks noGrp="1"/>
+          </p:cNvSpPr>
+          <p:nvPr>
+            <p:ph idx="1"/>
           </p:nvPr>
         </p:nvSpPr>
         <p:spPr/>
@@ -11295,44 +14509,128 @@
           </a:bodyPr>
           <a:lstStyle/>
           <a:p>
-            <a:r>
-              <a:rPr lang="en-US" dirty="0" err="1" smtClean="0"/>
-              <a:t>NUnit</a:t>
-            </a:r>
-            <a:r>
-              <a:rPr lang="en-US" dirty="0" smtClean="0"/>
-              <a:t> demo</a:t>
-            </a:r>
-            <a:endParaRPr lang="ru-RU" dirty="0"/>
-          </a:p>
-        </p:txBody>
-      </p:sp>
-      <p:sp>
-        <p:nvSpPr>
-          <p:cNvPr id="5" name="Объект 4"/>
-          <p:cNvSpPr>
-            <a:spLocks noGrp="1"/>
-          </p:cNvSpPr>
-          <p:nvPr>
-            <p:ph idx="1"/>
-          </p:nvPr>
-        </p:nvSpPr>
-        <p:spPr/>
-        <p:txBody>
-          <a:bodyPr/>
-          <a:lstStyle/>
-          <a:p>
             <a:pPr marL="0" indent="0">
               <a:buNone/>
             </a:pPr>
-            <a:endParaRPr lang="ru-RU" dirty="0"/>
+            <a:r>
+              <a:rPr lang="en-US" sz="2400" dirty="0" err="1" smtClean="0">
+                <a:latin typeface="Consolas" panose="020B0609020204030204" pitchFamily="49" charset="0"/>
+                <a:cs typeface="Consolas" panose="020B0609020204030204" pitchFamily="49" charset="0"/>
+              </a:rPr>
+              <a:t>IEnumerable</a:t>
+            </a:r>
+            <a:r>
+              <a:rPr lang="en-US" sz="2400" dirty="0" smtClean="0">
+                <a:latin typeface="Consolas" panose="020B0609020204030204" pitchFamily="49" charset="0"/>
+                <a:cs typeface="Consolas" panose="020B0609020204030204" pitchFamily="49" charset="0"/>
+              </a:rPr>
+              <a:t>&lt;T&gt;</a:t>
+            </a:r>
+            <a:r>
+              <a:rPr lang="en-US" sz="2400" dirty="0"/>
+              <a:t> — </a:t>
+            </a:r>
+            <a:r>
+              <a:rPr lang="ru-RU" sz="2400" dirty="0"/>
+              <a:t>то, что можно перечислить</a:t>
+            </a:r>
+            <a:r>
+              <a:rPr lang="ru-RU" sz="2400" dirty="0" smtClean="0"/>
+              <a:t>.</a:t>
+            </a:r>
+          </a:p>
+          <a:p>
+            <a:pPr marL="0" indent="0">
+              <a:buNone/>
+            </a:pPr>
+            <a:r>
+              <a:rPr lang="ru-RU" sz="2400" dirty="0">
+                <a:latin typeface="Consolas" panose="020B0609020204030204" pitchFamily="49" charset="0"/>
+                <a:cs typeface="Consolas" panose="020B0609020204030204" pitchFamily="49" charset="0"/>
+              </a:rPr>
+              <a:t>	</a:t>
+            </a:r>
+            <a:r>
+              <a:rPr lang="en-US" sz="2400" dirty="0" smtClean="0">
+                <a:latin typeface="Consolas" panose="020B0609020204030204" pitchFamily="49" charset="0"/>
+                <a:cs typeface="Consolas" panose="020B0609020204030204" pitchFamily="49" charset="0"/>
+              </a:rPr>
+              <a:t>T[], List&lt;T&gt;, </a:t>
+            </a:r>
+            <a:r>
+              <a:rPr lang="en-US" sz="2400" dirty="0" err="1" smtClean="0">
+                <a:latin typeface="Consolas" panose="020B0609020204030204" pitchFamily="49" charset="0"/>
+                <a:cs typeface="Consolas" panose="020B0609020204030204" pitchFamily="49" charset="0"/>
+              </a:rPr>
+              <a:t>HashSet</a:t>
+            </a:r>
+            <a:r>
+              <a:rPr lang="en-US" sz="2400" dirty="0" smtClean="0">
+                <a:latin typeface="Consolas" panose="020B0609020204030204" pitchFamily="49" charset="0"/>
+                <a:cs typeface="Consolas" panose="020B0609020204030204" pitchFamily="49" charset="0"/>
+              </a:rPr>
+              <a:t>&lt;T&gt;, …</a:t>
+            </a:r>
+          </a:p>
+          <a:p>
+            <a:pPr marL="0" indent="0">
+              <a:buNone/>
+            </a:pPr>
+            <a:endParaRPr lang="ru-RU" sz="2400" dirty="0">
+              <a:latin typeface="Consolas" panose="020B0609020204030204" pitchFamily="49" charset="0"/>
+              <a:cs typeface="Consolas" panose="020B0609020204030204" pitchFamily="49" charset="0"/>
+            </a:endParaRPr>
+          </a:p>
+          <a:p>
+            <a:pPr marL="0" indent="0">
+              <a:buNone/>
+            </a:pPr>
+            <a:r>
+              <a:rPr lang="ru-RU" sz="2400" dirty="0"/>
+              <a:t>Для </a:t>
+            </a:r>
+            <a:r>
+              <a:rPr lang="en-US" sz="2400" dirty="0" err="1">
+                <a:latin typeface="Consolas" panose="020B0609020204030204" pitchFamily="49" charset="0"/>
+                <a:cs typeface="Consolas" panose="020B0609020204030204" pitchFamily="49" charset="0"/>
+              </a:rPr>
+              <a:t>IEnumerable</a:t>
+            </a:r>
+            <a:r>
+              <a:rPr lang="en-US" sz="2400" dirty="0">
+                <a:latin typeface="Consolas" panose="020B0609020204030204" pitchFamily="49" charset="0"/>
+                <a:cs typeface="Consolas" panose="020B0609020204030204" pitchFamily="49" charset="0"/>
+              </a:rPr>
+              <a:t>&lt;T&gt;</a:t>
+            </a:r>
+            <a:r>
+              <a:rPr lang="en-US" sz="2400" dirty="0"/>
+              <a:t> </a:t>
+            </a:r>
+            <a:r>
+              <a:rPr lang="ru-RU" sz="2400" dirty="0" smtClean="0"/>
+              <a:t>есть несколько полезных </a:t>
+            </a:r>
+            <a:r>
+              <a:rPr lang="ru-RU" sz="2400" dirty="0" smtClean="0"/>
+              <a:t>методов расширения, активно использующих </a:t>
+            </a:r>
+            <a:r>
+              <a:rPr lang="en-US" sz="2400" dirty="0" smtClean="0"/>
+              <a:t>yield return</a:t>
+            </a:r>
+            <a:r>
+              <a:rPr lang="ru-RU" sz="2400" dirty="0" smtClean="0"/>
+              <a:t> и лямбды</a:t>
+            </a:r>
+            <a:endParaRPr lang="ru-RU" sz="2400" dirty="0"/>
           </a:p>
         </p:txBody>
       </p:sp>
     </p:spTree>
     <p:extLst>
       <p:ext uri="{BB962C8B-B14F-4D97-AF65-F5344CB8AC3E}">
-        <p14:creationId xmlns:p14="http://schemas.microsoft.com/office/powerpoint/2010/main" val="3705630178"/>
+        <p14:creationId xmlns:p14="http://schemas.microsoft.com/office/powerpoint/2010/main" val="2816760376"/>
       </p:ext>
     </p:extLst>
   </p:cSld>

--- a/1-CodeQuality/quality-slides.pptx
+++ b/1-CodeQuality/quality-slides.pptx
@@ -5,7 +5,7 @@
     <p:sldMasterId id="2147483780" r:id="rId1"/>
   </p:sldMasterIdLst>
   <p:notesMasterIdLst>
-    <p:notesMasterId r:id="rId45"/>
+    <p:notesMasterId r:id="rId47"/>
   </p:notesMasterIdLst>
   <p:sldIdLst>
     <p:sldId id="368" r:id="rId2"/>
@@ -14,43 +14,45 @@
     <p:sldId id="369" r:id="rId5"/>
     <p:sldId id="370" r:id="rId6"/>
     <p:sldId id="361" r:id="rId7"/>
-    <p:sldId id="363" r:id="rId8"/>
-    <p:sldId id="396" r:id="rId9"/>
-    <p:sldId id="397" r:id="rId10"/>
-    <p:sldId id="398" r:id="rId11"/>
-    <p:sldId id="399" r:id="rId12"/>
-    <p:sldId id="400" r:id="rId13"/>
-    <p:sldId id="401" r:id="rId14"/>
-    <p:sldId id="407" r:id="rId15"/>
-    <p:sldId id="403" r:id="rId16"/>
-    <p:sldId id="406" r:id="rId17"/>
-    <p:sldId id="362" r:id="rId18"/>
-    <p:sldId id="371" r:id="rId19"/>
-    <p:sldId id="373" r:id="rId20"/>
-    <p:sldId id="374" r:id="rId21"/>
-    <p:sldId id="392" r:id="rId22"/>
-    <p:sldId id="307" r:id="rId23"/>
-    <p:sldId id="394" r:id="rId24"/>
-    <p:sldId id="300" r:id="rId25"/>
-    <p:sldId id="338" r:id="rId26"/>
-    <p:sldId id="375" r:id="rId27"/>
-    <p:sldId id="308" r:id="rId28"/>
-    <p:sldId id="304" r:id="rId29"/>
-    <p:sldId id="309" r:id="rId30"/>
-    <p:sldId id="395" r:id="rId31"/>
-    <p:sldId id="376" r:id="rId32"/>
-    <p:sldId id="378" r:id="rId33"/>
-    <p:sldId id="379" r:id="rId34"/>
-    <p:sldId id="380" r:id="rId35"/>
-    <p:sldId id="384" r:id="rId36"/>
-    <p:sldId id="383" r:id="rId37"/>
-    <p:sldId id="386" r:id="rId38"/>
-    <p:sldId id="388" r:id="rId39"/>
-    <p:sldId id="387" r:id="rId40"/>
-    <p:sldId id="393" r:id="rId41"/>
-    <p:sldId id="389" r:id="rId42"/>
-    <p:sldId id="390" r:id="rId43"/>
-    <p:sldId id="391" r:id="rId44"/>
+    <p:sldId id="409" r:id="rId8"/>
+    <p:sldId id="408" r:id="rId9"/>
+    <p:sldId id="363" r:id="rId10"/>
+    <p:sldId id="410" r:id="rId11"/>
+    <p:sldId id="396" r:id="rId12"/>
+    <p:sldId id="397" r:id="rId13"/>
+    <p:sldId id="398" r:id="rId14"/>
+    <p:sldId id="400" r:id="rId15"/>
+    <p:sldId id="401" r:id="rId16"/>
+    <p:sldId id="407" r:id="rId17"/>
+    <p:sldId id="403" r:id="rId18"/>
+    <p:sldId id="406" r:id="rId19"/>
+    <p:sldId id="362" r:id="rId20"/>
+    <p:sldId id="371" r:id="rId21"/>
+    <p:sldId id="373" r:id="rId22"/>
+    <p:sldId id="374" r:id="rId23"/>
+    <p:sldId id="392" r:id="rId24"/>
+    <p:sldId id="307" r:id="rId25"/>
+    <p:sldId id="394" r:id="rId26"/>
+    <p:sldId id="300" r:id="rId27"/>
+    <p:sldId id="338" r:id="rId28"/>
+    <p:sldId id="375" r:id="rId29"/>
+    <p:sldId id="308" r:id="rId30"/>
+    <p:sldId id="304" r:id="rId31"/>
+    <p:sldId id="309" r:id="rId32"/>
+    <p:sldId id="395" r:id="rId33"/>
+    <p:sldId id="376" r:id="rId34"/>
+    <p:sldId id="378" r:id="rId35"/>
+    <p:sldId id="379" r:id="rId36"/>
+    <p:sldId id="380" r:id="rId37"/>
+    <p:sldId id="384" r:id="rId38"/>
+    <p:sldId id="383" r:id="rId39"/>
+    <p:sldId id="386" r:id="rId40"/>
+    <p:sldId id="388" r:id="rId41"/>
+    <p:sldId id="387" r:id="rId42"/>
+    <p:sldId id="393" r:id="rId43"/>
+    <p:sldId id="389" r:id="rId44"/>
+    <p:sldId id="390" r:id="rId45"/>
+    <p:sldId id="391" r:id="rId46"/>
   </p:sldIdLst>
   <p:sldSz cx="9144000" cy="6858000" type="screen4x3"/>
   <p:notesSz cx="6858000" cy="9144000"/>
@@ -681,7 +683,7 @@
           <a:p>
             <a:fld id="{414C0F9C-8EEB-4FCC-AFE2-CBC89CE9F378}" type="slidenum">
               <a:rPr lang="ru-RU" smtClean="0"/>
-              <a:t>10</a:t>
+              <a:t>13</a:t>
             </a:fld>
             <a:endParaRPr lang="ru-RU"/>
           </a:p>
@@ -765,7 +767,7 @@
           <a:p>
             <a:fld id="{414C0F9C-8EEB-4FCC-AFE2-CBC89CE9F378}" type="slidenum">
               <a:rPr lang="ru-RU" smtClean="0"/>
-              <a:t>12</a:t>
+              <a:t>14</a:t>
             </a:fld>
             <a:endParaRPr lang="ru-RU"/>
           </a:p>
@@ -849,7 +851,7 @@
           <a:p>
             <a:fld id="{3BAECB10-9972-4830-A584-02C41DAFD45B}" type="slidenum">
               <a:rPr lang="ru-RU" smtClean="0"/>
-              <a:t>19</a:t>
+              <a:t>21</a:t>
             </a:fld>
             <a:endParaRPr lang="ru-RU"/>
           </a:p>
@@ -953,7 +955,7 @@
           <a:p>
             <a:fld id="{3BAECB10-9972-4830-A584-02C41DAFD45B}" type="slidenum">
               <a:rPr lang="ru-RU" smtClean="0"/>
-              <a:t>24</a:t>
+              <a:t>26</a:t>
             </a:fld>
             <a:endParaRPr lang="ru-RU"/>
           </a:p>
@@ -1109,7 +1111,7 @@
                 <a:latin typeface="Arial" panose="020B0604020202020204" pitchFamily="34" charset="0"/>
               </a:rPr>
               <a:pPr eaLnBrk="1" hangingPunct="1"/>
-              <a:t>42</a:t>
+              <a:t>44</a:t>
             </a:fld>
             <a:endParaRPr lang="en-US" altLang="ru-RU">
               <a:latin typeface="Arial" panose="020B0604020202020204" pitchFamily="34" charset="0"/>
@@ -1305,7 +1307,7 @@
                 <a:latin typeface="Arial" panose="020B0604020202020204" pitchFamily="34" charset="0"/>
               </a:rPr>
               <a:pPr eaLnBrk="1" hangingPunct="1"/>
-              <a:t>43</a:t>
+              <a:t>45</a:t>
             </a:fld>
             <a:endParaRPr lang="en-US" altLang="ru-RU">
               <a:latin typeface="Arial" panose="020B0604020202020204" pitchFamily="34" charset="0"/>
@@ -4517,7 +4519,7 @@
       </p:grpSpPr>
       <p:sp>
         <p:nvSpPr>
-          <p:cNvPr id="2" name="Заголовок 1"/>
+          <p:cNvPr id="4" name="Заголовок 3"/>
           <p:cNvSpPr>
             <a:spLocks noGrp="1"/>
           </p:cNvSpPr>
@@ -4532,7 +4534,7 @@
           <a:p>
             <a:r>
               <a:rPr lang="en-US" dirty="0" smtClean="0"/>
-              <a:t>LINQ</a:t>
+              <a:t>Language Integrated Queries</a:t>
             </a:r>
             <a:endParaRPr lang="ru-RU" dirty="0"/>
           </a:p>
@@ -4540,440 +4542,27 @@
       </p:sp>
       <p:sp>
         <p:nvSpPr>
-          <p:cNvPr id="3" name="Объект 2"/>
+          <p:cNvPr id="5" name="Текст 4"/>
           <p:cNvSpPr>
             <a:spLocks noGrp="1"/>
           </p:cNvSpPr>
           <p:nvPr>
-            <p:ph idx="1"/>
+            <p:ph type="body" idx="1"/>
           </p:nvPr>
         </p:nvSpPr>
         <p:spPr/>
         <p:txBody>
-          <a:bodyPr>
-            <a:normAutofit/>
-          </a:bodyPr>
+          <a:bodyPr/>
           <a:lstStyle/>
           <a:p>
-            <a:pPr marL="0" indent="0">
-              <a:buNone/>
-            </a:pPr>
-            <a:r>
-              <a:rPr lang="en-US" sz="2400" dirty="0" err="1" smtClean="0">
-                <a:solidFill>
-                  <a:srgbClr val="000000"/>
-                </a:solidFill>
-                <a:highlight>
-                  <a:srgbClr val="FFFFFF"/>
-                </a:highlight>
-                <a:latin typeface="Consolas"/>
-              </a:rPr>
-              <a:t>list.Where</a:t>
-            </a:r>
-            <a:r>
-              <a:rPr lang="en-US" sz="2400" dirty="0" smtClean="0">
-                <a:solidFill>
-                  <a:srgbClr val="000000"/>
-                </a:solidFill>
-                <a:highlight>
-                  <a:srgbClr val="FFFFFF"/>
-                </a:highlight>
-                <a:latin typeface="Consolas"/>
-              </a:rPr>
-              <a:t>(x </a:t>
-            </a:r>
-            <a:r>
-              <a:rPr lang="en-US" sz="2400" dirty="0">
-                <a:solidFill>
-                  <a:srgbClr val="000000"/>
-                </a:solidFill>
-                <a:highlight>
-                  <a:srgbClr val="FFFFFF"/>
-                </a:highlight>
-                <a:latin typeface="Consolas"/>
-              </a:rPr>
-              <a:t>=&gt; x%2 == 0</a:t>
-            </a:r>
-            <a:r>
-              <a:rPr lang="en-US" sz="2400" dirty="0" smtClean="0">
-                <a:solidFill>
-                  <a:srgbClr val="000000"/>
-                </a:solidFill>
-                <a:highlight>
-                  <a:srgbClr val="FFFFFF"/>
-                </a:highlight>
-                <a:latin typeface="Consolas"/>
-              </a:rPr>
-              <a:t>)</a:t>
-            </a:r>
-            <a:r>
-              <a:rPr lang="ru-RU" sz="2400" dirty="0" smtClean="0">
-                <a:solidFill>
-                  <a:srgbClr val="000000"/>
-                </a:solidFill>
-                <a:highlight>
-                  <a:srgbClr val="FFFFFF"/>
-                </a:highlight>
-                <a:latin typeface="Consolas"/>
-              </a:rPr>
-              <a:t>	</a:t>
-            </a:r>
-            <a:r>
-              <a:rPr lang="en-US" sz="2800" dirty="0" smtClean="0"/>
-              <a:t>// </a:t>
-            </a:r>
-            <a:r>
-              <a:rPr lang="ru-RU" sz="2800" dirty="0"/>
-              <a:t>выбрать все </a:t>
-            </a:r>
-            <a:r>
-              <a:rPr lang="ru-RU" sz="2800" dirty="0" smtClean="0"/>
-              <a:t>четные</a:t>
-            </a:r>
-          </a:p>
-          <a:p>
-            <a:pPr marL="0" indent="0">
-              <a:buNone/>
-            </a:pPr>
-            <a:r>
-              <a:rPr lang="en-US" sz="2400" dirty="0" err="1">
-                <a:solidFill>
-                  <a:srgbClr val="000000"/>
-                </a:solidFill>
-                <a:highlight>
-                  <a:srgbClr val="FFFFFF"/>
-                </a:highlight>
-                <a:latin typeface="Consolas"/>
-              </a:rPr>
-              <a:t>list.Select</a:t>
-            </a:r>
-            <a:r>
-              <a:rPr lang="en-US" sz="2400" dirty="0">
-                <a:solidFill>
-                  <a:srgbClr val="000000"/>
-                </a:solidFill>
-                <a:highlight>
-                  <a:srgbClr val="FFFFFF"/>
-                </a:highlight>
-                <a:latin typeface="Consolas"/>
-              </a:rPr>
-              <a:t>(x =&gt; </a:t>
-            </a:r>
-            <a:r>
-              <a:rPr lang="en-US" sz="2400" dirty="0" smtClean="0">
-                <a:solidFill>
-                  <a:srgbClr val="000000"/>
-                </a:solidFill>
-                <a:highlight>
-                  <a:srgbClr val="FFFFFF"/>
-                </a:highlight>
-                <a:latin typeface="Consolas"/>
-              </a:rPr>
-              <a:t>x+1)</a:t>
-            </a:r>
-            <a:r>
-              <a:rPr lang="en-US" sz="2800" dirty="0" smtClean="0"/>
-              <a:t> </a:t>
-            </a:r>
-            <a:r>
-              <a:rPr lang="ru-RU" sz="2800" dirty="0" smtClean="0"/>
-              <a:t> 	</a:t>
-            </a:r>
-            <a:r>
-              <a:rPr lang="en-US" sz="2800" dirty="0" smtClean="0"/>
-              <a:t>//</a:t>
-            </a:r>
-            <a:r>
-              <a:rPr lang="ru-RU" sz="2800" dirty="0" smtClean="0"/>
-              <a:t> +1 ко всем</a:t>
-            </a:r>
-            <a:endParaRPr lang="en-US" sz="2800" dirty="0" smtClean="0"/>
-          </a:p>
-          <a:p>
-            <a:pPr marL="0" indent="0">
-              <a:buNone/>
-            </a:pPr>
-            <a:endParaRPr lang="en-US" sz="2400" dirty="0" smtClean="0">
-              <a:solidFill>
-                <a:srgbClr val="2B91AF"/>
-              </a:solidFill>
-              <a:highlight>
-                <a:srgbClr val="FFFFFF"/>
-              </a:highlight>
-              <a:latin typeface="Consolas"/>
-            </a:endParaRPr>
-          </a:p>
-          <a:p>
-            <a:pPr marL="0" indent="0">
-              <a:buNone/>
-            </a:pPr>
-            <a:r>
-              <a:rPr lang="en-US" sz="2400" dirty="0" smtClean="0">
-                <a:solidFill>
-                  <a:srgbClr val="2B91AF"/>
-                </a:solidFill>
-                <a:highlight>
-                  <a:srgbClr val="FFFFFF"/>
-                </a:highlight>
-                <a:latin typeface="Consolas"/>
-              </a:rPr>
-              <a:t>File</a:t>
-            </a:r>
-          </a:p>
-          <a:p>
-            <a:pPr marL="0" indent="0">
-              <a:buNone/>
-            </a:pPr>
-            <a:r>
-              <a:rPr lang="en-US" sz="2400" dirty="0">
-                <a:solidFill>
-                  <a:srgbClr val="2B91AF"/>
-                </a:solidFill>
-                <a:highlight>
-                  <a:srgbClr val="FFFFFF"/>
-                </a:highlight>
-                <a:latin typeface="Consolas"/>
-              </a:rPr>
-              <a:t> </a:t>
-            </a:r>
-            <a:r>
-              <a:rPr lang="en-US" sz="2400" dirty="0" smtClean="0">
-                <a:solidFill>
-                  <a:srgbClr val="2B91AF"/>
-                </a:solidFill>
-                <a:highlight>
-                  <a:srgbClr val="FFFFFF"/>
-                </a:highlight>
-                <a:latin typeface="Consolas"/>
-              </a:rPr>
-              <a:t> </a:t>
-            </a:r>
-            <a:r>
-              <a:rPr lang="en-US" sz="2400" dirty="0" smtClean="0">
-                <a:solidFill>
-                  <a:srgbClr val="000000"/>
-                </a:solidFill>
-                <a:highlight>
-                  <a:srgbClr val="FFFFFF"/>
-                </a:highlight>
-                <a:latin typeface="Consolas"/>
-              </a:rPr>
-              <a:t>.</a:t>
-            </a:r>
-            <a:r>
-              <a:rPr lang="en-US" sz="2400" dirty="0" err="1" smtClean="0">
-                <a:solidFill>
-                  <a:srgbClr val="000000"/>
-                </a:solidFill>
-                <a:highlight>
-                  <a:srgbClr val="FFFFFF"/>
-                </a:highlight>
-                <a:latin typeface="Consolas"/>
-              </a:rPr>
-              <a:t>ReadAllLines</a:t>
-            </a:r>
-            <a:r>
-              <a:rPr lang="en-US" sz="2400" dirty="0">
-                <a:solidFill>
-                  <a:srgbClr val="000000"/>
-                </a:solidFill>
-                <a:highlight>
-                  <a:srgbClr val="FFFFFF"/>
-                </a:highlight>
-                <a:latin typeface="Consolas"/>
-              </a:rPr>
-              <a:t>(</a:t>
-            </a:r>
-            <a:r>
-              <a:rPr lang="en-US" sz="2400" dirty="0">
-                <a:solidFill>
-                  <a:srgbClr val="A31515"/>
-                </a:solidFill>
-                <a:highlight>
-                  <a:srgbClr val="FFFFFF"/>
-                </a:highlight>
-                <a:latin typeface="Consolas"/>
-              </a:rPr>
-              <a:t>"input.txt"</a:t>
-            </a:r>
-            <a:r>
-              <a:rPr lang="en-US" sz="2400" dirty="0">
-                <a:solidFill>
-                  <a:srgbClr val="000000"/>
-                </a:solidFill>
-                <a:highlight>
-                  <a:srgbClr val="FFFFFF"/>
-                </a:highlight>
-                <a:latin typeface="Consolas"/>
-              </a:rPr>
-              <a:t>)</a:t>
-            </a:r>
-          </a:p>
-          <a:p>
-            <a:pPr marL="0" indent="0">
-              <a:buNone/>
-            </a:pPr>
-            <a:r>
-              <a:rPr lang="en-US" sz="2400" dirty="0" smtClean="0">
-                <a:solidFill>
-                  <a:srgbClr val="000000"/>
-                </a:solidFill>
-                <a:highlight>
-                  <a:srgbClr val="FFFFFF"/>
-                </a:highlight>
-                <a:latin typeface="Consolas"/>
-              </a:rPr>
-              <a:t>  </a:t>
-            </a:r>
-            <a:r>
-              <a:rPr lang="en-US" sz="2400" dirty="0">
-                <a:solidFill>
-                  <a:srgbClr val="000000"/>
-                </a:solidFill>
-                <a:highlight>
-                  <a:srgbClr val="FFFFFF"/>
-                </a:highlight>
-                <a:latin typeface="Consolas"/>
-              </a:rPr>
-              <a:t>.</a:t>
-            </a:r>
-            <a:r>
-              <a:rPr lang="en-US" sz="2400" dirty="0" err="1">
-                <a:solidFill>
-                  <a:srgbClr val="000000"/>
-                </a:solidFill>
-                <a:highlight>
-                  <a:srgbClr val="FFFFFF"/>
-                </a:highlight>
-                <a:latin typeface="Consolas"/>
-              </a:rPr>
-              <a:t>SelectMany</a:t>
-            </a:r>
-            <a:r>
-              <a:rPr lang="en-US" sz="2400" dirty="0">
-                <a:solidFill>
-                  <a:srgbClr val="000000"/>
-                </a:solidFill>
-                <a:highlight>
-                  <a:srgbClr val="FFFFFF"/>
-                </a:highlight>
-                <a:latin typeface="Consolas"/>
-              </a:rPr>
-              <a:t>(line =&gt; </a:t>
-            </a:r>
-            <a:r>
-              <a:rPr lang="en-US" sz="2400" dirty="0" err="1">
-                <a:solidFill>
-                  <a:srgbClr val="000000"/>
-                </a:solidFill>
-                <a:highlight>
-                  <a:srgbClr val="FFFFFF"/>
-                </a:highlight>
-                <a:latin typeface="Consolas"/>
-              </a:rPr>
-              <a:t>Regex.Split</a:t>
-            </a:r>
-            <a:r>
-              <a:rPr lang="en-US" sz="2400" dirty="0">
-                <a:solidFill>
-                  <a:srgbClr val="000000"/>
-                </a:solidFill>
-                <a:highlight>
-                  <a:srgbClr val="FFFFFF"/>
-                </a:highlight>
-                <a:latin typeface="Consolas"/>
-              </a:rPr>
-              <a:t>(line, </a:t>
-            </a:r>
-            <a:r>
-              <a:rPr lang="en-US" sz="2400" dirty="0">
-                <a:solidFill>
-                  <a:srgbClr val="A31515"/>
-                </a:solidFill>
-                <a:highlight>
-                  <a:srgbClr val="FFFFFF"/>
-                </a:highlight>
-                <a:latin typeface="Consolas"/>
-              </a:rPr>
-              <a:t>@"\W"</a:t>
-            </a:r>
-            <a:r>
-              <a:rPr lang="en-US" sz="2400" dirty="0">
-                <a:solidFill>
-                  <a:srgbClr val="000000"/>
-                </a:solidFill>
-                <a:highlight>
-                  <a:srgbClr val="FFFFFF"/>
-                </a:highlight>
-                <a:latin typeface="Consolas"/>
-              </a:rPr>
-              <a:t>))</a:t>
-            </a:r>
-          </a:p>
-          <a:p>
-            <a:pPr marL="0" indent="0">
-              <a:buNone/>
-            </a:pPr>
-            <a:r>
-              <a:rPr lang="en-US" sz="2400" dirty="0" smtClean="0">
-                <a:solidFill>
-                  <a:srgbClr val="000000"/>
-                </a:solidFill>
-                <a:highlight>
-                  <a:srgbClr val="FFFFFF"/>
-                </a:highlight>
-                <a:latin typeface="Consolas"/>
-              </a:rPr>
-              <a:t>  </a:t>
-            </a:r>
-            <a:r>
-              <a:rPr lang="en-US" sz="2400" dirty="0">
-                <a:solidFill>
-                  <a:srgbClr val="000000"/>
-                </a:solidFill>
-                <a:highlight>
-                  <a:srgbClr val="FFFFFF"/>
-                </a:highlight>
-                <a:latin typeface="Consolas"/>
-              </a:rPr>
-              <a:t>.</a:t>
-            </a:r>
-            <a:r>
-              <a:rPr lang="en-US" sz="2400" dirty="0" err="1">
-                <a:solidFill>
-                  <a:srgbClr val="000000"/>
-                </a:solidFill>
-                <a:highlight>
-                  <a:srgbClr val="FFFFFF"/>
-                </a:highlight>
-                <a:latin typeface="Consolas"/>
-              </a:rPr>
-              <a:t>ToArray</a:t>
-            </a:r>
-            <a:r>
-              <a:rPr lang="en-US" sz="2400" dirty="0" smtClean="0">
-                <a:solidFill>
-                  <a:srgbClr val="000000"/>
-                </a:solidFill>
-                <a:highlight>
-                  <a:srgbClr val="FFFFFF"/>
-                </a:highlight>
-                <a:latin typeface="Consolas"/>
-              </a:rPr>
-              <a:t>(); // </a:t>
-            </a:r>
-            <a:r>
-              <a:rPr lang="ru-RU" sz="2800" dirty="0"/>
-              <a:t>все слова</a:t>
-            </a:r>
-            <a:endParaRPr lang="en-US" sz="2400" dirty="0" smtClean="0"/>
+            <a:endParaRPr lang="ru-RU"/>
           </a:p>
         </p:txBody>
       </p:sp>
     </p:spTree>
     <p:extLst>
       <p:ext uri="{BB962C8B-B14F-4D97-AF65-F5344CB8AC3E}">
-        <p14:creationId xmlns:p14="http://schemas.microsoft.com/office/powerpoint/2010/main" val="1974727388"/>
+        <p14:creationId xmlns:p14="http://schemas.microsoft.com/office/powerpoint/2010/main" val="2709794907"/>
       </p:ext>
     </p:extLst>
   </p:cSld>
@@ -5017,230 +4606,303 @@
             <p:ph type="title"/>
           </p:nvPr>
         </p:nvSpPr>
-        <p:spPr/>
-        <p:txBody>
-          <a:bodyPr/>
-          <a:lstStyle/>
-          <a:p>
-            <a:r>
-              <a:rPr lang="en-US" dirty="0" smtClean="0"/>
-              <a:t>LINQ</a:t>
-            </a:r>
-            <a:endParaRPr lang="ru-RU" dirty="0"/>
-          </a:p>
-        </p:txBody>
-      </p:sp>
-      <p:sp>
-        <p:nvSpPr>
-          <p:cNvPr id="3" name="Объект 2"/>
-          <p:cNvSpPr>
-            <a:spLocks noGrp="1"/>
-          </p:cNvSpPr>
-          <p:nvPr>
-            <p:ph idx="1"/>
-          </p:nvPr>
-        </p:nvSpPr>
-        <p:spPr/>
+        <p:spPr>
+          <a:xfrm>
+            <a:off x="457200" y="274638"/>
+            <a:ext cx="8229600" cy="1282154"/>
+          </a:xfrm>
+        </p:spPr>
         <p:txBody>
           <a:bodyPr>
             <a:normAutofit/>
           </a:bodyPr>
           <a:lstStyle/>
           <a:p>
-            <a:pPr marL="0" indent="0">
-              <a:buNone/>
+            <a:r>
+              <a:rPr lang="ru-RU" dirty="0" smtClean="0"/>
+              <a:t>Важные </a:t>
+            </a:r>
+            <a:r>
+              <a:rPr lang="ru-RU" dirty="0" err="1" smtClean="0"/>
+              <a:t>фичи</a:t>
+            </a:r>
+            <a:r>
+              <a:rPr lang="ru-RU" dirty="0" smtClean="0"/>
+              <a:t> </a:t>
+            </a:r>
+            <a:r>
+              <a:rPr lang="en-US" dirty="0" smtClean="0"/>
+              <a:t>C#</a:t>
+            </a:r>
+            <a:endParaRPr lang="ru-RU" dirty="0"/>
+          </a:p>
+        </p:txBody>
+      </p:sp>
+      <p:sp>
+        <p:nvSpPr>
+          <p:cNvPr id="3" name="Объект 2"/>
+          <p:cNvSpPr>
+            <a:spLocks noGrp="1"/>
+          </p:cNvSpPr>
+          <p:nvPr>
+            <p:ph idx="1"/>
+          </p:nvPr>
+        </p:nvSpPr>
+        <p:spPr>
+          <a:xfrm>
+            <a:off x="457200" y="1484784"/>
+            <a:ext cx="8229600" cy="4065315"/>
+          </a:xfrm>
+        </p:spPr>
+        <p:txBody>
+          <a:bodyPr>
+            <a:normAutofit/>
+          </a:bodyPr>
+          <a:lstStyle/>
+          <a:p>
+            <a:pPr marL="514350" indent="-514350">
+              <a:buFont typeface="+mj-lt"/>
+              <a:buAutoNum type="arabicPeriod"/>
             </a:pPr>
             <a:r>
+              <a:rPr lang="en-US" dirty="0" err="1" smtClean="0"/>
+              <a:t>IEnumerable</a:t>
+            </a:r>
+            <a:r>
+              <a:rPr lang="en-US" dirty="0" smtClean="0"/>
+              <a:t>&lt;T&gt;</a:t>
+            </a:r>
+          </a:p>
+          <a:p>
+            <a:pPr marL="514350" indent="-514350">
+              <a:buFont typeface="+mj-lt"/>
+              <a:buAutoNum type="arabicPeriod"/>
+            </a:pPr>
+            <a:r>
+              <a:rPr lang="en-US" dirty="0"/>
+              <a:t>Extension methods</a:t>
+            </a:r>
+          </a:p>
+          <a:p>
+            <a:pPr marL="514350" indent="-514350">
+              <a:buFont typeface="+mj-lt"/>
+              <a:buAutoNum type="arabicPeriod"/>
+            </a:pPr>
+            <a:r>
+              <a:rPr lang="en-US" dirty="0" smtClean="0"/>
+              <a:t>yield return</a:t>
+            </a:r>
+            <a:endParaRPr lang="ru-RU" dirty="0" smtClean="0"/>
+          </a:p>
+          <a:p>
+            <a:pPr marL="514350" indent="-514350">
+              <a:buFont typeface="+mj-lt"/>
+              <a:buAutoNum type="arabicPeriod"/>
+            </a:pPr>
+            <a:r>
+              <a:rPr lang="ru-RU" dirty="0" smtClean="0"/>
+              <a:t>Лямбды</a:t>
+            </a:r>
+            <a:br>
+              <a:rPr lang="ru-RU" dirty="0" smtClean="0"/>
+            </a:br>
+            <a:r>
               <a:rPr lang="en-US" sz="2400" dirty="0" err="1" smtClean="0">
-                <a:solidFill>
-                  <a:srgbClr val="000000"/>
-                </a:solidFill>
-                <a:highlight>
-                  <a:srgbClr val="FFFFFF"/>
-                </a:highlight>
-                <a:latin typeface="Consolas"/>
-              </a:rPr>
-              <a:t>list.Where</a:t>
+                <a:latin typeface="Consolas" panose="020B0609020204030204" pitchFamily="49" charset="0"/>
+                <a:cs typeface="Consolas" panose="020B0609020204030204" pitchFamily="49" charset="0"/>
+              </a:rPr>
+              <a:t>Func</a:t>
             </a:r>
             <a:r>
               <a:rPr lang="en-US" sz="2400" dirty="0" smtClean="0">
-                <a:solidFill>
-                  <a:srgbClr val="000000"/>
-                </a:solidFill>
-                <a:highlight>
-                  <a:srgbClr val="FFFFFF"/>
-                </a:highlight>
-                <a:latin typeface="Consolas"/>
-              </a:rPr>
-              <a:t>(x </a:t>
+                <a:latin typeface="Consolas" panose="020B0609020204030204" pitchFamily="49" charset="0"/>
+                <a:cs typeface="Consolas" panose="020B0609020204030204" pitchFamily="49" charset="0"/>
+              </a:rPr>
+              <a:t>&lt;</a:t>
+            </a:r>
+            <a:r>
+              <a:rPr lang="en-US" sz="2400" dirty="0" err="1" smtClean="0">
+                <a:latin typeface="Consolas" panose="020B0609020204030204" pitchFamily="49" charset="0"/>
+                <a:cs typeface="Consolas" panose="020B0609020204030204" pitchFamily="49" charset="0"/>
+              </a:rPr>
+              <a:t>TArg</a:t>
             </a:r>
             <a:r>
               <a:rPr lang="en-US" sz="2400" dirty="0">
-                <a:solidFill>
-                  <a:srgbClr val="000000"/>
-                </a:solidFill>
-                <a:highlight>
-                  <a:srgbClr val="FFFFFF"/>
-                </a:highlight>
-                <a:latin typeface="Consolas"/>
-              </a:rPr>
-              <a:t>=&gt; x%2 == 0</a:t>
+                <a:latin typeface="Consolas" panose="020B0609020204030204" pitchFamily="49" charset="0"/>
+                <a:cs typeface="Consolas" panose="020B0609020204030204" pitchFamily="49" charset="0"/>
+              </a:rPr>
+              <a:t>, </a:t>
+            </a:r>
+            <a:r>
+              <a:rPr lang="en-US" sz="2400" dirty="0" err="1">
+                <a:latin typeface="Consolas" panose="020B0609020204030204" pitchFamily="49" charset="0"/>
+                <a:cs typeface="Consolas" panose="020B0609020204030204" pitchFamily="49" charset="0"/>
+              </a:rPr>
+              <a:t>TRes</a:t>
+            </a:r>
+            <a:r>
+              <a:rPr lang="en-US" sz="2400" dirty="0">
+                <a:latin typeface="Consolas" panose="020B0609020204030204" pitchFamily="49" charset="0"/>
+                <a:cs typeface="Consolas" panose="020B0609020204030204" pitchFamily="49" charset="0"/>
+              </a:rPr>
+              <a:t>&gt; f = </a:t>
+            </a:r>
+            <a:r>
+              <a:rPr lang="ru-RU" sz="2400" dirty="0" smtClean="0">
+                <a:latin typeface="Consolas" panose="020B0609020204030204" pitchFamily="49" charset="0"/>
+                <a:cs typeface="Consolas" panose="020B0609020204030204" pitchFamily="49" charset="0"/>
+              </a:rPr>
+              <a:t/>
+            </a:r>
+            <a:br>
+              <a:rPr lang="ru-RU" sz="2400" dirty="0" smtClean="0">
+                <a:latin typeface="Consolas" panose="020B0609020204030204" pitchFamily="49" charset="0"/>
+                <a:cs typeface="Consolas" panose="020B0609020204030204" pitchFamily="49" charset="0"/>
+              </a:rPr>
+            </a:br>
+            <a:r>
+              <a:rPr lang="en-US" sz="2400" dirty="0">
+                <a:latin typeface="Consolas" panose="020B0609020204030204" pitchFamily="49" charset="0"/>
+                <a:cs typeface="Consolas" panose="020B0609020204030204" pitchFamily="49" charset="0"/>
+              </a:rPr>
+              <a:t>		(</a:t>
+            </a:r>
+            <a:r>
+              <a:rPr lang="en-US" sz="2400" dirty="0" err="1">
+                <a:latin typeface="Consolas" panose="020B0609020204030204" pitchFamily="49" charset="0"/>
+                <a:cs typeface="Consolas" panose="020B0609020204030204" pitchFamily="49" charset="0"/>
+              </a:rPr>
+              <a:t>TArg</a:t>
+            </a:r>
+            <a:r>
+              <a:rPr lang="en-US" sz="2400" dirty="0">
+                <a:latin typeface="Consolas" panose="020B0609020204030204" pitchFamily="49" charset="0"/>
+                <a:cs typeface="Consolas" panose="020B0609020204030204" pitchFamily="49" charset="0"/>
+              </a:rPr>
+              <a:t> a) =&gt; </a:t>
+            </a:r>
+            <a:r>
+              <a:rPr lang="en-US" sz="2400" dirty="0" err="1">
+                <a:latin typeface="Consolas" panose="020B0609020204030204" pitchFamily="49" charset="0"/>
+                <a:cs typeface="Consolas" panose="020B0609020204030204" pitchFamily="49" charset="0"/>
+              </a:rPr>
+              <a:t>a.GetRes</a:t>
             </a:r>
             <a:r>
               <a:rPr lang="en-US" sz="2400" dirty="0" smtClean="0">
-                <a:solidFill>
-                  <a:srgbClr val="000000"/>
-                </a:solidFill>
-                <a:highlight>
-                  <a:srgbClr val="FFFFFF"/>
-                </a:highlight>
-                <a:latin typeface="Consolas"/>
-              </a:rPr>
-              <a:t>)</a:t>
+                <a:latin typeface="Consolas" panose="020B0609020204030204" pitchFamily="49" charset="0"/>
+                <a:cs typeface="Consolas" panose="020B0609020204030204" pitchFamily="49" charset="0"/>
+              </a:rPr>
+              <a:t>();</a:t>
             </a:r>
             <a:r>
               <a:rPr lang="ru-RU" sz="2400" dirty="0" smtClean="0">
-                <a:solidFill>
-                  <a:srgbClr val="000000"/>
-                </a:solidFill>
-                <a:highlight>
-                  <a:srgbClr val="FFFFFF"/>
-                </a:highlight>
-                <a:latin typeface="Consolas"/>
-              </a:rPr>
-              <a:t>	</a:t>
-            </a:r>
-            <a:r>
-              <a:rPr lang="en-US" sz="2800" dirty="0" smtClean="0"/>
-              <a:t>// </a:t>
-            </a:r>
-            <a:r>
-              <a:rPr lang="ru-RU" sz="2800" dirty="0"/>
-              <a:t>выбрать все </a:t>
-            </a:r>
-            <a:r>
-              <a:rPr lang="ru-RU" sz="2800" dirty="0" smtClean="0"/>
-              <a:t>четные</a:t>
-            </a:r>
-          </a:p>
-          <a:p>
-            <a:pPr marL="0" indent="0">
-              <a:buNone/>
+                <a:latin typeface="Consolas" panose="020B0609020204030204" pitchFamily="49" charset="0"/>
+                <a:cs typeface="Consolas" panose="020B0609020204030204" pitchFamily="49" charset="0"/>
+              </a:rPr>
+              <a:t/>
+            </a:r>
+            <a:br>
+              <a:rPr lang="ru-RU" sz="2400" dirty="0" smtClean="0">
+                <a:latin typeface="Consolas" panose="020B0609020204030204" pitchFamily="49" charset="0"/>
+                <a:cs typeface="Consolas" panose="020B0609020204030204" pitchFamily="49" charset="0"/>
+              </a:rPr>
+            </a:br>
+            <a:r>
+              <a:rPr lang="en-US" sz="2400" dirty="0" smtClean="0">
+                <a:latin typeface="Consolas" panose="020B0609020204030204" pitchFamily="49" charset="0"/>
+                <a:cs typeface="Consolas" panose="020B0609020204030204" pitchFamily="49" charset="0"/>
+              </a:rPr>
+              <a:t>Action&lt;</a:t>
+            </a:r>
+            <a:r>
+              <a:rPr lang="en-US" sz="2400" dirty="0" err="1" smtClean="0">
+                <a:latin typeface="Consolas" panose="020B0609020204030204" pitchFamily="49" charset="0"/>
+                <a:cs typeface="Consolas" panose="020B0609020204030204" pitchFamily="49" charset="0"/>
+              </a:rPr>
+              <a:t>TArg</a:t>
+            </a:r>
+            <a:r>
+              <a:rPr lang="en-US" sz="2400" dirty="0">
+                <a:latin typeface="Consolas" panose="020B0609020204030204" pitchFamily="49" charset="0"/>
+                <a:cs typeface="Consolas" panose="020B0609020204030204" pitchFamily="49" charset="0"/>
+              </a:rPr>
+              <a:t>&gt; write </a:t>
+            </a:r>
+            <a:r>
+              <a:rPr lang="en-US" sz="2400" dirty="0" smtClean="0">
+                <a:latin typeface="Consolas" panose="020B0609020204030204" pitchFamily="49" charset="0"/>
+                <a:cs typeface="Consolas" panose="020B0609020204030204" pitchFamily="49" charset="0"/>
+              </a:rPr>
+              <a:t>=</a:t>
+            </a:r>
+            <a:r>
+              <a:rPr lang="ru-RU" sz="2400" dirty="0">
+                <a:latin typeface="Consolas" panose="020B0609020204030204" pitchFamily="49" charset="0"/>
+                <a:cs typeface="Consolas" panose="020B0609020204030204" pitchFamily="49" charset="0"/>
+              </a:rPr>
+              <a:t/>
+            </a:r>
+            <a:br>
+              <a:rPr lang="ru-RU" sz="2400" dirty="0">
+                <a:latin typeface="Consolas" panose="020B0609020204030204" pitchFamily="49" charset="0"/>
+                <a:cs typeface="Consolas" panose="020B0609020204030204" pitchFamily="49" charset="0"/>
+              </a:rPr>
+            </a:br>
+            <a:r>
+              <a:rPr lang="ru-RU" sz="2400" dirty="0" smtClean="0">
+                <a:latin typeface="Consolas" panose="020B0609020204030204" pitchFamily="49" charset="0"/>
+                <a:cs typeface="Consolas" panose="020B0609020204030204" pitchFamily="49" charset="0"/>
+              </a:rPr>
+              <a:t>		</a:t>
+            </a:r>
+            <a:r>
+              <a:rPr lang="en-US" sz="2400" dirty="0" smtClean="0">
+                <a:latin typeface="Consolas" panose="020B0609020204030204" pitchFamily="49" charset="0"/>
+                <a:cs typeface="Consolas" panose="020B0609020204030204" pitchFamily="49" charset="0"/>
+              </a:rPr>
+              <a:t>a </a:t>
+            </a:r>
+            <a:r>
+              <a:rPr lang="en-US" sz="2400" dirty="0">
+                <a:latin typeface="Consolas" panose="020B0609020204030204" pitchFamily="49" charset="0"/>
+                <a:cs typeface="Consolas" panose="020B0609020204030204" pitchFamily="49" charset="0"/>
+              </a:rPr>
+              <a:t>=&gt; </a:t>
+            </a:r>
+            <a:r>
+              <a:rPr lang="en-US" sz="2400" dirty="0" err="1">
+                <a:latin typeface="Consolas" panose="020B0609020204030204" pitchFamily="49" charset="0"/>
+                <a:cs typeface="Consolas" panose="020B0609020204030204" pitchFamily="49" charset="0"/>
+              </a:rPr>
+              <a:t>Console.WriteLine</a:t>
+            </a:r>
+            <a:r>
+              <a:rPr lang="en-US" sz="2400" dirty="0">
+                <a:latin typeface="Consolas" panose="020B0609020204030204" pitchFamily="49" charset="0"/>
+                <a:cs typeface="Consolas" panose="020B0609020204030204" pitchFamily="49" charset="0"/>
+              </a:rPr>
+              <a:t>(a);</a:t>
+            </a:r>
+            <a:endParaRPr lang="ru-RU" sz="2400" dirty="0">
+              <a:latin typeface="Consolas" panose="020B0609020204030204" pitchFamily="49" charset="0"/>
+              <a:cs typeface="Consolas" panose="020B0609020204030204" pitchFamily="49" charset="0"/>
+            </a:endParaRPr>
+          </a:p>
+          <a:p>
+            <a:pPr marL="514350" indent="-514350">
+              <a:buFont typeface="+mj-lt"/>
+              <a:buAutoNum type="arabicPeriod"/>
             </a:pPr>
-            <a:r>
-              <a:rPr lang="en-US" sz="2400" dirty="0" smtClean="0">
-                <a:solidFill>
-                  <a:srgbClr val="000000"/>
-                </a:solidFill>
-                <a:highlight>
-                  <a:srgbClr val="FFFFFF"/>
-                </a:highlight>
-                <a:latin typeface="Consolas"/>
-              </a:rPr>
-              <a:t>    .</a:t>
-            </a:r>
-            <a:r>
-              <a:rPr lang="en-US" sz="2400" dirty="0">
-                <a:solidFill>
-                  <a:srgbClr val="000000"/>
-                </a:solidFill>
-                <a:highlight>
-                  <a:srgbClr val="FFFFFF"/>
-                </a:highlight>
-                <a:latin typeface="Consolas"/>
-              </a:rPr>
-              <a:t>Select(x =&gt; </a:t>
-            </a:r>
-            <a:r>
-              <a:rPr lang="en-US" sz="2400" dirty="0" smtClean="0">
-                <a:solidFill>
-                  <a:srgbClr val="000000"/>
-                </a:solidFill>
-                <a:highlight>
-                  <a:srgbClr val="FFFFFF"/>
-                </a:highlight>
-                <a:latin typeface="Consolas"/>
-              </a:rPr>
-              <a:t>x+1)</a:t>
-            </a:r>
-            <a:r>
-              <a:rPr lang="en-US" sz="2800" dirty="0" smtClean="0"/>
-              <a:t> </a:t>
-            </a:r>
-            <a:r>
-              <a:rPr lang="ru-RU" sz="2800" dirty="0" smtClean="0"/>
-              <a:t> 	</a:t>
-            </a:r>
-            <a:r>
-              <a:rPr lang="en-US" sz="2800" dirty="0" smtClean="0"/>
-              <a:t>//</a:t>
-            </a:r>
-            <a:r>
-              <a:rPr lang="ru-RU" sz="2800" dirty="0" smtClean="0"/>
-              <a:t> +1 ко всем</a:t>
-            </a:r>
-            <a:endParaRPr lang="en-US" sz="2800" dirty="0" smtClean="0"/>
-          </a:p>
-          <a:p>
-            <a:pPr marL="0" indent="0">
-              <a:buNone/>
-            </a:pPr>
-            <a:r>
-              <a:rPr lang="en-US" sz="2400" dirty="0" smtClean="0">
-                <a:solidFill>
-                  <a:srgbClr val="000000"/>
-                </a:solidFill>
-                <a:highlight>
-                  <a:srgbClr val="FFFFFF"/>
-                </a:highlight>
-                <a:latin typeface="Consolas"/>
-              </a:rPr>
-              <a:t>    .</a:t>
-            </a:r>
-            <a:r>
-              <a:rPr lang="en-US" sz="2400" dirty="0" err="1" smtClean="0">
-                <a:solidFill>
-                  <a:srgbClr val="000000"/>
-                </a:solidFill>
-                <a:highlight>
-                  <a:srgbClr val="FFFFFF"/>
-                </a:highlight>
-                <a:latin typeface="Consolas"/>
-              </a:rPr>
-              <a:t>ToArray</a:t>
-            </a:r>
-            <a:r>
-              <a:rPr lang="en-US" sz="2400" dirty="0" smtClean="0">
-                <a:solidFill>
-                  <a:srgbClr val="000000"/>
-                </a:solidFill>
-                <a:highlight>
-                  <a:srgbClr val="FFFFFF"/>
-                </a:highlight>
-                <a:latin typeface="Consolas"/>
-              </a:rPr>
-              <a:t>()             </a:t>
-            </a:r>
-            <a:r>
-              <a:rPr lang="en-US" sz="2800" dirty="0"/>
-              <a:t>//</a:t>
-            </a:r>
-            <a:r>
-              <a:rPr lang="ru-RU" sz="2800" dirty="0"/>
-              <a:t> в </a:t>
-            </a:r>
-            <a:r>
-              <a:rPr lang="ru-RU" sz="2800" dirty="0" smtClean="0"/>
-              <a:t>массив</a:t>
-            </a:r>
-            <a:endParaRPr lang="en-US" sz="2800" dirty="0"/>
+            <a:endParaRPr lang="en-US" dirty="0" smtClean="0"/>
           </a:p>
         </p:txBody>
       </p:sp>
     </p:spTree>
     <p:extLst>
       <p:ext uri="{BB962C8B-B14F-4D97-AF65-F5344CB8AC3E}">
-        <p14:creationId xmlns:p14="http://schemas.microsoft.com/office/powerpoint/2010/main" val="1382178009"/>
+        <p14:creationId xmlns:p14="http://schemas.microsoft.com/office/powerpoint/2010/main" val="3179089145"/>
       </p:ext>
     </p:extLst>
   </p:cSld>
@@ -5250,9 +4912,231 @@
   <p:timing>
     <p:tnLst>
       <p:par>
-        <p:cTn id="1" dur="indefinite" restart="never" nodeType="tmRoot"/>
+        <p:cTn id="1" dur="indefinite" restart="never" nodeType="tmRoot">
+          <p:childTnLst>
+            <p:seq concurrent="1" nextAc="seek">
+              <p:cTn id="2" dur="indefinite" nodeType="mainSeq">
+                <p:childTnLst>
+                  <p:par>
+                    <p:cTn id="3" fill="hold">
+                      <p:stCondLst>
+                        <p:cond delay="indefinite"/>
+                      </p:stCondLst>
+                      <p:childTnLst>
+                        <p:par>
+                          <p:cTn id="4" fill="hold">
+                            <p:stCondLst>
+                              <p:cond delay="0"/>
+                            </p:stCondLst>
+                            <p:childTnLst>
+                              <p:par>
+                                <p:cTn id="5" presetID="1" presetClass="entr" presetSubtype="0" fill="hold" grpId="0" nodeType="clickEffect">
+                                  <p:stCondLst>
+                                    <p:cond delay="0"/>
+                                  </p:stCondLst>
+                                  <p:childTnLst>
+                                    <p:set>
+                                      <p:cBhvr>
+                                        <p:cTn id="6" dur="1" fill="hold">
+                                          <p:stCondLst>
+                                            <p:cond delay="0"/>
+                                          </p:stCondLst>
+                                        </p:cTn>
+                                        <p:tgtEl>
+                                          <p:spTgt spid="3">
+                                            <p:txEl>
+                                              <p:pRg st="0" end="0"/>
+                                            </p:txEl>
+                                          </p:spTgt>
+                                        </p:tgtEl>
+                                        <p:attrNameLst>
+                                          <p:attrName>style.visibility</p:attrName>
+                                        </p:attrNameLst>
+                                      </p:cBhvr>
+                                      <p:to>
+                                        <p:strVal val="visible"/>
+                                      </p:to>
+                                    </p:set>
+                                  </p:childTnLst>
+                                </p:cTn>
+                              </p:par>
+                            </p:childTnLst>
+                          </p:cTn>
+                        </p:par>
+                      </p:childTnLst>
+                    </p:cTn>
+                  </p:par>
+                  <p:par>
+                    <p:cTn id="7" fill="hold">
+                      <p:stCondLst>
+                        <p:cond delay="indefinite"/>
+                      </p:stCondLst>
+                      <p:childTnLst>
+                        <p:par>
+                          <p:cTn id="8" fill="hold">
+                            <p:stCondLst>
+                              <p:cond delay="0"/>
+                            </p:stCondLst>
+                            <p:childTnLst>
+                              <p:par>
+                                <p:cTn id="9" presetID="1" presetClass="entr" presetSubtype="0" fill="hold" grpId="0" nodeType="clickEffect">
+                                  <p:stCondLst>
+                                    <p:cond delay="0"/>
+                                  </p:stCondLst>
+                                  <p:childTnLst>
+                                    <p:set>
+                                      <p:cBhvr>
+                                        <p:cTn id="10" dur="1" fill="hold">
+                                          <p:stCondLst>
+                                            <p:cond delay="0"/>
+                                          </p:stCondLst>
+                                        </p:cTn>
+                                        <p:tgtEl>
+                                          <p:spTgt spid="3">
+                                            <p:txEl>
+                                              <p:pRg st="1" end="1"/>
+                                            </p:txEl>
+                                          </p:spTgt>
+                                        </p:tgtEl>
+                                        <p:attrNameLst>
+                                          <p:attrName>style.visibility</p:attrName>
+                                        </p:attrNameLst>
+                                      </p:cBhvr>
+                                      <p:to>
+                                        <p:strVal val="visible"/>
+                                      </p:to>
+                                    </p:set>
+                                  </p:childTnLst>
+                                </p:cTn>
+                              </p:par>
+                            </p:childTnLst>
+                          </p:cTn>
+                        </p:par>
+                      </p:childTnLst>
+                    </p:cTn>
+                  </p:par>
+                  <p:par>
+                    <p:cTn id="11" fill="hold">
+                      <p:stCondLst>
+                        <p:cond delay="indefinite"/>
+                      </p:stCondLst>
+                      <p:childTnLst>
+                        <p:par>
+                          <p:cTn id="12" fill="hold">
+                            <p:stCondLst>
+                              <p:cond delay="0"/>
+                            </p:stCondLst>
+                            <p:childTnLst>
+                              <p:par>
+                                <p:cTn id="13" presetID="1" presetClass="entr" presetSubtype="0" fill="hold" grpId="0" nodeType="clickEffect">
+                                  <p:stCondLst>
+                                    <p:cond delay="0"/>
+                                  </p:stCondLst>
+                                  <p:childTnLst>
+                                    <p:set>
+                                      <p:cBhvr>
+                                        <p:cTn id="14" dur="1" fill="hold">
+                                          <p:stCondLst>
+                                            <p:cond delay="0"/>
+                                          </p:stCondLst>
+                                        </p:cTn>
+                                        <p:tgtEl>
+                                          <p:spTgt spid="3">
+                                            <p:txEl>
+                                              <p:pRg st="2" end="2"/>
+                                            </p:txEl>
+                                          </p:spTgt>
+                                        </p:tgtEl>
+                                        <p:attrNameLst>
+                                          <p:attrName>style.visibility</p:attrName>
+                                        </p:attrNameLst>
+                                      </p:cBhvr>
+                                      <p:to>
+                                        <p:strVal val="visible"/>
+                                      </p:to>
+                                    </p:set>
+                                  </p:childTnLst>
+                                </p:cTn>
+                              </p:par>
+                            </p:childTnLst>
+                          </p:cTn>
+                        </p:par>
+                      </p:childTnLst>
+                    </p:cTn>
+                  </p:par>
+                  <p:par>
+                    <p:cTn id="15" fill="hold">
+                      <p:stCondLst>
+                        <p:cond delay="indefinite"/>
+                      </p:stCondLst>
+                      <p:childTnLst>
+                        <p:par>
+                          <p:cTn id="16" fill="hold">
+                            <p:stCondLst>
+                              <p:cond delay="0"/>
+                            </p:stCondLst>
+                            <p:childTnLst>
+                              <p:par>
+                                <p:cTn id="17" presetID="1" presetClass="entr" presetSubtype="0" fill="hold" grpId="0" nodeType="clickEffect">
+                                  <p:stCondLst>
+                                    <p:cond delay="0"/>
+                                  </p:stCondLst>
+                                  <p:childTnLst>
+                                    <p:set>
+                                      <p:cBhvr>
+                                        <p:cTn id="18" dur="1" fill="hold">
+                                          <p:stCondLst>
+                                            <p:cond delay="0"/>
+                                          </p:stCondLst>
+                                        </p:cTn>
+                                        <p:tgtEl>
+                                          <p:spTgt spid="3">
+                                            <p:txEl>
+                                              <p:pRg st="3" end="3"/>
+                                            </p:txEl>
+                                          </p:spTgt>
+                                        </p:tgtEl>
+                                        <p:attrNameLst>
+                                          <p:attrName>style.visibility</p:attrName>
+                                        </p:attrNameLst>
+                                      </p:cBhvr>
+                                      <p:to>
+                                        <p:strVal val="visible"/>
+                                      </p:to>
+                                    </p:set>
+                                  </p:childTnLst>
+                                </p:cTn>
+                              </p:par>
+                            </p:childTnLst>
+                          </p:cTn>
+                        </p:par>
+                      </p:childTnLst>
+                    </p:cTn>
+                  </p:par>
+                </p:childTnLst>
+              </p:cTn>
+              <p:prevCondLst>
+                <p:cond evt="onPrev" delay="0">
+                  <p:tgtEl>
+                    <p:sldTgt/>
+                  </p:tgtEl>
+                </p:cond>
+              </p:prevCondLst>
+              <p:nextCondLst>
+                <p:cond evt="onNext" delay="0">
+                  <p:tgtEl>
+                    <p:sldTgt/>
+                  </p:tgtEl>
+                </p:cond>
+              </p:nextCondLst>
+            </p:seq>
+          </p:childTnLst>
+        </p:cTn>
       </p:par>
     </p:tnLst>
+    <p:bldLst>
+      <p:bldP spid="3" grpId="0" build="p"/>
+    </p:bldLst>
   </p:timing>
 </p:sld>
 </file>
@@ -5318,276 +5202,70 @@
               <a:buNone/>
             </a:pPr>
             <a:r>
-              <a:rPr lang="en-US" sz="2000" dirty="0" err="1">
-                <a:solidFill>
-                  <a:srgbClr val="0000FF"/>
-                </a:solidFill>
-                <a:highlight>
-                  <a:srgbClr val="FFFFFF"/>
-                </a:highlight>
-                <a:latin typeface="Consolas"/>
-              </a:rPr>
-              <a:t>var</a:t>
-            </a:r>
-            <a:r>
-              <a:rPr lang="en-US" sz="2000" dirty="0">
-                <a:solidFill>
-                  <a:srgbClr val="000000"/>
-                </a:solidFill>
-                <a:highlight>
-                  <a:srgbClr val="FFFFFF"/>
-                </a:highlight>
-                <a:latin typeface="Consolas"/>
-              </a:rPr>
-              <a:t> words = </a:t>
-            </a:r>
-            <a:r>
-              <a:rPr lang="en-US" sz="2000" dirty="0" err="1" smtClean="0">
-                <a:solidFill>
-                  <a:srgbClr val="2B91AF"/>
-                </a:solidFill>
-                <a:highlight>
-                  <a:srgbClr val="FFFFFF"/>
-                </a:highlight>
-                <a:latin typeface="Consolas"/>
-              </a:rPr>
-              <a:t>File</a:t>
-            </a:r>
-            <a:r>
-              <a:rPr lang="en-US" sz="2000" dirty="0" err="1" smtClean="0">
-                <a:solidFill>
-                  <a:srgbClr val="000000"/>
-                </a:solidFill>
-                <a:highlight>
-                  <a:srgbClr val="FFFFFF"/>
-                </a:highlight>
-                <a:latin typeface="Consolas"/>
-              </a:rPr>
-              <a:t>.ReadLines</a:t>
-            </a:r>
-            <a:r>
-              <a:rPr lang="en-US" sz="2000" dirty="0" smtClean="0">
-                <a:solidFill>
-                  <a:srgbClr val="000000"/>
-                </a:solidFill>
-                <a:highlight>
-                  <a:srgbClr val="FFFFFF"/>
-                </a:highlight>
-                <a:latin typeface="Consolas"/>
-              </a:rPr>
-              <a:t>(</a:t>
-            </a:r>
-            <a:r>
-              <a:rPr lang="en-US" sz="2000" dirty="0" smtClean="0">
-                <a:solidFill>
-                  <a:srgbClr val="A31515"/>
-                </a:solidFill>
-                <a:highlight>
-                  <a:srgbClr val="FFFFFF"/>
-                </a:highlight>
-                <a:latin typeface="Consolas"/>
-              </a:rPr>
-              <a:t>"input.txt</a:t>
-            </a:r>
-            <a:r>
-              <a:rPr lang="en-US" sz="2000" dirty="0">
-                <a:solidFill>
-                  <a:srgbClr val="A31515"/>
-                </a:solidFill>
-                <a:highlight>
-                  <a:srgbClr val="FFFFFF"/>
-                </a:highlight>
-                <a:latin typeface="Consolas"/>
-              </a:rPr>
-              <a:t>"</a:t>
-            </a:r>
-            <a:r>
-              <a:rPr lang="en-US" sz="2000" dirty="0">
-                <a:solidFill>
-                  <a:srgbClr val="000000"/>
-                </a:solidFill>
-                <a:highlight>
-                  <a:srgbClr val="FFFFFF"/>
-                </a:highlight>
-                <a:latin typeface="Consolas"/>
-              </a:rPr>
-              <a:t>)</a:t>
+              <a:rPr lang="ru-RU" sz="2400" dirty="0" smtClean="0"/>
+              <a:t>Для </a:t>
+            </a:r>
+            <a:r>
+              <a:rPr lang="en-US" sz="2400" dirty="0" err="1">
+                <a:latin typeface="Consolas" panose="020B0609020204030204" pitchFamily="49" charset="0"/>
+                <a:cs typeface="Consolas" panose="020B0609020204030204" pitchFamily="49" charset="0"/>
+              </a:rPr>
+              <a:t>IEnumerable</a:t>
+            </a:r>
+            <a:r>
+              <a:rPr lang="en-US" sz="2400" dirty="0">
+                <a:latin typeface="Consolas" panose="020B0609020204030204" pitchFamily="49" charset="0"/>
+                <a:cs typeface="Consolas" panose="020B0609020204030204" pitchFamily="49" charset="0"/>
+              </a:rPr>
+              <a:t>&lt;T&gt;</a:t>
+            </a:r>
+            <a:r>
+              <a:rPr lang="en-US" sz="2400" dirty="0"/>
+              <a:t> </a:t>
+            </a:r>
+            <a:r>
+              <a:rPr lang="ru-RU" sz="2400" dirty="0" smtClean="0"/>
+              <a:t>есть несколько полезных методов расширения, активно использующих </a:t>
+            </a:r>
+            <a:r>
+              <a:rPr lang="en-US" sz="2400" dirty="0" smtClean="0"/>
+              <a:t>yield return</a:t>
+            </a:r>
+            <a:r>
+              <a:rPr lang="ru-RU" sz="2400" dirty="0" smtClean="0"/>
+              <a:t> и </a:t>
+            </a:r>
+            <a:r>
+              <a:rPr lang="ru-RU" sz="2400" dirty="0" smtClean="0"/>
+              <a:t>лямбды</a:t>
             </a:r>
           </a:p>
           <a:p>
             <a:pPr marL="0" indent="0">
               <a:buNone/>
             </a:pPr>
-            <a:r>
-              <a:rPr lang="en-US" sz="2000" dirty="0" smtClean="0">
-                <a:solidFill>
-                  <a:srgbClr val="000000"/>
-                </a:solidFill>
-                <a:highlight>
-                  <a:srgbClr val="FFFFFF"/>
-                </a:highlight>
-                <a:latin typeface="Consolas"/>
-              </a:rPr>
-              <a:t>  .Select(line =&gt; </a:t>
-            </a:r>
-            <a:r>
-              <a:rPr lang="en-US" sz="2000" dirty="0" err="1" smtClean="0">
-                <a:solidFill>
-                  <a:srgbClr val="000000"/>
-                </a:solidFill>
-                <a:highlight>
-                  <a:srgbClr val="FFFFFF"/>
-                </a:highlight>
-                <a:latin typeface="Consolas"/>
-              </a:rPr>
-              <a:t>line.Split</a:t>
-            </a:r>
-            <a:r>
-              <a:rPr lang="en-US" sz="2000" dirty="0" smtClean="0">
-                <a:solidFill>
-                  <a:srgbClr val="000000"/>
-                </a:solidFill>
-                <a:highlight>
-                  <a:srgbClr val="FFFFFF"/>
-                </a:highlight>
-                <a:latin typeface="Consolas"/>
-              </a:rPr>
-              <a:t>(</a:t>
-            </a:r>
-            <a:r>
-              <a:rPr lang="en-US" sz="2000" dirty="0" smtClean="0">
-                <a:solidFill>
-                  <a:srgbClr val="A31515"/>
-                </a:solidFill>
-                <a:highlight>
-                  <a:srgbClr val="FFFFFF"/>
-                </a:highlight>
-                <a:latin typeface="Consolas"/>
-              </a:rPr>
-              <a:t>‘ ’</a:t>
-            </a:r>
-            <a:r>
-              <a:rPr lang="en-US" sz="2000" dirty="0" smtClean="0">
-                <a:solidFill>
-                  <a:srgbClr val="000000"/>
-                </a:solidFill>
-                <a:highlight>
-                  <a:srgbClr val="FFFFFF"/>
-                </a:highlight>
-                <a:latin typeface="Consolas"/>
-              </a:rPr>
-              <a:t>))</a:t>
-            </a:r>
-            <a:endParaRPr lang="en-US" sz="2000" dirty="0">
-              <a:solidFill>
-                <a:srgbClr val="000000"/>
-              </a:solidFill>
-              <a:highlight>
-                <a:srgbClr val="FFFFFF"/>
-              </a:highlight>
-              <a:latin typeface="Consolas"/>
-            </a:endParaRPr>
+            <a:endParaRPr lang="ru-RU" sz="2400" dirty="0"/>
           </a:p>
           <a:p>
             <a:pPr marL="0" indent="0">
               <a:buNone/>
             </a:pPr>
             <a:r>
-              <a:rPr lang="en-US" sz="2000" dirty="0">
-                <a:solidFill>
-                  <a:srgbClr val="000000"/>
-                </a:solidFill>
-                <a:highlight>
-                  <a:srgbClr val="FFFFFF"/>
-                </a:highlight>
-                <a:latin typeface="Consolas"/>
-              </a:rPr>
-              <a:t> </a:t>
-            </a:r>
-            <a:r>
-              <a:rPr lang="en-US" sz="2000" dirty="0" smtClean="0">
-                <a:solidFill>
-                  <a:srgbClr val="000000"/>
-                </a:solidFill>
-                <a:highlight>
-                  <a:srgbClr val="FFFFFF"/>
-                </a:highlight>
-                <a:latin typeface="Consolas"/>
-              </a:rPr>
-              <a:t> .Select(line =&gt; </a:t>
-            </a:r>
-            <a:r>
-              <a:rPr lang="en-US" sz="2000" dirty="0" smtClean="0">
-                <a:solidFill>
-                  <a:srgbClr val="0000FF"/>
-                </a:solidFill>
-                <a:highlight>
-                  <a:srgbClr val="FFFFFF"/>
-                </a:highlight>
-                <a:latin typeface="Consolas"/>
-              </a:rPr>
-              <a:t>new</a:t>
-            </a:r>
-            <a:r>
-              <a:rPr lang="en-US" sz="2000" dirty="0" smtClean="0">
-                <a:solidFill>
-                  <a:srgbClr val="000000"/>
-                </a:solidFill>
-                <a:highlight>
-                  <a:srgbClr val="FFFFFF"/>
-                </a:highlight>
-                <a:latin typeface="Consolas"/>
-              </a:rPr>
-              <a:t> {name = line[0], value = line[1]});</a:t>
-            </a:r>
-          </a:p>
-          <a:p>
-            <a:pPr marL="0" indent="0">
-              <a:buNone/>
-            </a:pPr>
-            <a:endParaRPr lang="en-US" sz="2400" dirty="0" smtClean="0"/>
-          </a:p>
-          <a:p>
-            <a:pPr marL="0" indent="0">
-              <a:buNone/>
-            </a:pPr>
+              <a:rPr lang="ru-RU" sz="2400" dirty="0" smtClean="0"/>
+              <a:t>Это и есть </a:t>
+            </a:r>
             <a:r>
               <a:rPr lang="en-US" sz="2400" dirty="0" smtClean="0"/>
-              <a:t>//</a:t>
-            </a:r>
-            <a:r>
-              <a:rPr lang="ru-RU" sz="2400" dirty="0" smtClean="0"/>
-              <a:t> </a:t>
-            </a:r>
-            <a:r>
-              <a:rPr lang="ru-RU" sz="2400" dirty="0" err="1" smtClean="0"/>
-              <a:t>Распарсить</a:t>
-            </a:r>
-            <a:r>
-              <a:rPr lang="ru-RU" sz="2400" dirty="0" smtClean="0"/>
-              <a:t> файл в формате ключ-значение</a:t>
-            </a:r>
-            <a:endParaRPr lang="en-US" sz="2400" dirty="0" smtClean="0"/>
-          </a:p>
-          <a:p>
-            <a:pPr marL="0" indent="0">
-              <a:buNone/>
-            </a:pPr>
-            <a:r>
-              <a:rPr lang="en-US" sz="2400" dirty="0" smtClean="0"/>
-              <a:t>//</a:t>
-            </a:r>
-            <a:r>
-              <a:rPr lang="ru-RU" sz="2400" dirty="0" smtClean="0"/>
-              <a:t> Ленивость!</a:t>
-            </a:r>
+              <a:t>LINQ</a:t>
+            </a:r>
+            <a:endParaRPr lang="ru-RU" sz="2400" dirty="0"/>
           </a:p>
         </p:txBody>
       </p:sp>
     </p:spTree>
     <p:extLst>
       <p:ext uri="{BB962C8B-B14F-4D97-AF65-F5344CB8AC3E}">
-        <p14:creationId xmlns:p14="http://schemas.microsoft.com/office/powerpoint/2010/main" val="875974081"/>
+        <p14:creationId xmlns:p14="http://schemas.microsoft.com/office/powerpoint/2010/main" val="2816760376"/>
       </p:ext>
     </p:extLst>
   </p:cSld>
@@ -5654,12 +5332,7 @@
             <p:ph idx="1"/>
           </p:nvPr>
         </p:nvSpPr>
-        <p:spPr>
-          <a:xfrm>
-            <a:off x="457200" y="1567333"/>
-            <a:ext cx="8229600" cy="4525963"/>
-          </a:xfrm>
-        </p:spPr>
+        <p:spPr/>
         <p:txBody>
           <a:bodyPr>
             <a:normAutofit/>
@@ -5670,19 +5343,19 @@
               <a:buNone/>
             </a:pPr>
             <a:r>
-              <a:rPr lang="en-US" sz="2400" dirty="0" err="1">
-                <a:solidFill>
-                  <a:srgbClr val="0000FF"/>
+              <a:rPr lang="en-US" sz="2400" dirty="0" err="1" smtClean="0">
+                <a:solidFill>
+                  <a:srgbClr val="000000"/>
                 </a:solidFill>
                 <a:highlight>
                   <a:srgbClr val="FFFFFF"/>
                 </a:highlight>
                 <a:latin typeface="Consolas"/>
               </a:rPr>
-              <a:t>var</a:t>
-            </a:r>
-            <a:r>
-              <a:rPr lang="en-US" sz="2400" dirty="0">
+              <a:t>list.Where</a:t>
+            </a:r>
+            <a:r>
+              <a:rPr lang="en-US" sz="2400" dirty="0" smtClean="0">
                 <a:solidFill>
                   <a:srgbClr val="000000"/>
                 </a:solidFill>
@@ -5691,10 +5364,10 @@
                 </a:highlight>
                 <a:latin typeface="Consolas"/>
               </a:rPr>
-              <a:t> frequencies </a:t>
-            </a:r>
-            <a:r>
-              <a:rPr lang="en-US" sz="2400" dirty="0" smtClean="0">
+              <a:t>(x </a:t>
+            </a:r>
+            <a:r>
+              <a:rPr lang="en-US" sz="2400" dirty="0">
                 <a:solidFill>
                   <a:srgbClr val="000000"/>
                 </a:solidFill>
@@ -5703,22 +5376,22 @@
                 </a:highlight>
                 <a:latin typeface="Consolas"/>
               </a:rPr>
-              <a:t>= </a:t>
-            </a:r>
-            <a:r>
-              <a:rPr lang="en-US" sz="2400" dirty="0" err="1" smtClean="0">
-                <a:solidFill>
-                  <a:srgbClr val="2B91AF"/>
+              <a:t>=&gt; x%2 == 0</a:t>
+            </a:r>
+            <a:r>
+              <a:rPr lang="en-US" sz="2400" dirty="0" smtClean="0">
+                <a:solidFill>
+                  <a:srgbClr val="000000"/>
                 </a:solidFill>
                 <a:highlight>
                   <a:srgbClr val="FFFFFF"/>
                 </a:highlight>
                 <a:latin typeface="Consolas"/>
               </a:rPr>
-              <a:t>File</a:t>
-            </a:r>
-            <a:r>
-              <a:rPr lang="en-US" sz="2400" dirty="0" err="1" smtClean="0">
+              <a:t>)</a:t>
+            </a:r>
+            <a:r>
+              <a:rPr lang="ru-RU" sz="2400" dirty="0" smtClean="0">
                 <a:solidFill>
                   <a:srgbClr val="000000"/>
                 </a:solidFill>
@@ -5727,10 +5400,27 @@
                 </a:highlight>
                 <a:latin typeface="Consolas"/>
               </a:rPr>
-              <a:t>.ReadLines</a:t>
-            </a:r>
-            <a:r>
-              <a:rPr lang="en-US" sz="2400" dirty="0">
+              <a:t>	</a:t>
+            </a:r>
+            <a:r>
+              <a:rPr lang="en-US" sz="2800" dirty="0" smtClean="0"/>
+              <a:t>// </a:t>
+            </a:r>
+            <a:r>
+              <a:rPr lang="ru-RU" sz="2800" dirty="0"/>
+              <a:t>выбрать все </a:t>
+            </a:r>
+            <a:r>
+              <a:rPr lang="ru-RU" sz="2800" dirty="0" smtClean="0"/>
+              <a:t>четные</a:t>
+            </a:r>
+          </a:p>
+          <a:p>
+            <a:pPr marL="0" indent="0">
+              <a:buNone/>
+            </a:pPr>
+            <a:r>
+              <a:rPr lang="en-US" sz="2400" dirty="0" err="1">
                 <a:solidFill>
                   <a:srgbClr val="000000"/>
                 </a:solidFill>
@@ -5739,22 +5429,22 @@
                 </a:highlight>
                 <a:latin typeface="Consolas"/>
               </a:rPr>
-              <a:t>(</a:t>
+              <a:t>list.Select</a:t>
             </a:r>
             <a:r>
               <a:rPr lang="en-US" sz="2400" dirty="0">
                 <a:solidFill>
-                  <a:srgbClr val="A31515"/>
+                  <a:srgbClr val="000000"/>
                 </a:solidFill>
                 <a:highlight>
                   <a:srgbClr val="FFFFFF"/>
                 </a:highlight>
                 <a:latin typeface="Consolas"/>
               </a:rPr>
-              <a:t>"input.txt"</a:t>
-            </a:r>
-            <a:r>
-              <a:rPr lang="en-US" sz="2400" dirty="0">
+              <a:t>(x =&gt; </a:t>
+            </a:r>
+            <a:r>
+              <a:rPr lang="en-US" sz="2400" dirty="0" smtClean="0">
                 <a:solidFill>
                   <a:srgbClr val="000000"/>
                 </a:solidFill>
@@ -5763,51 +5453,87 @@
                 </a:highlight>
                 <a:latin typeface="Consolas"/>
               </a:rPr>
-              <a:t>)</a:t>
-            </a:r>
+              <a:t>x+1)</a:t>
+            </a:r>
+            <a:r>
+              <a:rPr lang="en-US" sz="2800" dirty="0" smtClean="0"/>
+              <a:t> </a:t>
+            </a:r>
+            <a:r>
+              <a:rPr lang="ru-RU" sz="2800" dirty="0" smtClean="0"/>
+              <a:t> 	</a:t>
+            </a:r>
+            <a:r>
+              <a:rPr lang="en-US" sz="2800" dirty="0" smtClean="0"/>
+              <a:t>//</a:t>
+            </a:r>
+            <a:r>
+              <a:rPr lang="ru-RU" sz="2800" dirty="0" smtClean="0"/>
+              <a:t> +1 ко всем</a:t>
+            </a:r>
+            <a:endParaRPr lang="en-US" sz="2800" dirty="0" smtClean="0"/>
           </a:p>
           <a:p>
             <a:pPr marL="0" indent="0">
               <a:buNone/>
             </a:pPr>
-            <a:r>
-              <a:rPr lang="en-US" sz="2400" dirty="0">
-                <a:solidFill>
-                  <a:srgbClr val="000000"/>
+            <a:endParaRPr lang="en-US" sz="2400" dirty="0" smtClean="0">
+              <a:solidFill>
+                <a:srgbClr val="2B91AF"/>
+              </a:solidFill>
+              <a:highlight>
+                <a:srgbClr val="FFFFFF"/>
+              </a:highlight>
+              <a:latin typeface="Consolas"/>
+            </a:endParaRPr>
+          </a:p>
+          <a:p>
+            <a:pPr marL="0" indent="0">
+              <a:buNone/>
+            </a:pPr>
+            <a:r>
+              <a:rPr lang="en-US" sz="2400" dirty="0" smtClean="0">
+                <a:solidFill>
+                  <a:srgbClr val="2B91AF"/>
                 </a:solidFill>
                 <a:highlight>
                   <a:srgbClr val="FFFFFF"/>
                 </a:highlight>
                 <a:latin typeface="Consolas"/>
               </a:rPr>
-              <a:t>  .</a:t>
-            </a:r>
-            <a:r>
-              <a:rPr lang="en-US" sz="2400" dirty="0" err="1">
-                <a:solidFill>
-                  <a:srgbClr val="000000"/>
+              <a:t>File</a:t>
+            </a:r>
+          </a:p>
+          <a:p>
+            <a:pPr marL="0" indent="0">
+              <a:buNone/>
+            </a:pPr>
+            <a:r>
+              <a:rPr lang="en-US" sz="2400" dirty="0">
+                <a:solidFill>
+                  <a:srgbClr val="2B91AF"/>
                 </a:solidFill>
                 <a:highlight>
                   <a:srgbClr val="FFFFFF"/>
                 </a:highlight>
                 <a:latin typeface="Consolas"/>
               </a:rPr>
-              <a:t>SelectMany</a:t>
-            </a:r>
-            <a:r>
-              <a:rPr lang="en-US" sz="2400" dirty="0">
-                <a:solidFill>
-                  <a:srgbClr val="000000"/>
+              <a:t> </a:t>
+            </a:r>
+            <a:r>
+              <a:rPr lang="en-US" sz="2400" dirty="0" smtClean="0">
+                <a:solidFill>
+                  <a:srgbClr val="2B91AF"/>
                 </a:solidFill>
                 <a:highlight>
                   <a:srgbClr val="FFFFFF"/>
                 </a:highlight>
                 <a:latin typeface="Consolas"/>
               </a:rPr>
-              <a:t>(line =&gt; </a:t>
-            </a:r>
-            <a:r>
-              <a:rPr lang="en-US" sz="2400" dirty="0" err="1">
+              <a:t> </a:t>
+            </a:r>
+            <a:r>
+              <a:rPr lang="en-US" sz="2400" dirty="0" smtClean="0">
                 <a:solidFill>
                   <a:srgbClr val="000000"/>
                 </a:solidFill>
@@ -5816,10 +5542,10 @@
                 </a:highlight>
                 <a:latin typeface="Consolas"/>
               </a:rPr>
-              <a:t>Regex.Split</a:t>
-            </a:r>
-            <a:r>
-              <a:rPr lang="en-US" sz="2400" dirty="0">
+              <a:t>.</a:t>
+            </a:r>
+            <a:r>
+              <a:rPr lang="en-US" sz="2400" dirty="0" err="1" smtClean="0">
                 <a:solidFill>
                   <a:srgbClr val="000000"/>
                 </a:solidFill>
@@ -5828,37 +5554,32 @@
                 </a:highlight>
                 <a:latin typeface="Consolas"/>
               </a:rPr>
-              <a:t>(line, </a:t>
+              <a:t>ReadAllLines</a:t>
             </a:r>
             <a:r>
               <a:rPr lang="en-US" sz="2400" dirty="0">
                 <a:solidFill>
-                  <a:srgbClr val="A31515"/>
+                  <a:srgbClr val="000000"/>
                 </a:solidFill>
                 <a:highlight>
                   <a:srgbClr val="FFFFFF"/>
                 </a:highlight>
                 <a:latin typeface="Consolas"/>
               </a:rPr>
-              <a:t>@"\W"</a:t>
+              <a:t>(</a:t>
             </a:r>
             <a:r>
               <a:rPr lang="en-US" sz="2400" dirty="0">
                 <a:solidFill>
-                  <a:srgbClr val="000000"/>
+                  <a:srgbClr val="A31515"/>
                 </a:solidFill>
                 <a:highlight>
                   <a:srgbClr val="FFFFFF"/>
                 </a:highlight>
                 <a:latin typeface="Consolas"/>
               </a:rPr>
-              <a:t>))</a:t>
-            </a:r>
-          </a:p>
-          <a:p>
-            <a:pPr marL="0" indent="0">
-              <a:buNone/>
-            </a:pPr>
+              <a:t>"input.txt"</a:t>
+            </a:r>
             <a:r>
               <a:rPr lang="en-US" sz="2400" dirty="0">
                 <a:solidFill>
@@ -5869,8 +5590,13 @@
                 </a:highlight>
                 <a:latin typeface="Consolas"/>
               </a:rPr>
-              <a:t>  </a:t>
-            </a:r>
+              <a:t>)</a:t>
+            </a:r>
+          </a:p>
+          <a:p>
+            <a:pPr marL="0" indent="0">
+              <a:buNone/>
+            </a:pPr>
             <a:r>
               <a:rPr lang="en-US" sz="2400" dirty="0" smtClean="0">
                 <a:solidFill>
@@ -5881,10 +5607,10 @@
                 </a:highlight>
                 <a:latin typeface="Consolas"/>
               </a:rPr>
-              <a:t>.</a:t>
-            </a:r>
-            <a:r>
-              <a:rPr lang="en-US" sz="2400" dirty="0" err="1" smtClean="0">
+              <a:t>  </a:t>
+            </a:r>
+            <a:r>
+              <a:rPr lang="en-US" sz="2400" dirty="0">
                 <a:solidFill>
                   <a:srgbClr val="000000"/>
                 </a:solidFill>
@@ -5893,10 +5619,10 @@
                 </a:highlight>
                 <a:latin typeface="Consolas"/>
               </a:rPr>
-              <a:t>GroupBy</a:t>
-            </a:r>
-            <a:r>
-              <a:rPr lang="en-US" sz="2400" dirty="0" smtClean="0">
+              <a:t>.</a:t>
+            </a:r>
+            <a:r>
+              <a:rPr lang="en-US" sz="2400" dirty="0" err="1">
                 <a:solidFill>
                   <a:srgbClr val="000000"/>
                 </a:solidFill>
@@ -5905,15 +5631,10 @@
                 </a:highlight>
                 <a:latin typeface="Consolas"/>
               </a:rPr>
-              <a:t>(word =&gt; word)</a:t>
-            </a:r>
-          </a:p>
-          <a:p>
-            <a:pPr marL="0" indent="0">
-              <a:buNone/>
-            </a:pPr>
-            <a:r>
-              <a:rPr lang="en-US" sz="2400" dirty="0" smtClean="0">
+              <a:t>SelectMany</a:t>
+            </a:r>
+            <a:r>
+              <a:rPr lang="en-US" sz="2400" dirty="0">
                 <a:solidFill>
                   <a:srgbClr val="000000"/>
                 </a:solidFill>
@@ -5922,10 +5643,10 @@
                 </a:highlight>
                 <a:latin typeface="Consolas"/>
               </a:rPr>
-              <a:t>  .</a:t>
-            </a:r>
-            <a:r>
-              <a:rPr lang="en-US" sz="2400" dirty="0" err="1" smtClean="0">
+              <a:t>(line =&gt; </a:t>
+            </a:r>
+            <a:r>
+              <a:rPr lang="en-US" sz="2400" dirty="0" err="1">
                 <a:solidFill>
                   <a:srgbClr val="000000"/>
                 </a:solidFill>
@@ -5934,10 +5655,10 @@
                 </a:highlight>
                 <a:latin typeface="Consolas"/>
               </a:rPr>
-              <a:t>ToDictionary</a:t>
-            </a:r>
-            <a:r>
-              <a:rPr lang="en-US" sz="2400" dirty="0" smtClean="0">
+              <a:t>Regex.Split</a:t>
+            </a:r>
+            <a:r>
+              <a:rPr lang="en-US" sz="2400" dirty="0">
                 <a:solidFill>
                   <a:srgbClr val="000000"/>
                 </a:solidFill>
@@ -5946,27 +5667,22 @@
                 </a:highlight>
                 <a:latin typeface="Consolas"/>
               </a:rPr>
-              <a:t>(</a:t>
-            </a:r>
-          </a:p>
-          <a:p>
-            <a:pPr marL="0" indent="0">
-              <a:buNone/>
-            </a:pPr>
+              <a:t>(line, </a:t>
+            </a:r>
             <a:r>
               <a:rPr lang="en-US" sz="2400" dirty="0">
                 <a:solidFill>
-                  <a:srgbClr val="000000"/>
+                  <a:srgbClr val="A31515"/>
                 </a:solidFill>
                 <a:highlight>
                   <a:srgbClr val="FFFFFF"/>
                 </a:highlight>
                 <a:latin typeface="Consolas"/>
               </a:rPr>
-              <a:t> </a:t>
-            </a:r>
-            <a:r>
-              <a:rPr lang="en-US" sz="2400" dirty="0" smtClean="0">
+              <a:t>@"\W"</a:t>
+            </a:r>
+            <a:r>
+              <a:rPr lang="en-US" sz="2400" dirty="0">
                 <a:solidFill>
                   <a:srgbClr val="000000"/>
                 </a:solidFill>
@@ -5975,10 +5691,15 @@
                 </a:highlight>
                 <a:latin typeface="Consolas"/>
               </a:rPr>
-              <a:t>     group =&gt; </a:t>
-            </a:r>
-            <a:r>
-              <a:rPr lang="en-US" sz="2400" dirty="0" err="1" smtClean="0">
+              <a:t>))</a:t>
+            </a:r>
+          </a:p>
+          <a:p>
+            <a:pPr marL="0" indent="0">
+              <a:buNone/>
+            </a:pPr>
+            <a:r>
+              <a:rPr lang="en-US" sz="2400" dirty="0" smtClean="0">
                 <a:solidFill>
                   <a:srgbClr val="000000"/>
                 </a:solidFill>
@@ -5987,10 +5708,10 @@
                 </a:highlight>
                 <a:latin typeface="Consolas"/>
               </a:rPr>
-              <a:t>group.Key</a:t>
-            </a:r>
-            <a:r>
-              <a:rPr lang="en-US" sz="2400" dirty="0" smtClean="0">
+              <a:t>  </a:t>
+            </a:r>
+            <a:r>
+              <a:rPr lang="en-US" sz="2400" dirty="0">
                 <a:solidFill>
                   <a:srgbClr val="000000"/>
                 </a:solidFill>
@@ -5999,15 +5720,10 @@
                 </a:highlight>
                 <a:latin typeface="Consolas"/>
               </a:rPr>
-              <a:t>, </a:t>
-            </a:r>
-          </a:p>
-          <a:p>
-            <a:pPr marL="0" indent="0">
-              <a:buNone/>
-            </a:pPr>
-            <a:r>
-              <a:rPr lang="en-US" sz="2400" dirty="0">
+              <a:t>.</a:t>
+            </a:r>
+            <a:r>
+              <a:rPr lang="en-US" sz="2400" dirty="0" err="1">
                 <a:solidFill>
                   <a:srgbClr val="000000"/>
                 </a:solidFill>
@@ -6016,7 +5732,7 @@
                 </a:highlight>
                 <a:latin typeface="Consolas"/>
               </a:rPr>
-              <a:t> </a:t>
+              <a:t>ToArray</a:t>
             </a:r>
             <a:r>
               <a:rPr lang="en-US" sz="2400" dirty="0" smtClean="0">
@@ -6028,60 +5744,16 @@
                 </a:highlight>
                 <a:latin typeface="Consolas"/>
               </a:rPr>
-              <a:t>     group =&gt; </a:t>
-            </a:r>
-            <a:r>
-              <a:rPr lang="en-US" sz="2400" dirty="0" err="1" smtClean="0">
-                <a:solidFill>
-                  <a:srgbClr val="000000"/>
-                </a:solidFill>
-                <a:highlight>
-                  <a:srgbClr val="FFFFFF"/>
-                </a:highlight>
-                <a:latin typeface="Consolas"/>
-              </a:rPr>
-              <a:t>group.Count</a:t>
-            </a:r>
-            <a:r>
-              <a:rPr lang="en-US" sz="2400" dirty="0" smtClean="0">
-                <a:solidFill>
-                  <a:srgbClr val="000000"/>
-                </a:solidFill>
-                <a:highlight>
-                  <a:srgbClr val="FFFFFF"/>
-                </a:highlight>
-                <a:latin typeface="Consolas"/>
-              </a:rPr>
-              <a:t>())</a:t>
-            </a:r>
-            <a:endParaRPr lang="ru-RU" sz="2800" dirty="0" smtClean="0"/>
-          </a:p>
-          <a:p>
-            <a:pPr marL="0" indent="0">
-              <a:buNone/>
-            </a:pPr>
-            <a:endParaRPr lang="ru-RU" sz="2400" dirty="0" smtClean="0"/>
-          </a:p>
-          <a:p>
-            <a:pPr marL="0" indent="0">
-              <a:buNone/>
-            </a:pPr>
-            <a:r>
-              <a:rPr lang="en-US" sz="2400" dirty="0" smtClean="0"/>
-              <a:t>//</a:t>
-            </a:r>
-            <a:r>
-              <a:rPr lang="ru-RU" sz="2400" dirty="0" smtClean="0"/>
-              <a:t> Частотный словарь текста</a:t>
-            </a:r>
-            <a:endParaRPr lang="en-US" sz="2400" dirty="0"/>
+              <a:t>();</a:t>
+            </a:r>
+            <a:endParaRPr lang="en-US" sz="2400" dirty="0" smtClean="0"/>
           </a:p>
         </p:txBody>
       </p:sp>
     </p:spTree>
     <p:extLst>
       <p:ext uri="{BB962C8B-B14F-4D97-AF65-F5344CB8AC3E}">
-        <p14:creationId xmlns:p14="http://schemas.microsoft.com/office/powerpoint/2010/main" val="2418652926"/>
+        <p14:creationId xmlns:p14="http://schemas.microsoft.com/office/powerpoint/2010/main" val="1974727388"/>
       </p:ext>
     </p:extLst>
   </p:cSld>
@@ -6091,7 +5763,172 @@
   <p:timing>
     <p:tnLst>
       <p:par>
-        <p:cTn id="1" dur="indefinite" restart="never" nodeType="tmRoot"/>
+        <p:cTn id="1" dur="indefinite" restart="never" nodeType="tmRoot">
+          <p:childTnLst>
+            <p:seq concurrent="1" nextAc="seek">
+              <p:cTn id="2" dur="indefinite" nodeType="mainSeq">
+                <p:childTnLst>
+                  <p:par>
+                    <p:cTn id="3" fill="hold">
+                      <p:stCondLst>
+                        <p:cond delay="indefinite"/>
+                      </p:stCondLst>
+                      <p:childTnLst>
+                        <p:par>
+                          <p:cTn id="4" fill="hold">
+                            <p:stCondLst>
+                              <p:cond delay="0"/>
+                            </p:stCondLst>
+                            <p:childTnLst>
+                              <p:par>
+                                <p:cTn id="5" presetID="1" presetClass="entr" presetSubtype="0" fill="hold" nodeType="clickEffect">
+                                  <p:stCondLst>
+                                    <p:cond delay="0"/>
+                                  </p:stCondLst>
+                                  <p:childTnLst>
+                                    <p:set>
+                                      <p:cBhvr>
+                                        <p:cTn id="6" dur="1" fill="hold">
+                                          <p:stCondLst>
+                                            <p:cond delay="0"/>
+                                          </p:stCondLst>
+                                        </p:cTn>
+                                        <p:tgtEl>
+                                          <p:spTgt spid="3">
+                                            <p:txEl>
+                                              <p:pRg st="3" end="3"/>
+                                            </p:txEl>
+                                          </p:spTgt>
+                                        </p:tgtEl>
+                                        <p:attrNameLst>
+                                          <p:attrName>style.visibility</p:attrName>
+                                        </p:attrNameLst>
+                                      </p:cBhvr>
+                                      <p:to>
+                                        <p:strVal val="visible"/>
+                                      </p:to>
+                                    </p:set>
+                                  </p:childTnLst>
+                                </p:cTn>
+                              </p:par>
+                              <p:par>
+                                <p:cTn id="7" presetID="1" presetClass="entr" presetSubtype="0" fill="hold" nodeType="withEffect">
+                                  <p:stCondLst>
+                                    <p:cond delay="0"/>
+                                  </p:stCondLst>
+                                  <p:childTnLst>
+                                    <p:set>
+                                      <p:cBhvr>
+                                        <p:cTn id="8" dur="1" fill="hold">
+                                          <p:stCondLst>
+                                            <p:cond delay="0"/>
+                                          </p:stCondLst>
+                                        </p:cTn>
+                                        <p:tgtEl>
+                                          <p:spTgt spid="3">
+                                            <p:txEl>
+                                              <p:pRg st="4" end="4"/>
+                                            </p:txEl>
+                                          </p:spTgt>
+                                        </p:tgtEl>
+                                        <p:attrNameLst>
+                                          <p:attrName>style.visibility</p:attrName>
+                                        </p:attrNameLst>
+                                      </p:cBhvr>
+                                      <p:to>
+                                        <p:strVal val="visible"/>
+                                      </p:to>
+                                    </p:set>
+                                  </p:childTnLst>
+                                </p:cTn>
+                              </p:par>
+                              <p:par>
+                                <p:cTn id="9" presetID="1" presetClass="entr" presetSubtype="0" fill="hold" nodeType="withEffect">
+                                  <p:stCondLst>
+                                    <p:cond delay="0"/>
+                                  </p:stCondLst>
+                                  <p:childTnLst>
+                                    <p:set>
+                                      <p:cBhvr>
+                                        <p:cTn id="10" dur="1" fill="hold">
+                                          <p:stCondLst>
+                                            <p:cond delay="0"/>
+                                          </p:stCondLst>
+                                        </p:cTn>
+                                        <p:tgtEl>
+                                          <p:spTgt spid="3">
+                                            <p:txEl>
+                                              <p:pRg st="5" end="5"/>
+                                            </p:txEl>
+                                          </p:spTgt>
+                                        </p:tgtEl>
+                                        <p:attrNameLst>
+                                          <p:attrName>style.visibility</p:attrName>
+                                        </p:attrNameLst>
+                                      </p:cBhvr>
+                                      <p:to>
+                                        <p:strVal val="visible"/>
+                                      </p:to>
+                                    </p:set>
+                                  </p:childTnLst>
+                                </p:cTn>
+                              </p:par>
+                              <p:par>
+                                <p:cTn id="11" presetID="1" presetClass="entr" presetSubtype="0" fill="hold" nodeType="withEffect">
+                                  <p:stCondLst>
+                                    <p:cond delay="0"/>
+                                  </p:stCondLst>
+                                  <p:childTnLst>
+                                    <p:set>
+                                      <p:cBhvr>
+                                        <p:cTn id="12" dur="1" fill="hold">
+                                          <p:stCondLst>
+                                            <p:cond delay="0"/>
+                                          </p:stCondLst>
+                                        </p:cTn>
+                                        <p:tgtEl>
+                                          <p:spTgt spid="3">
+                                            <p:txEl>
+                                              <p:pRg st="6" end="6"/>
+                                            </p:txEl>
+                                          </p:spTgt>
+                                        </p:tgtEl>
+                                        <p:attrNameLst>
+                                          <p:attrName>style.visibility</p:attrName>
+                                        </p:attrNameLst>
+                                      </p:cBhvr>
+                                      <p:to>
+                                        <p:strVal val="visible"/>
+                                      </p:to>
+                                    </p:set>
+                                  </p:childTnLst>
+                                </p:cTn>
+                              </p:par>
+                            </p:childTnLst>
+                          </p:cTn>
+                        </p:par>
+                      </p:childTnLst>
+                    </p:cTn>
+                  </p:par>
+                </p:childTnLst>
+              </p:cTn>
+              <p:prevCondLst>
+                <p:cond evt="onPrev" delay="0">
+                  <p:tgtEl>
+                    <p:sldTgt/>
+                  </p:tgtEl>
+                </p:cond>
+              </p:prevCondLst>
+              <p:nextCondLst>
+                <p:cond evt="onNext" delay="0">
+                  <p:tgtEl>
+                    <p:sldTgt/>
+                  </p:tgtEl>
+                </p:cond>
+              </p:nextCondLst>
+            </p:seq>
+          </p:childTnLst>
+        </p:cTn>
       </p:par>
     </p:tnLst>
   </p:timing>
@@ -6150,6 +5987,847 @@
         </p:nvSpPr>
         <p:spPr/>
         <p:txBody>
+          <a:bodyPr>
+            <a:normAutofit/>
+          </a:bodyPr>
+          <a:lstStyle/>
+          <a:p>
+            <a:pPr marL="0" indent="0">
+              <a:buNone/>
+            </a:pPr>
+            <a:r>
+              <a:rPr lang="en-US" sz="2000" dirty="0" err="1">
+                <a:solidFill>
+                  <a:srgbClr val="0000FF"/>
+                </a:solidFill>
+                <a:highlight>
+                  <a:srgbClr val="FFFFFF"/>
+                </a:highlight>
+                <a:latin typeface="Consolas"/>
+              </a:rPr>
+              <a:t>var</a:t>
+            </a:r>
+            <a:r>
+              <a:rPr lang="en-US" sz="2000" dirty="0">
+                <a:solidFill>
+                  <a:srgbClr val="000000"/>
+                </a:solidFill>
+                <a:highlight>
+                  <a:srgbClr val="FFFFFF"/>
+                </a:highlight>
+                <a:latin typeface="Consolas"/>
+              </a:rPr>
+              <a:t> words = </a:t>
+            </a:r>
+            <a:r>
+              <a:rPr lang="en-US" sz="2000" dirty="0" err="1" smtClean="0">
+                <a:solidFill>
+                  <a:srgbClr val="2B91AF"/>
+                </a:solidFill>
+                <a:highlight>
+                  <a:srgbClr val="FFFFFF"/>
+                </a:highlight>
+                <a:latin typeface="Consolas"/>
+              </a:rPr>
+              <a:t>File</a:t>
+            </a:r>
+            <a:r>
+              <a:rPr lang="en-US" sz="2000" dirty="0" err="1" smtClean="0">
+                <a:solidFill>
+                  <a:srgbClr val="000000"/>
+                </a:solidFill>
+                <a:highlight>
+                  <a:srgbClr val="FFFFFF"/>
+                </a:highlight>
+                <a:latin typeface="Consolas"/>
+              </a:rPr>
+              <a:t>.ReadLines</a:t>
+            </a:r>
+            <a:r>
+              <a:rPr lang="en-US" sz="2000" dirty="0" smtClean="0">
+                <a:solidFill>
+                  <a:srgbClr val="000000"/>
+                </a:solidFill>
+                <a:highlight>
+                  <a:srgbClr val="FFFFFF"/>
+                </a:highlight>
+                <a:latin typeface="Consolas"/>
+              </a:rPr>
+              <a:t>(</a:t>
+            </a:r>
+            <a:r>
+              <a:rPr lang="en-US" sz="2000" dirty="0" smtClean="0">
+                <a:solidFill>
+                  <a:srgbClr val="A31515"/>
+                </a:solidFill>
+                <a:highlight>
+                  <a:srgbClr val="FFFFFF"/>
+                </a:highlight>
+                <a:latin typeface="Consolas"/>
+              </a:rPr>
+              <a:t>"input.txt</a:t>
+            </a:r>
+            <a:r>
+              <a:rPr lang="en-US" sz="2000" dirty="0">
+                <a:solidFill>
+                  <a:srgbClr val="A31515"/>
+                </a:solidFill>
+                <a:highlight>
+                  <a:srgbClr val="FFFFFF"/>
+                </a:highlight>
+                <a:latin typeface="Consolas"/>
+              </a:rPr>
+              <a:t>"</a:t>
+            </a:r>
+            <a:r>
+              <a:rPr lang="en-US" sz="2000" dirty="0">
+                <a:solidFill>
+                  <a:srgbClr val="000000"/>
+                </a:solidFill>
+                <a:highlight>
+                  <a:srgbClr val="FFFFFF"/>
+                </a:highlight>
+                <a:latin typeface="Consolas"/>
+              </a:rPr>
+              <a:t>)</a:t>
+            </a:r>
+          </a:p>
+          <a:p>
+            <a:pPr marL="0" indent="0">
+              <a:buNone/>
+            </a:pPr>
+            <a:r>
+              <a:rPr lang="en-US" sz="2000" dirty="0" smtClean="0">
+                <a:solidFill>
+                  <a:srgbClr val="000000"/>
+                </a:solidFill>
+                <a:highlight>
+                  <a:srgbClr val="FFFFFF"/>
+                </a:highlight>
+                <a:latin typeface="Consolas"/>
+              </a:rPr>
+              <a:t>  .Select(line =&gt; </a:t>
+            </a:r>
+            <a:r>
+              <a:rPr lang="en-US" sz="2000" dirty="0" err="1" smtClean="0">
+                <a:solidFill>
+                  <a:srgbClr val="000000"/>
+                </a:solidFill>
+                <a:highlight>
+                  <a:srgbClr val="FFFFFF"/>
+                </a:highlight>
+                <a:latin typeface="Consolas"/>
+              </a:rPr>
+              <a:t>line.Split</a:t>
+            </a:r>
+            <a:r>
+              <a:rPr lang="en-US" sz="2000" dirty="0" smtClean="0">
+                <a:solidFill>
+                  <a:srgbClr val="000000"/>
+                </a:solidFill>
+                <a:highlight>
+                  <a:srgbClr val="FFFFFF"/>
+                </a:highlight>
+                <a:latin typeface="Consolas"/>
+              </a:rPr>
+              <a:t>(</a:t>
+            </a:r>
+            <a:r>
+              <a:rPr lang="en-US" sz="2000" dirty="0" smtClean="0">
+                <a:solidFill>
+                  <a:srgbClr val="A31515"/>
+                </a:solidFill>
+                <a:highlight>
+                  <a:srgbClr val="FFFFFF"/>
+                </a:highlight>
+                <a:latin typeface="Consolas"/>
+              </a:rPr>
+              <a:t>‘ ’</a:t>
+            </a:r>
+            <a:r>
+              <a:rPr lang="en-US" sz="2000" dirty="0" smtClean="0">
+                <a:solidFill>
+                  <a:srgbClr val="000000"/>
+                </a:solidFill>
+                <a:highlight>
+                  <a:srgbClr val="FFFFFF"/>
+                </a:highlight>
+                <a:latin typeface="Consolas"/>
+              </a:rPr>
+              <a:t>))</a:t>
+            </a:r>
+            <a:endParaRPr lang="en-US" sz="2000" dirty="0">
+              <a:solidFill>
+                <a:srgbClr val="000000"/>
+              </a:solidFill>
+              <a:highlight>
+                <a:srgbClr val="FFFFFF"/>
+              </a:highlight>
+              <a:latin typeface="Consolas"/>
+            </a:endParaRPr>
+          </a:p>
+          <a:p>
+            <a:pPr marL="0" indent="0">
+              <a:buNone/>
+            </a:pPr>
+            <a:r>
+              <a:rPr lang="en-US" sz="2000" dirty="0">
+                <a:solidFill>
+                  <a:srgbClr val="000000"/>
+                </a:solidFill>
+                <a:highlight>
+                  <a:srgbClr val="FFFFFF"/>
+                </a:highlight>
+                <a:latin typeface="Consolas"/>
+              </a:rPr>
+              <a:t> </a:t>
+            </a:r>
+            <a:r>
+              <a:rPr lang="en-US" sz="2000" dirty="0" smtClean="0">
+                <a:solidFill>
+                  <a:srgbClr val="000000"/>
+                </a:solidFill>
+                <a:highlight>
+                  <a:srgbClr val="FFFFFF"/>
+                </a:highlight>
+                <a:latin typeface="Consolas"/>
+              </a:rPr>
+              <a:t> .Select(line =&gt; </a:t>
+            </a:r>
+            <a:r>
+              <a:rPr lang="en-US" sz="2000" dirty="0" smtClean="0">
+                <a:solidFill>
+                  <a:srgbClr val="0000FF"/>
+                </a:solidFill>
+                <a:highlight>
+                  <a:srgbClr val="FFFFFF"/>
+                </a:highlight>
+                <a:latin typeface="Consolas"/>
+              </a:rPr>
+              <a:t>new</a:t>
+            </a:r>
+            <a:r>
+              <a:rPr lang="en-US" sz="2000" dirty="0" smtClean="0">
+                <a:solidFill>
+                  <a:srgbClr val="000000"/>
+                </a:solidFill>
+                <a:highlight>
+                  <a:srgbClr val="FFFFFF"/>
+                </a:highlight>
+                <a:latin typeface="Consolas"/>
+              </a:rPr>
+              <a:t> {name = line[0], value = line[1]});</a:t>
+            </a:r>
+          </a:p>
+          <a:p>
+            <a:pPr marL="0" indent="0">
+              <a:buNone/>
+            </a:pPr>
+            <a:endParaRPr lang="en-US" sz="2400" dirty="0" smtClean="0"/>
+          </a:p>
+          <a:p>
+            <a:pPr marL="0" indent="0">
+              <a:buNone/>
+            </a:pPr>
+            <a:r>
+              <a:rPr lang="en-US" sz="2400" dirty="0" smtClean="0"/>
+              <a:t>//</a:t>
+            </a:r>
+            <a:r>
+              <a:rPr lang="ru-RU" sz="2400" dirty="0" smtClean="0"/>
+              <a:t> </a:t>
+            </a:r>
+            <a:r>
+              <a:rPr lang="ru-RU" sz="2400" dirty="0" err="1" smtClean="0"/>
+              <a:t>Распарсить</a:t>
+            </a:r>
+            <a:r>
+              <a:rPr lang="ru-RU" sz="2400" dirty="0" smtClean="0"/>
+              <a:t> файл в формате ключ-значение</a:t>
+            </a:r>
+            <a:endParaRPr lang="en-US" sz="2400" dirty="0" smtClean="0"/>
+          </a:p>
+          <a:p>
+            <a:pPr marL="0" indent="0">
+              <a:buNone/>
+            </a:pPr>
+            <a:r>
+              <a:rPr lang="en-US" sz="2400" dirty="0" smtClean="0"/>
+              <a:t>//</a:t>
+            </a:r>
+            <a:r>
+              <a:rPr lang="ru-RU" sz="2400" dirty="0" smtClean="0"/>
+              <a:t> Ленивость!</a:t>
+            </a:r>
+          </a:p>
+        </p:txBody>
+      </p:sp>
+    </p:spTree>
+    <p:extLst>
+      <p:ext uri="{BB962C8B-B14F-4D97-AF65-F5344CB8AC3E}">
+        <p14:creationId xmlns:p14="http://schemas.microsoft.com/office/powerpoint/2010/main" val="875974081"/>
+      </p:ext>
+    </p:extLst>
+  </p:cSld>
+  <p:clrMapOvr>
+    <a:masterClrMapping/>
+  </p:clrMapOvr>
+  <p:timing>
+    <p:tnLst>
+      <p:par>
+        <p:cTn id="1" dur="indefinite" restart="never" nodeType="tmRoot"/>
+      </p:par>
+    </p:tnLst>
+  </p:timing>
+</p:sld>
+</file>
+
+<file path=ppt/slides/slide15.xml><?xml version="1.0" encoding="utf-8"?>
+<p:sld xmlns:a="http://schemas.openxmlformats.org/drawingml/2006/main" xmlns:r="http://schemas.openxmlformats.org/officeDocument/2006/relationships" xmlns:p="http://schemas.openxmlformats.org/presentationml/2006/main">
+  <p:cSld>
+    <p:spTree>
+      <p:nvGrpSpPr>
+        <p:cNvPr id="1" name=""/>
+        <p:cNvGrpSpPr/>
+        <p:nvPr/>
+      </p:nvGrpSpPr>
+      <p:grpSpPr>
+        <a:xfrm>
+          <a:off x="0" y="0"/>
+          <a:ext cx="0" cy="0"/>
+          <a:chOff x="0" y="0"/>
+          <a:chExt cx="0" cy="0"/>
+        </a:xfrm>
+      </p:grpSpPr>
+      <p:sp>
+        <p:nvSpPr>
+          <p:cNvPr id="2" name="Заголовок 1"/>
+          <p:cNvSpPr>
+            <a:spLocks noGrp="1"/>
+          </p:cNvSpPr>
+          <p:nvPr>
+            <p:ph type="title"/>
+          </p:nvPr>
+        </p:nvSpPr>
+        <p:spPr/>
+        <p:txBody>
+          <a:bodyPr/>
+          <a:lstStyle/>
+          <a:p>
+            <a:r>
+              <a:rPr lang="en-US" dirty="0" smtClean="0"/>
+              <a:t>LINQ</a:t>
+            </a:r>
+            <a:endParaRPr lang="ru-RU" dirty="0"/>
+          </a:p>
+        </p:txBody>
+      </p:sp>
+      <p:sp>
+        <p:nvSpPr>
+          <p:cNvPr id="3" name="Объект 2"/>
+          <p:cNvSpPr>
+            <a:spLocks noGrp="1"/>
+          </p:cNvSpPr>
+          <p:nvPr>
+            <p:ph idx="1"/>
+          </p:nvPr>
+        </p:nvSpPr>
+        <p:spPr>
+          <a:xfrm>
+            <a:off x="457200" y="1567333"/>
+            <a:ext cx="8229600" cy="4525963"/>
+          </a:xfrm>
+        </p:spPr>
+        <p:txBody>
+          <a:bodyPr>
+            <a:normAutofit/>
+          </a:bodyPr>
+          <a:lstStyle/>
+          <a:p>
+            <a:pPr marL="0" indent="0">
+              <a:buNone/>
+            </a:pPr>
+            <a:r>
+              <a:rPr lang="en-US" sz="2400" dirty="0" err="1">
+                <a:solidFill>
+                  <a:srgbClr val="0000FF"/>
+                </a:solidFill>
+                <a:highlight>
+                  <a:srgbClr val="FFFFFF"/>
+                </a:highlight>
+                <a:latin typeface="Consolas"/>
+              </a:rPr>
+              <a:t>var</a:t>
+            </a:r>
+            <a:r>
+              <a:rPr lang="en-US" sz="2400" dirty="0">
+                <a:solidFill>
+                  <a:srgbClr val="000000"/>
+                </a:solidFill>
+                <a:highlight>
+                  <a:srgbClr val="FFFFFF"/>
+                </a:highlight>
+                <a:latin typeface="Consolas"/>
+              </a:rPr>
+              <a:t> frequencies </a:t>
+            </a:r>
+            <a:r>
+              <a:rPr lang="en-US" sz="2400" dirty="0" smtClean="0">
+                <a:solidFill>
+                  <a:srgbClr val="000000"/>
+                </a:solidFill>
+                <a:highlight>
+                  <a:srgbClr val="FFFFFF"/>
+                </a:highlight>
+                <a:latin typeface="Consolas"/>
+              </a:rPr>
+              <a:t>= </a:t>
+            </a:r>
+            <a:r>
+              <a:rPr lang="en-US" sz="2400" dirty="0" err="1" smtClean="0">
+                <a:solidFill>
+                  <a:srgbClr val="2B91AF"/>
+                </a:solidFill>
+                <a:highlight>
+                  <a:srgbClr val="FFFFFF"/>
+                </a:highlight>
+                <a:latin typeface="Consolas"/>
+              </a:rPr>
+              <a:t>File</a:t>
+            </a:r>
+            <a:r>
+              <a:rPr lang="en-US" sz="2400" dirty="0" err="1" smtClean="0">
+                <a:solidFill>
+                  <a:srgbClr val="000000"/>
+                </a:solidFill>
+                <a:highlight>
+                  <a:srgbClr val="FFFFFF"/>
+                </a:highlight>
+                <a:latin typeface="Consolas"/>
+              </a:rPr>
+              <a:t>.ReadLines</a:t>
+            </a:r>
+            <a:r>
+              <a:rPr lang="en-US" sz="2400" dirty="0">
+                <a:solidFill>
+                  <a:srgbClr val="000000"/>
+                </a:solidFill>
+                <a:highlight>
+                  <a:srgbClr val="FFFFFF"/>
+                </a:highlight>
+                <a:latin typeface="Consolas"/>
+              </a:rPr>
+              <a:t>(</a:t>
+            </a:r>
+            <a:r>
+              <a:rPr lang="en-US" sz="2400" dirty="0">
+                <a:solidFill>
+                  <a:srgbClr val="A31515"/>
+                </a:solidFill>
+                <a:highlight>
+                  <a:srgbClr val="FFFFFF"/>
+                </a:highlight>
+                <a:latin typeface="Consolas"/>
+              </a:rPr>
+              <a:t>"input.txt"</a:t>
+            </a:r>
+            <a:r>
+              <a:rPr lang="en-US" sz="2400" dirty="0">
+                <a:solidFill>
+                  <a:srgbClr val="000000"/>
+                </a:solidFill>
+                <a:highlight>
+                  <a:srgbClr val="FFFFFF"/>
+                </a:highlight>
+                <a:latin typeface="Consolas"/>
+              </a:rPr>
+              <a:t>)</a:t>
+            </a:r>
+          </a:p>
+          <a:p>
+            <a:pPr marL="0" indent="0">
+              <a:buNone/>
+            </a:pPr>
+            <a:r>
+              <a:rPr lang="en-US" sz="2400" dirty="0">
+                <a:solidFill>
+                  <a:srgbClr val="000000"/>
+                </a:solidFill>
+                <a:highlight>
+                  <a:srgbClr val="FFFFFF"/>
+                </a:highlight>
+                <a:latin typeface="Consolas"/>
+              </a:rPr>
+              <a:t>  .</a:t>
+            </a:r>
+            <a:r>
+              <a:rPr lang="en-US" sz="2400" dirty="0" err="1">
+                <a:solidFill>
+                  <a:srgbClr val="000000"/>
+                </a:solidFill>
+                <a:highlight>
+                  <a:srgbClr val="FFFFFF"/>
+                </a:highlight>
+                <a:latin typeface="Consolas"/>
+              </a:rPr>
+              <a:t>SelectMany</a:t>
+            </a:r>
+            <a:r>
+              <a:rPr lang="en-US" sz="2400" dirty="0">
+                <a:solidFill>
+                  <a:srgbClr val="000000"/>
+                </a:solidFill>
+                <a:highlight>
+                  <a:srgbClr val="FFFFFF"/>
+                </a:highlight>
+                <a:latin typeface="Consolas"/>
+              </a:rPr>
+              <a:t>(line =&gt; </a:t>
+            </a:r>
+            <a:r>
+              <a:rPr lang="en-US" sz="2400" dirty="0" err="1">
+                <a:solidFill>
+                  <a:srgbClr val="000000"/>
+                </a:solidFill>
+                <a:highlight>
+                  <a:srgbClr val="FFFFFF"/>
+                </a:highlight>
+                <a:latin typeface="Consolas"/>
+              </a:rPr>
+              <a:t>Regex.Split</a:t>
+            </a:r>
+            <a:r>
+              <a:rPr lang="en-US" sz="2400" dirty="0">
+                <a:solidFill>
+                  <a:srgbClr val="000000"/>
+                </a:solidFill>
+                <a:highlight>
+                  <a:srgbClr val="FFFFFF"/>
+                </a:highlight>
+                <a:latin typeface="Consolas"/>
+              </a:rPr>
+              <a:t>(line, </a:t>
+            </a:r>
+            <a:r>
+              <a:rPr lang="en-US" sz="2400" dirty="0">
+                <a:solidFill>
+                  <a:srgbClr val="A31515"/>
+                </a:solidFill>
+                <a:highlight>
+                  <a:srgbClr val="FFFFFF"/>
+                </a:highlight>
+                <a:latin typeface="Consolas"/>
+              </a:rPr>
+              <a:t>@"\W"</a:t>
+            </a:r>
+            <a:r>
+              <a:rPr lang="en-US" sz="2400" dirty="0">
+                <a:solidFill>
+                  <a:srgbClr val="000000"/>
+                </a:solidFill>
+                <a:highlight>
+                  <a:srgbClr val="FFFFFF"/>
+                </a:highlight>
+                <a:latin typeface="Consolas"/>
+              </a:rPr>
+              <a:t>))</a:t>
+            </a:r>
+          </a:p>
+          <a:p>
+            <a:pPr marL="0" indent="0">
+              <a:buNone/>
+            </a:pPr>
+            <a:r>
+              <a:rPr lang="en-US" sz="2400" dirty="0">
+                <a:solidFill>
+                  <a:srgbClr val="000000"/>
+                </a:solidFill>
+                <a:highlight>
+                  <a:srgbClr val="FFFFFF"/>
+                </a:highlight>
+                <a:latin typeface="Consolas"/>
+              </a:rPr>
+              <a:t>  </a:t>
+            </a:r>
+            <a:r>
+              <a:rPr lang="en-US" sz="2400" dirty="0" smtClean="0">
+                <a:solidFill>
+                  <a:srgbClr val="000000"/>
+                </a:solidFill>
+                <a:highlight>
+                  <a:srgbClr val="FFFFFF"/>
+                </a:highlight>
+                <a:latin typeface="Consolas"/>
+              </a:rPr>
+              <a:t>.</a:t>
+            </a:r>
+            <a:r>
+              <a:rPr lang="en-US" sz="2400" dirty="0" err="1" smtClean="0">
+                <a:solidFill>
+                  <a:srgbClr val="000000"/>
+                </a:solidFill>
+                <a:highlight>
+                  <a:srgbClr val="FFFFFF"/>
+                </a:highlight>
+                <a:latin typeface="Consolas"/>
+              </a:rPr>
+              <a:t>GroupBy</a:t>
+            </a:r>
+            <a:r>
+              <a:rPr lang="en-US" sz="2400" dirty="0" smtClean="0">
+                <a:solidFill>
+                  <a:srgbClr val="000000"/>
+                </a:solidFill>
+                <a:highlight>
+                  <a:srgbClr val="FFFFFF"/>
+                </a:highlight>
+                <a:latin typeface="Consolas"/>
+              </a:rPr>
+              <a:t>(word =&gt; word)</a:t>
+            </a:r>
+          </a:p>
+          <a:p>
+            <a:pPr marL="0" indent="0">
+              <a:buNone/>
+            </a:pPr>
+            <a:r>
+              <a:rPr lang="en-US" sz="2400" dirty="0" smtClean="0">
+                <a:solidFill>
+                  <a:srgbClr val="000000"/>
+                </a:solidFill>
+                <a:highlight>
+                  <a:srgbClr val="FFFFFF"/>
+                </a:highlight>
+                <a:latin typeface="Consolas"/>
+              </a:rPr>
+              <a:t>  .</a:t>
+            </a:r>
+            <a:r>
+              <a:rPr lang="en-US" sz="2400" dirty="0" err="1" smtClean="0">
+                <a:solidFill>
+                  <a:srgbClr val="000000"/>
+                </a:solidFill>
+                <a:highlight>
+                  <a:srgbClr val="FFFFFF"/>
+                </a:highlight>
+                <a:latin typeface="Consolas"/>
+              </a:rPr>
+              <a:t>ToDictionary</a:t>
+            </a:r>
+            <a:r>
+              <a:rPr lang="en-US" sz="2400" dirty="0" smtClean="0">
+                <a:solidFill>
+                  <a:srgbClr val="000000"/>
+                </a:solidFill>
+                <a:highlight>
+                  <a:srgbClr val="FFFFFF"/>
+                </a:highlight>
+                <a:latin typeface="Consolas"/>
+              </a:rPr>
+              <a:t>(</a:t>
+            </a:r>
+          </a:p>
+          <a:p>
+            <a:pPr marL="0" indent="0">
+              <a:buNone/>
+            </a:pPr>
+            <a:r>
+              <a:rPr lang="en-US" sz="2400" dirty="0">
+                <a:solidFill>
+                  <a:srgbClr val="000000"/>
+                </a:solidFill>
+                <a:highlight>
+                  <a:srgbClr val="FFFFFF"/>
+                </a:highlight>
+                <a:latin typeface="Consolas"/>
+              </a:rPr>
+              <a:t> </a:t>
+            </a:r>
+            <a:r>
+              <a:rPr lang="en-US" sz="2400" dirty="0" smtClean="0">
+                <a:solidFill>
+                  <a:srgbClr val="000000"/>
+                </a:solidFill>
+                <a:highlight>
+                  <a:srgbClr val="FFFFFF"/>
+                </a:highlight>
+                <a:latin typeface="Consolas"/>
+              </a:rPr>
+              <a:t>     group =&gt; </a:t>
+            </a:r>
+            <a:r>
+              <a:rPr lang="en-US" sz="2400" dirty="0" err="1" smtClean="0">
+                <a:solidFill>
+                  <a:srgbClr val="000000"/>
+                </a:solidFill>
+                <a:highlight>
+                  <a:srgbClr val="FFFFFF"/>
+                </a:highlight>
+                <a:latin typeface="Consolas"/>
+              </a:rPr>
+              <a:t>group.Key</a:t>
+            </a:r>
+            <a:r>
+              <a:rPr lang="en-US" sz="2400" dirty="0" smtClean="0">
+                <a:solidFill>
+                  <a:srgbClr val="000000"/>
+                </a:solidFill>
+                <a:highlight>
+                  <a:srgbClr val="FFFFFF"/>
+                </a:highlight>
+                <a:latin typeface="Consolas"/>
+              </a:rPr>
+              <a:t>, </a:t>
+            </a:r>
+          </a:p>
+          <a:p>
+            <a:pPr marL="0" indent="0">
+              <a:buNone/>
+            </a:pPr>
+            <a:r>
+              <a:rPr lang="en-US" sz="2400" dirty="0">
+                <a:solidFill>
+                  <a:srgbClr val="000000"/>
+                </a:solidFill>
+                <a:highlight>
+                  <a:srgbClr val="FFFFFF"/>
+                </a:highlight>
+                <a:latin typeface="Consolas"/>
+              </a:rPr>
+              <a:t> </a:t>
+            </a:r>
+            <a:r>
+              <a:rPr lang="en-US" sz="2400" dirty="0" smtClean="0">
+                <a:solidFill>
+                  <a:srgbClr val="000000"/>
+                </a:solidFill>
+                <a:highlight>
+                  <a:srgbClr val="FFFFFF"/>
+                </a:highlight>
+                <a:latin typeface="Consolas"/>
+              </a:rPr>
+              <a:t>     group =&gt; </a:t>
+            </a:r>
+            <a:r>
+              <a:rPr lang="en-US" sz="2400" dirty="0" err="1" smtClean="0">
+                <a:solidFill>
+                  <a:srgbClr val="000000"/>
+                </a:solidFill>
+                <a:highlight>
+                  <a:srgbClr val="FFFFFF"/>
+                </a:highlight>
+                <a:latin typeface="Consolas"/>
+              </a:rPr>
+              <a:t>group.Count</a:t>
+            </a:r>
+            <a:r>
+              <a:rPr lang="en-US" sz="2400" dirty="0" smtClean="0">
+                <a:solidFill>
+                  <a:srgbClr val="000000"/>
+                </a:solidFill>
+                <a:highlight>
+                  <a:srgbClr val="FFFFFF"/>
+                </a:highlight>
+                <a:latin typeface="Consolas"/>
+              </a:rPr>
+              <a:t>())</a:t>
+            </a:r>
+            <a:endParaRPr lang="ru-RU" sz="2800" dirty="0" smtClean="0"/>
+          </a:p>
+          <a:p>
+            <a:pPr marL="0" indent="0">
+              <a:buNone/>
+            </a:pPr>
+            <a:endParaRPr lang="ru-RU" sz="2400" dirty="0" smtClean="0"/>
+          </a:p>
+          <a:p>
+            <a:pPr marL="0" indent="0">
+              <a:buNone/>
+            </a:pPr>
+            <a:r>
+              <a:rPr lang="en-US" sz="2400" dirty="0" smtClean="0"/>
+              <a:t>//</a:t>
+            </a:r>
+            <a:r>
+              <a:rPr lang="ru-RU" sz="2400" dirty="0" smtClean="0"/>
+              <a:t> Частотный словарь текста</a:t>
+            </a:r>
+            <a:endParaRPr lang="en-US" sz="2400" dirty="0"/>
+          </a:p>
+        </p:txBody>
+      </p:sp>
+    </p:spTree>
+    <p:extLst>
+      <p:ext uri="{BB962C8B-B14F-4D97-AF65-F5344CB8AC3E}">
+        <p14:creationId xmlns:p14="http://schemas.microsoft.com/office/powerpoint/2010/main" val="2418652926"/>
+      </p:ext>
+    </p:extLst>
+  </p:cSld>
+  <p:clrMapOvr>
+    <a:masterClrMapping/>
+  </p:clrMapOvr>
+  <p:timing>
+    <p:tnLst>
+      <p:par>
+        <p:cTn id="1" dur="indefinite" restart="never" nodeType="tmRoot"/>
+      </p:par>
+    </p:tnLst>
+  </p:timing>
+</p:sld>
+</file>
+
+<file path=ppt/slides/slide16.xml><?xml version="1.0" encoding="utf-8"?>
+<p:sld xmlns:a="http://schemas.openxmlformats.org/drawingml/2006/main" xmlns:r="http://schemas.openxmlformats.org/officeDocument/2006/relationships" xmlns:p="http://schemas.openxmlformats.org/presentationml/2006/main">
+  <p:cSld>
+    <p:spTree>
+      <p:nvGrpSpPr>
+        <p:cNvPr id="1" name=""/>
+        <p:cNvGrpSpPr/>
+        <p:nvPr/>
+      </p:nvGrpSpPr>
+      <p:grpSpPr>
+        <a:xfrm>
+          <a:off x="0" y="0"/>
+          <a:ext cx="0" cy="0"/>
+          <a:chOff x="0" y="0"/>
+          <a:chExt cx="0" cy="0"/>
+        </a:xfrm>
+      </p:grpSpPr>
+      <p:sp>
+        <p:nvSpPr>
+          <p:cNvPr id="2" name="Заголовок 1"/>
+          <p:cNvSpPr>
+            <a:spLocks noGrp="1"/>
+          </p:cNvSpPr>
+          <p:nvPr>
+            <p:ph type="title"/>
+          </p:nvPr>
+        </p:nvSpPr>
+        <p:spPr/>
+        <p:txBody>
+          <a:bodyPr/>
+          <a:lstStyle/>
+          <a:p>
+            <a:r>
+              <a:rPr lang="en-US" dirty="0" smtClean="0"/>
+              <a:t>LINQ</a:t>
+            </a:r>
+            <a:endParaRPr lang="ru-RU" dirty="0"/>
+          </a:p>
+        </p:txBody>
+      </p:sp>
+      <p:sp>
+        <p:nvSpPr>
+          <p:cNvPr id="3" name="Объект 2"/>
+          <p:cNvSpPr>
+            <a:spLocks noGrp="1"/>
+          </p:cNvSpPr>
+          <p:nvPr>
+            <p:ph idx="1"/>
+          </p:nvPr>
+        </p:nvSpPr>
+        <p:spPr/>
+        <p:txBody>
           <a:bodyPr/>
           <a:lstStyle/>
           <a:p>
@@ -6237,7 +6915,7 @@
 </p:sld>
 </file>
 
-<file path=ppt/slides/slide15.xml><?xml version="1.0" encoding="utf-8"?>
+<file path=ppt/slides/slide17.xml><?xml version="1.0" encoding="utf-8"?>
 <p:sld xmlns:a="http://schemas.openxmlformats.org/drawingml/2006/main" xmlns:r="http://schemas.openxmlformats.org/officeDocument/2006/relationships" xmlns:p="http://schemas.openxmlformats.org/presentationml/2006/main">
   <p:cSld>
     <p:spTree>
@@ -6744,210 +7422,6 @@
 </p:sld>
 </file>
 
-<file path=ppt/slides/slide16.xml><?xml version="1.0" encoding="utf-8"?>
-<p:sld xmlns:a="http://schemas.openxmlformats.org/drawingml/2006/main" xmlns:r="http://schemas.openxmlformats.org/officeDocument/2006/relationships" xmlns:p="http://schemas.openxmlformats.org/presentationml/2006/main">
-  <p:cSld>
-    <p:spTree>
-      <p:nvGrpSpPr>
-        <p:cNvPr id="1" name=""/>
-        <p:cNvGrpSpPr/>
-        <p:nvPr/>
-      </p:nvGrpSpPr>
-      <p:grpSpPr>
-        <a:xfrm>
-          <a:off x="0" y="0"/>
-          <a:ext cx="0" cy="0"/>
-          <a:chOff x="0" y="0"/>
-          <a:chExt cx="0" cy="0"/>
-        </a:xfrm>
-      </p:grpSpPr>
-      <p:sp>
-        <p:nvSpPr>
-          <p:cNvPr id="2" name="Заголовок 1"/>
-          <p:cNvSpPr>
-            <a:spLocks noGrp="1"/>
-          </p:cNvSpPr>
-          <p:nvPr>
-            <p:ph type="title"/>
-          </p:nvPr>
-        </p:nvSpPr>
-        <p:spPr/>
-        <p:txBody>
-          <a:bodyPr>
-            <a:normAutofit/>
-          </a:bodyPr>
-          <a:lstStyle/>
-          <a:p>
-            <a:r>
-              <a:rPr lang="ru-RU" dirty="0"/>
-              <a:t>Как осваивать?</a:t>
-            </a:r>
-          </a:p>
-        </p:txBody>
-      </p:sp>
-      <p:sp>
-        <p:nvSpPr>
-          <p:cNvPr id="4" name="Объект 3"/>
-          <p:cNvSpPr>
-            <a:spLocks noGrp="1"/>
-          </p:cNvSpPr>
-          <p:nvPr>
-            <p:ph idx="1"/>
-          </p:nvPr>
-        </p:nvSpPr>
-        <p:spPr/>
-        <p:txBody>
-          <a:bodyPr/>
-          <a:lstStyle/>
-          <a:p>
-            <a:pPr marL="0" indent="0">
-              <a:buNone/>
-            </a:pPr>
-            <a:r>
-              <a:rPr lang="ru-RU" dirty="0" smtClean="0"/>
-              <a:t>Онлайн практикум по </a:t>
-            </a:r>
-            <a:r>
-              <a:rPr lang="ru-RU" dirty="0"/>
-              <a:t>языку запросов LINQ</a:t>
-            </a:r>
-            <a:br>
-              <a:rPr lang="ru-RU" dirty="0"/>
-            </a:br>
-            <a:r>
-              <a:rPr lang="en-US" dirty="0" smtClean="0">
-                <a:hlinkClick r:id="rId2"/>
-              </a:rPr>
-              <a:t>https</a:t>
-            </a:r>
-            <a:r>
-              <a:rPr lang="en-US" dirty="0">
-                <a:hlinkClick r:id="rId2"/>
-              </a:rPr>
-              <a:t>://</a:t>
-            </a:r>
-            <a:r>
-              <a:rPr lang="en-US" dirty="0" smtClean="0">
-                <a:hlinkClick r:id="rId2"/>
-              </a:rPr>
-              <a:t>ulearn.azurewebsites.net/Course/Linq</a:t>
-            </a:r>
-            <a:r>
-              <a:rPr lang="ru-RU" dirty="0" smtClean="0"/>
-              <a:t/>
-            </a:r>
-            <a:br>
-              <a:rPr lang="ru-RU" dirty="0" smtClean="0"/>
-            </a:br>
-            <a:endParaRPr lang="ru-RU" dirty="0" smtClean="0"/>
-          </a:p>
-          <a:p>
-            <a:pPr marL="0" indent="0">
-              <a:buNone/>
-            </a:pPr>
-            <a:endParaRPr lang="ru-RU" dirty="0"/>
-          </a:p>
-        </p:txBody>
-      </p:sp>
-    </p:spTree>
-    <p:extLst>
-      <p:ext uri="{BB962C8B-B14F-4D97-AF65-F5344CB8AC3E}">
-        <p14:creationId xmlns:p14="http://schemas.microsoft.com/office/powerpoint/2010/main" val="690476723"/>
-      </p:ext>
-    </p:extLst>
-  </p:cSld>
-  <p:clrMapOvr>
-    <a:masterClrMapping/>
-  </p:clrMapOvr>
-  <p:timing>
-    <p:tnLst>
-      <p:par>
-        <p:cTn id="1" dur="indefinite" restart="never" nodeType="tmRoot"/>
-      </p:par>
-    </p:tnLst>
-  </p:timing>
-</p:sld>
-</file>
-
-<file path=ppt/slides/slide17.xml><?xml version="1.0" encoding="utf-8"?>
-<p:sld xmlns:a="http://schemas.openxmlformats.org/drawingml/2006/main" xmlns:r="http://schemas.openxmlformats.org/officeDocument/2006/relationships" xmlns:p="http://schemas.openxmlformats.org/presentationml/2006/main">
-  <p:cSld>
-    <p:spTree>
-      <p:nvGrpSpPr>
-        <p:cNvPr id="1" name=""/>
-        <p:cNvGrpSpPr/>
-        <p:nvPr/>
-      </p:nvGrpSpPr>
-      <p:grpSpPr>
-        <a:xfrm>
-          <a:off x="0" y="0"/>
-          <a:ext cx="0" cy="0"/>
-          <a:chOff x="0" y="0"/>
-          <a:chExt cx="0" cy="0"/>
-        </a:xfrm>
-      </p:grpSpPr>
-      <p:sp>
-        <p:nvSpPr>
-          <p:cNvPr id="4" name="Заголовок 3"/>
-          <p:cNvSpPr>
-            <a:spLocks noGrp="1"/>
-          </p:cNvSpPr>
-          <p:nvPr>
-            <p:ph type="title"/>
-          </p:nvPr>
-        </p:nvSpPr>
-        <p:spPr/>
-        <p:txBody>
-          <a:bodyPr/>
-          <a:lstStyle/>
-          <a:p>
-            <a:r>
-              <a:rPr lang="ru-RU" dirty="0" smtClean="0"/>
-              <a:t>Тестирование</a:t>
-            </a:r>
-            <a:endParaRPr lang="ru-RU" dirty="0"/>
-          </a:p>
-        </p:txBody>
-      </p:sp>
-      <p:sp>
-        <p:nvSpPr>
-          <p:cNvPr id="5" name="Текст 4"/>
-          <p:cNvSpPr>
-            <a:spLocks noGrp="1"/>
-          </p:cNvSpPr>
-          <p:nvPr>
-            <p:ph type="body" idx="1"/>
-          </p:nvPr>
-        </p:nvSpPr>
-        <p:spPr/>
-        <p:txBody>
-          <a:bodyPr/>
-          <a:lstStyle/>
-          <a:p>
-            <a:endParaRPr lang="ru-RU"/>
-          </a:p>
-        </p:txBody>
-      </p:sp>
-    </p:spTree>
-    <p:extLst>
-      <p:ext uri="{BB962C8B-B14F-4D97-AF65-F5344CB8AC3E}">
-        <p14:creationId xmlns:p14="http://schemas.microsoft.com/office/powerpoint/2010/main" val="2632731554"/>
-      </p:ext>
-    </p:extLst>
-  </p:cSld>
-  <p:clrMapOvr>
-    <a:masterClrMapping/>
-  </p:clrMapOvr>
-  <p:timing>
-    <p:tnLst>
-      <p:par>
-        <p:cTn id="1" dur="indefinite" restart="never" nodeType="tmRoot"/>
-      </p:par>
-    </p:tnLst>
-  </p:timing>
-</p:sld>
-</file>
-
 <file path=ppt/slides/slide18.xml><?xml version="1.0" encoding="utf-8"?>
 <p:sld xmlns:a="http://schemas.openxmlformats.org/drawingml/2006/main" xmlns:r="http://schemas.openxmlformats.org/officeDocument/2006/relationships" xmlns:p="http://schemas.openxmlformats.org/presentationml/2006/main">
   <p:cSld>
@@ -6967,7 +7441,7 @@
       </p:grpSpPr>
       <p:sp>
         <p:nvSpPr>
-          <p:cNvPr id="4" name="Заголовок 3"/>
+          <p:cNvPr id="2" name="Заголовок 1"/>
           <p:cNvSpPr>
             <a:spLocks noGrp="1"/>
           </p:cNvSpPr>
@@ -6983,20 +7457,15 @@
           <a:lstStyle/>
           <a:p>
             <a:r>
-              <a:rPr lang="en-US" dirty="0" err="1" smtClean="0"/>
-              <a:t>NUnit</a:t>
-            </a:r>
-            <a:r>
-              <a:rPr lang="en-US" dirty="0" smtClean="0"/>
-              <a:t> demo</a:t>
-            </a:r>
-            <a:endParaRPr lang="ru-RU" dirty="0"/>
-          </a:p>
-        </p:txBody>
-      </p:sp>
-      <p:sp>
-        <p:nvSpPr>
-          <p:cNvPr id="5" name="Объект 4"/>
+              <a:rPr lang="ru-RU" dirty="0"/>
+              <a:t>Как осваивать?</a:t>
+            </a:r>
+          </a:p>
+        </p:txBody>
+      </p:sp>
+      <p:sp>
+        <p:nvSpPr>
+          <p:cNvPr id="4" name="Объект 3"/>
           <p:cNvSpPr>
             <a:spLocks noGrp="1"/>
           </p:cNvSpPr>
@@ -7008,6 +7477,48 @@
         <p:txBody>
           <a:bodyPr/>
           <a:lstStyle/>
+          <a:p>
+            <a:pPr marL="0" indent="0">
+              <a:buNone/>
+            </a:pPr>
+            <a:r>
+              <a:rPr lang="ru-RU" dirty="0" smtClean="0"/>
+              <a:t>Онлайн практикум по </a:t>
+            </a:r>
+            <a:r>
+              <a:rPr lang="ru-RU" dirty="0"/>
+              <a:t>языку запросов LINQ</a:t>
+            </a:r>
+            <a:br>
+              <a:rPr lang="ru-RU" dirty="0"/>
+            </a:br>
+            <a:r>
+              <a:rPr lang="en-US" dirty="0" smtClean="0">
+                <a:hlinkClick r:id="rId2"/>
+              </a:rPr>
+              <a:t>https</a:t>
+            </a:r>
+            <a:r>
+              <a:rPr lang="en-US" dirty="0">
+                <a:hlinkClick r:id="rId2"/>
+              </a:rPr>
+              <a:t>://</a:t>
+            </a:r>
+            <a:r>
+              <a:rPr lang="en-US" dirty="0" smtClean="0">
+                <a:hlinkClick r:id="rId2"/>
+              </a:rPr>
+              <a:t>ulearn.azurewebsites.net/Course/Linq</a:t>
+            </a:r>
+            <a:r>
+              <a:rPr lang="ru-RU" dirty="0" smtClean="0"/>
+              <a:t/>
+            </a:r>
+            <a:br>
+              <a:rPr lang="ru-RU" dirty="0" smtClean="0"/>
+            </a:br>
+            <a:endParaRPr lang="ru-RU" dirty="0" smtClean="0"/>
+          </a:p>
           <a:p>
             <a:pPr marL="0" indent="0">
               <a:buNone/>
@@ -7019,7 +7530,7 @@
     </p:spTree>
     <p:extLst>
       <p:ext uri="{BB962C8B-B14F-4D97-AF65-F5344CB8AC3E}">
-        <p14:creationId xmlns:p14="http://schemas.microsoft.com/office/powerpoint/2010/main" val="3705630178"/>
+        <p14:creationId xmlns:p14="http://schemas.microsoft.com/office/powerpoint/2010/main" val="690476723"/>
       </p:ext>
     </p:extLst>
   </p:cSld>
@@ -7055,7 +7566,7 @@
       </p:grpSpPr>
       <p:sp>
         <p:nvSpPr>
-          <p:cNvPr id="2" name="Заголовок 1"/>
+          <p:cNvPr id="4" name="Заголовок 3"/>
           <p:cNvSpPr>
             <a:spLocks noGrp="1"/>
           </p:cNvSpPr>
@@ -7070,15 +7581,7 @@
           <a:p>
             <a:r>
               <a:rPr lang="ru-RU" dirty="0" smtClean="0"/>
-              <a:t>Разминка! </a:t>
-            </a:r>
-            <a:r>
-              <a:rPr lang="en-US" dirty="0" smtClean="0"/>
-              <a:t>(30 </a:t>
-            </a:r>
-            <a:r>
-              <a:rPr lang="ru-RU" dirty="0" smtClean="0"/>
-              <a:t>мин)</a:t>
+              <a:t>Тестирование</a:t>
             </a:r>
             <a:endParaRPr lang="ru-RU" dirty="0"/>
           </a:p>
@@ -7086,134 +7589,27 @@
       </p:sp>
       <p:sp>
         <p:nvSpPr>
-          <p:cNvPr id="3" name="Объект 2"/>
+          <p:cNvPr id="5" name="Текст 4"/>
           <p:cNvSpPr>
             <a:spLocks noGrp="1"/>
           </p:cNvSpPr>
           <p:nvPr>
-            <p:ph idx="1"/>
-          </p:nvPr>
-        </p:nvSpPr>
-        <p:spPr>
-          <a:xfrm>
-            <a:off x="457200" y="1600200"/>
-            <a:ext cx="8507288" cy="4525963"/>
-          </a:xfrm>
-        </p:spPr>
-        <p:txBody>
-          <a:bodyPr>
-            <a:normAutofit lnSpcReduction="10000"/>
-          </a:bodyPr>
+            <p:ph type="body" idx="1"/>
+          </p:nvPr>
+        </p:nvSpPr>
+        <p:spPr/>
+        <p:txBody>
+          <a:bodyPr/>
           <a:lstStyle/>
           <a:p>
-            <a:r>
-              <a:rPr lang="ru-RU" dirty="0" smtClean="0"/>
-              <a:t>В проекте </a:t>
-            </a:r>
-            <a:r>
-              <a:rPr lang="en-US" b="1" dirty="0" smtClean="0"/>
-              <a:t>Challenge </a:t>
-            </a:r>
-            <a:r>
-              <a:rPr lang="ru-RU" dirty="0" smtClean="0"/>
-              <a:t>в файле </a:t>
-            </a:r>
-            <a:r>
-              <a:rPr lang="en-US" dirty="0" err="1" smtClean="0"/>
-              <a:t>WordsStatistics_Tests</a:t>
-            </a:r>
-            <a:r>
-              <a:rPr lang="ru-RU" dirty="0" smtClean="0"/>
-              <a:t> напишите тесты:</a:t>
-            </a:r>
-          </a:p>
-          <a:p>
-            <a:pPr marL="857250" lvl="1" indent="-457200">
-              <a:buAutoNum type="arabicPeriod"/>
-            </a:pPr>
-            <a:r>
-              <a:rPr lang="en-US" b="1" dirty="0" err="1" smtClean="0"/>
-              <a:t>WordsStatistics_CorrectImplementation</a:t>
-            </a:r>
-            <a:r>
-              <a:rPr lang="ru-RU" dirty="0" smtClean="0"/>
-              <a:t> </a:t>
-            </a:r>
-            <a:r>
-              <a:rPr lang="ru-RU" dirty="0"/>
-              <a:t>— должен проходить все тесты.</a:t>
-            </a:r>
-          </a:p>
-          <a:p>
-            <a:pPr marL="857250" lvl="1" indent="-457200">
-              <a:buAutoNum type="arabicPeriod"/>
-            </a:pPr>
-            <a:r>
-              <a:rPr lang="en-US" b="1" dirty="0" err="1"/>
-              <a:t>WordStatisticsN</a:t>
-            </a:r>
-            <a:r>
-              <a:rPr lang="en-US" dirty="0"/>
-              <a:t> — </a:t>
-            </a:r>
-            <a:r>
-              <a:rPr lang="ru-RU" dirty="0"/>
-              <a:t>некорректные реализации. Должны падать хотя бы на одном тесте</a:t>
-            </a:r>
-            <a:r>
-              <a:rPr lang="ru-RU" dirty="0" smtClean="0"/>
-              <a:t>.</a:t>
-            </a:r>
-          </a:p>
-          <a:p>
-            <a:r>
-              <a:rPr lang="ru-RU" dirty="0" smtClean="0"/>
-              <a:t>Запускайте по </a:t>
-            </a:r>
-            <a:r>
-              <a:rPr lang="en-US" dirty="0" smtClean="0"/>
-              <a:t>Ctrl+F5</a:t>
-            </a:r>
-            <a:r>
-              <a:rPr lang="ru-RU" dirty="0" smtClean="0"/>
-              <a:t>.</a:t>
-            </a:r>
-          </a:p>
-          <a:p>
-            <a:r>
-              <a:rPr lang="ru-RU" dirty="0" smtClean="0"/>
-              <a:t>Отлаживайте конкретный тест, запуская в </a:t>
-            </a:r>
-            <a:r>
-              <a:rPr lang="en-US" dirty="0" smtClean="0"/>
-              <a:t>VS</a:t>
-            </a:r>
-            <a:r>
-              <a:rPr lang="ru-RU" dirty="0" smtClean="0"/>
-              <a:t>.</a:t>
-            </a:r>
-          </a:p>
-          <a:p>
-            <a:r>
-              <a:rPr lang="ru-RU" dirty="0" smtClean="0"/>
-              <a:t>Не открывайте файл </a:t>
-            </a:r>
-            <a:r>
-              <a:rPr lang="en-US" dirty="0" err="1" smtClean="0"/>
-              <a:t>DoNotOpen</a:t>
-            </a:r>
-            <a:r>
-              <a:rPr lang="ru-RU" dirty="0" smtClean="0"/>
-              <a:t>!</a:t>
-            </a:r>
-            <a:endParaRPr lang="ru-RU" dirty="0"/>
+            <a:endParaRPr lang="ru-RU"/>
           </a:p>
         </p:txBody>
       </p:sp>
     </p:spTree>
     <p:extLst>
       <p:ext uri="{BB962C8B-B14F-4D97-AF65-F5344CB8AC3E}">
-        <p14:creationId xmlns:p14="http://schemas.microsoft.com/office/powerpoint/2010/main" val="1734191423"/>
+        <p14:creationId xmlns:p14="http://schemas.microsoft.com/office/powerpoint/2010/main" val="2632731554"/>
       </p:ext>
     </p:extLst>
   </p:cSld>
@@ -7373,6 +7769,292 @@
       </p:grpSpPr>
       <p:sp>
         <p:nvSpPr>
+          <p:cNvPr id="4" name="Заголовок 3"/>
+          <p:cNvSpPr>
+            <a:spLocks noGrp="1"/>
+          </p:cNvSpPr>
+          <p:nvPr>
+            <p:ph type="title"/>
+          </p:nvPr>
+        </p:nvSpPr>
+        <p:spPr/>
+        <p:txBody>
+          <a:bodyPr>
+            <a:normAutofit/>
+          </a:bodyPr>
+          <a:lstStyle/>
+          <a:p>
+            <a:r>
+              <a:rPr lang="en-US" dirty="0" err="1" smtClean="0"/>
+              <a:t>NUnit</a:t>
+            </a:r>
+            <a:r>
+              <a:rPr lang="en-US" dirty="0" smtClean="0"/>
+              <a:t> demo</a:t>
+            </a:r>
+            <a:endParaRPr lang="ru-RU" dirty="0"/>
+          </a:p>
+        </p:txBody>
+      </p:sp>
+      <p:sp>
+        <p:nvSpPr>
+          <p:cNvPr id="5" name="Объект 4"/>
+          <p:cNvSpPr>
+            <a:spLocks noGrp="1"/>
+          </p:cNvSpPr>
+          <p:nvPr>
+            <p:ph idx="1"/>
+          </p:nvPr>
+        </p:nvSpPr>
+        <p:spPr/>
+        <p:txBody>
+          <a:bodyPr/>
+          <a:lstStyle/>
+          <a:p>
+            <a:pPr marL="0" indent="0">
+              <a:buNone/>
+            </a:pPr>
+            <a:endParaRPr lang="ru-RU" dirty="0"/>
+          </a:p>
+        </p:txBody>
+      </p:sp>
+    </p:spTree>
+    <p:extLst>
+      <p:ext uri="{BB962C8B-B14F-4D97-AF65-F5344CB8AC3E}">
+        <p14:creationId xmlns:p14="http://schemas.microsoft.com/office/powerpoint/2010/main" val="3705630178"/>
+      </p:ext>
+    </p:extLst>
+  </p:cSld>
+  <p:clrMapOvr>
+    <a:masterClrMapping/>
+  </p:clrMapOvr>
+  <p:timing>
+    <p:tnLst>
+      <p:par>
+        <p:cTn id="1" dur="indefinite" restart="never" nodeType="tmRoot"/>
+      </p:par>
+    </p:tnLst>
+  </p:timing>
+</p:sld>
+</file>
+
+<file path=ppt/slides/slide21.xml><?xml version="1.0" encoding="utf-8"?>
+<p:sld xmlns:a="http://schemas.openxmlformats.org/drawingml/2006/main" xmlns:r="http://schemas.openxmlformats.org/officeDocument/2006/relationships" xmlns:p="http://schemas.openxmlformats.org/presentationml/2006/main">
+  <p:cSld>
+    <p:spTree>
+      <p:nvGrpSpPr>
+        <p:cNvPr id="1" name=""/>
+        <p:cNvGrpSpPr/>
+        <p:nvPr/>
+      </p:nvGrpSpPr>
+      <p:grpSpPr>
+        <a:xfrm>
+          <a:off x="0" y="0"/>
+          <a:ext cx="0" cy="0"/>
+          <a:chOff x="0" y="0"/>
+          <a:chExt cx="0" cy="0"/>
+        </a:xfrm>
+      </p:grpSpPr>
+      <p:sp>
+        <p:nvSpPr>
+          <p:cNvPr id="2" name="Заголовок 1"/>
+          <p:cNvSpPr>
+            <a:spLocks noGrp="1"/>
+          </p:cNvSpPr>
+          <p:nvPr>
+            <p:ph type="title"/>
+          </p:nvPr>
+        </p:nvSpPr>
+        <p:spPr/>
+        <p:txBody>
+          <a:bodyPr/>
+          <a:lstStyle/>
+          <a:p>
+            <a:r>
+              <a:rPr lang="en-US" smtClean="0"/>
+              <a:t>Challenge</a:t>
+            </a:r>
+            <a:r>
+              <a:rPr lang="ru-RU" smtClean="0"/>
+              <a:t>! </a:t>
+            </a:r>
+            <a:r>
+              <a:rPr lang="en-US" dirty="0" smtClean="0"/>
+              <a:t>(30 </a:t>
+            </a:r>
+            <a:r>
+              <a:rPr lang="ru-RU" dirty="0" smtClean="0"/>
+              <a:t>мин)</a:t>
+            </a:r>
+            <a:endParaRPr lang="ru-RU" dirty="0"/>
+          </a:p>
+        </p:txBody>
+      </p:sp>
+      <p:sp>
+        <p:nvSpPr>
+          <p:cNvPr id="3" name="Объект 2"/>
+          <p:cNvSpPr>
+            <a:spLocks noGrp="1"/>
+          </p:cNvSpPr>
+          <p:nvPr>
+            <p:ph idx="1"/>
+          </p:nvPr>
+        </p:nvSpPr>
+        <p:spPr>
+          <a:xfrm>
+            <a:off x="457200" y="1600200"/>
+            <a:ext cx="8507288" cy="4525963"/>
+          </a:xfrm>
+        </p:spPr>
+        <p:txBody>
+          <a:bodyPr>
+            <a:normAutofit lnSpcReduction="10000"/>
+          </a:bodyPr>
+          <a:lstStyle/>
+          <a:p>
+            <a:r>
+              <a:rPr lang="ru-RU" dirty="0" smtClean="0"/>
+              <a:t>В проекте </a:t>
+            </a:r>
+            <a:r>
+              <a:rPr lang="en-US" b="1" dirty="0" smtClean="0"/>
+              <a:t>Challenge </a:t>
+            </a:r>
+            <a:r>
+              <a:rPr lang="ru-RU" dirty="0" smtClean="0"/>
+              <a:t>в файле </a:t>
+            </a:r>
+            <a:r>
+              <a:rPr lang="en-US" dirty="0" err="1" smtClean="0"/>
+              <a:t>WordsStatistics_Tests</a:t>
+            </a:r>
+            <a:r>
+              <a:rPr lang="ru-RU" dirty="0" smtClean="0"/>
+              <a:t> напишите тесты:</a:t>
+            </a:r>
+          </a:p>
+          <a:p>
+            <a:pPr marL="857250" lvl="1" indent="-457200">
+              <a:buAutoNum type="arabicPeriod"/>
+            </a:pPr>
+            <a:r>
+              <a:rPr lang="en-US" b="1" dirty="0" err="1" smtClean="0"/>
+              <a:t>WordsStatistics_CorrectImplementation</a:t>
+            </a:r>
+            <a:r>
+              <a:rPr lang="ru-RU" dirty="0" smtClean="0"/>
+              <a:t> </a:t>
+            </a:r>
+            <a:r>
+              <a:rPr lang="ru-RU" dirty="0"/>
+              <a:t>— должен проходить все тесты.</a:t>
+            </a:r>
+          </a:p>
+          <a:p>
+            <a:pPr marL="857250" lvl="1" indent="-457200">
+              <a:buAutoNum type="arabicPeriod"/>
+            </a:pPr>
+            <a:r>
+              <a:rPr lang="en-US" b="1" dirty="0" err="1"/>
+              <a:t>WordStatisticsN</a:t>
+            </a:r>
+            <a:r>
+              <a:rPr lang="en-US" dirty="0"/>
+              <a:t> — </a:t>
+            </a:r>
+            <a:r>
+              <a:rPr lang="ru-RU" dirty="0"/>
+              <a:t>некорректные реализации. Должны падать хотя бы на одном тесте</a:t>
+            </a:r>
+            <a:r>
+              <a:rPr lang="ru-RU" dirty="0" smtClean="0"/>
+              <a:t>.</a:t>
+            </a:r>
+          </a:p>
+          <a:p>
+            <a:r>
+              <a:rPr lang="ru-RU" dirty="0" smtClean="0"/>
+              <a:t>Запускайте по </a:t>
+            </a:r>
+            <a:r>
+              <a:rPr lang="en-US" dirty="0" smtClean="0"/>
+              <a:t>Ctrl+F5</a:t>
+            </a:r>
+            <a:r>
+              <a:rPr lang="ru-RU" dirty="0" smtClean="0"/>
+              <a:t>.</a:t>
+            </a:r>
+          </a:p>
+          <a:p>
+            <a:r>
+              <a:rPr lang="ru-RU" dirty="0" smtClean="0"/>
+              <a:t>Отлаживайте конкретный тест, запуская в </a:t>
+            </a:r>
+            <a:r>
+              <a:rPr lang="en-US" dirty="0" smtClean="0"/>
+              <a:t>VS</a:t>
+            </a:r>
+            <a:r>
+              <a:rPr lang="ru-RU" dirty="0" smtClean="0"/>
+              <a:t>.</a:t>
+            </a:r>
+          </a:p>
+          <a:p>
+            <a:r>
+              <a:rPr lang="ru-RU" dirty="0" smtClean="0"/>
+              <a:t>Не открывайте файл </a:t>
+            </a:r>
+            <a:r>
+              <a:rPr lang="en-US" dirty="0" err="1" smtClean="0"/>
+              <a:t>DoNotOpen</a:t>
+            </a:r>
+            <a:r>
+              <a:rPr lang="ru-RU" dirty="0" smtClean="0"/>
+              <a:t>!</a:t>
+            </a:r>
+            <a:endParaRPr lang="ru-RU" dirty="0"/>
+          </a:p>
+        </p:txBody>
+      </p:sp>
+    </p:spTree>
+    <p:extLst>
+      <p:ext uri="{BB962C8B-B14F-4D97-AF65-F5344CB8AC3E}">
+        <p14:creationId xmlns:p14="http://schemas.microsoft.com/office/powerpoint/2010/main" val="1734191423"/>
+      </p:ext>
+    </p:extLst>
+  </p:cSld>
+  <p:clrMapOvr>
+    <a:masterClrMapping/>
+  </p:clrMapOvr>
+  <p:timing>
+    <p:tnLst>
+      <p:par>
+        <p:cTn id="1" dur="indefinite" restart="never" nodeType="tmRoot"/>
+      </p:par>
+    </p:tnLst>
+  </p:timing>
+</p:sld>
+</file>
+
+<file path=ppt/slides/slide22.xml><?xml version="1.0" encoding="utf-8"?>
+<p:sld xmlns:a="http://schemas.openxmlformats.org/drawingml/2006/main" xmlns:r="http://schemas.openxmlformats.org/officeDocument/2006/relationships" xmlns:p="http://schemas.openxmlformats.org/presentationml/2006/main">
+  <p:cSld>
+    <p:spTree>
+      <p:nvGrpSpPr>
+        <p:cNvPr id="1" name=""/>
+        <p:cNvGrpSpPr/>
+        <p:nvPr/>
+      </p:nvGrpSpPr>
+      <p:grpSpPr>
+        <a:xfrm>
+          <a:off x="0" y="0"/>
+          <a:ext cx="0" cy="0"/>
+          <a:chOff x="0" y="0"/>
+          <a:chExt cx="0" cy="0"/>
+        </a:xfrm>
+      </p:grpSpPr>
+      <p:sp>
+        <p:nvSpPr>
           <p:cNvPr id="2" name="Заголовок 1"/>
           <p:cNvSpPr>
             <a:spLocks noGrp="1"/>
@@ -7455,7 +8137,7 @@
 </p:sld>
 </file>
 
-<file path=ppt/slides/slide21.xml><?xml version="1.0" encoding="utf-8"?>
+<file path=ppt/slides/slide23.xml><?xml version="1.0" encoding="utf-8"?>
 <p:sld xmlns:a="http://schemas.openxmlformats.org/drawingml/2006/main" xmlns:r="http://schemas.openxmlformats.org/officeDocument/2006/relationships" xmlns:p="http://schemas.openxmlformats.org/presentationml/2006/main">
   <p:cSld>
     <p:spTree>
@@ -7533,7 +8215,7 @@
 </p:sld>
 </file>
 
-<file path=ppt/slides/slide22.xml><?xml version="1.0" encoding="utf-8"?>
+<file path=ppt/slides/slide24.xml><?xml version="1.0" encoding="utf-8"?>
 <p:sld xmlns:a="http://schemas.openxmlformats.org/drawingml/2006/main" xmlns:r="http://schemas.openxmlformats.org/officeDocument/2006/relationships" xmlns:p="http://schemas.openxmlformats.org/presentationml/2006/main">
   <p:cSld>
     <p:spTree>
@@ -7944,7 +8626,7 @@
 </p:sld>
 </file>
 
-<file path=ppt/slides/slide23.xml><?xml version="1.0" encoding="utf-8"?>
+<file path=ppt/slides/slide25.xml><?xml version="1.0" encoding="utf-8"?>
 <p:sld xmlns:a="http://schemas.openxmlformats.org/drawingml/2006/main" xmlns:r="http://schemas.openxmlformats.org/officeDocument/2006/relationships" xmlns:p="http://schemas.openxmlformats.org/presentationml/2006/main">
   <p:cSld>
     <p:spTree>
@@ -8041,7 +8723,7 @@
 </p:sld>
 </file>
 
-<file path=ppt/slides/slide24.xml><?xml version="1.0" encoding="utf-8"?>
+<file path=ppt/slides/slide26.xml><?xml version="1.0" encoding="utf-8"?>
 <p:sld xmlns:a="http://schemas.openxmlformats.org/drawingml/2006/main" xmlns:r="http://schemas.openxmlformats.org/officeDocument/2006/relationships" xmlns:p="http://schemas.openxmlformats.org/presentationml/2006/main">
   <p:cSld>
     <p:spTree>
@@ -8389,7 +9071,7 @@
 </p:sld>
 </file>
 
-<file path=ppt/slides/slide25.xml><?xml version="1.0" encoding="utf-8"?>
+<file path=ppt/slides/slide27.xml><?xml version="1.0" encoding="utf-8"?>
 <p:sld xmlns:a="http://schemas.openxmlformats.org/drawingml/2006/main" xmlns:r="http://schemas.openxmlformats.org/officeDocument/2006/relationships" xmlns:p="http://schemas.openxmlformats.org/presentationml/2006/main">
   <p:cSld>
     <p:spTree>
@@ -8594,7 +9276,7 @@
 </p:sld>
 </file>
 
-<file path=ppt/slides/slide26.xml><?xml version="1.0" encoding="utf-8"?>
+<file path=ppt/slides/slide28.xml><?xml version="1.0" encoding="utf-8"?>
 <p:sld xmlns:a="http://schemas.openxmlformats.org/drawingml/2006/main" xmlns:r="http://schemas.openxmlformats.org/officeDocument/2006/relationships" xmlns:p="http://schemas.openxmlformats.org/presentationml/2006/main">
   <p:cSld>
     <p:spTree>
@@ -8706,7 +9388,7 @@
 </p:sld>
 </file>
 
-<file path=ppt/slides/slide27.xml><?xml version="1.0" encoding="utf-8"?>
+<file path=ppt/slides/slide29.xml><?xml version="1.0" encoding="utf-8"?>
 <p:sld xmlns:a="http://schemas.openxmlformats.org/drawingml/2006/main" xmlns:r="http://schemas.openxmlformats.org/officeDocument/2006/relationships" xmlns:p="http://schemas.openxmlformats.org/presentationml/2006/main">
   <p:cSld>
     <p:spTree>
@@ -9148,7 +9830,328 @@
 </p:sld>
 </file>
 
-<file path=ppt/slides/slide28.xml><?xml version="1.0" encoding="utf-8"?>
+<file path=ppt/slides/slide3.xml><?xml version="1.0" encoding="utf-8"?>
+<p:sld xmlns:a="http://schemas.openxmlformats.org/drawingml/2006/main" xmlns:r="http://schemas.openxmlformats.org/officeDocument/2006/relationships" xmlns:p="http://schemas.openxmlformats.org/presentationml/2006/main">
+  <p:cSld>
+    <p:spTree>
+      <p:nvGrpSpPr>
+        <p:cNvPr id="1" name=""/>
+        <p:cNvGrpSpPr/>
+        <p:nvPr/>
+      </p:nvGrpSpPr>
+      <p:grpSpPr>
+        <a:xfrm>
+          <a:off x="0" y="0"/>
+          <a:ext cx="0" cy="0"/>
+          <a:chOff x="0" y="0"/>
+          <a:chExt cx="0" cy="0"/>
+        </a:xfrm>
+      </p:grpSpPr>
+      <p:sp>
+        <p:nvSpPr>
+          <p:cNvPr id="4" name="Заголовок 3"/>
+          <p:cNvSpPr>
+            <a:spLocks noGrp="1"/>
+          </p:cNvSpPr>
+          <p:nvPr>
+            <p:ph type="title"/>
+          </p:nvPr>
+        </p:nvSpPr>
+        <p:spPr>
+          <a:xfrm>
+            <a:off x="457200" y="274638"/>
+            <a:ext cx="8229600" cy="1143000"/>
+          </a:xfrm>
+        </p:spPr>
+        <p:txBody>
+          <a:bodyPr/>
+          <a:lstStyle/>
+          <a:p>
+            <a:r>
+              <a:rPr lang="en-US" dirty="0" smtClean="0"/>
+              <a:t>Clean Code</a:t>
+            </a:r>
+            <a:endParaRPr lang="ru-RU" dirty="0"/>
+          </a:p>
+        </p:txBody>
+      </p:sp>
+      <p:sp>
+        <p:nvSpPr>
+          <p:cNvPr id="5" name="Объект 4"/>
+          <p:cNvSpPr>
+            <a:spLocks noGrp="1"/>
+          </p:cNvSpPr>
+          <p:nvPr>
+            <p:ph idx="1"/>
+          </p:nvPr>
+        </p:nvSpPr>
+        <p:spPr/>
+        <p:txBody>
+          <a:bodyPr/>
+          <a:lstStyle/>
+          <a:p>
+            <a:r>
+              <a:rPr lang="en-US" b="1" u="sng" dirty="0">
+                <a:hlinkClick r:id="rId2"/>
+              </a:rPr>
+              <a:t>http://</a:t>
+            </a:r>
+            <a:r>
+              <a:rPr lang="en-US" b="1" u="sng" dirty="0" smtClean="0">
+                <a:hlinkClick r:id="rId2"/>
+              </a:rPr>
+              <a:t>cleancodegame.github.io</a:t>
+            </a:r>
+            <a:endParaRPr lang="ru-RU" b="1" u="sng" dirty="0" smtClean="0"/>
+          </a:p>
+          <a:p>
+            <a:r>
+              <a:rPr lang="ru-RU" u="sng" dirty="0" smtClean="0">
+                <a:hlinkClick r:id="rId3"/>
+              </a:rPr>
+              <a:t>"</a:t>
+            </a:r>
+            <a:r>
+              <a:rPr lang="ru-RU" u="sng" dirty="0">
+                <a:hlinkClick r:id="rId3"/>
+              </a:rPr>
+              <a:t>Чистый код" Роберта Мартина</a:t>
+            </a:r>
+            <a:r>
+              <a:rPr lang="ru-RU" dirty="0"/>
+              <a:t> </a:t>
+            </a:r>
+            <a:r>
+              <a:rPr lang="ru-RU" dirty="0" smtClean="0"/>
+              <a:t/>
+            </a:r>
+            <a:br>
+              <a:rPr lang="ru-RU" dirty="0" smtClean="0"/>
+            </a:br>
+            <a:r>
+              <a:rPr lang="ru-RU" dirty="0" smtClean="0"/>
+              <a:t>или её </a:t>
+            </a:r>
+            <a:r>
+              <a:rPr lang="ru-RU" u="sng" dirty="0" smtClean="0">
+                <a:hlinkClick r:id="rId4"/>
+              </a:rPr>
+              <a:t>краткий конспект</a:t>
+            </a:r>
+            <a:endParaRPr lang="ru-RU" dirty="0"/>
+          </a:p>
+          <a:p>
+            <a:r>
+              <a:rPr lang="ru-RU" dirty="0" smtClean="0">
+                <a:hlinkClick r:id="rId5"/>
+              </a:rPr>
+              <a:t>Онлайн практикум</a:t>
+            </a:r>
+            <a:r>
+              <a:rPr lang="ru-RU" dirty="0" smtClean="0"/>
+              <a:t> по языку запросов LINQ</a:t>
+            </a:r>
+            <a:br>
+              <a:rPr lang="ru-RU" dirty="0" smtClean="0"/>
+            </a:br>
+            <a:endParaRPr lang="ru-RU" dirty="0"/>
+          </a:p>
+        </p:txBody>
+      </p:sp>
+    </p:spTree>
+    <p:extLst>
+      <p:ext uri="{BB962C8B-B14F-4D97-AF65-F5344CB8AC3E}">
+        <p14:creationId xmlns:p14="http://schemas.microsoft.com/office/powerpoint/2010/main" val="342518740"/>
+      </p:ext>
+    </p:extLst>
+  </p:cSld>
+  <p:clrMapOvr>
+    <a:masterClrMapping/>
+  </p:clrMapOvr>
+  <p:timing>
+    <p:tnLst>
+      <p:par>
+        <p:cTn id="1" dur="indefinite" restart="never" nodeType="tmRoot">
+          <p:childTnLst>
+            <p:seq concurrent="1" nextAc="seek">
+              <p:cTn id="2" dur="indefinite" nodeType="mainSeq">
+                <p:childTnLst>
+                  <p:par>
+                    <p:cTn id="3" fill="hold">
+                      <p:stCondLst>
+                        <p:cond delay="indefinite"/>
+                      </p:stCondLst>
+                      <p:childTnLst>
+                        <p:par>
+                          <p:cTn id="4" fill="hold">
+                            <p:stCondLst>
+                              <p:cond delay="0"/>
+                            </p:stCondLst>
+                            <p:childTnLst>
+                              <p:par>
+                                <p:cTn id="5" presetID="1" presetClass="entr" presetSubtype="0" fill="hold" grpId="0" nodeType="clickEffect">
+                                  <p:stCondLst>
+                                    <p:cond delay="0"/>
+                                  </p:stCondLst>
+                                  <p:childTnLst>
+                                    <p:set>
+                                      <p:cBhvr>
+                                        <p:cTn id="6" dur="1" fill="hold">
+                                          <p:stCondLst>
+                                            <p:cond delay="0"/>
+                                          </p:stCondLst>
+                                        </p:cTn>
+                                        <p:tgtEl>
+                                          <p:spTgt spid="5">
+                                            <p:txEl>
+                                              <p:pRg st="0" end="0"/>
+                                            </p:txEl>
+                                          </p:spTgt>
+                                        </p:tgtEl>
+                                        <p:attrNameLst>
+                                          <p:attrName>style.visibility</p:attrName>
+                                        </p:attrNameLst>
+                                      </p:cBhvr>
+                                      <p:to>
+                                        <p:strVal val="visible"/>
+                                      </p:to>
+                                    </p:set>
+                                  </p:childTnLst>
+                                </p:cTn>
+                              </p:par>
+                            </p:childTnLst>
+                          </p:cTn>
+                        </p:par>
+                      </p:childTnLst>
+                    </p:cTn>
+                  </p:par>
+                  <p:par>
+                    <p:cTn id="7" fill="hold">
+                      <p:stCondLst>
+                        <p:cond delay="indefinite"/>
+                      </p:stCondLst>
+                      <p:childTnLst>
+                        <p:par>
+                          <p:cTn id="8" fill="hold">
+                            <p:stCondLst>
+                              <p:cond delay="0"/>
+                            </p:stCondLst>
+                            <p:childTnLst>
+                              <p:par>
+                                <p:cTn id="9" presetID="1" presetClass="entr" presetSubtype="0" fill="hold" grpId="0" nodeType="clickEffect">
+                                  <p:stCondLst>
+                                    <p:cond delay="0"/>
+                                  </p:stCondLst>
+                                  <p:childTnLst>
+                                    <p:set>
+                                      <p:cBhvr>
+                                        <p:cTn id="10" dur="1" fill="hold">
+                                          <p:stCondLst>
+                                            <p:cond delay="0"/>
+                                          </p:stCondLst>
+                                        </p:cTn>
+                                        <p:tgtEl>
+                                          <p:spTgt spid="5">
+                                            <p:txEl>
+                                              <p:pRg st="1" end="1"/>
+                                            </p:txEl>
+                                          </p:spTgt>
+                                        </p:tgtEl>
+                                        <p:attrNameLst>
+                                          <p:attrName>style.visibility</p:attrName>
+                                        </p:attrNameLst>
+                                      </p:cBhvr>
+                                      <p:to>
+                                        <p:strVal val="visible"/>
+                                      </p:to>
+                                    </p:set>
+                                  </p:childTnLst>
+                                </p:cTn>
+                              </p:par>
+                            </p:childTnLst>
+                          </p:cTn>
+                        </p:par>
+                      </p:childTnLst>
+                    </p:cTn>
+                  </p:par>
+                  <p:par>
+                    <p:cTn id="11" fill="hold">
+                      <p:stCondLst>
+                        <p:cond delay="indefinite"/>
+                      </p:stCondLst>
+                      <p:childTnLst>
+                        <p:par>
+                          <p:cTn id="12" fill="hold">
+                            <p:stCondLst>
+                              <p:cond delay="0"/>
+                            </p:stCondLst>
+                            <p:childTnLst>
+                              <p:par>
+                                <p:cTn id="13" presetID="1" presetClass="entr" presetSubtype="0" fill="hold" grpId="0" nodeType="clickEffect">
+                                  <p:stCondLst>
+                                    <p:cond delay="0"/>
+                                  </p:stCondLst>
+                                  <p:childTnLst>
+                                    <p:set>
+                                      <p:cBhvr>
+                                        <p:cTn id="14" dur="1" fill="hold">
+                                          <p:stCondLst>
+                                            <p:cond delay="0"/>
+                                          </p:stCondLst>
+                                        </p:cTn>
+                                        <p:tgtEl>
+                                          <p:spTgt spid="5">
+                                            <p:txEl>
+                                              <p:pRg st="2" end="2"/>
+                                            </p:txEl>
+                                          </p:spTgt>
+                                        </p:tgtEl>
+                                        <p:attrNameLst>
+                                          <p:attrName>style.visibility</p:attrName>
+                                        </p:attrNameLst>
+                                      </p:cBhvr>
+                                      <p:to>
+                                        <p:strVal val="visible"/>
+                                      </p:to>
+                                    </p:set>
+                                  </p:childTnLst>
+                                </p:cTn>
+                              </p:par>
+                            </p:childTnLst>
+                          </p:cTn>
+                        </p:par>
+                      </p:childTnLst>
+                    </p:cTn>
+                  </p:par>
+                </p:childTnLst>
+              </p:cTn>
+              <p:prevCondLst>
+                <p:cond evt="onPrev" delay="0">
+                  <p:tgtEl>
+                    <p:sldTgt/>
+                  </p:tgtEl>
+                </p:cond>
+              </p:prevCondLst>
+              <p:nextCondLst>
+                <p:cond evt="onNext" delay="0">
+                  <p:tgtEl>
+                    <p:sldTgt/>
+                  </p:tgtEl>
+                </p:cond>
+              </p:nextCondLst>
+            </p:seq>
+          </p:childTnLst>
+        </p:cTn>
+      </p:par>
+    </p:tnLst>
+    <p:bldLst>
+      <p:bldP spid="5" grpId="0" build="p"/>
+    </p:bldLst>
+  </p:timing>
+</p:sld>
+</file>
+
+<file path=ppt/slides/slide30.xml><?xml version="1.0" encoding="utf-8"?>
 <p:sld xmlns:a="http://schemas.openxmlformats.org/drawingml/2006/main" xmlns:r="http://schemas.openxmlformats.org/officeDocument/2006/relationships" xmlns:p="http://schemas.openxmlformats.org/presentationml/2006/main">
   <p:cSld>
     <p:spTree>
@@ -9507,7 +10510,7 @@
 </p:sld>
 </file>
 
-<file path=ppt/slides/slide29.xml><?xml version="1.0" encoding="utf-8"?>
+<file path=ppt/slides/slide31.xml><?xml version="1.0" encoding="utf-8"?>
 <p:sld xmlns:a="http://schemas.openxmlformats.org/drawingml/2006/main" xmlns:r="http://schemas.openxmlformats.org/officeDocument/2006/relationships" xmlns:p="http://schemas.openxmlformats.org/presentationml/2006/main">
   <p:cSld>
     <p:spTree>
@@ -9753,328 +10756,7 @@
 </p:sld>
 </file>
 
-<file path=ppt/slides/slide3.xml><?xml version="1.0" encoding="utf-8"?>
-<p:sld xmlns:a="http://schemas.openxmlformats.org/drawingml/2006/main" xmlns:r="http://schemas.openxmlformats.org/officeDocument/2006/relationships" xmlns:p="http://schemas.openxmlformats.org/presentationml/2006/main">
-  <p:cSld>
-    <p:spTree>
-      <p:nvGrpSpPr>
-        <p:cNvPr id="1" name=""/>
-        <p:cNvGrpSpPr/>
-        <p:nvPr/>
-      </p:nvGrpSpPr>
-      <p:grpSpPr>
-        <a:xfrm>
-          <a:off x="0" y="0"/>
-          <a:ext cx="0" cy="0"/>
-          <a:chOff x="0" y="0"/>
-          <a:chExt cx="0" cy="0"/>
-        </a:xfrm>
-      </p:grpSpPr>
-      <p:sp>
-        <p:nvSpPr>
-          <p:cNvPr id="4" name="Заголовок 3"/>
-          <p:cNvSpPr>
-            <a:spLocks noGrp="1"/>
-          </p:cNvSpPr>
-          <p:nvPr>
-            <p:ph type="title"/>
-          </p:nvPr>
-        </p:nvSpPr>
-        <p:spPr>
-          <a:xfrm>
-            <a:off x="457200" y="274638"/>
-            <a:ext cx="8229600" cy="1143000"/>
-          </a:xfrm>
-        </p:spPr>
-        <p:txBody>
-          <a:bodyPr/>
-          <a:lstStyle/>
-          <a:p>
-            <a:r>
-              <a:rPr lang="en-US" dirty="0" smtClean="0"/>
-              <a:t>Clean Code</a:t>
-            </a:r>
-            <a:endParaRPr lang="ru-RU" dirty="0"/>
-          </a:p>
-        </p:txBody>
-      </p:sp>
-      <p:sp>
-        <p:nvSpPr>
-          <p:cNvPr id="5" name="Объект 4"/>
-          <p:cNvSpPr>
-            <a:spLocks noGrp="1"/>
-          </p:cNvSpPr>
-          <p:nvPr>
-            <p:ph idx="1"/>
-          </p:nvPr>
-        </p:nvSpPr>
-        <p:spPr/>
-        <p:txBody>
-          <a:bodyPr/>
-          <a:lstStyle/>
-          <a:p>
-            <a:r>
-              <a:rPr lang="en-US" b="1" u="sng" dirty="0">
-                <a:hlinkClick r:id="rId2"/>
-              </a:rPr>
-              <a:t>http://</a:t>
-            </a:r>
-            <a:r>
-              <a:rPr lang="en-US" b="1" u="sng" dirty="0" smtClean="0">
-                <a:hlinkClick r:id="rId2"/>
-              </a:rPr>
-              <a:t>cleancodegame.github.io</a:t>
-            </a:r>
-            <a:endParaRPr lang="ru-RU" b="1" u="sng" dirty="0" smtClean="0"/>
-          </a:p>
-          <a:p>
-            <a:r>
-              <a:rPr lang="ru-RU" u="sng" dirty="0" smtClean="0">
-                <a:hlinkClick r:id="rId3"/>
-              </a:rPr>
-              <a:t>"</a:t>
-            </a:r>
-            <a:r>
-              <a:rPr lang="ru-RU" u="sng" dirty="0">
-                <a:hlinkClick r:id="rId3"/>
-              </a:rPr>
-              <a:t>Чистый код" Роберта Мартина</a:t>
-            </a:r>
-            <a:r>
-              <a:rPr lang="ru-RU" dirty="0"/>
-              <a:t> </a:t>
-            </a:r>
-            <a:r>
-              <a:rPr lang="ru-RU" dirty="0" smtClean="0"/>
-              <a:t/>
-            </a:r>
-            <a:br>
-              <a:rPr lang="ru-RU" dirty="0" smtClean="0"/>
-            </a:br>
-            <a:r>
-              <a:rPr lang="ru-RU" dirty="0" smtClean="0"/>
-              <a:t>или её </a:t>
-            </a:r>
-            <a:r>
-              <a:rPr lang="ru-RU" u="sng" dirty="0" smtClean="0">
-                <a:hlinkClick r:id="rId4"/>
-              </a:rPr>
-              <a:t>краткий конспект</a:t>
-            </a:r>
-            <a:endParaRPr lang="ru-RU" dirty="0"/>
-          </a:p>
-          <a:p>
-            <a:r>
-              <a:rPr lang="ru-RU" dirty="0" smtClean="0">
-                <a:hlinkClick r:id="rId5"/>
-              </a:rPr>
-              <a:t>Онлайн практикум</a:t>
-            </a:r>
-            <a:r>
-              <a:rPr lang="ru-RU" dirty="0" smtClean="0"/>
-              <a:t> по языку запросов LINQ</a:t>
-            </a:r>
-            <a:br>
-              <a:rPr lang="ru-RU" dirty="0" smtClean="0"/>
-            </a:br>
-            <a:endParaRPr lang="ru-RU" dirty="0"/>
-          </a:p>
-        </p:txBody>
-      </p:sp>
-    </p:spTree>
-    <p:extLst>
-      <p:ext uri="{BB962C8B-B14F-4D97-AF65-F5344CB8AC3E}">
-        <p14:creationId xmlns:p14="http://schemas.microsoft.com/office/powerpoint/2010/main" val="342518740"/>
-      </p:ext>
-    </p:extLst>
-  </p:cSld>
-  <p:clrMapOvr>
-    <a:masterClrMapping/>
-  </p:clrMapOvr>
-  <p:timing>
-    <p:tnLst>
-      <p:par>
-        <p:cTn id="1" dur="indefinite" restart="never" nodeType="tmRoot">
-          <p:childTnLst>
-            <p:seq concurrent="1" nextAc="seek">
-              <p:cTn id="2" dur="indefinite" nodeType="mainSeq">
-                <p:childTnLst>
-                  <p:par>
-                    <p:cTn id="3" fill="hold">
-                      <p:stCondLst>
-                        <p:cond delay="indefinite"/>
-                      </p:stCondLst>
-                      <p:childTnLst>
-                        <p:par>
-                          <p:cTn id="4" fill="hold">
-                            <p:stCondLst>
-                              <p:cond delay="0"/>
-                            </p:stCondLst>
-                            <p:childTnLst>
-                              <p:par>
-                                <p:cTn id="5" presetID="1" presetClass="entr" presetSubtype="0" fill="hold" grpId="0" nodeType="clickEffect">
-                                  <p:stCondLst>
-                                    <p:cond delay="0"/>
-                                  </p:stCondLst>
-                                  <p:childTnLst>
-                                    <p:set>
-                                      <p:cBhvr>
-                                        <p:cTn id="6" dur="1" fill="hold">
-                                          <p:stCondLst>
-                                            <p:cond delay="0"/>
-                                          </p:stCondLst>
-                                        </p:cTn>
-                                        <p:tgtEl>
-                                          <p:spTgt spid="5">
-                                            <p:txEl>
-                                              <p:pRg st="0" end="0"/>
-                                            </p:txEl>
-                                          </p:spTgt>
-                                        </p:tgtEl>
-                                        <p:attrNameLst>
-                                          <p:attrName>style.visibility</p:attrName>
-                                        </p:attrNameLst>
-                                      </p:cBhvr>
-                                      <p:to>
-                                        <p:strVal val="visible"/>
-                                      </p:to>
-                                    </p:set>
-                                  </p:childTnLst>
-                                </p:cTn>
-                              </p:par>
-                            </p:childTnLst>
-                          </p:cTn>
-                        </p:par>
-                      </p:childTnLst>
-                    </p:cTn>
-                  </p:par>
-                  <p:par>
-                    <p:cTn id="7" fill="hold">
-                      <p:stCondLst>
-                        <p:cond delay="indefinite"/>
-                      </p:stCondLst>
-                      <p:childTnLst>
-                        <p:par>
-                          <p:cTn id="8" fill="hold">
-                            <p:stCondLst>
-                              <p:cond delay="0"/>
-                            </p:stCondLst>
-                            <p:childTnLst>
-                              <p:par>
-                                <p:cTn id="9" presetID="1" presetClass="entr" presetSubtype="0" fill="hold" grpId="0" nodeType="clickEffect">
-                                  <p:stCondLst>
-                                    <p:cond delay="0"/>
-                                  </p:stCondLst>
-                                  <p:childTnLst>
-                                    <p:set>
-                                      <p:cBhvr>
-                                        <p:cTn id="10" dur="1" fill="hold">
-                                          <p:stCondLst>
-                                            <p:cond delay="0"/>
-                                          </p:stCondLst>
-                                        </p:cTn>
-                                        <p:tgtEl>
-                                          <p:spTgt spid="5">
-                                            <p:txEl>
-                                              <p:pRg st="1" end="1"/>
-                                            </p:txEl>
-                                          </p:spTgt>
-                                        </p:tgtEl>
-                                        <p:attrNameLst>
-                                          <p:attrName>style.visibility</p:attrName>
-                                        </p:attrNameLst>
-                                      </p:cBhvr>
-                                      <p:to>
-                                        <p:strVal val="visible"/>
-                                      </p:to>
-                                    </p:set>
-                                  </p:childTnLst>
-                                </p:cTn>
-                              </p:par>
-                            </p:childTnLst>
-                          </p:cTn>
-                        </p:par>
-                      </p:childTnLst>
-                    </p:cTn>
-                  </p:par>
-                  <p:par>
-                    <p:cTn id="11" fill="hold">
-                      <p:stCondLst>
-                        <p:cond delay="indefinite"/>
-                      </p:stCondLst>
-                      <p:childTnLst>
-                        <p:par>
-                          <p:cTn id="12" fill="hold">
-                            <p:stCondLst>
-                              <p:cond delay="0"/>
-                            </p:stCondLst>
-                            <p:childTnLst>
-                              <p:par>
-                                <p:cTn id="13" presetID="1" presetClass="entr" presetSubtype="0" fill="hold" grpId="0" nodeType="clickEffect">
-                                  <p:stCondLst>
-                                    <p:cond delay="0"/>
-                                  </p:stCondLst>
-                                  <p:childTnLst>
-                                    <p:set>
-                                      <p:cBhvr>
-                                        <p:cTn id="14" dur="1" fill="hold">
-                                          <p:stCondLst>
-                                            <p:cond delay="0"/>
-                                          </p:stCondLst>
-                                        </p:cTn>
-                                        <p:tgtEl>
-                                          <p:spTgt spid="5">
-                                            <p:txEl>
-                                              <p:pRg st="2" end="2"/>
-                                            </p:txEl>
-                                          </p:spTgt>
-                                        </p:tgtEl>
-                                        <p:attrNameLst>
-                                          <p:attrName>style.visibility</p:attrName>
-                                        </p:attrNameLst>
-                                      </p:cBhvr>
-                                      <p:to>
-                                        <p:strVal val="visible"/>
-                                      </p:to>
-                                    </p:set>
-                                  </p:childTnLst>
-                                </p:cTn>
-                              </p:par>
-                            </p:childTnLst>
-                          </p:cTn>
-                        </p:par>
-                      </p:childTnLst>
-                    </p:cTn>
-                  </p:par>
-                </p:childTnLst>
-              </p:cTn>
-              <p:prevCondLst>
-                <p:cond evt="onPrev" delay="0">
-                  <p:tgtEl>
-                    <p:sldTgt/>
-                  </p:tgtEl>
-                </p:cond>
-              </p:prevCondLst>
-              <p:nextCondLst>
-                <p:cond evt="onNext" delay="0">
-                  <p:tgtEl>
-                    <p:sldTgt/>
-                  </p:tgtEl>
-                </p:cond>
-              </p:nextCondLst>
-            </p:seq>
-          </p:childTnLst>
-        </p:cTn>
-      </p:par>
-    </p:tnLst>
-    <p:bldLst>
-      <p:bldP spid="5" grpId="0" build="p"/>
-    </p:bldLst>
-  </p:timing>
-</p:sld>
-</file>
-
-<file path=ppt/slides/slide30.xml><?xml version="1.0" encoding="utf-8"?>
+<file path=ppt/slides/slide32.xml><?xml version="1.0" encoding="utf-8"?>
 <p:sld xmlns:a="http://schemas.openxmlformats.org/drawingml/2006/main" xmlns:r="http://schemas.openxmlformats.org/officeDocument/2006/relationships" xmlns:p="http://schemas.openxmlformats.org/presentationml/2006/main">
   <p:cSld>
     <p:spTree>
@@ -10153,7 +10835,7 @@
 </p:sld>
 </file>
 
-<file path=ppt/slides/slide31.xml><?xml version="1.0" encoding="utf-8"?>
+<file path=ppt/slides/slide33.xml><?xml version="1.0" encoding="utf-8"?>
 <p:sld xmlns:a="http://schemas.openxmlformats.org/drawingml/2006/main" xmlns:r="http://schemas.openxmlformats.org/officeDocument/2006/relationships" xmlns:p="http://schemas.openxmlformats.org/presentationml/2006/main">
   <p:cSld>
     <p:spTree>
@@ -10232,7 +10914,7 @@
 </p:sld>
 </file>
 
-<file path=ppt/slides/slide32.xml><?xml version="1.0" encoding="utf-8"?>
+<file path=ppt/slides/slide34.xml><?xml version="1.0" encoding="utf-8"?>
 <p:sld xmlns:a="http://schemas.openxmlformats.org/drawingml/2006/main" xmlns:r="http://schemas.openxmlformats.org/officeDocument/2006/relationships" xmlns:p="http://schemas.openxmlformats.org/presentationml/2006/main">
   <p:cSld>
     <p:spTree>
@@ -10521,7 +11203,7 @@
 </p:sld>
 </file>
 
-<file path=ppt/slides/slide33.xml><?xml version="1.0" encoding="utf-8"?>
+<file path=ppt/slides/slide35.xml><?xml version="1.0" encoding="utf-8"?>
 <p:sld xmlns:a="http://schemas.openxmlformats.org/drawingml/2006/main" xmlns:r="http://schemas.openxmlformats.org/officeDocument/2006/relationships" xmlns:p="http://schemas.openxmlformats.org/presentationml/2006/main">
   <p:cSld>
     <p:spTree>
@@ -10769,7 +11451,7 @@
 </p:sld>
 </file>
 
-<file path=ppt/slides/slide34.xml><?xml version="1.0" encoding="utf-8"?>
+<file path=ppt/slides/slide36.xml><?xml version="1.0" encoding="utf-8"?>
 <p:sld xmlns:a="http://schemas.openxmlformats.org/drawingml/2006/main" xmlns:r="http://schemas.openxmlformats.org/officeDocument/2006/relationships" xmlns:p="http://schemas.openxmlformats.org/presentationml/2006/main">
   <p:cSld>
     <p:spTree>
@@ -10945,7 +11627,7 @@
 </p:sld>
 </file>
 
-<file path=ppt/slides/slide35.xml><?xml version="1.0" encoding="utf-8"?>
+<file path=ppt/slides/slide37.xml><?xml version="1.0" encoding="utf-8"?>
 <p:sld xmlns:a="http://schemas.openxmlformats.org/drawingml/2006/main" xmlns:r="http://schemas.openxmlformats.org/officeDocument/2006/relationships" xmlns:p="http://schemas.openxmlformats.org/presentationml/2006/main">
   <p:cSld>
     <p:spTree>
@@ -11317,7 +11999,7 @@
 </p:sld>
 </file>
 
-<file path=ppt/slides/slide36.xml><?xml version="1.0" encoding="utf-8"?>
+<file path=ppt/slides/slide38.xml><?xml version="1.0" encoding="utf-8"?>
 <p:sld xmlns:a="http://schemas.openxmlformats.org/drawingml/2006/main" xmlns:r="http://schemas.openxmlformats.org/officeDocument/2006/relationships" xmlns:p="http://schemas.openxmlformats.org/presentationml/2006/main">
   <p:cSld>
     <p:spTree>
@@ -11790,7 +12472,7 @@
 </p:sld>
 </file>
 
-<file path=ppt/slides/slide37.xml><?xml version="1.0" encoding="utf-8"?>
+<file path=ppt/slides/slide39.xml><?xml version="1.0" encoding="utf-8"?>
 <p:sld xmlns:a="http://schemas.openxmlformats.org/drawingml/2006/main" xmlns:r="http://schemas.openxmlformats.org/officeDocument/2006/relationships" xmlns:p="http://schemas.openxmlformats.org/presentationml/2006/main">
   <p:cSld>
     <p:spTree>
@@ -12043,189 +12725,6 @@
 </p:sld>
 </file>
 
-<file path=ppt/slides/slide38.xml><?xml version="1.0" encoding="utf-8"?>
-<p:sld xmlns:a="http://schemas.openxmlformats.org/drawingml/2006/main" xmlns:r="http://schemas.openxmlformats.org/officeDocument/2006/relationships" xmlns:p="http://schemas.openxmlformats.org/presentationml/2006/main">
-  <p:cSld>
-    <p:spTree>
-      <p:nvGrpSpPr>
-        <p:cNvPr id="1" name=""/>
-        <p:cNvGrpSpPr/>
-        <p:nvPr/>
-      </p:nvGrpSpPr>
-      <p:grpSpPr>
-        <a:xfrm>
-          <a:off x="0" y="0"/>
-          <a:ext cx="0" cy="0"/>
-          <a:chOff x="0" y="0"/>
-          <a:chExt cx="0" cy="0"/>
-        </a:xfrm>
-      </p:grpSpPr>
-      <p:sp>
-        <p:nvSpPr>
-          <p:cNvPr id="2" name="Заголовок 1"/>
-          <p:cNvSpPr>
-            <a:spLocks noGrp="1"/>
-          </p:cNvSpPr>
-          <p:nvPr>
-            <p:ph type="title"/>
-          </p:nvPr>
-        </p:nvSpPr>
-        <p:spPr/>
-        <p:txBody>
-          <a:bodyPr/>
-          <a:lstStyle/>
-          <a:p>
-            <a:r>
-              <a:rPr lang="en-US" dirty="0" smtClean="0"/>
-              <a:t>TDD Demo</a:t>
-            </a:r>
-            <a:endParaRPr lang="ru-RU" dirty="0"/>
-          </a:p>
-        </p:txBody>
-      </p:sp>
-      <p:sp>
-        <p:nvSpPr>
-          <p:cNvPr id="3" name="Объект 2"/>
-          <p:cNvSpPr>
-            <a:spLocks noGrp="1"/>
-          </p:cNvSpPr>
-          <p:nvPr>
-            <p:ph idx="1"/>
-          </p:nvPr>
-        </p:nvSpPr>
-        <p:spPr/>
-        <p:txBody>
-          <a:bodyPr/>
-          <a:lstStyle/>
-          <a:p>
-            <a:pPr marL="0" indent="0">
-              <a:buNone/>
-            </a:pPr>
-            <a:endParaRPr lang="ru-RU" dirty="0"/>
-          </a:p>
-        </p:txBody>
-      </p:sp>
-    </p:spTree>
-    <p:extLst>
-      <p:ext uri="{BB962C8B-B14F-4D97-AF65-F5344CB8AC3E}">
-        <p14:creationId xmlns:p14="http://schemas.microsoft.com/office/powerpoint/2010/main" val="3656353989"/>
-      </p:ext>
-    </p:extLst>
-  </p:cSld>
-  <p:clrMapOvr>
-    <a:masterClrMapping/>
-  </p:clrMapOvr>
-  <p:timing>
-    <p:tnLst>
-      <p:par>
-        <p:cTn id="1" dur="indefinite" restart="never" nodeType="tmRoot"/>
-      </p:par>
-    </p:tnLst>
-  </p:timing>
-</p:sld>
-</file>
-
-<file path=ppt/slides/slide39.xml><?xml version="1.0" encoding="utf-8"?>
-<p:sld xmlns:a="http://schemas.openxmlformats.org/drawingml/2006/main" xmlns:r="http://schemas.openxmlformats.org/officeDocument/2006/relationships" xmlns:p="http://schemas.openxmlformats.org/presentationml/2006/main">
-  <p:cSld>
-    <p:spTree>
-      <p:nvGrpSpPr>
-        <p:cNvPr id="1" name=""/>
-        <p:cNvGrpSpPr/>
-        <p:nvPr/>
-      </p:nvGrpSpPr>
-      <p:grpSpPr>
-        <a:xfrm>
-          <a:off x="0" y="0"/>
-          <a:ext cx="0" cy="0"/>
-          <a:chOff x="0" y="0"/>
-          <a:chExt cx="0" cy="0"/>
-        </a:xfrm>
-      </p:grpSpPr>
-      <p:sp>
-        <p:nvSpPr>
-          <p:cNvPr id="2" name="Заголовок 1"/>
-          <p:cNvSpPr>
-            <a:spLocks noGrp="1"/>
-          </p:cNvSpPr>
-          <p:nvPr>
-            <p:ph type="title"/>
-          </p:nvPr>
-        </p:nvSpPr>
-        <p:spPr/>
-        <p:txBody>
-          <a:bodyPr/>
-          <a:lstStyle/>
-          <a:p>
-            <a:r>
-              <a:rPr lang="ru-RU" dirty="0" smtClean="0"/>
-              <a:t>Ваши возражения?</a:t>
-            </a:r>
-            <a:endParaRPr lang="ru-RU" dirty="0"/>
-          </a:p>
-        </p:txBody>
-      </p:sp>
-      <p:pic>
-        <p:nvPicPr>
-          <p:cNvPr id="5122" name="Picture 2" descr="http://russiancoon.ru/uploaded/avatars/K1024_DSC_6087.JPG"/>
-          <p:cNvPicPr>
-            <a:picLocks noChangeAspect="1" noChangeArrowheads="1"/>
-          </p:cNvPicPr>
-          <p:nvPr/>
-        </p:nvPicPr>
-        <p:blipFill>
-          <a:blip r:embed="rId2">
-            <a:extLst>
-              <a:ext uri="{28A0092B-C50C-407E-A947-70E740481C1C}">
-                <a14:useLocalDpi xmlns:a14="http://schemas.microsoft.com/office/drawing/2010/main" val="0"/>
-              </a:ext>
-            </a:extLst>
-          </a:blip>
-          <a:srcRect/>
-          <a:stretch>
-            <a:fillRect/>
-          </a:stretch>
-        </p:blipFill>
-        <p:spPr bwMode="auto">
-          <a:xfrm>
-            <a:off x="676817" y="1381802"/>
-            <a:ext cx="7790366" cy="5184576"/>
-          </a:xfrm>
-          <a:prstGeom prst="rect">
-            <a:avLst/>
-          </a:prstGeom>
-          <a:noFill/>
-          <a:extLst>
-            <a:ext uri="{909E8E84-426E-40DD-AFC4-6F175D3DCCD1}">
-              <a14:hiddenFill xmlns:a14="http://schemas.microsoft.com/office/drawing/2010/main">
-                <a:solidFill>
-                  <a:srgbClr val="FFFFFF"/>
-                </a:solidFill>
-              </a14:hiddenFill>
-            </a:ext>
-          </a:extLst>
-        </p:spPr>
-      </p:pic>
-    </p:spTree>
-    <p:extLst>
-      <p:ext uri="{BB962C8B-B14F-4D97-AF65-F5344CB8AC3E}">
-        <p14:creationId xmlns:p14="http://schemas.microsoft.com/office/powerpoint/2010/main" val="1616399170"/>
-      </p:ext>
-    </p:extLst>
-  </p:cSld>
-  <p:clrMapOvr>
-    <a:masterClrMapping/>
-  </p:clrMapOvr>
-  <p:timing>
-    <p:tnLst>
-      <p:par>
-        <p:cTn id="1" dur="indefinite" restart="never" nodeType="tmRoot"/>
-      </p:par>
-    </p:tnLst>
-  </p:timing>
-</p:sld>
-</file>
-
 <file path=ppt/slides/slide4.xml><?xml version="1.0" encoding="utf-8"?>
 <p:sld xmlns:a="http://schemas.openxmlformats.org/drawingml/2006/main" xmlns:r="http://schemas.openxmlformats.org/officeDocument/2006/relationships" xmlns:p="http://schemas.openxmlformats.org/presentationml/2006/main">
   <p:cSld>
@@ -12371,8 +12870,8 @@
           <a:lstStyle/>
           <a:p>
             <a:r>
-              <a:rPr lang="ru-RU" dirty="0" smtClean="0"/>
-              <a:t>Ссылки</a:t>
+              <a:rPr lang="en-US" dirty="0" smtClean="0"/>
+              <a:t>TDD Demo</a:t>
             </a:r>
             <a:endParaRPr lang="ru-RU" dirty="0"/>
           </a:p>
@@ -12393,65 +12892,17 @@
           <a:bodyPr/>
           <a:lstStyle/>
           <a:p>
-            <a:r>
-              <a:rPr lang="en-US" dirty="0"/>
-              <a:t>Roy </a:t>
-            </a:r>
-            <a:r>
-              <a:rPr lang="en-US" dirty="0" err="1"/>
-              <a:t>Osherove</a:t>
-            </a:r>
-            <a:r>
-              <a:rPr lang="en-US" dirty="0"/>
-              <a:t> Book  </a:t>
-            </a:r>
-            <a:r>
-              <a:rPr lang="en-US" dirty="0">
-                <a:hlinkClick r:id="rId2"/>
-              </a:rPr>
-              <a:t>http://ArtOfUnitTesting.com</a:t>
-            </a:r>
-            <a:r>
-              <a:rPr lang="en-US" dirty="0" smtClean="0">
-                <a:hlinkClick r:id="rId2"/>
-              </a:rPr>
-              <a:t>/</a:t>
-            </a:r>
+            <a:pPr marL="0" indent="0">
+              <a:buNone/>
+            </a:pPr>
             <a:endParaRPr lang="ru-RU" dirty="0"/>
-          </a:p>
-          <a:p>
-            <a:r>
-              <a:rPr lang="en-US" dirty="0" smtClean="0">
-                <a:hlinkClick r:id="rId3"/>
-              </a:rPr>
-              <a:t>http</a:t>
-            </a:r>
-            <a:r>
-              <a:rPr lang="en-US" dirty="0">
-                <a:hlinkClick r:id="rId3"/>
-              </a:rPr>
-              <a:t>://blog.stevensanderson.com/2009/08/24/</a:t>
-            </a:r>
-            <a:r>
-              <a:rPr lang="en-US" sz="4000" dirty="0">
-                <a:hlinkClick r:id="rId3"/>
-              </a:rPr>
-              <a:t>writing-great-unit-tests-best-and-worst-practises</a:t>
-            </a:r>
-            <a:r>
-              <a:rPr lang="en-US" dirty="0" smtClean="0">
-                <a:hlinkClick r:id="rId3"/>
-              </a:rPr>
-              <a:t>/</a:t>
-            </a:r>
-            <a:endParaRPr lang="en-US" dirty="0" smtClean="0"/>
           </a:p>
         </p:txBody>
       </p:sp>
     </p:spTree>
     <p:extLst>
       <p:ext uri="{BB962C8B-B14F-4D97-AF65-F5344CB8AC3E}">
-        <p14:creationId xmlns:p14="http://schemas.microsoft.com/office/powerpoint/2010/main" val="1412559762"/>
+        <p14:creationId xmlns:p14="http://schemas.microsoft.com/office/powerpoint/2010/main" val="3656353989"/>
       </p:ext>
     </p:extLst>
   </p:cSld>
@@ -12502,67 +12953,57 @@
           <a:p>
             <a:r>
               <a:rPr lang="ru-RU" dirty="0" smtClean="0"/>
-              <a:t>Парное </a:t>
-            </a:r>
-            <a:r>
-              <a:rPr lang="en-US" dirty="0" smtClean="0"/>
-              <a:t>TDD: Ping-pong</a:t>
+              <a:t>Ваши возражения?</a:t>
             </a:r>
             <a:endParaRPr lang="ru-RU" dirty="0"/>
           </a:p>
         </p:txBody>
       </p:sp>
-      <p:sp>
-        <p:nvSpPr>
-          <p:cNvPr id="4" name="Объект 3"/>
-          <p:cNvSpPr>
-            <a:spLocks noGrp="1"/>
-          </p:cNvSpPr>
-          <p:nvPr>
-            <p:ph idx="1"/>
-          </p:nvPr>
-        </p:nvSpPr>
-        <p:spPr/>
-        <p:txBody>
-          <a:bodyPr>
-            <a:normAutofit/>
-          </a:bodyPr>
-          <a:lstStyle/>
-          <a:p>
-            <a:r>
-              <a:rPr lang="ru-RU" dirty="0" smtClean="0"/>
-              <a:t>А пишет простейший тест</a:t>
-            </a:r>
-          </a:p>
-          <a:p>
-            <a:r>
-              <a:rPr lang="ru-RU" dirty="0" smtClean="0"/>
-              <a:t>Б пишет реализацию и следующий тест.</a:t>
-            </a:r>
-          </a:p>
-          <a:p>
-            <a:endParaRPr lang="ru-RU" dirty="0" smtClean="0"/>
-          </a:p>
-          <a:p>
-            <a:r>
-              <a:rPr lang="ru-RU" dirty="0" smtClean="0"/>
-              <a:t>Если на реализацию уходит </a:t>
-            </a:r>
-            <a:r>
-              <a:rPr lang="en-US" dirty="0" smtClean="0"/>
-              <a:t>&gt; </a:t>
-            </a:r>
-            <a:r>
-              <a:rPr lang="ru-RU" dirty="0" smtClean="0"/>
-              <a:t>5 минут, то тест нужно упростить.</a:t>
-            </a:r>
-          </a:p>
-        </p:txBody>
-      </p:sp>
+      <p:pic>
+        <p:nvPicPr>
+          <p:cNvPr id="5122" name="Picture 2" descr="http://russiancoon.ru/uploaded/avatars/K1024_DSC_6087.JPG"/>
+          <p:cNvPicPr>
+            <a:picLocks noChangeAspect="1" noChangeArrowheads="1"/>
+          </p:cNvPicPr>
+          <p:nvPr/>
+        </p:nvPicPr>
+        <p:blipFill>
+          <a:blip r:embed="rId2">
+            <a:extLst>
+              <a:ext uri="{28A0092B-C50C-407E-A947-70E740481C1C}">
+                <a14:useLocalDpi xmlns:a14="http://schemas.microsoft.com/office/drawing/2010/main" val="0"/>
+              </a:ext>
+            </a:extLst>
+          </a:blip>
+          <a:srcRect/>
+          <a:stretch>
+            <a:fillRect/>
+          </a:stretch>
+        </p:blipFill>
+        <p:spPr bwMode="auto">
+          <a:xfrm>
+            <a:off x="676817" y="1381802"/>
+            <a:ext cx="7790366" cy="5184576"/>
+          </a:xfrm>
+          <a:prstGeom prst="rect">
+            <a:avLst/>
+          </a:prstGeom>
+          <a:noFill/>
+          <a:extLst>
+            <a:ext uri="{909E8E84-426E-40DD-AFC4-6F175D3DCCD1}">
+              <a14:hiddenFill xmlns:a14="http://schemas.microsoft.com/office/drawing/2010/main">
+                <a:solidFill>
+                  <a:srgbClr val="FFFFFF"/>
+                </a:solidFill>
+              </a14:hiddenFill>
+            </a:ext>
+          </a:extLst>
+        </p:spPr>
+      </p:pic>
     </p:spTree>
     <p:extLst>
       <p:ext uri="{BB962C8B-B14F-4D97-AF65-F5344CB8AC3E}">
-        <p14:creationId xmlns:p14="http://schemas.microsoft.com/office/powerpoint/2010/main" val="2684849601"/>
+        <p14:creationId xmlns:p14="http://schemas.microsoft.com/office/powerpoint/2010/main" val="1616399170"/>
       </p:ext>
     </p:extLst>
   </p:cSld>
@@ -12598,6 +13039,247 @@
       </p:grpSpPr>
       <p:sp>
         <p:nvSpPr>
+          <p:cNvPr id="2" name="Заголовок 1"/>
+          <p:cNvSpPr>
+            <a:spLocks noGrp="1"/>
+          </p:cNvSpPr>
+          <p:nvPr>
+            <p:ph type="title"/>
+          </p:nvPr>
+        </p:nvSpPr>
+        <p:spPr/>
+        <p:txBody>
+          <a:bodyPr/>
+          <a:lstStyle/>
+          <a:p>
+            <a:r>
+              <a:rPr lang="ru-RU" dirty="0" smtClean="0"/>
+              <a:t>Ссылки</a:t>
+            </a:r>
+            <a:endParaRPr lang="ru-RU" dirty="0"/>
+          </a:p>
+        </p:txBody>
+      </p:sp>
+      <p:sp>
+        <p:nvSpPr>
+          <p:cNvPr id="3" name="Объект 2"/>
+          <p:cNvSpPr>
+            <a:spLocks noGrp="1"/>
+          </p:cNvSpPr>
+          <p:nvPr>
+            <p:ph idx="1"/>
+          </p:nvPr>
+        </p:nvSpPr>
+        <p:spPr/>
+        <p:txBody>
+          <a:bodyPr/>
+          <a:lstStyle/>
+          <a:p>
+            <a:r>
+              <a:rPr lang="en-US" dirty="0"/>
+              <a:t>Roy </a:t>
+            </a:r>
+            <a:r>
+              <a:rPr lang="en-US" dirty="0" err="1"/>
+              <a:t>Osherove</a:t>
+            </a:r>
+            <a:r>
+              <a:rPr lang="en-US" dirty="0"/>
+              <a:t> Book  </a:t>
+            </a:r>
+            <a:r>
+              <a:rPr lang="en-US" dirty="0">
+                <a:hlinkClick r:id="rId2"/>
+              </a:rPr>
+              <a:t>http://ArtOfUnitTesting.com</a:t>
+            </a:r>
+            <a:r>
+              <a:rPr lang="en-US" dirty="0" smtClean="0">
+                <a:hlinkClick r:id="rId2"/>
+              </a:rPr>
+              <a:t>/</a:t>
+            </a:r>
+            <a:endParaRPr lang="ru-RU" dirty="0"/>
+          </a:p>
+          <a:p>
+            <a:r>
+              <a:rPr lang="en-US" dirty="0" smtClean="0">
+                <a:hlinkClick r:id="rId3"/>
+              </a:rPr>
+              <a:t>http</a:t>
+            </a:r>
+            <a:r>
+              <a:rPr lang="en-US" dirty="0">
+                <a:hlinkClick r:id="rId3"/>
+              </a:rPr>
+              <a:t>://blog.stevensanderson.com/2009/08/24/</a:t>
+            </a:r>
+            <a:r>
+              <a:rPr lang="en-US" sz="4000" dirty="0">
+                <a:hlinkClick r:id="rId3"/>
+              </a:rPr>
+              <a:t>writing-great-unit-tests-best-and-worst-practises</a:t>
+            </a:r>
+            <a:r>
+              <a:rPr lang="en-US" dirty="0" smtClean="0">
+                <a:hlinkClick r:id="rId3"/>
+              </a:rPr>
+              <a:t>/</a:t>
+            </a:r>
+            <a:endParaRPr lang="en-US" dirty="0" smtClean="0"/>
+          </a:p>
+        </p:txBody>
+      </p:sp>
+    </p:spTree>
+    <p:extLst>
+      <p:ext uri="{BB962C8B-B14F-4D97-AF65-F5344CB8AC3E}">
+        <p14:creationId xmlns:p14="http://schemas.microsoft.com/office/powerpoint/2010/main" val="1412559762"/>
+      </p:ext>
+    </p:extLst>
+  </p:cSld>
+  <p:clrMapOvr>
+    <a:masterClrMapping/>
+  </p:clrMapOvr>
+  <p:timing>
+    <p:tnLst>
+      <p:par>
+        <p:cTn id="1" dur="indefinite" restart="never" nodeType="tmRoot"/>
+      </p:par>
+    </p:tnLst>
+  </p:timing>
+</p:sld>
+</file>
+
+<file path=ppt/slides/slide43.xml><?xml version="1.0" encoding="utf-8"?>
+<p:sld xmlns:a="http://schemas.openxmlformats.org/drawingml/2006/main" xmlns:r="http://schemas.openxmlformats.org/officeDocument/2006/relationships" xmlns:p="http://schemas.openxmlformats.org/presentationml/2006/main">
+  <p:cSld>
+    <p:spTree>
+      <p:nvGrpSpPr>
+        <p:cNvPr id="1" name=""/>
+        <p:cNvGrpSpPr/>
+        <p:nvPr/>
+      </p:nvGrpSpPr>
+      <p:grpSpPr>
+        <a:xfrm>
+          <a:off x="0" y="0"/>
+          <a:ext cx="0" cy="0"/>
+          <a:chOff x="0" y="0"/>
+          <a:chExt cx="0" cy="0"/>
+        </a:xfrm>
+      </p:grpSpPr>
+      <p:sp>
+        <p:nvSpPr>
+          <p:cNvPr id="2" name="Заголовок 1"/>
+          <p:cNvSpPr>
+            <a:spLocks noGrp="1"/>
+          </p:cNvSpPr>
+          <p:nvPr>
+            <p:ph type="title"/>
+          </p:nvPr>
+        </p:nvSpPr>
+        <p:spPr/>
+        <p:txBody>
+          <a:bodyPr/>
+          <a:lstStyle/>
+          <a:p>
+            <a:r>
+              <a:rPr lang="ru-RU" dirty="0" smtClean="0"/>
+              <a:t>Парное </a:t>
+            </a:r>
+            <a:r>
+              <a:rPr lang="en-US" dirty="0" smtClean="0"/>
+              <a:t>TDD: Ping-pong</a:t>
+            </a:r>
+            <a:endParaRPr lang="ru-RU" dirty="0"/>
+          </a:p>
+        </p:txBody>
+      </p:sp>
+      <p:sp>
+        <p:nvSpPr>
+          <p:cNvPr id="4" name="Объект 3"/>
+          <p:cNvSpPr>
+            <a:spLocks noGrp="1"/>
+          </p:cNvSpPr>
+          <p:nvPr>
+            <p:ph idx="1"/>
+          </p:nvPr>
+        </p:nvSpPr>
+        <p:spPr/>
+        <p:txBody>
+          <a:bodyPr>
+            <a:normAutofit/>
+          </a:bodyPr>
+          <a:lstStyle/>
+          <a:p>
+            <a:r>
+              <a:rPr lang="ru-RU" dirty="0" smtClean="0"/>
+              <a:t>А пишет простейший тест</a:t>
+            </a:r>
+          </a:p>
+          <a:p>
+            <a:r>
+              <a:rPr lang="ru-RU" dirty="0" smtClean="0"/>
+              <a:t>Б пишет реализацию и следующий тест.</a:t>
+            </a:r>
+          </a:p>
+          <a:p>
+            <a:endParaRPr lang="ru-RU" dirty="0" smtClean="0"/>
+          </a:p>
+          <a:p>
+            <a:r>
+              <a:rPr lang="ru-RU" dirty="0" smtClean="0"/>
+              <a:t>Если на реализацию уходит </a:t>
+            </a:r>
+            <a:r>
+              <a:rPr lang="en-US" dirty="0" smtClean="0"/>
+              <a:t>&gt; </a:t>
+            </a:r>
+            <a:r>
+              <a:rPr lang="ru-RU" dirty="0" smtClean="0"/>
+              <a:t>5 минут, то тест нужно упростить.</a:t>
+            </a:r>
+          </a:p>
+        </p:txBody>
+      </p:sp>
+    </p:spTree>
+    <p:extLst>
+      <p:ext uri="{BB962C8B-B14F-4D97-AF65-F5344CB8AC3E}">
+        <p14:creationId xmlns:p14="http://schemas.microsoft.com/office/powerpoint/2010/main" val="2684849601"/>
+      </p:ext>
+    </p:extLst>
+  </p:cSld>
+  <p:clrMapOvr>
+    <a:masterClrMapping/>
+  </p:clrMapOvr>
+  <p:timing>
+    <p:tnLst>
+      <p:par>
+        <p:cTn id="1" dur="indefinite" restart="never" nodeType="tmRoot"/>
+      </p:par>
+    </p:tnLst>
+  </p:timing>
+</p:sld>
+</file>
+
+<file path=ppt/slides/slide44.xml><?xml version="1.0" encoding="utf-8"?>
+<p:sld xmlns:a="http://schemas.openxmlformats.org/drawingml/2006/main" xmlns:r="http://schemas.openxmlformats.org/officeDocument/2006/relationships" xmlns:p="http://schemas.openxmlformats.org/presentationml/2006/main">
+  <p:cSld>
+    <p:spTree>
+      <p:nvGrpSpPr>
+        <p:cNvPr id="1" name=""/>
+        <p:cNvGrpSpPr/>
+        <p:nvPr/>
+      </p:nvGrpSpPr>
+      <p:grpSpPr>
+        <a:xfrm>
+          <a:off x="0" y="0"/>
+          <a:ext cx="0" cy="0"/>
+          <a:chOff x="0" y="0"/>
+          <a:chExt cx="0" cy="0"/>
+        </a:xfrm>
+      </p:grpSpPr>
+      <p:sp>
+        <p:nvSpPr>
           <p:cNvPr id="3074" name="Rectangle 2"/>
           <p:cNvSpPr>
             <a:spLocks noGrp="1" noChangeArrowheads="1"/>
@@ -12637,7 +13319,7 @@
           <a:graphicData uri="http://schemas.openxmlformats.org/presentationml/2006/ole">
             <mc:AlternateContent xmlns:mc="http://schemas.openxmlformats.org/markup-compatibility/2006">
               <mc:Choice xmlns:v="urn:schemas-microsoft-com:vml" Requires="v">
-                <p:oleObj spid="_x0000_s3096" name="VISIO" r:id="rId4" imgW="2544803" imgH="251238" progId="Visio.Drawing.5">
+                <p:oleObj spid="_x0000_s3104" name="VISIO" r:id="rId4" imgW="2544803" imgH="251238" progId="Visio.Drawing.5">
                   <p:embed/>
                 </p:oleObj>
               </mc:Choice>
@@ -13014,7 +13696,7 @@
 </p:sld>
 </file>
 
-<file path=ppt/slides/slide43.xml><?xml version="1.0" encoding="utf-8"?>
+<file path=ppt/slides/slide45.xml><?xml version="1.0" encoding="utf-8"?>
 <p:sld xmlns:a="http://schemas.openxmlformats.org/drawingml/2006/main" xmlns:r="http://schemas.openxmlformats.org/officeDocument/2006/relationships" xmlns:p="http://schemas.openxmlformats.org/presentationml/2006/main">
   <p:cSld>
     <p:spTree>
@@ -13383,14 +14065,11 @@
           <a:p>
             <a:r>
               <a:rPr lang="ru-RU" dirty="0" smtClean="0"/>
-              <a:t>Краткость</a:t>
-            </a:r>
-            <a:endParaRPr lang="en-US" dirty="0" smtClean="0"/>
-          </a:p>
-          <a:p>
+              <a:t>Прозрачный </a:t>
+            </a:r>
             <a:r>
               <a:rPr lang="ru-RU" dirty="0" smtClean="0"/>
-              <a:t>Прозрачный поток данных</a:t>
+              <a:t>поток данных</a:t>
             </a:r>
             <a:r>
               <a:rPr lang="en-US" dirty="0" smtClean="0"/>
@@ -13407,30 +14086,98 @@
             <a:endParaRPr lang="ru-RU" dirty="0" smtClean="0"/>
           </a:p>
           <a:p>
-            <a:r>
-              <a:rPr lang="ru-RU" dirty="0" smtClean="0"/>
-              <a:t>Адекватный уровень абстрагирования</a:t>
-            </a:r>
-            <a:r>
-              <a:rPr lang="en-US" dirty="0" smtClean="0"/>
-              <a:t/>
+            <a:pPr marL="0" indent="0">
+              <a:buNone/>
+            </a:pPr>
+            <a:r>
+              <a:rPr lang="ru-RU" dirty="0"/>
+              <a:t>	</a:t>
+            </a:r>
+            <a:r>
+              <a:rPr lang="en-US" sz="2400" b="1" dirty="0" err="1" smtClean="0">
+                <a:solidFill>
+                  <a:srgbClr val="C00000"/>
+                </a:solidFill>
+                <a:latin typeface="Consolas" panose="020B0609020204030204" pitchFamily="49" charset="0"/>
+                <a:cs typeface="Consolas" panose="020B0609020204030204" pitchFamily="49" charset="0"/>
+              </a:rPr>
+              <a:t>InputData</a:t>
+            </a:r>
+            <a:r>
+              <a:rPr lang="en-US" sz="2400" b="1" dirty="0" smtClean="0">
+                <a:solidFill>
+                  <a:srgbClr val="C00000"/>
+                </a:solidFill>
+                <a:latin typeface="Consolas" panose="020B0609020204030204" pitchFamily="49" charset="0"/>
+                <a:cs typeface="Consolas" panose="020B0609020204030204" pitchFamily="49" charset="0"/>
+              </a:rPr>
+              <a:t>();</a:t>
             </a:r>
             <a:br>
-              <a:rPr lang="en-US" dirty="0" smtClean="0"/>
+              <a:rPr lang="en-US" sz="2400" b="1" dirty="0" smtClean="0">
+                <a:solidFill>
+                  <a:srgbClr val="C00000"/>
+                </a:solidFill>
+                <a:latin typeface="Consolas" panose="020B0609020204030204" pitchFamily="49" charset="0"/>
+                <a:cs typeface="Consolas" panose="020B0609020204030204" pitchFamily="49" charset="0"/>
+              </a:rPr>
             </a:br>
             <a:r>
-              <a:rPr lang="en-US" dirty="0" smtClean="0"/>
-              <a:t>(Tetris_*.</a:t>
-            </a:r>
-            <a:r>
-              <a:rPr lang="en-US" dirty="0" err="1" smtClean="0"/>
-              <a:t>cs</a:t>
-            </a:r>
-            <a:r>
-              <a:rPr lang="en-US" dirty="0" smtClean="0"/>
-              <a:t>)</a:t>
-            </a:r>
-            <a:endParaRPr lang="ru-RU" dirty="0"/>
+              <a:rPr lang="en-US" sz="2400" b="1" dirty="0" smtClean="0">
+                <a:solidFill>
+                  <a:srgbClr val="C00000"/>
+                </a:solidFill>
+                <a:latin typeface="Consolas" panose="020B0609020204030204" pitchFamily="49" charset="0"/>
+                <a:cs typeface="Consolas" panose="020B0609020204030204" pitchFamily="49" charset="0"/>
+              </a:rPr>
+              <a:t>	Solve();</a:t>
+            </a:r>
+            <a:br>
+              <a:rPr lang="en-US" sz="2400" b="1" dirty="0" smtClean="0">
+                <a:solidFill>
+                  <a:srgbClr val="C00000"/>
+                </a:solidFill>
+                <a:latin typeface="Consolas" panose="020B0609020204030204" pitchFamily="49" charset="0"/>
+                <a:cs typeface="Consolas" panose="020B0609020204030204" pitchFamily="49" charset="0"/>
+              </a:rPr>
+            </a:br>
+            <a:r>
+              <a:rPr lang="en-US" sz="2400" b="1" dirty="0" smtClean="0">
+                <a:solidFill>
+                  <a:srgbClr val="C00000"/>
+                </a:solidFill>
+                <a:latin typeface="Consolas" panose="020B0609020204030204" pitchFamily="49" charset="0"/>
+                <a:cs typeface="Consolas" panose="020B0609020204030204" pitchFamily="49" charset="0"/>
+              </a:rPr>
+              <a:t>	</a:t>
+            </a:r>
+            <a:r>
+              <a:rPr lang="en-US" sz="2400" b="1" dirty="0" err="1" smtClean="0">
+                <a:solidFill>
+                  <a:srgbClr val="C00000"/>
+                </a:solidFill>
+                <a:latin typeface="Consolas" panose="020B0609020204030204" pitchFamily="49" charset="0"/>
+                <a:cs typeface="Consolas" panose="020B0609020204030204" pitchFamily="49" charset="0"/>
+              </a:rPr>
+              <a:t>OutputData</a:t>
+            </a:r>
+            <a:r>
+              <a:rPr lang="en-US" sz="2400" b="1" dirty="0" smtClean="0">
+                <a:solidFill>
+                  <a:srgbClr val="C00000"/>
+                </a:solidFill>
+                <a:latin typeface="Consolas" panose="020B0609020204030204" pitchFamily="49" charset="0"/>
+                <a:cs typeface="Consolas" panose="020B0609020204030204" pitchFamily="49" charset="0"/>
+              </a:rPr>
+              <a:t>();</a:t>
+            </a:r>
+            <a:endParaRPr lang="ru-RU" sz="2400" b="1" dirty="0" smtClean="0">
+              <a:solidFill>
+                <a:srgbClr val="C00000"/>
+              </a:solidFill>
+              <a:latin typeface="Consolas" panose="020B0609020204030204" pitchFamily="49" charset="0"/>
+              <a:cs typeface="Consolas" panose="020B0609020204030204" pitchFamily="49" charset="0"/>
+            </a:endParaRPr>
           </a:p>
         </p:txBody>
       </p:sp>
@@ -13635,55 +14382,6 @@
                       </p:childTnLst>
                     </p:cTn>
                   </p:par>
-                  <p:par>
-                    <p:cTn id="15" fill="hold">
-                      <p:stCondLst>
-                        <p:cond delay="indefinite"/>
-                      </p:stCondLst>
-                      <p:childTnLst>
-                        <p:par>
-                          <p:cTn id="16" fill="hold">
-                            <p:stCondLst>
-                              <p:cond delay="0"/>
-                            </p:stCondLst>
-                            <p:childTnLst>
-                              <p:par>
-                                <p:cTn id="17" presetID="1" presetClass="entr" presetSubtype="0" fill="hold" grpId="0" nodeType="clickEffect">
-                                  <p:stCondLst>
-                                    <p:cond delay="0"/>
-                                  </p:stCondLst>
-                                  <p:childTnLst>
-                                    <p:set>
-                                      <p:cBhvr>
-                                        <p:cTn id="18" dur="1" fill="hold">
-                                          <p:stCondLst>
-                                            <p:cond delay="0"/>
-                                          </p:stCondLst>
-                                        </p:cTn>
-                                        <p:tgtEl>
-                                          <p:spTgt spid="3">
-                                            <p:txEl>
-                                              <p:pRg st="3" end="3"/>
-                                            </p:txEl>
-                                          </p:spTgt>
-                                        </p:tgtEl>
-                                        <p:attrNameLst>
-                                          <p:attrName>style.visibility</p:attrName>
-                                        </p:attrNameLst>
-                                      </p:cBhvr>
-                                      <p:to>
-                                        <p:strVal val="visible"/>
-                                      </p:to>
-                                    </p:set>
-                                  </p:childTnLst>
-                                </p:cTn>
-                              </p:par>
-                            </p:childTnLst>
-                          </p:cTn>
-                        </p:par>
-                      </p:childTnLst>
-                    </p:cTn>
-                  </p:par>
                 </p:childTnLst>
               </p:cTn>
               <p:prevCondLst>
@@ -13746,7 +14444,15 @@
           <a:p>
             <a:r>
               <a:rPr lang="ru-RU" dirty="0" smtClean="0"/>
-              <a:t>Задача (30 минут)</a:t>
+              <a:t>Эвристики</a:t>
+            </a:r>
+            <a:r>
+              <a:rPr lang="ru-RU" baseline="30000" dirty="0" smtClean="0"/>
+              <a:t>*</a:t>
+            </a:r>
+            <a:r>
+              <a:rPr lang="ru-RU" dirty="0" smtClean="0"/>
+              <a:t> чистого кода</a:t>
             </a:r>
             <a:endParaRPr lang="ru-RU" dirty="0"/>
           </a:p>
@@ -13766,114 +14472,249 @@
         <p:txBody>
           <a:bodyPr/>
           <a:lstStyle/>
+          <a:p>
+            <a:r>
+              <a:rPr lang="en-US" dirty="0" smtClean="0"/>
+              <a:t>DRY</a:t>
+            </a:r>
+            <a:r>
+              <a:rPr lang="ru-RU" dirty="0" smtClean="0"/>
+              <a:t> (</a:t>
+            </a:r>
+            <a:r>
+              <a:rPr lang="en-US" dirty="0" err="1" smtClean="0"/>
+              <a:t>DataSaver.cs</a:t>
+            </a:r>
+            <a:r>
+              <a:rPr lang="en-US" dirty="0" smtClean="0"/>
+              <a:t>)</a:t>
+            </a:r>
+          </a:p>
+          <a:p>
+            <a:r>
+              <a:rPr lang="ru-RU" dirty="0" smtClean="0"/>
+              <a:t>Прозрачный </a:t>
+            </a:r>
+            <a:r>
+              <a:rPr lang="ru-RU" dirty="0" smtClean="0"/>
+              <a:t>поток данных</a:t>
+            </a:r>
+            <a:r>
+              <a:rPr lang="en-US" dirty="0" smtClean="0"/>
+              <a:t> (</a:t>
+            </a:r>
+            <a:r>
+              <a:rPr lang="en-US" dirty="0" err="1" smtClean="0"/>
+              <a:t>PathFinder.cs</a:t>
+            </a:r>
+            <a:r>
+              <a:rPr lang="en-US" dirty="0" smtClean="0"/>
+              <a:t>)</a:t>
+            </a:r>
+            <a:endParaRPr lang="ru-RU" dirty="0" smtClean="0"/>
+          </a:p>
           <a:p>
             <a:pPr marL="0" indent="0">
               <a:buNone/>
             </a:pPr>
             <a:r>
-              <a:rPr lang="en-US" dirty="0" err="1" smtClean="0"/>
-              <a:t>CleanCode</a:t>
-            </a:r>
-            <a:r>
-              <a:rPr lang="en-US" dirty="0" smtClean="0"/>
-              <a:t>/</a:t>
-            </a:r>
-            <a:r>
-              <a:rPr lang="en-US" dirty="0" err="1" smtClean="0"/>
-              <a:t>Chess.cs</a:t>
-            </a:r>
-            <a:endParaRPr lang="en-US" dirty="0" smtClean="0"/>
-          </a:p>
-          <a:p>
-            <a:pPr marL="0" indent="0">
-              <a:buNone/>
-            </a:pPr>
+              <a:rPr lang="ru-RU" dirty="0"/>
+              <a:t>	</a:t>
+            </a:r>
+            <a:r>
+              <a:rPr lang="en-US" sz="2400" b="1" dirty="0" err="1" smtClean="0">
+                <a:solidFill>
+                  <a:schemeClr val="accent3">
+                    <a:lumMod val="75000"/>
+                  </a:schemeClr>
+                </a:solidFill>
+                <a:latin typeface="Consolas" panose="020B0609020204030204" pitchFamily="49" charset="0"/>
+                <a:cs typeface="Consolas" panose="020B0609020204030204" pitchFamily="49" charset="0"/>
+              </a:rPr>
+              <a:t>var</a:t>
+            </a:r>
+            <a:r>
+              <a:rPr lang="en-US" sz="2400" b="1" dirty="0" smtClean="0">
+                <a:solidFill>
+                  <a:schemeClr val="accent3">
+                    <a:lumMod val="75000"/>
+                  </a:schemeClr>
+                </a:solidFill>
+                <a:latin typeface="Consolas" panose="020B0609020204030204" pitchFamily="49" charset="0"/>
+                <a:cs typeface="Consolas" panose="020B0609020204030204" pitchFamily="49" charset="0"/>
+              </a:rPr>
+              <a:t> data = </a:t>
+            </a:r>
+            <a:r>
+              <a:rPr lang="en-US" sz="2400" b="1" dirty="0" err="1" smtClean="0">
+                <a:solidFill>
+                  <a:schemeClr val="accent3">
+                    <a:lumMod val="75000"/>
+                  </a:schemeClr>
+                </a:solidFill>
+                <a:latin typeface="Consolas" panose="020B0609020204030204" pitchFamily="49" charset="0"/>
+                <a:cs typeface="Consolas" panose="020B0609020204030204" pitchFamily="49" charset="0"/>
+              </a:rPr>
+              <a:t>InputData</a:t>
+            </a:r>
+            <a:r>
+              <a:rPr lang="en-US" sz="2400" b="1" dirty="0" smtClean="0">
+                <a:solidFill>
+                  <a:schemeClr val="accent3">
+                    <a:lumMod val="75000"/>
+                  </a:schemeClr>
+                </a:solidFill>
+                <a:latin typeface="Consolas" panose="020B0609020204030204" pitchFamily="49" charset="0"/>
+                <a:cs typeface="Consolas" panose="020B0609020204030204" pitchFamily="49" charset="0"/>
+              </a:rPr>
+              <a:t>(“input.txt”);</a:t>
+            </a:r>
+            <a:br>
+              <a:rPr lang="en-US" sz="2400" b="1" dirty="0" smtClean="0">
+                <a:solidFill>
+                  <a:schemeClr val="accent3">
+                    <a:lumMod val="75000"/>
+                  </a:schemeClr>
+                </a:solidFill>
+                <a:latin typeface="Consolas" panose="020B0609020204030204" pitchFamily="49" charset="0"/>
+                <a:cs typeface="Consolas" panose="020B0609020204030204" pitchFamily="49" charset="0"/>
+              </a:rPr>
+            </a:br>
+            <a:r>
+              <a:rPr lang="en-US" sz="2400" b="1" dirty="0" smtClean="0">
+                <a:solidFill>
+                  <a:schemeClr val="accent3">
+                    <a:lumMod val="75000"/>
+                  </a:schemeClr>
+                </a:solidFill>
+                <a:latin typeface="Consolas" panose="020B0609020204030204" pitchFamily="49" charset="0"/>
+                <a:cs typeface="Consolas" panose="020B0609020204030204" pitchFamily="49" charset="0"/>
+              </a:rPr>
+              <a:t>	</a:t>
+            </a:r>
+            <a:r>
+              <a:rPr lang="en-US" sz="2400" b="1" dirty="0" err="1" smtClean="0">
+                <a:solidFill>
+                  <a:schemeClr val="accent3">
+                    <a:lumMod val="75000"/>
+                  </a:schemeClr>
+                </a:solidFill>
+                <a:latin typeface="Consolas" panose="020B0609020204030204" pitchFamily="49" charset="0"/>
+                <a:cs typeface="Consolas" panose="020B0609020204030204" pitchFamily="49" charset="0"/>
+              </a:rPr>
+              <a:t>var</a:t>
+            </a:r>
+            <a:r>
+              <a:rPr lang="en-US" sz="2400" b="1" dirty="0" smtClean="0">
+                <a:solidFill>
+                  <a:schemeClr val="accent3">
+                    <a:lumMod val="75000"/>
+                  </a:schemeClr>
+                </a:solidFill>
+                <a:latin typeface="Consolas" panose="020B0609020204030204" pitchFamily="49" charset="0"/>
+                <a:cs typeface="Consolas" panose="020B0609020204030204" pitchFamily="49" charset="0"/>
+              </a:rPr>
+              <a:t> result = Solve(data);</a:t>
+            </a:r>
+            <a:br>
+              <a:rPr lang="en-US" sz="2400" b="1" dirty="0" smtClean="0">
+                <a:solidFill>
+                  <a:schemeClr val="accent3">
+                    <a:lumMod val="75000"/>
+                  </a:schemeClr>
+                </a:solidFill>
+                <a:latin typeface="Consolas" panose="020B0609020204030204" pitchFamily="49" charset="0"/>
+                <a:cs typeface="Consolas" panose="020B0609020204030204" pitchFamily="49" charset="0"/>
+              </a:rPr>
+            </a:br>
+            <a:r>
+              <a:rPr lang="en-US" sz="2400" b="1" dirty="0" smtClean="0">
+                <a:solidFill>
+                  <a:schemeClr val="accent3">
+                    <a:lumMod val="75000"/>
+                  </a:schemeClr>
+                </a:solidFill>
+                <a:latin typeface="Consolas" panose="020B0609020204030204" pitchFamily="49" charset="0"/>
+                <a:cs typeface="Consolas" panose="020B0609020204030204" pitchFamily="49" charset="0"/>
+              </a:rPr>
+              <a:t>	</a:t>
+            </a:r>
+            <a:r>
+              <a:rPr lang="en-US" sz="2400" b="1" dirty="0" err="1" smtClean="0">
+                <a:solidFill>
+                  <a:schemeClr val="accent3">
+                    <a:lumMod val="75000"/>
+                  </a:schemeClr>
+                </a:solidFill>
+                <a:latin typeface="Consolas" panose="020B0609020204030204" pitchFamily="49" charset="0"/>
+                <a:cs typeface="Consolas" panose="020B0609020204030204" pitchFamily="49" charset="0"/>
+              </a:rPr>
+              <a:t>OutputData</a:t>
+            </a:r>
+            <a:r>
+              <a:rPr lang="en-US" sz="2400" b="1" dirty="0" smtClean="0">
+                <a:solidFill>
+                  <a:schemeClr val="accent3">
+                    <a:lumMod val="75000"/>
+                  </a:schemeClr>
+                </a:solidFill>
+                <a:latin typeface="Consolas" panose="020B0609020204030204" pitchFamily="49" charset="0"/>
+                <a:cs typeface="Consolas" panose="020B0609020204030204" pitchFamily="49" charset="0"/>
+              </a:rPr>
+              <a:t>(“output.txt”, result);</a:t>
+            </a:r>
+            <a:endParaRPr lang="ru-RU" sz="2400" b="1" dirty="0" smtClean="0">
+              <a:solidFill>
+                <a:schemeClr val="accent3">
+                  <a:lumMod val="75000"/>
+                </a:schemeClr>
+              </a:solidFill>
+              <a:latin typeface="Consolas" panose="020B0609020204030204" pitchFamily="49" charset="0"/>
+              <a:cs typeface="Consolas" panose="020B0609020204030204" pitchFamily="49" charset="0"/>
+            </a:endParaRPr>
+          </a:p>
+        </p:txBody>
+      </p:sp>
+      <p:sp>
+        <p:nvSpPr>
+          <p:cNvPr id="4" name="Прямоугольник 3"/>
+          <p:cNvSpPr/>
+          <p:nvPr/>
+        </p:nvSpPr>
+        <p:spPr>
+          <a:xfrm>
+            <a:off x="1933541" y="5229200"/>
+            <a:ext cx="6753259" cy="646331"/>
+          </a:xfrm>
+          <a:prstGeom prst="rect">
+            <a:avLst/>
+          </a:prstGeom>
+        </p:spPr>
+        <p:txBody>
+          <a:bodyPr wrap="none">
+            <a:spAutoFit/>
+          </a:bodyPr>
+          <a:lstStyle/>
+          <a:p>
+            <a:r>
+              <a:rPr lang="ru-RU" dirty="0" smtClean="0"/>
+              <a:t>* Есть много ситуаций, когда не стоит следовать этим эвристикам. </a:t>
+            </a:r>
+            <a:br>
+              <a:rPr lang="ru-RU" dirty="0" smtClean="0"/>
+            </a:br>
+            <a:r>
+              <a:rPr lang="ru-RU" dirty="0" smtClean="0"/>
+              <a:t>К эвристикам стоит относиться как в решениям «по умолчанию».</a:t>
+            </a:r>
             <a:endParaRPr lang="en-US" dirty="0"/>
-          </a:p>
-          <a:p>
-            <a:pPr marL="0" indent="0">
-              <a:buNone/>
-            </a:pPr>
-            <a:r>
-              <a:rPr lang="ru-RU" dirty="0"/>
-              <a:t>F2 / </a:t>
-            </a:r>
-            <a:r>
-              <a:rPr lang="ru-RU" dirty="0" err="1"/>
-              <a:t>Ctrl+R+R</a:t>
-            </a:r>
-            <a:r>
-              <a:rPr lang="ru-RU" dirty="0"/>
-              <a:t> </a:t>
-            </a:r>
-            <a:r>
-              <a:rPr lang="en-US" dirty="0" smtClean="0"/>
-              <a:t> — </a:t>
-            </a:r>
-            <a:r>
-              <a:rPr lang="ru-RU" dirty="0" smtClean="0"/>
-              <a:t>переименовать</a:t>
-            </a:r>
-            <a:endParaRPr lang="ru-RU" dirty="0"/>
-          </a:p>
-          <a:p>
-            <a:pPr marL="0" indent="0">
-              <a:buNone/>
-            </a:pPr>
-            <a:r>
-              <a:rPr lang="ru-RU" dirty="0" err="1"/>
-              <a:t>Ctrl+Alt+M</a:t>
-            </a:r>
-            <a:r>
-              <a:rPr lang="ru-RU" dirty="0"/>
-              <a:t> / </a:t>
-            </a:r>
-            <a:r>
-              <a:rPr lang="ru-RU" dirty="0" err="1"/>
-              <a:t>Ctrl+R+M</a:t>
-            </a:r>
-            <a:r>
-              <a:rPr lang="ru-RU" dirty="0"/>
-              <a:t> </a:t>
-            </a:r>
-            <a:r>
-              <a:rPr lang="ru-RU" dirty="0" smtClean="0"/>
-              <a:t> — выделить метод</a:t>
-            </a:r>
-            <a:endParaRPr lang="ru-RU" dirty="0"/>
-          </a:p>
-          <a:p>
-            <a:pPr marL="0" indent="0">
-              <a:buNone/>
-            </a:pPr>
-            <a:r>
-              <a:rPr lang="ru-RU" dirty="0" err="1"/>
-              <a:t>Ctrl+Alt+V</a:t>
-            </a:r>
-            <a:r>
-              <a:rPr lang="ru-RU" dirty="0"/>
-              <a:t> / </a:t>
-            </a:r>
-            <a:r>
-              <a:rPr lang="ru-RU" dirty="0" err="1"/>
-              <a:t>Ctrl+R+V</a:t>
-            </a:r>
-            <a:r>
-              <a:rPr lang="ru-RU" dirty="0"/>
-              <a:t> </a:t>
-            </a:r>
-            <a:r>
-              <a:rPr lang="ru-RU" dirty="0" smtClean="0"/>
-              <a:t>— выделить переменную</a:t>
-            </a:r>
-            <a:endParaRPr lang="ru-RU" dirty="0"/>
           </a:p>
         </p:txBody>
       </p:sp>
     </p:spTree>
     <p:extLst>
       <p:ext uri="{BB962C8B-B14F-4D97-AF65-F5344CB8AC3E}">
-        <p14:creationId xmlns:p14="http://schemas.microsoft.com/office/powerpoint/2010/main" val="1568486213"/>
+        <p14:creationId xmlns:p14="http://schemas.microsoft.com/office/powerpoint/2010/main" val="2986481829"/>
       </p:ext>
     </p:extLst>
   </p:cSld>
@@ -13917,303 +14758,157 @@
             <p:ph type="title"/>
           </p:nvPr>
         </p:nvSpPr>
+        <p:spPr/>
+        <p:txBody>
+          <a:bodyPr/>
+          <a:lstStyle/>
+          <a:p>
+            <a:r>
+              <a:rPr lang="ru-RU" dirty="0" smtClean="0"/>
+              <a:t>Эвристики</a:t>
+            </a:r>
+            <a:r>
+              <a:rPr lang="ru-RU" baseline="30000" dirty="0" smtClean="0"/>
+              <a:t>*</a:t>
+            </a:r>
+            <a:r>
+              <a:rPr lang="ru-RU" dirty="0" smtClean="0"/>
+              <a:t> чистого кода</a:t>
+            </a:r>
+            <a:endParaRPr lang="ru-RU" dirty="0"/>
+          </a:p>
+        </p:txBody>
+      </p:sp>
+      <p:sp>
+        <p:nvSpPr>
+          <p:cNvPr id="3" name="Объект 2"/>
+          <p:cNvSpPr>
+            <a:spLocks noGrp="1"/>
+          </p:cNvSpPr>
+          <p:nvPr>
+            <p:ph idx="1"/>
+          </p:nvPr>
+        </p:nvSpPr>
+        <p:spPr/>
+        <p:txBody>
+          <a:bodyPr/>
+          <a:lstStyle/>
+          <a:p>
+            <a:r>
+              <a:rPr lang="en-US" dirty="0" smtClean="0"/>
+              <a:t>DRY</a:t>
+            </a:r>
+            <a:r>
+              <a:rPr lang="ru-RU" dirty="0" smtClean="0"/>
+              <a:t> (</a:t>
+            </a:r>
+            <a:r>
+              <a:rPr lang="en-US" dirty="0" err="1" smtClean="0"/>
+              <a:t>DataSaver.cs</a:t>
+            </a:r>
+            <a:r>
+              <a:rPr lang="en-US" dirty="0" smtClean="0"/>
+              <a:t>)</a:t>
+            </a:r>
+          </a:p>
+          <a:p>
+            <a:r>
+              <a:rPr lang="ru-RU" dirty="0" smtClean="0"/>
+              <a:t>Прозрачный </a:t>
+            </a:r>
+            <a:r>
+              <a:rPr lang="ru-RU" dirty="0" smtClean="0"/>
+              <a:t>поток данных</a:t>
+            </a:r>
+            <a:r>
+              <a:rPr lang="en-US" dirty="0" smtClean="0"/>
+              <a:t> (</a:t>
+            </a:r>
+            <a:r>
+              <a:rPr lang="en-US" dirty="0" err="1" smtClean="0"/>
+              <a:t>PathFinder.cs</a:t>
+            </a:r>
+            <a:r>
+              <a:rPr lang="en-US" dirty="0" smtClean="0"/>
+              <a:t>)</a:t>
+            </a:r>
+            <a:endParaRPr lang="ru-RU" dirty="0" smtClean="0"/>
+          </a:p>
+          <a:p>
+            <a:r>
+              <a:rPr lang="ru-RU" dirty="0" smtClean="0"/>
+              <a:t>Адекватный уровень абстрагирования</a:t>
+            </a:r>
+            <a:r>
+              <a:rPr lang="en-US" dirty="0" smtClean="0"/>
+              <a:t/>
+            </a:r>
+            <a:br>
+              <a:rPr lang="en-US" dirty="0" smtClean="0"/>
+            </a:br>
+            <a:r>
+              <a:rPr lang="en-US" dirty="0" smtClean="0"/>
+              <a:t>(Tetris_*.</a:t>
+            </a:r>
+            <a:r>
+              <a:rPr lang="en-US" dirty="0" err="1" smtClean="0"/>
+              <a:t>cs</a:t>
+            </a:r>
+            <a:r>
+              <a:rPr lang="en-US" dirty="0" smtClean="0"/>
+              <a:t>)</a:t>
+            </a:r>
+          </a:p>
+          <a:p>
+            <a:pPr lvl="1"/>
+            <a:r>
+              <a:rPr lang="ru-RU" dirty="0" smtClean="0"/>
+              <a:t>Как следствие краткость</a:t>
+            </a:r>
+            <a:endParaRPr lang="ru-RU" dirty="0"/>
+          </a:p>
+        </p:txBody>
+      </p:sp>
+      <p:sp>
+        <p:nvSpPr>
+          <p:cNvPr id="4" name="Прямоугольник 3"/>
+          <p:cNvSpPr/>
+          <p:nvPr/>
+        </p:nvSpPr>
         <p:spPr>
           <a:xfrm>
-            <a:off x="457200" y="274638"/>
-            <a:ext cx="8229600" cy="1642194"/>
+            <a:off x="1933541" y="5229200"/>
+            <a:ext cx="6753259" cy="646331"/>
           </a:xfrm>
+          <a:prstGeom prst="rect">
+            <a:avLst/>
+          </a:prstGeom>
         </p:spPr>
         <p:txBody>
-          <a:bodyPr>
-            <a:normAutofit fontScale="90000"/>
+          <a:bodyPr wrap="none">
+            <a:spAutoFit/>
           </a:bodyPr>
           <a:lstStyle/>
           <a:p>
             <a:r>
               <a:rPr lang="ru-RU" dirty="0" smtClean="0"/>
-              <a:t>Возможности </a:t>
-            </a:r>
-            <a:r>
-              <a:rPr lang="en-US" dirty="0" smtClean="0"/>
-              <a:t>C#</a:t>
-            </a:r>
-            <a:r>
-              <a:rPr lang="ru-RU" dirty="0" smtClean="0"/>
-              <a:t>, которые позволяют сделать </a:t>
-            </a:r>
-            <a:r>
-              <a:rPr lang="en-US" dirty="0" smtClean="0"/>
-              <a:t>LINQ</a:t>
-            </a:r>
-            <a:endParaRPr lang="ru-RU" dirty="0"/>
-          </a:p>
-        </p:txBody>
-      </p:sp>
-      <p:sp>
-        <p:nvSpPr>
-          <p:cNvPr id="3" name="Объект 2"/>
-          <p:cNvSpPr>
-            <a:spLocks noGrp="1"/>
-          </p:cNvSpPr>
-          <p:nvPr>
-            <p:ph idx="1"/>
-          </p:nvPr>
-        </p:nvSpPr>
-        <p:spPr>
-          <a:xfrm>
-            <a:off x="457200" y="2060848"/>
-            <a:ext cx="8229600" cy="4065315"/>
-          </a:xfrm>
-        </p:spPr>
-        <p:txBody>
-          <a:bodyPr>
-            <a:normAutofit/>
-          </a:bodyPr>
-          <a:lstStyle/>
-          <a:p>
-            <a:pPr marL="514350" indent="-514350">
-              <a:buFont typeface="+mj-lt"/>
-              <a:buAutoNum type="arabicPeriod"/>
-            </a:pPr>
-            <a:r>
-              <a:rPr lang="en-US" dirty="0" err="1" smtClean="0"/>
-              <a:t>IEnumerable</a:t>
-            </a:r>
-            <a:r>
-              <a:rPr lang="en-US" dirty="0" smtClean="0"/>
-              <a:t>&lt;T&gt;</a:t>
-            </a:r>
-          </a:p>
-          <a:p>
-            <a:pPr marL="514350" indent="-514350">
-              <a:buFont typeface="+mj-lt"/>
-              <a:buAutoNum type="arabicPeriod"/>
-            </a:pPr>
-            <a:r>
-              <a:rPr lang="en-US" dirty="0"/>
-              <a:t>Extension methods</a:t>
-            </a:r>
-          </a:p>
-          <a:p>
-            <a:pPr marL="514350" indent="-514350">
-              <a:buFont typeface="+mj-lt"/>
-              <a:buAutoNum type="arabicPeriod"/>
-            </a:pPr>
-            <a:r>
-              <a:rPr lang="en-US" dirty="0" smtClean="0"/>
-              <a:t>yield return</a:t>
-            </a:r>
-            <a:endParaRPr lang="ru-RU" dirty="0" smtClean="0"/>
-          </a:p>
-          <a:p>
-            <a:pPr marL="514350" indent="-514350">
-              <a:buFont typeface="+mj-lt"/>
-              <a:buAutoNum type="arabicPeriod"/>
-            </a:pPr>
-            <a:r>
-              <a:rPr lang="ru-RU" dirty="0" smtClean="0"/>
-              <a:t>Лямбды</a:t>
+              <a:t>* Есть много ситуаций, когда не стоит следовать этим эвристикам. </a:t>
             </a:r>
             <a:br>
               <a:rPr lang="ru-RU" dirty="0" smtClean="0"/>
             </a:br>
             <a:r>
-              <a:rPr lang="en-US" sz="2400" dirty="0" err="1" smtClean="0">
-                <a:latin typeface="Consolas" panose="020B0609020204030204" pitchFamily="49" charset="0"/>
-                <a:cs typeface="Consolas" panose="020B0609020204030204" pitchFamily="49" charset="0"/>
-              </a:rPr>
-              <a:t>Func</a:t>
-            </a:r>
-            <a:r>
-              <a:rPr lang="en-US" sz="2400" dirty="0" smtClean="0">
-                <a:latin typeface="Consolas" panose="020B0609020204030204" pitchFamily="49" charset="0"/>
-                <a:cs typeface="Consolas" panose="020B0609020204030204" pitchFamily="49" charset="0"/>
-              </a:rPr>
-              <a:t>&lt;</a:t>
-            </a:r>
-            <a:r>
-              <a:rPr lang="en-US" sz="2400" dirty="0" err="1" smtClean="0">
-                <a:latin typeface="Consolas" panose="020B0609020204030204" pitchFamily="49" charset="0"/>
-                <a:cs typeface="Consolas" panose="020B0609020204030204" pitchFamily="49" charset="0"/>
-              </a:rPr>
-              <a:t>TArg</a:t>
-            </a:r>
-            <a:r>
-              <a:rPr lang="en-US" sz="2400" dirty="0">
-                <a:latin typeface="Consolas" panose="020B0609020204030204" pitchFamily="49" charset="0"/>
-                <a:cs typeface="Consolas" panose="020B0609020204030204" pitchFamily="49" charset="0"/>
-              </a:rPr>
-              <a:t>, </a:t>
-            </a:r>
-            <a:r>
-              <a:rPr lang="en-US" sz="2400" dirty="0" err="1">
-                <a:latin typeface="Consolas" panose="020B0609020204030204" pitchFamily="49" charset="0"/>
-                <a:cs typeface="Consolas" panose="020B0609020204030204" pitchFamily="49" charset="0"/>
-              </a:rPr>
-              <a:t>TRes</a:t>
-            </a:r>
-            <a:r>
-              <a:rPr lang="en-US" sz="2400" dirty="0">
-                <a:latin typeface="Consolas" panose="020B0609020204030204" pitchFamily="49" charset="0"/>
-                <a:cs typeface="Consolas" panose="020B0609020204030204" pitchFamily="49" charset="0"/>
-              </a:rPr>
-              <a:t>&gt; f = </a:t>
-            </a:r>
-            <a:r>
-              <a:rPr lang="ru-RU" sz="2400" dirty="0" smtClean="0">
-                <a:latin typeface="Consolas" panose="020B0609020204030204" pitchFamily="49" charset="0"/>
-                <a:cs typeface="Consolas" panose="020B0609020204030204" pitchFamily="49" charset="0"/>
-              </a:rPr>
-              <a:t/>
-            </a:r>
-            <a:br>
-              <a:rPr lang="ru-RU" sz="2400" dirty="0" smtClean="0">
-                <a:latin typeface="Consolas" panose="020B0609020204030204" pitchFamily="49" charset="0"/>
-                <a:cs typeface="Consolas" panose="020B0609020204030204" pitchFamily="49" charset="0"/>
-              </a:rPr>
-            </a:br>
-            <a:r>
-              <a:rPr lang="en-US" sz="2400" dirty="0">
-                <a:latin typeface="Consolas" panose="020B0609020204030204" pitchFamily="49" charset="0"/>
-                <a:cs typeface="Consolas" panose="020B0609020204030204" pitchFamily="49" charset="0"/>
-              </a:rPr>
-              <a:t>		(</a:t>
-            </a:r>
-            <a:r>
-              <a:rPr lang="en-US" sz="2400" dirty="0" err="1">
-                <a:latin typeface="Consolas" panose="020B0609020204030204" pitchFamily="49" charset="0"/>
-                <a:cs typeface="Consolas" panose="020B0609020204030204" pitchFamily="49" charset="0"/>
-              </a:rPr>
-              <a:t>TArg</a:t>
-            </a:r>
-            <a:r>
-              <a:rPr lang="en-US" sz="2400" dirty="0">
-                <a:latin typeface="Consolas" panose="020B0609020204030204" pitchFamily="49" charset="0"/>
-                <a:cs typeface="Consolas" panose="020B0609020204030204" pitchFamily="49" charset="0"/>
-              </a:rPr>
-              <a:t> a) =&gt; </a:t>
-            </a:r>
-            <a:r>
-              <a:rPr lang="en-US" sz="2400" dirty="0" err="1">
-                <a:latin typeface="Consolas" panose="020B0609020204030204" pitchFamily="49" charset="0"/>
-                <a:cs typeface="Consolas" panose="020B0609020204030204" pitchFamily="49" charset="0"/>
-              </a:rPr>
-              <a:t>a.GetRes</a:t>
-            </a:r>
-            <a:r>
-              <a:rPr lang="en-US" sz="2400" dirty="0" smtClean="0">
-                <a:latin typeface="Consolas" panose="020B0609020204030204" pitchFamily="49" charset="0"/>
-                <a:cs typeface="Consolas" panose="020B0609020204030204" pitchFamily="49" charset="0"/>
-              </a:rPr>
-              <a:t>();</a:t>
-            </a:r>
-            <a:r>
-              <a:rPr lang="ru-RU" sz="2400" dirty="0" smtClean="0">
-                <a:latin typeface="Consolas" panose="020B0609020204030204" pitchFamily="49" charset="0"/>
-                <a:cs typeface="Consolas" panose="020B0609020204030204" pitchFamily="49" charset="0"/>
-              </a:rPr>
-              <a:t/>
-            </a:r>
-            <a:br>
-              <a:rPr lang="ru-RU" sz="2400" dirty="0" smtClean="0">
-                <a:latin typeface="Consolas" panose="020B0609020204030204" pitchFamily="49" charset="0"/>
-                <a:cs typeface="Consolas" panose="020B0609020204030204" pitchFamily="49" charset="0"/>
-              </a:rPr>
-            </a:br>
-            <a:r>
-              <a:rPr lang="en-US" sz="2400" dirty="0" smtClean="0">
-                <a:latin typeface="Consolas" panose="020B0609020204030204" pitchFamily="49" charset="0"/>
-                <a:cs typeface="Consolas" panose="020B0609020204030204" pitchFamily="49" charset="0"/>
-              </a:rPr>
-              <a:t>Action&lt;</a:t>
-            </a:r>
-            <a:r>
-              <a:rPr lang="en-US" sz="2400" dirty="0" err="1" smtClean="0">
-                <a:latin typeface="Consolas" panose="020B0609020204030204" pitchFamily="49" charset="0"/>
-                <a:cs typeface="Consolas" panose="020B0609020204030204" pitchFamily="49" charset="0"/>
-              </a:rPr>
-              <a:t>TArg</a:t>
-            </a:r>
-            <a:r>
-              <a:rPr lang="en-US" sz="2400" dirty="0">
-                <a:latin typeface="Consolas" panose="020B0609020204030204" pitchFamily="49" charset="0"/>
-                <a:cs typeface="Consolas" panose="020B0609020204030204" pitchFamily="49" charset="0"/>
-              </a:rPr>
-              <a:t>&gt; write </a:t>
-            </a:r>
-            <a:r>
-              <a:rPr lang="en-US" sz="2400" dirty="0" smtClean="0">
-                <a:latin typeface="Consolas" panose="020B0609020204030204" pitchFamily="49" charset="0"/>
-                <a:cs typeface="Consolas" panose="020B0609020204030204" pitchFamily="49" charset="0"/>
-              </a:rPr>
-              <a:t>=</a:t>
-            </a:r>
-            <a:r>
-              <a:rPr lang="ru-RU" sz="2400" dirty="0">
-                <a:latin typeface="Consolas" panose="020B0609020204030204" pitchFamily="49" charset="0"/>
-                <a:cs typeface="Consolas" panose="020B0609020204030204" pitchFamily="49" charset="0"/>
-              </a:rPr>
-              <a:t/>
-            </a:r>
-            <a:br>
-              <a:rPr lang="ru-RU" sz="2400" dirty="0">
-                <a:latin typeface="Consolas" panose="020B0609020204030204" pitchFamily="49" charset="0"/>
-                <a:cs typeface="Consolas" panose="020B0609020204030204" pitchFamily="49" charset="0"/>
-              </a:rPr>
-            </a:br>
-            <a:r>
-              <a:rPr lang="ru-RU" sz="2400" dirty="0" smtClean="0">
-                <a:latin typeface="Consolas" panose="020B0609020204030204" pitchFamily="49" charset="0"/>
-                <a:cs typeface="Consolas" panose="020B0609020204030204" pitchFamily="49" charset="0"/>
-              </a:rPr>
-              <a:t>		</a:t>
-            </a:r>
-            <a:r>
-              <a:rPr lang="en-US" sz="2400" dirty="0" smtClean="0">
-                <a:latin typeface="Consolas" panose="020B0609020204030204" pitchFamily="49" charset="0"/>
-                <a:cs typeface="Consolas" panose="020B0609020204030204" pitchFamily="49" charset="0"/>
-              </a:rPr>
-              <a:t>a </a:t>
-            </a:r>
-            <a:r>
-              <a:rPr lang="en-US" sz="2400" dirty="0">
-                <a:latin typeface="Consolas" panose="020B0609020204030204" pitchFamily="49" charset="0"/>
-                <a:cs typeface="Consolas" panose="020B0609020204030204" pitchFamily="49" charset="0"/>
-              </a:rPr>
-              <a:t>=&gt; </a:t>
-            </a:r>
-            <a:r>
-              <a:rPr lang="en-US" sz="2400" dirty="0" err="1">
-                <a:latin typeface="Consolas" panose="020B0609020204030204" pitchFamily="49" charset="0"/>
-                <a:cs typeface="Consolas" panose="020B0609020204030204" pitchFamily="49" charset="0"/>
-              </a:rPr>
-              <a:t>Console.WriteLine</a:t>
-            </a:r>
-            <a:r>
-              <a:rPr lang="en-US" sz="2400" dirty="0">
-                <a:latin typeface="Consolas" panose="020B0609020204030204" pitchFamily="49" charset="0"/>
-                <a:cs typeface="Consolas" panose="020B0609020204030204" pitchFamily="49" charset="0"/>
-              </a:rPr>
-              <a:t>(a);</a:t>
-            </a:r>
-            <a:endParaRPr lang="ru-RU" sz="2400" dirty="0">
-              <a:latin typeface="Consolas" panose="020B0609020204030204" pitchFamily="49" charset="0"/>
-              <a:cs typeface="Consolas" panose="020B0609020204030204" pitchFamily="49" charset="0"/>
-            </a:endParaRPr>
-          </a:p>
-          <a:p>
-            <a:pPr marL="514350" indent="-514350">
-              <a:buFont typeface="+mj-lt"/>
-              <a:buAutoNum type="arabicPeriod"/>
-            </a:pPr>
-            <a:endParaRPr lang="en-US" dirty="0" smtClean="0"/>
+              <a:rPr lang="ru-RU" dirty="0" smtClean="0"/>
+              <a:t>К эвристикам стоит относиться как в решениям «по умолчанию».</a:t>
+            </a:r>
+            <a:endParaRPr lang="en-US" dirty="0"/>
           </a:p>
         </p:txBody>
       </p:sp>
     </p:spTree>
     <p:extLst>
       <p:ext uri="{BB962C8B-B14F-4D97-AF65-F5344CB8AC3E}">
-        <p14:creationId xmlns:p14="http://schemas.microsoft.com/office/powerpoint/2010/main" val="3179089145"/>
+        <p14:creationId xmlns:p14="http://schemas.microsoft.com/office/powerpoint/2010/main" val="1697251401"/>
       </p:ext>
     </p:extLst>
   </p:cSld>
@@ -14223,231 +14918,9 @@
   <p:timing>
     <p:tnLst>
       <p:par>
-        <p:cTn id="1" dur="indefinite" restart="never" nodeType="tmRoot">
-          <p:childTnLst>
-            <p:seq concurrent="1" nextAc="seek">
-              <p:cTn id="2" dur="indefinite" nodeType="mainSeq">
-                <p:childTnLst>
-                  <p:par>
-                    <p:cTn id="3" fill="hold">
-                      <p:stCondLst>
-                        <p:cond delay="indefinite"/>
-                      </p:stCondLst>
-                      <p:childTnLst>
-                        <p:par>
-                          <p:cTn id="4" fill="hold">
-                            <p:stCondLst>
-                              <p:cond delay="0"/>
-                            </p:stCondLst>
-                            <p:childTnLst>
-                              <p:par>
-                                <p:cTn id="5" presetID="1" presetClass="entr" presetSubtype="0" fill="hold" grpId="0" nodeType="clickEffect">
-                                  <p:stCondLst>
-                                    <p:cond delay="0"/>
-                                  </p:stCondLst>
-                                  <p:childTnLst>
-                                    <p:set>
-                                      <p:cBhvr>
-                                        <p:cTn id="6" dur="1" fill="hold">
-                                          <p:stCondLst>
-                                            <p:cond delay="0"/>
-                                          </p:stCondLst>
-                                        </p:cTn>
-                                        <p:tgtEl>
-                                          <p:spTgt spid="3">
-                                            <p:txEl>
-                                              <p:pRg st="0" end="0"/>
-                                            </p:txEl>
-                                          </p:spTgt>
-                                        </p:tgtEl>
-                                        <p:attrNameLst>
-                                          <p:attrName>style.visibility</p:attrName>
-                                        </p:attrNameLst>
-                                      </p:cBhvr>
-                                      <p:to>
-                                        <p:strVal val="visible"/>
-                                      </p:to>
-                                    </p:set>
-                                  </p:childTnLst>
-                                </p:cTn>
-                              </p:par>
-                            </p:childTnLst>
-                          </p:cTn>
-                        </p:par>
-                      </p:childTnLst>
-                    </p:cTn>
-                  </p:par>
-                  <p:par>
-                    <p:cTn id="7" fill="hold">
-                      <p:stCondLst>
-                        <p:cond delay="indefinite"/>
-                      </p:stCondLst>
-                      <p:childTnLst>
-                        <p:par>
-                          <p:cTn id="8" fill="hold">
-                            <p:stCondLst>
-                              <p:cond delay="0"/>
-                            </p:stCondLst>
-                            <p:childTnLst>
-                              <p:par>
-                                <p:cTn id="9" presetID="1" presetClass="entr" presetSubtype="0" fill="hold" grpId="0" nodeType="clickEffect">
-                                  <p:stCondLst>
-                                    <p:cond delay="0"/>
-                                  </p:stCondLst>
-                                  <p:childTnLst>
-                                    <p:set>
-                                      <p:cBhvr>
-                                        <p:cTn id="10" dur="1" fill="hold">
-                                          <p:stCondLst>
-                                            <p:cond delay="0"/>
-                                          </p:stCondLst>
-                                        </p:cTn>
-                                        <p:tgtEl>
-                                          <p:spTgt spid="3">
-                                            <p:txEl>
-                                              <p:pRg st="1" end="1"/>
-                                            </p:txEl>
-                                          </p:spTgt>
-                                        </p:tgtEl>
-                                        <p:attrNameLst>
-                                          <p:attrName>style.visibility</p:attrName>
-                                        </p:attrNameLst>
-                                      </p:cBhvr>
-                                      <p:to>
-                                        <p:strVal val="visible"/>
-                                      </p:to>
-                                    </p:set>
-                                  </p:childTnLst>
-                                </p:cTn>
-                              </p:par>
-                            </p:childTnLst>
-                          </p:cTn>
-                        </p:par>
-                      </p:childTnLst>
-                    </p:cTn>
-                  </p:par>
-                  <p:par>
-                    <p:cTn id="11" fill="hold">
-                      <p:stCondLst>
-                        <p:cond delay="indefinite"/>
-                      </p:stCondLst>
-                      <p:childTnLst>
-                        <p:par>
-                          <p:cTn id="12" fill="hold">
-                            <p:stCondLst>
-                              <p:cond delay="0"/>
-                            </p:stCondLst>
-                            <p:childTnLst>
-                              <p:par>
-                                <p:cTn id="13" presetID="1" presetClass="entr" presetSubtype="0" fill="hold" grpId="0" nodeType="clickEffect">
-                                  <p:stCondLst>
-                                    <p:cond delay="0"/>
-                                  </p:stCondLst>
-                                  <p:childTnLst>
-                                    <p:set>
-                                      <p:cBhvr>
-                                        <p:cTn id="14" dur="1" fill="hold">
-                                          <p:stCondLst>
-                                            <p:cond delay="0"/>
-                                          </p:stCondLst>
-                                        </p:cTn>
-                                        <p:tgtEl>
-                                          <p:spTgt spid="3">
-                                            <p:txEl>
-                                              <p:pRg st="2" end="2"/>
-                                            </p:txEl>
-                                          </p:spTgt>
-                                        </p:tgtEl>
-                                        <p:attrNameLst>
-                                          <p:attrName>style.visibility</p:attrName>
-                                        </p:attrNameLst>
-                                      </p:cBhvr>
-                                      <p:to>
-                                        <p:strVal val="visible"/>
-                                      </p:to>
-                                    </p:set>
-                                  </p:childTnLst>
-                                </p:cTn>
-                              </p:par>
-                            </p:childTnLst>
-                          </p:cTn>
-                        </p:par>
-                      </p:childTnLst>
-                    </p:cTn>
-                  </p:par>
-                  <p:par>
-                    <p:cTn id="15" fill="hold">
-                      <p:stCondLst>
-                        <p:cond delay="indefinite"/>
-                      </p:stCondLst>
-                      <p:childTnLst>
-                        <p:par>
-                          <p:cTn id="16" fill="hold">
-                            <p:stCondLst>
-                              <p:cond delay="0"/>
-                            </p:stCondLst>
-                            <p:childTnLst>
-                              <p:par>
-                                <p:cTn id="17" presetID="1" presetClass="entr" presetSubtype="0" fill="hold" grpId="0" nodeType="clickEffect">
-                                  <p:stCondLst>
-                                    <p:cond delay="0"/>
-                                  </p:stCondLst>
-                                  <p:childTnLst>
-                                    <p:set>
-                                      <p:cBhvr>
-                                        <p:cTn id="18" dur="1" fill="hold">
-                                          <p:stCondLst>
-                                            <p:cond delay="0"/>
-                                          </p:stCondLst>
-                                        </p:cTn>
-                                        <p:tgtEl>
-                                          <p:spTgt spid="3">
-                                            <p:txEl>
-                                              <p:pRg st="3" end="3"/>
-                                            </p:txEl>
-                                          </p:spTgt>
-                                        </p:tgtEl>
-                                        <p:attrNameLst>
-                                          <p:attrName>style.visibility</p:attrName>
-                                        </p:attrNameLst>
-                                      </p:cBhvr>
-                                      <p:to>
-                                        <p:strVal val="visible"/>
-                                      </p:to>
-                                    </p:set>
-                                  </p:childTnLst>
-                                </p:cTn>
-                              </p:par>
-                            </p:childTnLst>
-                          </p:cTn>
-                        </p:par>
-                      </p:childTnLst>
-                    </p:cTn>
-                  </p:par>
-                </p:childTnLst>
-              </p:cTn>
-              <p:prevCondLst>
-                <p:cond evt="onPrev" delay="0">
-                  <p:tgtEl>
-                    <p:sldTgt/>
-                  </p:tgtEl>
-                </p:cond>
-              </p:prevCondLst>
-              <p:nextCondLst>
-                <p:cond evt="onNext" delay="0">
-                  <p:tgtEl>
-                    <p:sldTgt/>
-                  </p:tgtEl>
-                </p:cond>
-              </p:nextCondLst>
-            </p:seq>
-          </p:childTnLst>
-        </p:cTn>
+        <p:cTn id="1" dur="indefinite" restart="never" nodeType="tmRoot"/>
       </p:par>
     </p:tnLst>
-    <p:bldLst>
-      <p:bldP spid="3" grpId="0" build="p"/>
-    </p:bldLst>
   </p:timing>
 </p:sld>
 </file>
@@ -14485,8 +14958,8 @@
           <a:lstStyle/>
           <a:p>
             <a:r>
-              <a:rPr lang="en-US" dirty="0" smtClean="0"/>
-              <a:t>LINQ</a:t>
+              <a:rPr lang="ru-RU" dirty="0" smtClean="0"/>
+              <a:t>Задача (30 минут)</a:t>
             </a:r>
             <a:endParaRPr lang="ru-RU" dirty="0"/>
           </a:p>
@@ -14504,133 +14977,116 @@
         </p:nvSpPr>
         <p:spPr/>
         <p:txBody>
-          <a:bodyPr>
-            <a:normAutofit/>
-          </a:bodyPr>
+          <a:bodyPr/>
           <a:lstStyle/>
           <a:p>
             <a:pPr marL="0" indent="0">
               <a:buNone/>
             </a:pPr>
             <a:r>
-              <a:rPr lang="en-US" sz="2400" dirty="0" err="1" smtClean="0">
-                <a:latin typeface="Consolas" panose="020B0609020204030204" pitchFamily="49" charset="0"/>
-                <a:cs typeface="Consolas" panose="020B0609020204030204" pitchFamily="49" charset="0"/>
-              </a:rPr>
-              <a:t>IEnumerable</a:t>
-            </a:r>
-            <a:r>
-              <a:rPr lang="en-US" sz="2400" dirty="0" smtClean="0">
-                <a:latin typeface="Consolas" panose="020B0609020204030204" pitchFamily="49" charset="0"/>
-                <a:cs typeface="Consolas" panose="020B0609020204030204" pitchFamily="49" charset="0"/>
-              </a:rPr>
-              <a:t>&lt;T&gt;</a:t>
-            </a:r>
-            <a:r>
-              <a:rPr lang="en-US" sz="2400" dirty="0"/>
-              <a:t> — </a:t>
-            </a:r>
-            <a:r>
-              <a:rPr lang="ru-RU" sz="2400" dirty="0"/>
-              <a:t>то, что можно перечислить</a:t>
-            </a:r>
-            <a:r>
-              <a:rPr lang="ru-RU" sz="2400" dirty="0" smtClean="0"/>
-              <a:t>.</a:t>
-            </a:r>
+              <a:rPr lang="en-US" dirty="0" err="1" smtClean="0"/>
+              <a:t>CleanCode</a:t>
+            </a:r>
+            <a:r>
+              <a:rPr lang="en-US" dirty="0" smtClean="0"/>
+              <a:t>/</a:t>
+            </a:r>
+            <a:r>
+              <a:rPr lang="en-US" dirty="0" err="1" smtClean="0"/>
+              <a:t>Chess.cs</a:t>
+            </a:r>
+            <a:endParaRPr lang="en-US" dirty="0" smtClean="0"/>
           </a:p>
           <a:p>
             <a:pPr marL="0" indent="0">
               <a:buNone/>
             </a:pPr>
-            <a:r>
-              <a:rPr lang="ru-RU" sz="2400" dirty="0">
-                <a:latin typeface="Consolas" panose="020B0609020204030204" pitchFamily="49" charset="0"/>
-                <a:cs typeface="Consolas" panose="020B0609020204030204" pitchFamily="49" charset="0"/>
-              </a:rPr>
-              <a:t>	</a:t>
-            </a:r>
-            <a:r>
-              <a:rPr lang="en-US" sz="2400" dirty="0" smtClean="0">
-                <a:latin typeface="Consolas" panose="020B0609020204030204" pitchFamily="49" charset="0"/>
-                <a:cs typeface="Consolas" panose="020B0609020204030204" pitchFamily="49" charset="0"/>
-              </a:rPr>
-              <a:t>T[], List&lt;T&gt;, </a:t>
-            </a:r>
-            <a:r>
-              <a:rPr lang="en-US" sz="2400" dirty="0" err="1" smtClean="0">
-                <a:latin typeface="Consolas" panose="020B0609020204030204" pitchFamily="49" charset="0"/>
-                <a:cs typeface="Consolas" panose="020B0609020204030204" pitchFamily="49" charset="0"/>
-              </a:rPr>
-              <a:t>HashSet</a:t>
-            </a:r>
-            <a:r>
-              <a:rPr lang="en-US" sz="2400" dirty="0" smtClean="0">
-                <a:latin typeface="Consolas" panose="020B0609020204030204" pitchFamily="49" charset="0"/>
-                <a:cs typeface="Consolas" panose="020B0609020204030204" pitchFamily="49" charset="0"/>
-              </a:rPr>
-              <a:t>&lt;T&gt;, …</a:t>
-            </a:r>
+            <a:endParaRPr lang="en-US" dirty="0"/>
           </a:p>
           <a:p>
             <a:pPr marL="0" indent="0">
               <a:buNone/>
             </a:pPr>
-            <a:endParaRPr lang="ru-RU" sz="2400" dirty="0">
-              <a:latin typeface="Consolas" panose="020B0609020204030204" pitchFamily="49" charset="0"/>
-              <a:cs typeface="Consolas" panose="020B0609020204030204" pitchFamily="49" charset="0"/>
-            </a:endParaRPr>
+            <a:r>
+              <a:rPr lang="ru-RU" dirty="0"/>
+              <a:t>F2 / </a:t>
+            </a:r>
+            <a:r>
+              <a:rPr lang="ru-RU" dirty="0" err="1"/>
+              <a:t>Ctrl+R+R</a:t>
+            </a:r>
+            <a:r>
+              <a:rPr lang="ru-RU" dirty="0"/>
+              <a:t> </a:t>
+            </a:r>
+            <a:r>
+              <a:rPr lang="en-US" dirty="0" smtClean="0"/>
+              <a:t> — </a:t>
+            </a:r>
+            <a:r>
+              <a:rPr lang="ru-RU" dirty="0" smtClean="0"/>
+              <a:t>переименовать</a:t>
+            </a:r>
+            <a:endParaRPr lang="ru-RU" dirty="0"/>
           </a:p>
           <a:p>
             <a:pPr marL="0" indent="0">
               <a:buNone/>
             </a:pPr>
             <a:r>
-              <a:rPr lang="ru-RU" sz="2400" dirty="0"/>
-              <a:t>Для </a:t>
-            </a:r>
-            <a:r>
-              <a:rPr lang="en-US" sz="2400" dirty="0" err="1">
-                <a:latin typeface="Consolas" panose="020B0609020204030204" pitchFamily="49" charset="0"/>
-                <a:cs typeface="Consolas" panose="020B0609020204030204" pitchFamily="49" charset="0"/>
-              </a:rPr>
-              <a:t>IEnumerable</a:t>
-            </a:r>
-            <a:r>
-              <a:rPr lang="en-US" sz="2400" dirty="0">
-                <a:latin typeface="Consolas" panose="020B0609020204030204" pitchFamily="49" charset="0"/>
-                <a:cs typeface="Consolas" panose="020B0609020204030204" pitchFamily="49" charset="0"/>
-              </a:rPr>
-              <a:t>&lt;T&gt;</a:t>
-            </a:r>
-            <a:r>
-              <a:rPr lang="en-US" sz="2400" dirty="0"/>
+              <a:rPr lang="ru-RU" dirty="0" err="1"/>
+              <a:t>Ctrl+Alt+M</a:t>
+            </a:r>
+            <a:r>
+              <a:rPr lang="ru-RU" dirty="0"/>
+              <a:t> / </a:t>
+            </a:r>
+            <a:r>
+              <a:rPr lang="ru-RU" dirty="0" err="1"/>
+              <a:t>Ctrl+R+M</a:t>
+            </a:r>
+            <a:r>
+              <a:rPr lang="ru-RU" dirty="0"/>
               <a:t> </a:t>
             </a:r>
             <a:r>
-              <a:rPr lang="ru-RU" sz="2400" dirty="0" smtClean="0"/>
-              <a:t>есть несколько полезных </a:t>
-            </a:r>
-            <a:r>
-              <a:rPr lang="ru-RU" sz="2400" dirty="0" smtClean="0"/>
-              <a:t>методов расширения, активно использующих </a:t>
-            </a:r>
-            <a:r>
-              <a:rPr lang="en-US" sz="2400" dirty="0" smtClean="0"/>
-              <a:t>yield return</a:t>
-            </a:r>
-            <a:r>
-              <a:rPr lang="ru-RU" sz="2400" dirty="0" smtClean="0"/>
-              <a:t> и лямбды</a:t>
-            </a:r>
-            <a:endParaRPr lang="ru-RU" sz="2400" dirty="0"/>
+              <a:rPr lang="ru-RU" dirty="0" smtClean="0"/>
+              <a:t> — выделить метод</a:t>
+            </a:r>
+            <a:endParaRPr lang="ru-RU" dirty="0"/>
+          </a:p>
+          <a:p>
+            <a:pPr marL="0" indent="0">
+              <a:buNone/>
+            </a:pPr>
+            <a:r>
+              <a:rPr lang="ru-RU" dirty="0" err="1"/>
+              <a:t>Ctrl+Alt+V</a:t>
+            </a:r>
+            <a:r>
+              <a:rPr lang="ru-RU" dirty="0"/>
+              <a:t> / </a:t>
+            </a:r>
+            <a:r>
+              <a:rPr lang="ru-RU" dirty="0" err="1"/>
+              <a:t>Ctrl+R+V</a:t>
+            </a:r>
+            <a:r>
+              <a:rPr lang="ru-RU" dirty="0"/>
+              <a:t> </a:t>
+            </a:r>
+            <a:r>
+              <a:rPr lang="ru-RU" dirty="0" smtClean="0"/>
+              <a:t>— выделить переменную</a:t>
+            </a:r>
+            <a:endParaRPr lang="ru-RU" dirty="0"/>
           </a:p>
         </p:txBody>
       </p:sp>
     </p:spTree>
     <p:extLst>
       <p:ext uri="{BB962C8B-B14F-4D97-AF65-F5344CB8AC3E}">
-        <p14:creationId xmlns:p14="http://schemas.microsoft.com/office/powerpoint/2010/main" val="2816760376"/>
+        <p14:creationId xmlns:p14="http://schemas.microsoft.com/office/powerpoint/2010/main" val="1568486213"/>
       </p:ext>
     </p:extLst>
   </p:cSld>

--- a/1-CodeQuality/quality-slides.pptx
+++ b/1-CodeQuality/quality-slides.pptx
@@ -266,7 +266,7 @@
           <a:p>
             <a:fld id="{16E5F246-0B7D-44DF-8C1B-EDFCA5DA626A}" type="datetimeFigureOut">
               <a:rPr lang="ru-RU" smtClean="0"/>
-              <a:t>22.10.2015</a:t>
+              <a:t>23.10.2015</a:t>
             </a:fld>
             <a:endParaRPr lang="ru-RU"/>
           </a:p>
@@ -1547,7 +1547,7 @@
           <a:p>
             <a:fld id="{ED7A5A9E-355E-4F5A-82F5-195339D13266}" type="datetimeFigureOut">
               <a:rPr lang="ru-RU" smtClean="0"/>
-              <a:t>22.10.2015</a:t>
+              <a:t>23.10.2015</a:t>
             </a:fld>
             <a:endParaRPr lang="ru-RU"/>
           </a:p>
@@ -1717,7 +1717,7 @@
           <a:p>
             <a:fld id="{ED7A5A9E-355E-4F5A-82F5-195339D13266}" type="datetimeFigureOut">
               <a:rPr lang="ru-RU" smtClean="0"/>
-              <a:t>22.10.2015</a:t>
+              <a:t>23.10.2015</a:t>
             </a:fld>
             <a:endParaRPr lang="ru-RU"/>
           </a:p>
@@ -1897,7 +1897,7 @@
           <a:p>
             <a:fld id="{ED7A5A9E-355E-4F5A-82F5-195339D13266}" type="datetimeFigureOut">
               <a:rPr lang="ru-RU" smtClean="0"/>
-              <a:t>22.10.2015</a:t>
+              <a:t>23.10.2015</a:t>
             </a:fld>
             <a:endParaRPr lang="ru-RU"/>
           </a:p>
@@ -2067,7 +2067,7 @@
           <a:p>
             <a:fld id="{ED7A5A9E-355E-4F5A-82F5-195339D13266}" type="datetimeFigureOut">
               <a:rPr lang="ru-RU" smtClean="0"/>
-              <a:t>22.10.2015</a:t>
+              <a:t>23.10.2015</a:t>
             </a:fld>
             <a:endParaRPr lang="ru-RU"/>
           </a:p>
@@ -2313,7 +2313,7 @@
           <a:p>
             <a:fld id="{ED7A5A9E-355E-4F5A-82F5-195339D13266}" type="datetimeFigureOut">
               <a:rPr lang="ru-RU" smtClean="0"/>
-              <a:t>22.10.2015</a:t>
+              <a:t>23.10.2015</a:t>
             </a:fld>
             <a:endParaRPr lang="ru-RU"/>
           </a:p>
@@ -2601,7 +2601,7 @@
           <a:p>
             <a:fld id="{ED7A5A9E-355E-4F5A-82F5-195339D13266}" type="datetimeFigureOut">
               <a:rPr lang="ru-RU" smtClean="0"/>
-              <a:t>22.10.2015</a:t>
+              <a:t>23.10.2015</a:t>
             </a:fld>
             <a:endParaRPr lang="ru-RU"/>
           </a:p>
@@ -3023,7 +3023,7 @@
           <a:p>
             <a:fld id="{ED7A5A9E-355E-4F5A-82F5-195339D13266}" type="datetimeFigureOut">
               <a:rPr lang="ru-RU" smtClean="0"/>
-              <a:t>22.10.2015</a:t>
+              <a:t>23.10.2015</a:t>
             </a:fld>
             <a:endParaRPr lang="ru-RU"/>
           </a:p>
@@ -3141,7 +3141,7 @@
           <a:p>
             <a:fld id="{ED7A5A9E-355E-4F5A-82F5-195339D13266}" type="datetimeFigureOut">
               <a:rPr lang="ru-RU" smtClean="0"/>
-              <a:t>22.10.2015</a:t>
+              <a:t>23.10.2015</a:t>
             </a:fld>
             <a:endParaRPr lang="ru-RU"/>
           </a:p>
@@ -3236,7 +3236,7 @@
           <a:p>
             <a:fld id="{ED7A5A9E-355E-4F5A-82F5-195339D13266}" type="datetimeFigureOut">
               <a:rPr lang="ru-RU" smtClean="0"/>
-              <a:t>22.10.2015</a:t>
+              <a:t>23.10.2015</a:t>
             </a:fld>
             <a:endParaRPr lang="ru-RU"/>
           </a:p>
@@ -3513,7 +3513,7 @@
           <a:p>
             <a:fld id="{ED7A5A9E-355E-4F5A-82F5-195339D13266}" type="datetimeFigureOut">
               <a:rPr lang="ru-RU" smtClean="0"/>
-              <a:t>22.10.2015</a:t>
+              <a:t>23.10.2015</a:t>
             </a:fld>
             <a:endParaRPr lang="ru-RU"/>
           </a:p>
@@ -3766,7 +3766,7 @@
           <a:p>
             <a:fld id="{ED7A5A9E-355E-4F5A-82F5-195339D13266}" type="datetimeFigureOut">
               <a:rPr lang="ru-RU" smtClean="0"/>
-              <a:t>22.10.2015</a:t>
+              <a:t>23.10.2015</a:t>
             </a:fld>
             <a:endParaRPr lang="ru-RU"/>
           </a:p>
@@ -3979,7 +3979,7 @@
           <a:p>
             <a:fld id="{ED7A5A9E-355E-4F5A-82F5-195339D13266}" type="datetimeFigureOut">
               <a:rPr lang="ru-RU" smtClean="0"/>
-              <a:t>22.10.2015</a:t>
+              <a:t>23.10.2015</a:t>
             </a:fld>
             <a:endParaRPr lang="ru-RU"/>
           </a:p>
@@ -4407,7 +4407,7 @@
         </p:nvSpPr>
         <p:spPr>
           <a:xfrm>
-            <a:off x="685800" y="3933056"/>
+            <a:off x="685800" y="3039095"/>
             <a:ext cx="7772400" cy="1470025"/>
           </a:xfrm>
         </p:spPr>
@@ -4422,6 +4422,57 @@
               <a:t>Clean Code</a:t>
             </a:r>
             <a:endParaRPr lang="ru-RU" sz="8000" b="1" dirty="0"/>
+          </a:p>
+        </p:txBody>
+      </p:sp>
+      <p:sp>
+        <p:nvSpPr>
+          <p:cNvPr id="3" name="Подзаголовок 2"/>
+          <p:cNvSpPr>
+            <a:spLocks noGrp="1"/>
+          </p:cNvSpPr>
+          <p:nvPr>
+            <p:ph type="subTitle" idx="1"/>
+          </p:nvPr>
+        </p:nvSpPr>
+        <p:spPr>
+          <a:xfrm>
+            <a:off x="1371600" y="4772744"/>
+            <a:ext cx="6400800" cy="1752600"/>
+          </a:xfrm>
+        </p:spPr>
+        <p:txBody>
+          <a:bodyPr/>
+          <a:lstStyle/>
+          <a:p>
+            <a:r>
+              <a:rPr lang="ru-RU" dirty="0" smtClean="0"/>
+              <a:t>Павел Егоров</a:t>
+            </a:r>
+          </a:p>
+          <a:p>
+            <a:r>
+              <a:rPr lang="en-US" dirty="0" smtClean="0">
+                <a:hlinkClick r:id="rId4"/>
+              </a:rPr>
+              <a:t>pe@kontur.ru</a:t>
+            </a:r>
+            <a:r>
+              <a:rPr lang="en-US" dirty="0" smtClean="0"/>
+              <a:t/>
+            </a:r>
+            <a:br>
+              <a:rPr lang="en-US" dirty="0" smtClean="0"/>
+            </a:br>
+            <a:r>
+              <a:rPr lang="en-US" dirty="0" smtClean="0"/>
+              <a:t>@</a:t>
+            </a:r>
+            <a:r>
+              <a:rPr lang="en-US" dirty="0" err="1" smtClean="0"/>
+              <a:t>xoposhiy</a:t>
+            </a:r>
+            <a:endParaRPr lang="ru-RU" dirty="0"/>
           </a:p>
         </p:txBody>
       </p:sp>
@@ -5233,11 +5284,7 @@
             </a:r>
             <a:r>
               <a:rPr lang="ru-RU" sz="2400" dirty="0" smtClean="0"/>
-              <a:t> и </a:t>
-            </a:r>
-            <a:r>
-              <a:rPr lang="ru-RU" sz="2400" dirty="0" smtClean="0"/>
-              <a:t>лямбды</a:t>
+              <a:t> и лямбды</a:t>
             </a:r>
           </a:p>
           <a:p>
@@ -13319,7 +13366,7 @@
           <a:graphicData uri="http://schemas.openxmlformats.org/presentationml/2006/ole">
             <mc:AlternateContent xmlns:mc="http://schemas.openxmlformats.org/markup-compatibility/2006">
               <mc:Choice xmlns:v="urn:schemas-microsoft-com:vml" Requires="v">
-                <p:oleObj spid="_x0000_s3104" name="VISIO" r:id="rId4" imgW="2544803" imgH="251238" progId="Visio.Drawing.5">
+                <p:oleObj spid="_x0000_s3106" name="VISIO" r:id="rId4" imgW="2544803" imgH="251238" progId="Visio.Drawing.5">
                   <p:embed/>
                 </p:oleObj>
               </mc:Choice>
@@ -14065,11 +14112,7 @@
           <a:p>
             <a:r>
               <a:rPr lang="ru-RU" dirty="0" smtClean="0"/>
-              <a:t>Прозрачный </a:t>
-            </a:r>
-            <a:r>
-              <a:rPr lang="ru-RU" dirty="0" smtClean="0"/>
-              <a:t>поток данных</a:t>
+              <a:t>Прозрачный поток данных</a:t>
             </a:r>
             <a:r>
               <a:rPr lang="en-US" dirty="0" smtClean="0"/>
@@ -14493,11 +14536,7 @@
           <a:p>
             <a:r>
               <a:rPr lang="ru-RU" dirty="0" smtClean="0"/>
-              <a:t>Прозрачный </a:t>
-            </a:r>
-            <a:r>
-              <a:rPr lang="ru-RU" dirty="0" smtClean="0"/>
-              <a:t>поток данных</a:t>
+              <a:t>Прозрачный поток данных</a:t>
             </a:r>
             <a:r>
               <a:rPr lang="en-US" dirty="0" smtClean="0"/>
@@ -14814,11 +14853,7 @@
           <a:p>
             <a:r>
               <a:rPr lang="ru-RU" dirty="0" smtClean="0"/>
-              <a:t>Прозрачный </a:t>
-            </a:r>
-            <a:r>
-              <a:rPr lang="ru-RU" dirty="0" smtClean="0"/>
-              <a:t>поток данных</a:t>
+              <a:t>Прозрачный поток данных</a:t>
             </a:r>
             <a:r>
               <a:rPr lang="en-US" dirty="0" smtClean="0"/>
